--- a/ArtisticBaby.pptx
+++ b/ArtisticBaby.pptx
@@ -7,6 +7,7 @@
   <p:sldIdLst>
     <p:sldId id="256" r:id="rId2"/>
     <p:sldId id="257" r:id="rId3"/>
+    <p:sldId id="258" r:id="rId4"/>
   </p:sldIdLst>
   <p:sldSz cx="9144000" cy="6858000" type="screen4x3"/>
   <p:notesSz cx="6858000" cy="9144000"/>
@@ -289,7 +290,8 @@
           <a:p>
             <a:fld id="{0473D8EE-FE78-FA4E-9A10-DD6752EB4FB1}" type="datetimeFigureOut">
               <a:rPr lang="en-US" smtClean="0"/>
-              <a:t>11/20/14</a:t>
+              <a:pPr/>
+              <a:t>11/21/14</a:t>
             </a:fld>
             <a:endParaRPr lang="en-US"/>
           </a:p>
@@ -331,6 +333,7 @@
           <a:p>
             <a:fld id="{948ADABF-E6CC-3048-B3B0-F3C2C1BE2DEE}" type="slidenum">
               <a:rPr lang="en-US" smtClean="0"/>
+              <a:pPr/>
               <a:t>‹#›</a:t>
             </a:fld>
             <a:endParaRPr lang="en-US"/>
@@ -454,7 +457,8 @@
           <a:p>
             <a:fld id="{0473D8EE-FE78-FA4E-9A10-DD6752EB4FB1}" type="datetimeFigureOut">
               <a:rPr lang="en-US" smtClean="0"/>
-              <a:t>11/20/14</a:t>
+              <a:pPr/>
+              <a:t>11/21/14</a:t>
             </a:fld>
             <a:endParaRPr lang="en-US"/>
           </a:p>
@@ -496,6 +500,7 @@
           <a:p>
             <a:fld id="{948ADABF-E6CC-3048-B3B0-F3C2C1BE2DEE}" type="slidenum">
               <a:rPr lang="en-US" smtClean="0"/>
+              <a:pPr/>
               <a:t>‹#›</a:t>
             </a:fld>
             <a:endParaRPr lang="en-US"/>
@@ -629,7 +634,8 @@
           <a:p>
             <a:fld id="{0473D8EE-FE78-FA4E-9A10-DD6752EB4FB1}" type="datetimeFigureOut">
               <a:rPr lang="en-US" smtClean="0"/>
-              <a:t>11/20/14</a:t>
+              <a:pPr/>
+              <a:t>11/21/14</a:t>
             </a:fld>
             <a:endParaRPr lang="en-US"/>
           </a:p>
@@ -671,6 +677,7 @@
           <a:p>
             <a:fld id="{948ADABF-E6CC-3048-B3B0-F3C2C1BE2DEE}" type="slidenum">
               <a:rPr lang="en-US" smtClean="0"/>
+              <a:pPr/>
               <a:t>‹#›</a:t>
             </a:fld>
             <a:endParaRPr lang="en-US"/>
@@ -794,7 +801,8 @@
           <a:p>
             <a:fld id="{0473D8EE-FE78-FA4E-9A10-DD6752EB4FB1}" type="datetimeFigureOut">
               <a:rPr lang="en-US" smtClean="0"/>
-              <a:t>11/20/14</a:t>
+              <a:pPr/>
+              <a:t>11/21/14</a:t>
             </a:fld>
             <a:endParaRPr lang="en-US"/>
           </a:p>
@@ -836,6 +844,7 @@
           <a:p>
             <a:fld id="{948ADABF-E6CC-3048-B3B0-F3C2C1BE2DEE}" type="slidenum">
               <a:rPr lang="en-US" smtClean="0"/>
+              <a:pPr/>
               <a:t>‹#›</a:t>
             </a:fld>
             <a:endParaRPr lang="en-US"/>
@@ -1035,7 +1044,8 @@
           <a:p>
             <a:fld id="{0473D8EE-FE78-FA4E-9A10-DD6752EB4FB1}" type="datetimeFigureOut">
               <a:rPr lang="en-US" smtClean="0"/>
-              <a:t>11/20/14</a:t>
+              <a:pPr/>
+              <a:t>11/21/14</a:t>
             </a:fld>
             <a:endParaRPr lang="en-US"/>
           </a:p>
@@ -1077,6 +1087,7 @@
           <a:p>
             <a:fld id="{948ADABF-E6CC-3048-B3B0-F3C2C1BE2DEE}" type="slidenum">
               <a:rPr lang="en-US" smtClean="0"/>
+              <a:pPr/>
               <a:t>‹#›</a:t>
             </a:fld>
             <a:endParaRPr lang="en-US"/>
@@ -1318,7 +1329,8 @@
           <a:p>
             <a:fld id="{0473D8EE-FE78-FA4E-9A10-DD6752EB4FB1}" type="datetimeFigureOut">
               <a:rPr lang="en-US" smtClean="0"/>
-              <a:t>11/20/14</a:t>
+              <a:pPr/>
+              <a:t>11/21/14</a:t>
             </a:fld>
             <a:endParaRPr lang="en-US"/>
           </a:p>
@@ -1360,6 +1372,7 @@
           <a:p>
             <a:fld id="{948ADABF-E6CC-3048-B3B0-F3C2C1BE2DEE}" type="slidenum">
               <a:rPr lang="en-US" smtClean="0"/>
+              <a:pPr/>
               <a:t>‹#›</a:t>
             </a:fld>
             <a:endParaRPr lang="en-US"/>
@@ -1735,7 +1748,8 @@
           <a:p>
             <a:fld id="{0473D8EE-FE78-FA4E-9A10-DD6752EB4FB1}" type="datetimeFigureOut">
               <a:rPr lang="en-US" smtClean="0"/>
-              <a:t>11/20/14</a:t>
+              <a:pPr/>
+              <a:t>11/21/14</a:t>
             </a:fld>
             <a:endParaRPr lang="en-US"/>
           </a:p>
@@ -1777,6 +1791,7 @@
           <a:p>
             <a:fld id="{948ADABF-E6CC-3048-B3B0-F3C2C1BE2DEE}" type="slidenum">
               <a:rPr lang="en-US" smtClean="0"/>
+              <a:pPr/>
               <a:t>‹#›</a:t>
             </a:fld>
             <a:endParaRPr lang="en-US"/>
@@ -1848,7 +1863,8 @@
           <a:p>
             <a:fld id="{0473D8EE-FE78-FA4E-9A10-DD6752EB4FB1}" type="datetimeFigureOut">
               <a:rPr lang="en-US" smtClean="0"/>
-              <a:t>11/20/14</a:t>
+              <a:pPr/>
+              <a:t>11/21/14</a:t>
             </a:fld>
             <a:endParaRPr lang="en-US"/>
           </a:p>
@@ -1890,6 +1906,7 @@
           <a:p>
             <a:fld id="{948ADABF-E6CC-3048-B3B0-F3C2C1BE2DEE}" type="slidenum">
               <a:rPr lang="en-US" smtClean="0"/>
+              <a:pPr/>
               <a:t>‹#›</a:t>
             </a:fld>
             <a:endParaRPr lang="en-US"/>
@@ -1938,7 +1955,8 @@
           <a:p>
             <a:fld id="{0473D8EE-FE78-FA4E-9A10-DD6752EB4FB1}" type="datetimeFigureOut">
               <a:rPr lang="en-US" smtClean="0"/>
-              <a:t>11/20/14</a:t>
+              <a:pPr/>
+              <a:t>11/21/14</a:t>
             </a:fld>
             <a:endParaRPr lang="en-US"/>
           </a:p>
@@ -1980,6 +1998,7 @@
           <a:p>
             <a:fld id="{948ADABF-E6CC-3048-B3B0-F3C2C1BE2DEE}" type="slidenum">
               <a:rPr lang="en-US" smtClean="0"/>
+              <a:pPr/>
               <a:t>‹#›</a:t>
             </a:fld>
             <a:endParaRPr lang="en-US"/>
@@ -2210,7 +2229,8 @@
           <a:p>
             <a:fld id="{0473D8EE-FE78-FA4E-9A10-DD6752EB4FB1}" type="datetimeFigureOut">
               <a:rPr lang="en-US" smtClean="0"/>
-              <a:t>11/20/14</a:t>
+              <a:pPr/>
+              <a:t>11/21/14</a:t>
             </a:fld>
             <a:endParaRPr lang="en-US"/>
           </a:p>
@@ -2252,6 +2272,7 @@
           <a:p>
             <a:fld id="{948ADABF-E6CC-3048-B3B0-F3C2C1BE2DEE}" type="slidenum">
               <a:rPr lang="en-US" smtClean="0"/>
+              <a:pPr/>
               <a:t>‹#›</a:t>
             </a:fld>
             <a:endParaRPr lang="en-US"/>
@@ -2458,7 +2479,8 @@
           <a:p>
             <a:fld id="{0473D8EE-FE78-FA4E-9A10-DD6752EB4FB1}" type="datetimeFigureOut">
               <a:rPr lang="en-US" smtClean="0"/>
-              <a:t>11/20/14</a:t>
+              <a:pPr/>
+              <a:t>11/21/14</a:t>
             </a:fld>
             <a:endParaRPr lang="en-US"/>
           </a:p>
@@ -2500,6 +2522,7 @@
           <a:p>
             <a:fld id="{948ADABF-E6CC-3048-B3B0-F3C2C1BE2DEE}" type="slidenum">
               <a:rPr lang="en-US" smtClean="0"/>
+              <a:pPr/>
               <a:t>‹#›</a:t>
             </a:fld>
             <a:endParaRPr lang="en-US"/>
@@ -2666,7 +2689,8 @@
           <a:p>
             <a:fld id="{0473D8EE-FE78-FA4E-9A10-DD6752EB4FB1}" type="datetimeFigureOut">
               <a:rPr lang="en-US" smtClean="0"/>
-              <a:t>11/20/14</a:t>
+              <a:pPr/>
+              <a:t>11/21/14</a:t>
             </a:fld>
             <a:endParaRPr lang="en-US"/>
           </a:p>
@@ -2744,6 +2768,7 @@
           <a:p>
             <a:fld id="{948ADABF-E6CC-3048-B3B0-F3C2C1BE2DEE}" type="slidenum">
               <a:rPr lang="en-US" smtClean="0"/>
+              <a:pPr/>
               <a:t>‹#›</a:t>
             </a:fld>
             <a:endParaRPr lang="en-US"/>
@@ -3056,25 +3081,6 @@
               <a:t>ArtisticBaby</a:t>
             </a:r>
             <a:endParaRPr lang="en-US" dirty="0"/>
-          </a:p>
-        </p:txBody>
-      </p:sp>
-      <p:sp>
-        <p:nvSpPr>
-          <p:cNvPr id="3" name="Subtitle 2"/>
-          <p:cNvSpPr>
-            <a:spLocks noGrp="1"/>
-          </p:cNvSpPr>
-          <p:nvPr>
-            <p:ph type="subTitle" idx="1"/>
-          </p:nvPr>
-        </p:nvSpPr>
-        <p:spPr/>
-        <p:txBody>
-          <a:bodyPr/>
-          <a:lstStyle/>
-          <a:p>
-            <a:endParaRPr lang="en-US"/>
           </a:p>
         </p:txBody>
       </p:sp>
@@ -3434,452 +3440,6 @@
       </p:grpSp>
       <p:grpSp>
         <p:nvGrpSpPr>
-          <p:cNvPr id="76" name="Group 75"/>
-          <p:cNvGrpSpPr/>
-          <p:nvPr/>
-        </p:nvGrpSpPr>
-        <p:grpSpPr>
-          <a:xfrm>
-            <a:off x="6085798" y="446704"/>
-            <a:ext cx="1702398" cy="2975874"/>
-            <a:chOff x="6085798" y="446704"/>
-            <a:chExt cx="1702398" cy="2975874"/>
-          </a:xfrm>
-        </p:grpSpPr>
-        <p:sp>
-          <p:nvSpPr>
-            <p:cNvPr id="29" name="Rectangle 28"/>
-            <p:cNvSpPr/>
-            <p:nvPr/>
-          </p:nvSpPr>
-          <p:spPr>
-            <a:xfrm>
-              <a:off x="6085798" y="449213"/>
-              <a:ext cx="1702398" cy="2972570"/>
-            </a:xfrm>
-            <a:prstGeom prst="rect">
-              <a:avLst/>
-            </a:prstGeom>
-            <a:noFill/>
-            <a:ln>
-              <a:solidFill>
-                <a:schemeClr val="tx1"/>
-              </a:solidFill>
-            </a:ln>
-            <a:effectLst/>
-          </p:spPr>
-          <p:style>
-            <a:lnRef idx="1">
-              <a:schemeClr val="accent1"/>
-            </a:lnRef>
-            <a:fillRef idx="3">
-              <a:schemeClr val="accent1"/>
-            </a:fillRef>
-            <a:effectRef idx="2">
-              <a:schemeClr val="accent1"/>
-            </a:effectRef>
-            <a:fontRef idx="minor">
-              <a:schemeClr val="lt1"/>
-            </a:fontRef>
-          </p:style>
-        </p:sp>
-        <p:grpSp>
-          <p:nvGrpSpPr>
-            <p:cNvPr id="30" name="Group 29"/>
-            <p:cNvGrpSpPr/>
-            <p:nvPr/>
-          </p:nvGrpSpPr>
-          <p:grpSpPr>
-            <a:xfrm>
-              <a:off x="6085799" y="446704"/>
-              <a:ext cx="1702397" cy="358999"/>
-              <a:chOff x="312694" y="457200"/>
-              <a:chExt cx="1702397" cy="358999"/>
-            </a:xfrm>
-          </p:grpSpPr>
-          <p:sp>
-            <p:nvSpPr>
-              <p:cNvPr id="36" name="Rectangle 35"/>
-              <p:cNvSpPr/>
-              <p:nvPr/>
-            </p:nvSpPr>
-            <p:spPr>
-              <a:xfrm>
-                <a:off x="312694" y="457200"/>
-                <a:ext cx="1702397" cy="358999"/>
-              </a:xfrm>
-              <a:prstGeom prst="rect">
-                <a:avLst/>
-              </a:prstGeom>
-              <a:solidFill>
-                <a:schemeClr val="bg1"/>
-              </a:solidFill>
-              <a:ln>
-                <a:solidFill>
-                  <a:schemeClr val="tx1"/>
-                </a:solidFill>
-              </a:ln>
-              <a:effectLst/>
-            </p:spPr>
-            <p:style>
-              <a:lnRef idx="1">
-                <a:schemeClr val="accent1"/>
-              </a:lnRef>
-              <a:fillRef idx="3">
-                <a:schemeClr val="accent1"/>
-              </a:fillRef>
-              <a:effectRef idx="2">
-                <a:schemeClr val="accent1"/>
-              </a:effectRef>
-              <a:fontRef idx="minor">
-                <a:schemeClr val="lt1"/>
-              </a:fontRef>
-            </p:style>
-          </p:sp>
-          <p:sp>
-            <p:nvSpPr>
-              <p:cNvPr id="37" name="Rectangle 36"/>
-              <p:cNvSpPr/>
-              <p:nvPr/>
-            </p:nvSpPr>
-            <p:spPr>
-              <a:xfrm>
-                <a:off x="395200" y="530672"/>
-                <a:ext cx="203033" cy="222548"/>
-              </a:xfrm>
-              <a:prstGeom prst="rect">
-                <a:avLst/>
-              </a:prstGeom>
-              <a:noFill/>
-              <a:ln>
-                <a:solidFill>
-                  <a:schemeClr val="tx1"/>
-                </a:solidFill>
-              </a:ln>
-              <a:effectLst/>
-            </p:spPr>
-            <p:style>
-              <a:lnRef idx="1">
-                <a:schemeClr val="accent1"/>
-              </a:lnRef>
-              <a:fillRef idx="3">
-                <a:schemeClr val="accent1"/>
-              </a:fillRef>
-              <a:effectRef idx="2">
-                <a:schemeClr val="accent1"/>
-              </a:effectRef>
-              <a:fontRef idx="minor">
-                <a:schemeClr val="lt1"/>
-              </a:fontRef>
-            </p:style>
-          </p:sp>
-          <p:sp>
-            <p:nvSpPr>
-              <p:cNvPr id="38" name="Rectangle 37"/>
-              <p:cNvSpPr/>
-              <p:nvPr/>
-            </p:nvSpPr>
-            <p:spPr>
-              <a:xfrm>
-                <a:off x="1731610" y="530672"/>
-                <a:ext cx="203033" cy="222548"/>
-              </a:xfrm>
-              <a:prstGeom prst="rect">
-                <a:avLst/>
-              </a:prstGeom>
-              <a:noFill/>
-              <a:ln>
-                <a:solidFill>
-                  <a:schemeClr val="tx1"/>
-                </a:solidFill>
-              </a:ln>
-              <a:effectLst/>
-            </p:spPr>
-            <p:style>
-              <a:lnRef idx="1">
-                <a:schemeClr val="accent1"/>
-              </a:lnRef>
-              <a:fillRef idx="3">
-                <a:schemeClr val="accent1"/>
-              </a:fillRef>
-              <a:effectRef idx="2">
-                <a:schemeClr val="accent1"/>
-              </a:effectRef>
-              <a:fontRef idx="minor">
-                <a:schemeClr val="lt1"/>
-              </a:fontRef>
-            </p:style>
-          </p:sp>
-        </p:grpSp>
-        <p:grpSp>
-          <p:nvGrpSpPr>
-            <p:cNvPr id="31" name="Group 30"/>
-            <p:cNvGrpSpPr/>
-            <p:nvPr/>
-          </p:nvGrpSpPr>
-          <p:grpSpPr>
-            <a:xfrm>
-              <a:off x="6085799" y="3058539"/>
-              <a:ext cx="1702397" cy="364039"/>
-              <a:chOff x="312694" y="3058539"/>
-              <a:chExt cx="1702397" cy="364039"/>
-            </a:xfrm>
-          </p:grpSpPr>
-          <p:sp>
-            <p:nvSpPr>
-              <p:cNvPr id="32" name="Rectangle 31"/>
-              <p:cNvSpPr/>
-              <p:nvPr/>
-            </p:nvSpPr>
-            <p:spPr>
-              <a:xfrm>
-                <a:off x="312694" y="3062784"/>
-                <a:ext cx="1702397" cy="358999"/>
-              </a:xfrm>
-              <a:prstGeom prst="rect">
-                <a:avLst/>
-              </a:prstGeom>
-              <a:solidFill>
-                <a:schemeClr val="bg1"/>
-              </a:solidFill>
-              <a:ln>
-                <a:solidFill>
-                  <a:schemeClr val="tx1"/>
-                </a:solidFill>
-              </a:ln>
-              <a:effectLst/>
-            </p:spPr>
-            <p:style>
-              <a:lnRef idx="1">
-                <a:schemeClr val="accent1"/>
-              </a:lnRef>
-              <a:fillRef idx="3">
-                <a:schemeClr val="accent1"/>
-              </a:fillRef>
-              <a:effectRef idx="2">
-                <a:schemeClr val="accent1"/>
-              </a:effectRef>
-              <a:fontRef idx="minor">
-                <a:schemeClr val="lt1"/>
-              </a:fontRef>
-            </p:style>
-          </p:sp>
-          <p:cxnSp>
-            <p:nvCxnSpPr>
-              <p:cNvPr id="33" name="Straight Connector 32"/>
-              <p:cNvCxnSpPr/>
-              <p:nvPr/>
-            </p:nvCxnSpPr>
-            <p:spPr>
-              <a:xfrm rot="5400000">
-                <a:off x="1009009" y="3242284"/>
-                <a:ext cx="358999" cy="1588"/>
-              </a:xfrm>
-              <a:prstGeom prst="line">
-                <a:avLst/>
-              </a:prstGeom>
-              <a:ln w="9525">
-                <a:solidFill>
-                  <a:schemeClr val="tx1"/>
-                </a:solidFill>
-              </a:ln>
-              <a:effectLst/>
-            </p:spPr>
-            <p:style>
-              <a:lnRef idx="2">
-                <a:schemeClr val="accent1"/>
-              </a:lnRef>
-              <a:fillRef idx="0">
-                <a:schemeClr val="accent1"/>
-              </a:fillRef>
-              <a:effectRef idx="1">
-                <a:schemeClr val="accent1"/>
-              </a:effectRef>
-              <a:fontRef idx="minor">
-                <a:schemeClr val="tx1"/>
-              </a:fontRef>
-            </p:style>
-          </p:cxnSp>
-          <p:cxnSp>
-            <p:nvCxnSpPr>
-              <p:cNvPr id="34" name="Straight Connector 33"/>
-              <p:cNvCxnSpPr/>
-              <p:nvPr/>
-            </p:nvCxnSpPr>
-            <p:spPr>
-              <a:xfrm rot="5400000">
-                <a:off x="1431989" y="3237245"/>
-                <a:ext cx="358999" cy="1588"/>
-              </a:xfrm>
-              <a:prstGeom prst="line">
-                <a:avLst/>
-              </a:prstGeom>
-              <a:ln w="9525">
-                <a:solidFill>
-                  <a:schemeClr val="tx1"/>
-                </a:solidFill>
-              </a:ln>
-              <a:effectLst/>
-            </p:spPr>
-            <p:style>
-              <a:lnRef idx="2">
-                <a:schemeClr val="accent1"/>
-              </a:lnRef>
-              <a:fillRef idx="0">
-                <a:schemeClr val="accent1"/>
-              </a:fillRef>
-              <a:effectRef idx="1">
-                <a:schemeClr val="accent1"/>
-              </a:effectRef>
-              <a:fontRef idx="minor">
-                <a:schemeClr val="tx1"/>
-              </a:fontRef>
-            </p:style>
-          </p:cxnSp>
-          <p:cxnSp>
-            <p:nvCxnSpPr>
-              <p:cNvPr id="35" name="Straight Connector 34"/>
-              <p:cNvCxnSpPr/>
-              <p:nvPr/>
-            </p:nvCxnSpPr>
-            <p:spPr>
-              <a:xfrm rot="5400000">
-                <a:off x="551809" y="3242285"/>
-                <a:ext cx="358999" cy="1588"/>
-              </a:xfrm>
-              <a:prstGeom prst="line">
-                <a:avLst/>
-              </a:prstGeom>
-              <a:ln w="9525">
-                <a:solidFill>
-                  <a:schemeClr val="tx1"/>
-                </a:solidFill>
-              </a:ln>
-              <a:effectLst/>
-            </p:spPr>
-            <p:style>
-              <a:lnRef idx="2">
-                <a:schemeClr val="accent1"/>
-              </a:lnRef>
-              <a:fillRef idx="0">
-                <a:schemeClr val="accent1"/>
-              </a:fillRef>
-              <a:effectRef idx="1">
-                <a:schemeClr val="accent1"/>
-              </a:effectRef>
-              <a:fontRef idx="minor">
-                <a:schemeClr val="tx1"/>
-              </a:fontRef>
-            </p:style>
-          </p:cxnSp>
-        </p:grpSp>
-        <p:pic>
-          <p:nvPicPr>
-            <p:cNvPr id="45" name="Picture 44"/>
-            <p:cNvPicPr>
-              <a:picLocks noChangeAspect="1"/>
-            </p:cNvPicPr>
-            <p:nvPr/>
-          </p:nvPicPr>
-          <p:blipFill>
-            <a:blip r:embed="rId2"/>
-            <a:stretch>
-              <a:fillRect/>
-            </a:stretch>
-          </p:blipFill>
-          <p:spPr>
-            <a:xfrm>
-              <a:off x="7457398" y="3112349"/>
-              <a:ext cx="279808" cy="279808"/>
-            </a:xfrm>
-            <a:prstGeom prst="rect">
-              <a:avLst/>
-            </a:prstGeom>
-          </p:spPr>
-        </p:pic>
-      </p:grpSp>
-      <p:sp>
-        <p:nvSpPr>
-          <p:cNvPr id="48" name="Rounded Rectangle 47"/>
-          <p:cNvSpPr/>
-          <p:nvPr/>
-        </p:nvSpPr>
-        <p:spPr>
-          <a:xfrm>
-            <a:off x="521126" y="1093879"/>
-            <a:ext cx="1277970" cy="1660084"/>
-          </a:xfrm>
-          <a:prstGeom prst="roundRect">
-            <a:avLst>
-              <a:gd name="adj" fmla="val 8682"/>
-            </a:avLst>
-          </a:prstGeom>
-          <a:noFill/>
-          <a:ln>
-            <a:solidFill>
-              <a:schemeClr val="tx1"/>
-            </a:solidFill>
-          </a:ln>
-          <a:effectLst/>
-        </p:spPr>
-        <p:style>
-          <a:lnRef idx="1">
-            <a:schemeClr val="accent1"/>
-          </a:lnRef>
-          <a:fillRef idx="3">
-            <a:schemeClr val="accent1"/>
-          </a:fillRef>
-          <a:effectRef idx="2">
-            <a:schemeClr val="accent1"/>
-          </a:effectRef>
-          <a:fontRef idx="minor">
-            <a:schemeClr val="lt1"/>
-          </a:fontRef>
-        </p:style>
-      </p:sp>
-      <p:sp>
-        <p:nvSpPr>
-          <p:cNvPr id="49" name="Cross 48"/>
-          <p:cNvSpPr/>
-          <p:nvPr/>
-        </p:nvSpPr>
-        <p:spPr>
-          <a:xfrm>
-            <a:off x="909579" y="1660084"/>
-            <a:ext cx="511056" cy="511056"/>
-          </a:xfrm>
-          <a:prstGeom prst="plus">
-            <a:avLst>
-              <a:gd name="adj" fmla="val 36770"/>
-            </a:avLst>
-          </a:prstGeom>
-          <a:solidFill>
-            <a:schemeClr val="bg1">
-              <a:lumMod val="75000"/>
-            </a:schemeClr>
-          </a:solidFill>
-          <a:ln>
-            <a:noFill/>
-          </a:ln>
-          <a:effectLst/>
-        </p:spPr>
-        <p:style>
-          <a:lnRef idx="1">
-            <a:schemeClr val="accent1"/>
-          </a:lnRef>
-          <a:fillRef idx="3">
-            <a:schemeClr val="accent1"/>
-          </a:fillRef>
-          <a:effectRef idx="2">
-            <a:schemeClr val="accent1"/>
-          </a:effectRef>
-          <a:fontRef idx="minor">
-            <a:schemeClr val="lt1"/>
-          </a:fontRef>
-        </p:style>
-      </p:sp>
-      <p:grpSp>
-        <p:nvGrpSpPr>
           <p:cNvPr id="63" name="Group 62"/>
           <p:cNvGrpSpPr/>
           <p:nvPr/>
@@ -4209,35 +3769,1324 @@
       </p:grpSp>
       <p:grpSp>
         <p:nvGrpSpPr>
-          <p:cNvPr id="103" name="Group 102"/>
+          <p:cNvPr id="81" name="Group 80"/>
           <p:cNvGrpSpPr/>
           <p:nvPr/>
         </p:nvGrpSpPr>
         <p:grpSpPr>
           <a:xfrm>
             <a:off x="530703" y="4304775"/>
-            <a:ext cx="1278888" cy="1660084"/>
+            <a:ext cx="1277970" cy="1660084"/>
             <a:chOff x="3124200" y="4304775"/>
-            <a:chExt cx="1278888" cy="1660084"/>
+            <a:chExt cx="1277970" cy="1660084"/>
+          </a:xfrm>
+        </p:grpSpPr>
+        <p:sp>
+          <p:nvSpPr>
+            <p:cNvPr id="79" name="Rounded Rectangle 78"/>
+            <p:cNvSpPr/>
+            <p:nvPr/>
+          </p:nvSpPr>
+          <p:spPr>
+            <a:xfrm>
+              <a:off x="3124200" y="4304775"/>
+              <a:ext cx="1277970" cy="1660084"/>
+            </a:xfrm>
+            <a:prstGeom prst="roundRect">
+              <a:avLst>
+                <a:gd name="adj" fmla="val 8682"/>
+              </a:avLst>
+            </a:prstGeom>
+            <a:noFill/>
+            <a:ln>
+              <a:solidFill>
+                <a:schemeClr val="tx1"/>
+              </a:solidFill>
+            </a:ln>
+            <a:effectLst/>
+          </p:spPr>
+          <p:style>
+            <a:lnRef idx="1">
+              <a:schemeClr val="accent1"/>
+            </a:lnRef>
+            <a:fillRef idx="3">
+              <a:schemeClr val="accent1"/>
+            </a:fillRef>
+            <a:effectRef idx="2">
+              <a:schemeClr val="accent1"/>
+            </a:effectRef>
+            <a:fontRef idx="minor">
+              <a:schemeClr val="lt1"/>
+            </a:fontRef>
+          </p:style>
+        </p:sp>
+        <p:sp>
+          <p:nvSpPr>
+            <p:cNvPr id="80" name="Rectangle 79"/>
+            <p:cNvSpPr/>
+            <p:nvPr/>
+          </p:nvSpPr>
+          <p:spPr>
+            <a:xfrm>
+              <a:off x="3225323" y="4416804"/>
+              <a:ext cx="421977" cy="421977"/>
+            </a:xfrm>
+            <a:prstGeom prst="rect">
+              <a:avLst/>
+            </a:prstGeom>
+            <a:noFill/>
+            <a:ln>
+              <a:solidFill>
+                <a:schemeClr val="tx1"/>
+              </a:solidFill>
+            </a:ln>
+            <a:effectLst/>
+          </p:spPr>
+          <p:style>
+            <a:lnRef idx="1">
+              <a:schemeClr val="accent1"/>
+            </a:lnRef>
+            <a:fillRef idx="3">
+              <a:schemeClr val="accent1"/>
+            </a:fillRef>
+            <a:effectRef idx="2">
+              <a:schemeClr val="accent1"/>
+            </a:effectRef>
+            <a:fontRef idx="minor">
+              <a:schemeClr val="lt1"/>
+            </a:fontRef>
+          </p:style>
+        </p:sp>
+      </p:grpSp>
+      <p:sp>
+        <p:nvSpPr>
+          <p:cNvPr id="82" name="Rounded Rectangle 81"/>
+          <p:cNvSpPr/>
+          <p:nvPr/>
+        </p:nvSpPr>
+        <p:spPr>
+          <a:xfrm>
+            <a:off x="593816" y="5635958"/>
+            <a:ext cx="547919" cy="252448"/>
+          </a:xfrm>
+          <a:prstGeom prst="roundRect">
+            <a:avLst/>
+          </a:prstGeom>
+          <a:noFill/>
+          <a:ln>
+            <a:solidFill>
+              <a:schemeClr val="tx1"/>
+            </a:solidFill>
+          </a:ln>
+          <a:effectLst/>
+        </p:spPr>
+        <p:style>
+          <a:lnRef idx="1">
+            <a:schemeClr val="accent1"/>
+          </a:lnRef>
+          <a:fillRef idx="3">
+            <a:schemeClr val="accent1"/>
+          </a:fillRef>
+          <a:effectRef idx="2">
+            <a:schemeClr val="accent1"/>
+          </a:effectRef>
+          <a:fontRef idx="minor">
+            <a:schemeClr val="lt1"/>
+          </a:fontRef>
+        </p:style>
+        <p:txBody>
+          <a:bodyPr lIns="0" rIns="0" anchor="t" anchorCtr="0">
+            <a:noAutofit/>
+          </a:bodyPr>
+          <a:lstStyle/>
+          <a:p>
+            <a:pPr algn="ctr"/>
+            <a:r>
+              <a:rPr lang="en-US" sz="800" b="1" dirty="0" smtClean="0">
+                <a:solidFill>
+                  <a:srgbClr val="000000"/>
+                </a:solidFill>
+                <a:latin typeface="Helvetica"/>
+                <a:cs typeface="Helvetica"/>
+              </a:rPr>
+              <a:t>Gallery</a:t>
+            </a:r>
+            <a:endParaRPr lang="en-US" sz="800" b="1" dirty="0">
+              <a:solidFill>
+                <a:srgbClr val="000000"/>
+              </a:solidFill>
+              <a:latin typeface="Helvetica"/>
+              <a:cs typeface="Helvetica"/>
+            </a:endParaRPr>
+          </a:p>
+        </p:txBody>
+      </p:sp>
+      <p:sp>
+        <p:nvSpPr>
+          <p:cNvPr id="84" name="Rounded Rectangle 83"/>
+          <p:cNvSpPr/>
+          <p:nvPr/>
+        </p:nvSpPr>
+        <p:spPr>
+          <a:xfrm>
+            <a:off x="1206008" y="5635958"/>
+            <a:ext cx="547919" cy="252448"/>
+          </a:xfrm>
+          <a:prstGeom prst="roundRect">
+            <a:avLst/>
+          </a:prstGeom>
+          <a:noFill/>
+          <a:ln>
+            <a:solidFill>
+              <a:schemeClr val="tx1"/>
+            </a:solidFill>
+          </a:ln>
+          <a:effectLst/>
+        </p:spPr>
+        <p:style>
+          <a:lnRef idx="1">
+            <a:schemeClr val="accent1"/>
+          </a:lnRef>
+          <a:fillRef idx="3">
+            <a:schemeClr val="accent1"/>
+          </a:fillRef>
+          <a:effectRef idx="2">
+            <a:schemeClr val="accent1"/>
+          </a:effectRef>
+          <a:fontRef idx="minor">
+            <a:schemeClr val="lt1"/>
+          </a:fontRef>
+        </p:style>
+        <p:txBody>
+          <a:bodyPr/>
+          <a:lstStyle/>
+          <a:p>
+            <a:pPr algn="ctr"/>
+            <a:r>
+              <a:rPr lang="en-US" sz="900" b="1" dirty="0" smtClean="0">
+                <a:solidFill>
+                  <a:srgbClr val="000000"/>
+                </a:solidFill>
+                <a:latin typeface="Helvetica"/>
+                <a:cs typeface="Helvetica"/>
+              </a:rPr>
+              <a:t>Add</a:t>
+            </a:r>
+            <a:endParaRPr lang="en-US" sz="900" b="1" dirty="0">
+              <a:solidFill>
+                <a:srgbClr val="000000"/>
+              </a:solidFill>
+              <a:latin typeface="Helvetica"/>
+              <a:cs typeface="Helvetica"/>
+            </a:endParaRPr>
+          </a:p>
+        </p:txBody>
+      </p:sp>
+      <p:sp>
+        <p:nvSpPr>
+          <p:cNvPr id="85" name="TextBox 84"/>
+          <p:cNvSpPr txBox="1"/>
+          <p:nvPr/>
+        </p:nvSpPr>
+        <p:spPr>
+          <a:xfrm>
+            <a:off x="1036785" y="4343332"/>
+            <a:ext cx="490990" cy="246221"/>
+          </a:xfrm>
+          <a:prstGeom prst="rect">
+            <a:avLst/>
+          </a:prstGeom>
+          <a:noFill/>
+        </p:spPr>
+        <p:txBody>
+          <a:bodyPr wrap="none" rtlCol="0">
+            <a:spAutoFit/>
+          </a:bodyPr>
+          <a:lstStyle/>
+          <a:p>
+            <a:r>
+              <a:rPr lang="en-US" sz="1000" b="1" dirty="0" smtClean="0">
+                <a:latin typeface="Helvetica"/>
+                <a:cs typeface="Helvetica"/>
+              </a:rPr>
+              <a:t>John</a:t>
+            </a:r>
+            <a:endParaRPr lang="en-US" sz="1000" b="1" dirty="0">
+              <a:latin typeface="Helvetica"/>
+              <a:cs typeface="Helvetica"/>
+            </a:endParaRPr>
+          </a:p>
+        </p:txBody>
+      </p:sp>
+      <p:sp>
+        <p:nvSpPr>
+          <p:cNvPr id="87" name="TextBox 86"/>
+          <p:cNvSpPr txBox="1"/>
+          <p:nvPr/>
+        </p:nvSpPr>
+        <p:spPr>
+          <a:xfrm>
+            <a:off x="1036518" y="4488032"/>
+            <a:ext cx="698128" cy="215444"/>
+          </a:xfrm>
+          <a:prstGeom prst="rect">
+            <a:avLst/>
+          </a:prstGeom>
+          <a:noFill/>
+        </p:spPr>
+        <p:txBody>
+          <a:bodyPr wrap="none" rtlCol="0">
+            <a:spAutoFit/>
+          </a:bodyPr>
+          <a:lstStyle/>
+          <a:p>
+            <a:r>
+              <a:rPr lang="en-US" sz="800" dirty="0" smtClean="0">
+                <a:latin typeface="Helvetica"/>
+                <a:cs typeface="Helvetica"/>
+              </a:rPr>
+              <a:t>2014.10.05</a:t>
+            </a:r>
+            <a:endParaRPr lang="en-US" sz="800" dirty="0">
+              <a:latin typeface="Helvetica"/>
+              <a:cs typeface="Helvetica"/>
+            </a:endParaRPr>
+          </a:p>
+        </p:txBody>
+      </p:sp>
+      <p:pic>
+        <p:nvPicPr>
+          <p:cNvPr id="100" name="Picture 99"/>
+          <p:cNvPicPr>
+            <a:picLocks noChangeAspect="1"/>
+          </p:cNvPicPr>
+          <p:nvPr/>
+        </p:nvPicPr>
+        <p:blipFill>
+          <a:blip r:embed="rId3"/>
+          <a:stretch>
+            <a:fillRect/>
+          </a:stretch>
+        </p:blipFill>
+        <p:spPr>
+          <a:xfrm>
+            <a:off x="651027" y="4455781"/>
+            <a:ext cx="393496" cy="393496"/>
+          </a:xfrm>
+          <a:prstGeom prst="rect">
+            <a:avLst/>
+          </a:prstGeom>
+        </p:spPr>
+      </p:pic>
+      <p:pic>
+        <p:nvPicPr>
+          <p:cNvPr id="102" name="Picture 101"/>
+          <p:cNvPicPr>
+            <a:picLocks noChangeAspect="1"/>
+          </p:cNvPicPr>
+          <p:nvPr/>
+        </p:nvPicPr>
+        <p:blipFill>
+          <a:blip r:embed="rId4"/>
+          <a:stretch>
+            <a:fillRect/>
+          </a:stretch>
+        </p:blipFill>
+        <p:spPr>
+          <a:xfrm>
+            <a:off x="409818" y="6347673"/>
+            <a:ext cx="216246" cy="223094"/>
+          </a:xfrm>
+          <a:prstGeom prst="rect">
+            <a:avLst/>
+          </a:prstGeom>
+        </p:spPr>
+      </p:pic>
+      <p:pic>
+        <p:nvPicPr>
+          <p:cNvPr id="105" name="Picture 104"/>
+          <p:cNvPicPr>
+            <a:picLocks noChangeAspect="1"/>
+          </p:cNvPicPr>
+          <p:nvPr/>
+        </p:nvPicPr>
+        <p:blipFill>
+          <a:blip r:embed="rId4"/>
+          <a:stretch>
+            <a:fillRect/>
+          </a:stretch>
+        </p:blipFill>
+        <p:spPr>
+          <a:xfrm>
+            <a:off x="422980" y="3133341"/>
+            <a:ext cx="216246" cy="223094"/>
+          </a:xfrm>
+          <a:prstGeom prst="rect">
+            <a:avLst/>
+          </a:prstGeom>
+        </p:spPr>
+      </p:pic>
+      <p:grpSp>
+        <p:nvGrpSpPr>
+          <p:cNvPr id="109" name="Group 108"/>
+          <p:cNvGrpSpPr/>
+          <p:nvPr/>
+        </p:nvGrpSpPr>
+        <p:grpSpPr>
+          <a:xfrm>
+            <a:off x="1721115" y="520176"/>
+            <a:ext cx="203033" cy="222548"/>
+            <a:chOff x="1721115" y="520176"/>
+            <a:chExt cx="203033" cy="222548"/>
+          </a:xfrm>
+        </p:grpSpPr>
+        <p:sp>
+          <p:nvSpPr>
+            <p:cNvPr id="107" name="Rectangle 106"/>
+            <p:cNvSpPr/>
+            <p:nvPr/>
+          </p:nvSpPr>
+          <p:spPr>
+            <a:xfrm>
+              <a:off x="1721115" y="520176"/>
+              <a:ext cx="203033" cy="222548"/>
+            </a:xfrm>
+            <a:prstGeom prst="rect">
+              <a:avLst/>
+            </a:prstGeom>
+            <a:noFill/>
+            <a:ln>
+              <a:solidFill>
+                <a:schemeClr val="tx1"/>
+              </a:solidFill>
+            </a:ln>
+            <a:effectLst/>
+          </p:spPr>
+          <p:style>
+            <a:lnRef idx="1">
+              <a:schemeClr val="accent1"/>
+            </a:lnRef>
+            <a:fillRef idx="3">
+              <a:schemeClr val="accent1"/>
+            </a:fillRef>
+            <a:effectRef idx="2">
+              <a:schemeClr val="accent1"/>
+            </a:effectRef>
+            <a:fontRef idx="minor">
+              <a:schemeClr val="lt1"/>
+            </a:fontRef>
+          </p:style>
+          <p:txBody>
+            <a:bodyPr/>
+            <a:lstStyle/>
+            <a:p>
+              <a:pPr algn="ctr"/>
+              <a:endParaRPr lang="en-US" sz="900" dirty="0">
+                <a:solidFill>
+                  <a:srgbClr val="000000"/>
+                </a:solidFill>
+              </a:endParaRPr>
+            </a:p>
+          </p:txBody>
+        </p:sp>
+        <p:sp>
+          <p:nvSpPr>
+            <p:cNvPr id="108" name="Cross 107"/>
+            <p:cNvSpPr/>
+            <p:nvPr/>
+          </p:nvSpPr>
+          <p:spPr>
+            <a:xfrm>
+              <a:off x="1728876" y="541170"/>
+              <a:ext cx="180584" cy="180562"/>
+            </a:xfrm>
+            <a:prstGeom prst="plus">
+              <a:avLst>
+                <a:gd name="adj" fmla="val 40304"/>
+              </a:avLst>
+            </a:prstGeom>
+            <a:solidFill>
+              <a:schemeClr val="bg1">
+                <a:lumMod val="75000"/>
+              </a:schemeClr>
+            </a:solidFill>
+            <a:ln>
+              <a:noFill/>
+            </a:ln>
+            <a:effectLst/>
+          </p:spPr>
+          <p:style>
+            <a:lnRef idx="1">
+              <a:schemeClr val="accent1"/>
+            </a:lnRef>
+            <a:fillRef idx="3">
+              <a:schemeClr val="accent1"/>
+            </a:fillRef>
+            <a:effectRef idx="2">
+              <a:schemeClr val="accent1"/>
+            </a:effectRef>
+            <a:fontRef idx="minor">
+              <a:schemeClr val="lt1"/>
+            </a:fontRef>
+          </p:style>
+        </p:sp>
+      </p:grpSp>
+      <p:sp>
+        <p:nvSpPr>
+          <p:cNvPr id="110" name="TextBox 109"/>
+          <p:cNvSpPr txBox="1"/>
+          <p:nvPr/>
+        </p:nvSpPr>
+        <p:spPr>
+          <a:xfrm>
+            <a:off x="688940" y="1826351"/>
+            <a:ext cx="941283" cy="246221"/>
+          </a:xfrm>
+          <a:prstGeom prst="rect">
+            <a:avLst/>
+          </a:prstGeom>
+          <a:noFill/>
+        </p:spPr>
+        <p:txBody>
+          <a:bodyPr wrap="none" rtlCol="0">
+            <a:spAutoFit/>
+          </a:bodyPr>
+          <a:lstStyle/>
+          <a:p>
+            <a:pPr algn="ctr"/>
+            <a:r>
+              <a:rPr lang="en-US" sz="1000" dirty="0" smtClean="0">
+                <a:solidFill>
+                  <a:schemeClr val="bg1">
+                    <a:lumMod val="75000"/>
+                  </a:schemeClr>
+                </a:solidFill>
+                <a:latin typeface="Helvetica"/>
+                <a:cs typeface="Helvetica"/>
+              </a:rPr>
+              <a:t>NO ALBUMS</a:t>
+            </a:r>
+            <a:endParaRPr lang="en-US" sz="1000" dirty="0">
+              <a:solidFill>
+                <a:schemeClr val="bg1">
+                  <a:lumMod val="75000"/>
+                </a:schemeClr>
+              </a:solidFill>
+              <a:latin typeface="Helvetica"/>
+              <a:cs typeface="Helvetica"/>
+            </a:endParaRPr>
+          </a:p>
+        </p:txBody>
+      </p:sp>
+      <p:sp>
+        <p:nvSpPr>
+          <p:cNvPr id="111" name="Rectangle 110"/>
+          <p:cNvSpPr/>
+          <p:nvPr/>
+        </p:nvSpPr>
+        <p:spPr>
+          <a:xfrm>
+            <a:off x="5486399" y="449213"/>
+            <a:ext cx="1702398" cy="2972570"/>
+          </a:xfrm>
+          <a:prstGeom prst="rect">
+            <a:avLst/>
+          </a:prstGeom>
+          <a:noFill/>
+          <a:ln>
+            <a:solidFill>
+              <a:schemeClr val="tx1"/>
+            </a:solidFill>
+          </a:ln>
+          <a:effectLst/>
+        </p:spPr>
+        <p:style>
+          <a:lnRef idx="1">
+            <a:schemeClr val="accent1"/>
+          </a:lnRef>
+          <a:fillRef idx="3">
+            <a:schemeClr val="accent1"/>
+          </a:fillRef>
+          <a:effectRef idx="2">
+            <a:schemeClr val="accent1"/>
+          </a:effectRef>
+          <a:fontRef idx="minor">
+            <a:schemeClr val="lt1"/>
+          </a:fontRef>
+        </p:style>
+      </p:sp>
+      <p:sp>
+        <p:nvSpPr>
+          <p:cNvPr id="112" name="Rectangle 111"/>
+          <p:cNvSpPr/>
+          <p:nvPr/>
+        </p:nvSpPr>
+        <p:spPr>
+          <a:xfrm>
+            <a:off x="5486400" y="446704"/>
+            <a:ext cx="1702397" cy="358999"/>
+          </a:xfrm>
+          <a:prstGeom prst="rect">
+            <a:avLst/>
+          </a:prstGeom>
+          <a:solidFill>
+            <a:schemeClr val="bg1"/>
+          </a:solidFill>
+          <a:ln>
+            <a:solidFill>
+              <a:schemeClr val="tx1"/>
+            </a:solidFill>
+          </a:ln>
+          <a:effectLst/>
+        </p:spPr>
+        <p:style>
+          <a:lnRef idx="1">
+            <a:schemeClr val="accent1"/>
+          </a:lnRef>
+          <a:fillRef idx="3">
+            <a:schemeClr val="accent1"/>
+          </a:fillRef>
+          <a:effectRef idx="2">
+            <a:schemeClr val="accent1"/>
+          </a:effectRef>
+          <a:fontRef idx="minor">
+            <a:schemeClr val="lt1"/>
+          </a:fontRef>
+        </p:style>
+      </p:sp>
+      <p:sp>
+        <p:nvSpPr>
+          <p:cNvPr id="113" name="Rectangle 112"/>
+          <p:cNvSpPr/>
+          <p:nvPr/>
+        </p:nvSpPr>
+        <p:spPr>
+          <a:xfrm>
+            <a:off x="5568906" y="520176"/>
+            <a:ext cx="203033" cy="222548"/>
+          </a:xfrm>
+          <a:prstGeom prst="rect">
+            <a:avLst/>
+          </a:prstGeom>
+          <a:noFill/>
+          <a:ln>
+            <a:solidFill>
+              <a:schemeClr val="tx1"/>
+            </a:solidFill>
+          </a:ln>
+          <a:effectLst/>
+        </p:spPr>
+        <p:style>
+          <a:lnRef idx="1">
+            <a:schemeClr val="accent1"/>
+          </a:lnRef>
+          <a:fillRef idx="3">
+            <a:schemeClr val="accent1"/>
+          </a:fillRef>
+          <a:effectRef idx="2">
+            <a:schemeClr val="accent1"/>
+          </a:effectRef>
+          <a:fontRef idx="minor">
+            <a:schemeClr val="lt1"/>
+          </a:fontRef>
+        </p:style>
+      </p:sp>
+      <p:sp>
+        <p:nvSpPr>
+          <p:cNvPr id="114" name="Rectangle 113"/>
+          <p:cNvSpPr/>
+          <p:nvPr/>
+        </p:nvSpPr>
+        <p:spPr>
+          <a:xfrm>
+            <a:off x="6905316" y="520176"/>
+            <a:ext cx="203033" cy="222548"/>
+          </a:xfrm>
+          <a:prstGeom prst="rect">
+            <a:avLst/>
+          </a:prstGeom>
+          <a:noFill/>
+          <a:ln>
+            <a:solidFill>
+              <a:schemeClr val="tx1"/>
+            </a:solidFill>
+          </a:ln>
+          <a:effectLst/>
+        </p:spPr>
+        <p:style>
+          <a:lnRef idx="1">
+            <a:schemeClr val="accent1"/>
+          </a:lnRef>
+          <a:fillRef idx="3">
+            <a:schemeClr val="accent1"/>
+          </a:fillRef>
+          <a:effectRef idx="2">
+            <a:schemeClr val="accent1"/>
+          </a:effectRef>
+          <a:fontRef idx="minor">
+            <a:schemeClr val="lt1"/>
+          </a:fontRef>
+        </p:style>
+      </p:sp>
+      <p:sp>
+        <p:nvSpPr>
+          <p:cNvPr id="115" name="Rectangle 114"/>
+          <p:cNvSpPr/>
+          <p:nvPr/>
+        </p:nvSpPr>
+        <p:spPr>
+          <a:xfrm>
+            <a:off x="5486400" y="3062784"/>
+            <a:ext cx="1702397" cy="358999"/>
+          </a:xfrm>
+          <a:prstGeom prst="rect">
+            <a:avLst/>
+          </a:prstGeom>
+          <a:solidFill>
+            <a:schemeClr val="bg1"/>
+          </a:solidFill>
+          <a:ln>
+            <a:solidFill>
+              <a:schemeClr val="tx1"/>
+            </a:solidFill>
+          </a:ln>
+          <a:effectLst/>
+        </p:spPr>
+        <p:style>
+          <a:lnRef idx="1">
+            <a:schemeClr val="accent1"/>
+          </a:lnRef>
+          <a:fillRef idx="3">
+            <a:schemeClr val="accent1"/>
+          </a:fillRef>
+          <a:effectRef idx="2">
+            <a:schemeClr val="accent1"/>
+          </a:effectRef>
+          <a:fontRef idx="minor">
+            <a:schemeClr val="lt1"/>
+          </a:fontRef>
+        </p:style>
+      </p:sp>
+      <p:cxnSp>
+        <p:nvCxnSpPr>
+          <p:cNvPr id="116" name="Straight Connector 115"/>
+          <p:cNvCxnSpPr/>
+          <p:nvPr/>
+        </p:nvCxnSpPr>
+        <p:spPr>
+          <a:xfrm rot="5400000">
+            <a:off x="6182715" y="3242284"/>
+            <a:ext cx="358999" cy="1588"/>
+          </a:xfrm>
+          <a:prstGeom prst="line">
+            <a:avLst/>
+          </a:prstGeom>
+          <a:ln w="9525">
+            <a:solidFill>
+              <a:schemeClr val="tx1"/>
+            </a:solidFill>
+          </a:ln>
+          <a:effectLst/>
+        </p:spPr>
+        <p:style>
+          <a:lnRef idx="2">
+            <a:schemeClr val="accent1"/>
+          </a:lnRef>
+          <a:fillRef idx="0">
+            <a:schemeClr val="accent1"/>
+          </a:fillRef>
+          <a:effectRef idx="1">
+            <a:schemeClr val="accent1"/>
+          </a:effectRef>
+          <a:fontRef idx="minor">
+            <a:schemeClr val="tx1"/>
+          </a:fontRef>
+        </p:style>
+      </p:cxnSp>
+      <p:cxnSp>
+        <p:nvCxnSpPr>
+          <p:cNvPr id="117" name="Straight Connector 116"/>
+          <p:cNvCxnSpPr/>
+          <p:nvPr/>
+        </p:nvCxnSpPr>
+        <p:spPr>
+          <a:xfrm rot="5400000">
+            <a:off x="6605695" y="3237245"/>
+            <a:ext cx="358999" cy="1588"/>
+          </a:xfrm>
+          <a:prstGeom prst="line">
+            <a:avLst/>
+          </a:prstGeom>
+          <a:ln w="9525">
+            <a:solidFill>
+              <a:schemeClr val="tx1"/>
+            </a:solidFill>
+          </a:ln>
+          <a:effectLst/>
+        </p:spPr>
+        <p:style>
+          <a:lnRef idx="2">
+            <a:schemeClr val="accent1"/>
+          </a:lnRef>
+          <a:fillRef idx="0">
+            <a:schemeClr val="accent1"/>
+          </a:fillRef>
+          <a:effectRef idx="1">
+            <a:schemeClr val="accent1"/>
+          </a:effectRef>
+          <a:fontRef idx="minor">
+            <a:schemeClr val="tx1"/>
+          </a:fontRef>
+        </p:style>
+      </p:cxnSp>
+      <p:cxnSp>
+        <p:nvCxnSpPr>
+          <p:cNvPr id="118" name="Straight Connector 117"/>
+          <p:cNvCxnSpPr/>
+          <p:nvPr/>
+        </p:nvCxnSpPr>
+        <p:spPr>
+          <a:xfrm rot="5400000">
+            <a:off x="5725515" y="3242285"/>
+            <a:ext cx="358999" cy="1588"/>
+          </a:xfrm>
+          <a:prstGeom prst="line">
+            <a:avLst/>
+          </a:prstGeom>
+          <a:ln w="9525">
+            <a:solidFill>
+              <a:schemeClr val="tx1"/>
+            </a:solidFill>
+          </a:ln>
+          <a:effectLst/>
+        </p:spPr>
+        <p:style>
+          <a:lnRef idx="2">
+            <a:schemeClr val="accent1"/>
+          </a:lnRef>
+          <a:fillRef idx="0">
+            <a:schemeClr val="accent1"/>
+          </a:fillRef>
+          <a:effectRef idx="1">
+            <a:schemeClr val="accent1"/>
+          </a:effectRef>
+          <a:fontRef idx="minor">
+            <a:schemeClr val="tx1"/>
+          </a:fontRef>
+        </p:style>
+      </p:cxnSp>
+      <p:pic>
+        <p:nvPicPr>
+          <p:cNvPr id="119" name="Picture 118"/>
+          <p:cNvPicPr>
+            <a:picLocks noChangeAspect="1"/>
+          </p:cNvPicPr>
+          <p:nvPr/>
+        </p:nvPicPr>
+        <p:blipFill>
+          <a:blip r:embed="rId2"/>
+          <a:stretch>
+            <a:fillRect/>
+          </a:stretch>
+        </p:blipFill>
+        <p:spPr>
+          <a:xfrm>
+            <a:off x="6857999" y="3112349"/>
+            <a:ext cx="279808" cy="279808"/>
+          </a:xfrm>
+          <a:prstGeom prst="rect">
+            <a:avLst/>
+          </a:prstGeom>
+        </p:spPr>
+      </p:pic>
+      <p:pic>
+        <p:nvPicPr>
+          <p:cNvPr id="120" name="Picture 119"/>
+          <p:cNvPicPr>
+            <a:picLocks noChangeAspect="1"/>
+          </p:cNvPicPr>
+          <p:nvPr/>
+        </p:nvPicPr>
+        <p:blipFill>
+          <a:blip r:embed="rId4"/>
+          <a:stretch>
+            <a:fillRect/>
+          </a:stretch>
+        </p:blipFill>
+        <p:spPr>
+          <a:xfrm>
+            <a:off x="5587178" y="3133341"/>
+            <a:ext cx="216246" cy="223094"/>
+          </a:xfrm>
+          <a:prstGeom prst="rect">
+            <a:avLst/>
+          </a:prstGeom>
+        </p:spPr>
+      </p:pic>
+      <p:grpSp>
+        <p:nvGrpSpPr>
+          <p:cNvPr id="132" name="Group 131"/>
+          <p:cNvGrpSpPr/>
+          <p:nvPr/>
+        </p:nvGrpSpPr>
+        <p:grpSpPr>
+          <a:xfrm>
+            <a:off x="2892461" y="446704"/>
+            <a:ext cx="1717126" cy="2975875"/>
+            <a:chOff x="2892461" y="446704"/>
+            <a:chExt cx="1717126" cy="2975875"/>
           </a:xfrm>
         </p:grpSpPr>
         <p:grpSp>
           <p:nvGrpSpPr>
-            <p:cNvPr id="81" name="Group 80"/>
+            <p:cNvPr id="99" name="Group 98"/>
             <p:cNvGrpSpPr/>
             <p:nvPr/>
           </p:nvGrpSpPr>
           <p:grpSpPr>
             <a:xfrm>
-              <a:off x="3124200" y="4304775"/>
+              <a:off x="2907189" y="446704"/>
+              <a:ext cx="1702398" cy="2975874"/>
+              <a:chOff x="2907189" y="446704"/>
+              <a:chExt cx="1702398" cy="2975874"/>
+            </a:xfrm>
+          </p:grpSpPr>
+          <p:sp>
+            <p:nvSpPr>
+              <p:cNvPr id="29" name="Rectangle 28"/>
+              <p:cNvSpPr/>
+              <p:nvPr/>
+            </p:nvSpPr>
+            <p:spPr>
+              <a:xfrm>
+                <a:off x="2907189" y="449213"/>
+                <a:ext cx="1702398" cy="2972570"/>
+              </a:xfrm>
+              <a:prstGeom prst="rect">
+                <a:avLst/>
+              </a:prstGeom>
+              <a:noFill/>
+              <a:ln>
+                <a:solidFill>
+                  <a:schemeClr val="tx1"/>
+                </a:solidFill>
+              </a:ln>
+              <a:effectLst/>
+            </p:spPr>
+            <p:style>
+              <a:lnRef idx="1">
+                <a:schemeClr val="accent1"/>
+              </a:lnRef>
+              <a:fillRef idx="3">
+                <a:schemeClr val="accent1"/>
+              </a:fillRef>
+              <a:effectRef idx="2">
+                <a:schemeClr val="accent1"/>
+              </a:effectRef>
+              <a:fontRef idx="minor">
+                <a:schemeClr val="lt1"/>
+              </a:fontRef>
+            </p:style>
+          </p:sp>
+          <p:sp>
+            <p:nvSpPr>
+              <p:cNvPr id="36" name="Rectangle 35"/>
+              <p:cNvSpPr/>
+              <p:nvPr/>
+            </p:nvSpPr>
+            <p:spPr>
+              <a:xfrm>
+                <a:off x="2907190" y="446704"/>
+                <a:ext cx="1702397" cy="358999"/>
+              </a:xfrm>
+              <a:prstGeom prst="rect">
+                <a:avLst/>
+              </a:prstGeom>
+              <a:solidFill>
+                <a:schemeClr val="bg1"/>
+              </a:solidFill>
+              <a:ln>
+                <a:solidFill>
+                  <a:schemeClr val="tx1"/>
+                </a:solidFill>
+              </a:ln>
+              <a:effectLst/>
+            </p:spPr>
+            <p:style>
+              <a:lnRef idx="1">
+                <a:schemeClr val="accent1"/>
+              </a:lnRef>
+              <a:fillRef idx="3">
+                <a:schemeClr val="accent1"/>
+              </a:fillRef>
+              <a:effectRef idx="2">
+                <a:schemeClr val="accent1"/>
+              </a:effectRef>
+              <a:fontRef idx="minor">
+                <a:schemeClr val="lt1"/>
+              </a:fontRef>
+            </p:style>
+          </p:sp>
+          <p:sp>
+            <p:nvSpPr>
+              <p:cNvPr id="32" name="Rectangle 31"/>
+              <p:cNvSpPr/>
+              <p:nvPr/>
+            </p:nvSpPr>
+            <p:spPr>
+              <a:xfrm>
+                <a:off x="2907190" y="3062784"/>
+                <a:ext cx="1702397" cy="358999"/>
+              </a:xfrm>
+              <a:prstGeom prst="rect">
+                <a:avLst/>
+              </a:prstGeom>
+              <a:solidFill>
+                <a:schemeClr val="bg1"/>
+              </a:solidFill>
+              <a:ln>
+                <a:solidFill>
+                  <a:schemeClr val="tx1"/>
+                </a:solidFill>
+              </a:ln>
+              <a:effectLst/>
+            </p:spPr>
+            <p:style>
+              <a:lnRef idx="1">
+                <a:schemeClr val="accent1"/>
+              </a:lnRef>
+              <a:fillRef idx="3">
+                <a:schemeClr val="accent1"/>
+              </a:fillRef>
+              <a:effectRef idx="2">
+                <a:schemeClr val="accent1"/>
+              </a:effectRef>
+              <a:fontRef idx="minor">
+                <a:schemeClr val="lt1"/>
+              </a:fontRef>
+            </p:style>
+          </p:sp>
+          <p:cxnSp>
+            <p:nvCxnSpPr>
+              <p:cNvPr id="33" name="Straight Connector 32"/>
+              <p:cNvCxnSpPr/>
+              <p:nvPr/>
+            </p:nvCxnSpPr>
+            <p:spPr>
+              <a:xfrm rot="5400000">
+                <a:off x="3603505" y="3242284"/>
+                <a:ext cx="358999" cy="1588"/>
+              </a:xfrm>
+              <a:prstGeom prst="line">
+                <a:avLst/>
+              </a:prstGeom>
+              <a:ln w="9525">
+                <a:solidFill>
+                  <a:schemeClr val="tx1"/>
+                </a:solidFill>
+              </a:ln>
+              <a:effectLst/>
+            </p:spPr>
+            <p:style>
+              <a:lnRef idx="2">
+                <a:schemeClr val="accent1"/>
+              </a:lnRef>
+              <a:fillRef idx="0">
+                <a:schemeClr val="accent1"/>
+              </a:fillRef>
+              <a:effectRef idx="1">
+                <a:schemeClr val="accent1"/>
+              </a:effectRef>
+              <a:fontRef idx="minor">
+                <a:schemeClr val="tx1"/>
+              </a:fontRef>
+            </p:style>
+          </p:cxnSp>
+          <p:cxnSp>
+            <p:nvCxnSpPr>
+              <p:cNvPr id="34" name="Straight Connector 33"/>
+              <p:cNvCxnSpPr/>
+              <p:nvPr/>
+            </p:nvCxnSpPr>
+            <p:spPr>
+              <a:xfrm rot="5400000">
+                <a:off x="4026485" y="3237245"/>
+                <a:ext cx="358999" cy="1588"/>
+              </a:xfrm>
+              <a:prstGeom prst="line">
+                <a:avLst/>
+              </a:prstGeom>
+              <a:ln w="9525">
+                <a:solidFill>
+                  <a:schemeClr val="tx1"/>
+                </a:solidFill>
+              </a:ln>
+              <a:effectLst/>
+            </p:spPr>
+            <p:style>
+              <a:lnRef idx="2">
+                <a:schemeClr val="accent1"/>
+              </a:lnRef>
+              <a:fillRef idx="0">
+                <a:schemeClr val="accent1"/>
+              </a:fillRef>
+              <a:effectRef idx="1">
+                <a:schemeClr val="accent1"/>
+              </a:effectRef>
+              <a:fontRef idx="minor">
+                <a:schemeClr val="tx1"/>
+              </a:fontRef>
+            </p:style>
+          </p:cxnSp>
+          <p:cxnSp>
+            <p:nvCxnSpPr>
+              <p:cNvPr id="35" name="Straight Connector 34"/>
+              <p:cNvCxnSpPr/>
+              <p:nvPr/>
+            </p:nvCxnSpPr>
+            <p:spPr>
+              <a:xfrm rot="5400000">
+                <a:off x="3146305" y="3242285"/>
+                <a:ext cx="358999" cy="1588"/>
+              </a:xfrm>
+              <a:prstGeom prst="line">
+                <a:avLst/>
+              </a:prstGeom>
+              <a:ln w="9525">
+                <a:solidFill>
+                  <a:schemeClr val="tx1"/>
+                </a:solidFill>
+              </a:ln>
+              <a:effectLst/>
+            </p:spPr>
+            <p:style>
+              <a:lnRef idx="2">
+                <a:schemeClr val="accent1"/>
+              </a:lnRef>
+              <a:fillRef idx="0">
+                <a:schemeClr val="accent1"/>
+              </a:fillRef>
+              <a:effectRef idx="1">
+                <a:schemeClr val="accent1"/>
+              </a:effectRef>
+              <a:fontRef idx="minor">
+                <a:schemeClr val="tx1"/>
+              </a:fontRef>
+            </p:style>
+          </p:cxnSp>
+          <p:pic>
+            <p:nvPicPr>
+              <p:cNvPr id="45" name="Picture 44"/>
+              <p:cNvPicPr>
+                <a:picLocks noChangeAspect="1"/>
+              </p:cNvPicPr>
+              <p:nvPr/>
+            </p:nvPicPr>
+            <p:blipFill>
+              <a:blip r:embed="rId2"/>
+              <a:stretch>
+                <a:fillRect/>
+              </a:stretch>
+            </p:blipFill>
+            <p:spPr>
+              <a:xfrm>
+                <a:off x="4278789" y="3112349"/>
+                <a:ext cx="279808" cy="279808"/>
+              </a:xfrm>
+              <a:prstGeom prst="rect">
+                <a:avLst/>
+              </a:prstGeom>
+            </p:spPr>
+          </p:pic>
+          <p:pic>
+            <p:nvPicPr>
+              <p:cNvPr id="104" name="Picture 103"/>
+              <p:cNvPicPr>
+                <a:picLocks noChangeAspect="1"/>
+              </p:cNvPicPr>
+              <p:nvPr/>
+            </p:nvPicPr>
+            <p:blipFill>
+              <a:blip r:embed="rId4"/>
+              <a:stretch>
+                <a:fillRect/>
+              </a:stretch>
+            </p:blipFill>
+            <p:spPr>
+              <a:xfrm>
+                <a:off x="3007968" y="3133341"/>
+                <a:ext cx="216246" cy="223094"/>
+              </a:xfrm>
+              <a:prstGeom prst="rect">
+                <a:avLst/>
+              </a:prstGeom>
+            </p:spPr>
+          </p:pic>
+          <p:grpSp>
+            <p:nvGrpSpPr>
+              <p:cNvPr id="96" name="Group 95"/>
+              <p:cNvGrpSpPr/>
+              <p:nvPr/>
+            </p:nvGrpSpPr>
+            <p:grpSpPr>
+              <a:xfrm>
+                <a:off x="4301420" y="520176"/>
+                <a:ext cx="203033" cy="222548"/>
+                <a:chOff x="1721115" y="520176"/>
+                <a:chExt cx="203033" cy="222548"/>
+              </a:xfrm>
+            </p:grpSpPr>
+            <p:sp>
+              <p:nvSpPr>
+                <p:cNvPr id="97" name="Rectangle 96"/>
+                <p:cNvSpPr/>
+                <p:nvPr/>
+              </p:nvSpPr>
+              <p:spPr>
+                <a:xfrm>
+                  <a:off x="1721115" y="520176"/>
+                  <a:ext cx="203033" cy="222548"/>
+                </a:xfrm>
+                <a:prstGeom prst="rect">
+                  <a:avLst/>
+                </a:prstGeom>
+                <a:noFill/>
+                <a:ln>
+                  <a:solidFill>
+                    <a:schemeClr val="tx1"/>
+                  </a:solidFill>
+                </a:ln>
+                <a:effectLst/>
+              </p:spPr>
+              <p:style>
+                <a:lnRef idx="1">
+                  <a:schemeClr val="accent1"/>
+                </a:lnRef>
+                <a:fillRef idx="3">
+                  <a:schemeClr val="accent1"/>
+                </a:fillRef>
+                <a:effectRef idx="2">
+                  <a:schemeClr val="accent1"/>
+                </a:effectRef>
+                <a:fontRef idx="minor">
+                  <a:schemeClr val="lt1"/>
+                </a:fontRef>
+              </p:style>
+              <p:txBody>
+                <a:bodyPr/>
+                <a:lstStyle/>
+                <a:p>
+                  <a:pPr algn="ctr"/>
+                  <a:endParaRPr lang="en-US" sz="900" dirty="0">
+                    <a:solidFill>
+                      <a:srgbClr val="000000"/>
+                    </a:solidFill>
+                  </a:endParaRPr>
+                </a:p>
+              </p:txBody>
+            </p:sp>
+            <p:sp>
+              <p:nvSpPr>
+                <p:cNvPr id="98" name="Cross 97"/>
+                <p:cNvSpPr/>
+                <p:nvPr/>
+              </p:nvSpPr>
+              <p:spPr>
+                <a:xfrm>
+                  <a:off x="1728876" y="541170"/>
+                  <a:ext cx="180584" cy="180562"/>
+                </a:xfrm>
+                <a:prstGeom prst="plus">
+                  <a:avLst>
+                    <a:gd name="adj" fmla="val 40304"/>
+                  </a:avLst>
+                </a:prstGeom>
+                <a:solidFill>
+                  <a:schemeClr val="bg1">
+                    <a:lumMod val="75000"/>
+                  </a:schemeClr>
+                </a:solidFill>
+                <a:ln>
+                  <a:noFill/>
+                </a:ln>
+                <a:effectLst/>
+              </p:spPr>
+              <p:style>
+                <a:lnRef idx="1">
+                  <a:schemeClr val="accent1"/>
+                </a:lnRef>
+                <a:fillRef idx="3">
+                  <a:schemeClr val="accent1"/>
+                </a:fillRef>
+                <a:effectRef idx="2">
+                  <a:schemeClr val="accent1"/>
+                </a:effectRef>
+                <a:fontRef idx="minor">
+                  <a:schemeClr val="lt1"/>
+                </a:fontRef>
+              </p:style>
+            </p:sp>
+          </p:grpSp>
+        </p:grpSp>
+        <p:sp>
+          <p:nvSpPr>
+            <p:cNvPr id="101" name="Rectangle 100"/>
+            <p:cNvSpPr/>
+            <p:nvPr/>
+          </p:nvSpPr>
+          <p:spPr>
+            <a:xfrm>
+              <a:off x="2892461" y="449213"/>
+              <a:ext cx="1717125" cy="2973366"/>
+            </a:xfrm>
+            <a:prstGeom prst="rect">
+              <a:avLst/>
+            </a:prstGeom>
+            <a:solidFill>
+              <a:schemeClr val="tx1">
+                <a:alpha val="20000"/>
+              </a:schemeClr>
+            </a:solidFill>
+            <a:ln>
+              <a:noFill/>
+            </a:ln>
+            <a:effectLst/>
+          </p:spPr>
+          <p:style>
+            <a:lnRef idx="1">
+              <a:schemeClr val="accent1"/>
+            </a:lnRef>
+            <a:fillRef idx="3">
+              <a:schemeClr val="accent1"/>
+            </a:fillRef>
+            <a:effectRef idx="2">
+              <a:schemeClr val="accent1"/>
+            </a:effectRef>
+            <a:fontRef idx="minor">
+              <a:schemeClr val="lt1"/>
+            </a:fontRef>
+          </p:style>
+        </p:sp>
+        <p:grpSp>
+          <p:nvGrpSpPr>
+            <p:cNvPr id="124" name="Group 80"/>
+            <p:cNvGrpSpPr/>
+            <p:nvPr/>
+          </p:nvGrpSpPr>
+          <p:grpSpPr>
+            <a:xfrm>
+              <a:off x="3120640" y="1101269"/>
               <a:ext cx="1277970" cy="1660084"/>
               <a:chOff x="3124200" y="4304775"/>
               <a:chExt cx="1277970" cy="1660084"/>
             </a:xfrm>
+            <a:solidFill>
+              <a:schemeClr val="bg1"/>
+            </a:solidFill>
           </p:grpSpPr>
           <p:sp>
             <p:nvSpPr>
-              <p:cNvPr id="79" name="Rounded Rectangle 78"/>
+              <p:cNvPr id="130" name="Rounded Rectangle 129"/>
               <p:cNvSpPr/>
               <p:nvPr/>
             </p:nvSpPr>
@@ -4245,6 +5094,329 @@
               <a:xfrm>
                 <a:off x="3124200" y="4304775"/>
                 <a:ext cx="1277970" cy="1660084"/>
+              </a:xfrm>
+              <a:prstGeom prst="roundRect">
+                <a:avLst>
+                  <a:gd name="adj" fmla="val 8682"/>
+                </a:avLst>
+              </a:prstGeom>
+              <a:grpFill/>
+              <a:ln>
+                <a:solidFill>
+                  <a:schemeClr val="tx1"/>
+                </a:solidFill>
+              </a:ln>
+              <a:effectLst/>
+            </p:spPr>
+            <p:style>
+              <a:lnRef idx="1">
+                <a:schemeClr val="accent1"/>
+              </a:lnRef>
+              <a:fillRef idx="3">
+                <a:schemeClr val="accent1"/>
+              </a:fillRef>
+              <a:effectRef idx="2">
+                <a:schemeClr val="accent1"/>
+              </a:effectRef>
+              <a:fontRef idx="minor">
+                <a:schemeClr val="lt1"/>
+              </a:fontRef>
+            </p:style>
+          </p:sp>
+          <p:sp>
+            <p:nvSpPr>
+              <p:cNvPr id="131" name="Rectangle 130"/>
+              <p:cNvSpPr/>
+              <p:nvPr/>
+            </p:nvSpPr>
+            <p:spPr>
+              <a:xfrm>
+                <a:off x="3225323" y="4416804"/>
+                <a:ext cx="421977" cy="421977"/>
+              </a:xfrm>
+              <a:prstGeom prst="rect">
+                <a:avLst/>
+              </a:prstGeom>
+              <a:grpFill/>
+              <a:ln>
+                <a:solidFill>
+                  <a:schemeClr val="tx1"/>
+                </a:solidFill>
+              </a:ln>
+              <a:effectLst/>
+            </p:spPr>
+            <p:style>
+              <a:lnRef idx="1">
+                <a:schemeClr val="accent1"/>
+              </a:lnRef>
+              <a:fillRef idx="3">
+                <a:schemeClr val="accent1"/>
+              </a:fillRef>
+              <a:effectRef idx="2">
+                <a:schemeClr val="accent1"/>
+              </a:effectRef>
+              <a:fontRef idx="minor">
+                <a:schemeClr val="lt1"/>
+              </a:fontRef>
+            </p:style>
+          </p:sp>
+        </p:grpSp>
+        <p:grpSp>
+          <p:nvGrpSpPr>
+            <p:cNvPr id="142" name="Group 141"/>
+            <p:cNvGrpSpPr/>
+            <p:nvPr/>
+          </p:nvGrpSpPr>
+          <p:grpSpPr>
+            <a:xfrm>
+              <a:off x="3668675" y="1192870"/>
+              <a:ext cx="642156" cy="440672"/>
+              <a:chOff x="4331834" y="4396376"/>
+              <a:chExt cx="642156" cy="440672"/>
+            </a:xfrm>
+          </p:grpSpPr>
+          <p:grpSp>
+            <p:nvGrpSpPr>
+              <p:cNvPr id="140" name="Group 139"/>
+              <p:cNvGrpSpPr/>
+              <p:nvPr/>
+            </p:nvGrpSpPr>
+            <p:grpSpPr>
+              <a:xfrm>
+                <a:off x="4378581" y="4416804"/>
+                <a:ext cx="595409" cy="419878"/>
+                <a:chOff x="4357591" y="4416804"/>
+                <a:chExt cx="640123" cy="419878"/>
+              </a:xfrm>
+            </p:grpSpPr>
+            <p:sp>
+              <p:nvSpPr>
+                <p:cNvPr id="133" name="Rounded Rectangle 132"/>
+                <p:cNvSpPr/>
+                <p:nvPr/>
+              </p:nvSpPr>
+              <p:spPr>
+                <a:xfrm>
+                  <a:off x="4357591" y="4416804"/>
+                  <a:ext cx="640123" cy="419878"/>
+                </a:xfrm>
+                <a:prstGeom prst="roundRect">
+                  <a:avLst>
+                    <a:gd name="adj" fmla="val 8682"/>
+                  </a:avLst>
+                </a:prstGeom>
+                <a:noFill/>
+                <a:ln>
+                  <a:solidFill>
+                    <a:schemeClr val="tx1"/>
+                  </a:solidFill>
+                </a:ln>
+                <a:effectLst/>
+              </p:spPr>
+              <p:style>
+                <a:lnRef idx="1">
+                  <a:schemeClr val="accent1"/>
+                </a:lnRef>
+                <a:fillRef idx="3">
+                  <a:schemeClr val="accent1"/>
+                </a:fillRef>
+                <a:effectRef idx="2">
+                  <a:schemeClr val="accent1"/>
+                </a:effectRef>
+                <a:fontRef idx="minor">
+                  <a:schemeClr val="lt1"/>
+                </a:fontRef>
+              </p:style>
+            </p:sp>
+            <p:cxnSp>
+              <p:nvCxnSpPr>
+                <p:cNvPr id="136" name="Straight Connector 135"/>
+                <p:cNvCxnSpPr>
+                  <a:endCxn id="133" idx="3"/>
+                </p:cNvCxnSpPr>
+                <p:nvPr/>
+              </p:nvCxnSpPr>
+              <p:spPr>
+                <a:xfrm>
+                  <a:off x="4357591" y="4626068"/>
+                  <a:ext cx="640123" cy="675"/>
+                </a:xfrm>
+                <a:prstGeom prst="line">
+                  <a:avLst/>
+                </a:prstGeom>
+                <a:ln w="9525">
+                  <a:solidFill>
+                    <a:schemeClr val="tx1"/>
+                  </a:solidFill>
+                </a:ln>
+                <a:effectLst/>
+              </p:spPr>
+              <p:style>
+                <a:lnRef idx="2">
+                  <a:schemeClr val="accent1"/>
+                </a:lnRef>
+                <a:fillRef idx="0">
+                  <a:schemeClr val="accent1"/>
+                </a:fillRef>
+                <a:effectRef idx="1">
+                  <a:schemeClr val="accent1"/>
+                </a:effectRef>
+                <a:fontRef idx="minor">
+                  <a:schemeClr val="tx1"/>
+                </a:fontRef>
+              </p:style>
+            </p:cxnSp>
+          </p:grpSp>
+          <p:sp>
+            <p:nvSpPr>
+              <p:cNvPr id="138" name="TextBox 137"/>
+              <p:cNvSpPr txBox="1"/>
+              <p:nvPr/>
+            </p:nvSpPr>
+            <p:spPr>
+              <a:xfrm>
+                <a:off x="4331834" y="4396376"/>
+                <a:ext cx="492536" cy="230832"/>
+              </a:xfrm>
+              <a:prstGeom prst="rect">
+                <a:avLst/>
+              </a:prstGeom>
+              <a:noFill/>
+            </p:spPr>
+            <p:txBody>
+              <a:bodyPr wrap="none" rtlCol="0">
+                <a:spAutoFit/>
+              </a:bodyPr>
+              <a:lstStyle/>
+              <a:p>
+                <a:r>
+                  <a:rPr lang="en-US" sz="900" dirty="0" smtClean="0">
+                    <a:solidFill>
+                      <a:srgbClr val="BFBFBF"/>
+                    </a:solidFill>
+                    <a:latin typeface="Helvetica"/>
+                    <a:cs typeface="Helvetica"/>
+                  </a:rPr>
+                  <a:t>Name</a:t>
+                </a:r>
+                <a:endParaRPr lang="en-US" sz="900" dirty="0">
+                  <a:solidFill>
+                    <a:srgbClr val="BFBFBF"/>
+                  </a:solidFill>
+                  <a:latin typeface="Helvetica"/>
+                  <a:cs typeface="Helvetica"/>
+                </a:endParaRPr>
+              </a:p>
+            </p:txBody>
+          </p:sp>
+          <p:sp>
+            <p:nvSpPr>
+              <p:cNvPr id="139" name="TextBox 138"/>
+              <p:cNvSpPr txBox="1"/>
+              <p:nvPr/>
+            </p:nvSpPr>
+            <p:spPr>
+              <a:xfrm>
+                <a:off x="4336601" y="4606216"/>
+                <a:ext cx="620683" cy="230832"/>
+              </a:xfrm>
+              <a:prstGeom prst="rect">
+                <a:avLst/>
+              </a:prstGeom>
+              <a:noFill/>
+            </p:spPr>
+            <p:txBody>
+              <a:bodyPr wrap="none" rtlCol="0">
+                <a:spAutoFit/>
+              </a:bodyPr>
+              <a:lstStyle/>
+              <a:p>
+                <a:r>
+                  <a:rPr lang="en-US" sz="900" dirty="0" smtClean="0">
+                    <a:solidFill>
+                      <a:srgbClr val="BFBFBF"/>
+                    </a:solidFill>
+                    <a:latin typeface="Helvetica"/>
+                    <a:cs typeface="Helvetica"/>
+                  </a:rPr>
+                  <a:t>Birthday</a:t>
+                </a:r>
+                <a:endParaRPr lang="en-US" sz="900" dirty="0">
+                  <a:solidFill>
+                    <a:srgbClr val="BFBFBF"/>
+                  </a:solidFill>
+                  <a:latin typeface="Helvetica"/>
+                  <a:cs typeface="Helvetica"/>
+                </a:endParaRPr>
+              </a:p>
+            </p:txBody>
+          </p:sp>
+        </p:grpSp>
+        <p:sp>
+          <p:nvSpPr>
+            <p:cNvPr id="141" name="Cross 140"/>
+            <p:cNvSpPr/>
+            <p:nvPr/>
+          </p:nvSpPr>
+          <p:spPr>
+            <a:xfrm>
+              <a:off x="3340457" y="1333421"/>
+              <a:ext cx="180584" cy="180562"/>
+            </a:xfrm>
+            <a:prstGeom prst="plus">
+              <a:avLst>
+                <a:gd name="adj" fmla="val 40304"/>
+              </a:avLst>
+            </a:prstGeom>
+            <a:solidFill>
+              <a:schemeClr val="bg1">
+                <a:lumMod val="75000"/>
+              </a:schemeClr>
+            </a:solidFill>
+            <a:ln>
+              <a:noFill/>
+            </a:ln>
+            <a:effectLst/>
+          </p:spPr>
+          <p:style>
+            <a:lnRef idx="1">
+              <a:schemeClr val="accent1"/>
+            </a:lnRef>
+            <a:fillRef idx="3">
+              <a:schemeClr val="accent1"/>
+            </a:fillRef>
+            <a:effectRef idx="2">
+              <a:schemeClr val="accent1"/>
+            </a:effectRef>
+            <a:fontRef idx="minor">
+              <a:schemeClr val="lt1"/>
+            </a:fontRef>
+          </p:style>
+        </p:sp>
+        <p:grpSp>
+          <p:nvGrpSpPr>
+            <p:cNvPr id="94" name="Group 93"/>
+            <p:cNvGrpSpPr/>
+            <p:nvPr/>
+          </p:nvGrpSpPr>
+          <p:grpSpPr>
+            <a:xfrm>
+              <a:off x="3189525" y="1769922"/>
+              <a:ext cx="1133038" cy="441236"/>
+              <a:chOff x="3189525" y="1769922"/>
+              <a:chExt cx="1133038" cy="441236"/>
+            </a:xfrm>
+          </p:grpSpPr>
+          <p:sp>
+            <p:nvSpPr>
+              <p:cNvPr id="147" name="Rounded Rectangle 146"/>
+              <p:cNvSpPr/>
+              <p:nvPr/>
+            </p:nvSpPr>
+            <p:spPr>
+              <a:xfrm>
+                <a:off x="3223041" y="1790914"/>
+                <a:ext cx="1087789" cy="419878"/>
               </a:xfrm>
               <a:prstGeom prst="roundRect">
                 <a:avLst>
@@ -4274,22 +5446,23 @@
               </a:fontRef>
             </p:style>
           </p:sp>
-          <p:sp>
-            <p:nvSpPr>
-              <p:cNvPr id="80" name="Rectangle 79"/>
-              <p:cNvSpPr/>
+          <p:cxnSp>
+            <p:nvCxnSpPr>
+              <p:cNvPr id="148" name="Straight Connector 147"/>
+              <p:cNvCxnSpPr>
+                <a:endCxn id="147" idx="3"/>
+              </p:cNvCxnSpPr>
               <p:nvPr/>
-            </p:nvSpPr>
+            </p:nvCxnSpPr>
             <p:spPr>
               <a:xfrm>
-                <a:off x="3225323" y="4416804"/>
-                <a:ext cx="421977" cy="421977"/>
+                <a:off x="3223041" y="2000178"/>
+                <a:ext cx="1087789" cy="675"/>
               </a:xfrm>
-              <a:prstGeom prst="rect">
+              <a:prstGeom prst="line">
                 <a:avLst/>
               </a:prstGeom>
-              <a:noFill/>
-              <a:ln>
+              <a:ln w="9525">
                 <a:solidFill>
                   <a:schemeClr val="tx1"/>
                 </a:solidFill>
@@ -4297,30 +5470,190 @@
               <a:effectLst/>
             </p:spPr>
             <p:style>
-              <a:lnRef idx="1">
+              <a:lnRef idx="2">
                 <a:schemeClr val="accent1"/>
               </a:lnRef>
-              <a:fillRef idx="3">
+              <a:fillRef idx="0">
                 <a:schemeClr val="accent1"/>
               </a:fillRef>
-              <a:effectRef idx="2">
+              <a:effectRef idx="1">
                 <a:schemeClr val="accent1"/>
               </a:effectRef>
               <a:fontRef idx="minor">
-                <a:schemeClr val="lt1"/>
+                <a:schemeClr val="tx1"/>
               </a:fontRef>
             </p:style>
+          </p:cxnSp>
+          <p:sp>
+            <p:nvSpPr>
+              <p:cNvPr id="146" name="TextBox 145"/>
+              <p:cNvSpPr txBox="1"/>
+              <p:nvPr/>
+            </p:nvSpPr>
+            <p:spPr>
+              <a:xfrm>
+                <a:off x="3189525" y="1980326"/>
+                <a:ext cx="1102136" cy="230832"/>
+              </a:xfrm>
+              <a:prstGeom prst="rect">
+                <a:avLst/>
+              </a:prstGeom>
+              <a:noFill/>
+            </p:spPr>
+            <p:txBody>
+              <a:bodyPr wrap="square" rtlCol="0">
+                <a:spAutoFit/>
+              </a:bodyPr>
+              <a:lstStyle/>
+              <a:p>
+                <a:r>
+                  <a:rPr lang="en-US" sz="900" dirty="0" smtClean="0">
+                    <a:solidFill>
+                      <a:srgbClr val="BFBFBF"/>
+                    </a:solidFill>
+                    <a:latin typeface="Helvetica"/>
+                    <a:cs typeface="Helvetica"/>
+                  </a:rPr>
+                  <a:t>Nationality</a:t>
+                </a:r>
+                <a:endParaRPr lang="en-US" sz="900" dirty="0">
+                  <a:solidFill>
+                    <a:srgbClr val="BFBFBF"/>
+                  </a:solidFill>
+                  <a:latin typeface="Helvetica"/>
+                  <a:cs typeface="Helvetica"/>
+                </a:endParaRPr>
+              </a:p>
+            </p:txBody>
+          </p:sp>
+          <p:cxnSp>
+            <p:nvCxnSpPr>
+              <p:cNvPr id="149" name="Straight Connector 148"/>
+              <p:cNvCxnSpPr>
+                <a:endCxn id="147" idx="0"/>
+              </p:cNvCxnSpPr>
+              <p:nvPr/>
+            </p:nvCxnSpPr>
+            <p:spPr>
+              <a:xfrm rot="5400000" flipH="1" flipV="1">
+                <a:off x="3661907" y="1895149"/>
+                <a:ext cx="209264" cy="794"/>
+              </a:xfrm>
+              <a:prstGeom prst="line">
+                <a:avLst/>
+              </a:prstGeom>
+              <a:ln w="9525">
+                <a:solidFill>
+                  <a:schemeClr val="tx1"/>
+                </a:solidFill>
+              </a:ln>
+              <a:effectLst/>
+            </p:spPr>
+            <p:style>
+              <a:lnRef idx="2">
+                <a:schemeClr val="accent1"/>
+              </a:lnRef>
+              <a:fillRef idx="0">
+                <a:schemeClr val="accent1"/>
+              </a:fillRef>
+              <a:effectRef idx="1">
+                <a:schemeClr val="accent1"/>
+              </a:effectRef>
+              <a:fontRef idx="minor">
+                <a:schemeClr val="tx1"/>
+              </a:fontRef>
+            </p:style>
+          </p:cxnSp>
+          <p:sp>
+            <p:nvSpPr>
+              <p:cNvPr id="173" name="TextBox 172"/>
+              <p:cNvSpPr txBox="1"/>
+              <p:nvPr/>
+            </p:nvSpPr>
+            <p:spPr>
+              <a:xfrm>
+                <a:off x="3210515" y="1769922"/>
+                <a:ext cx="576617" cy="230832"/>
+              </a:xfrm>
+              <a:prstGeom prst="rect">
+                <a:avLst/>
+              </a:prstGeom>
+              <a:noFill/>
+            </p:spPr>
+            <p:txBody>
+              <a:bodyPr wrap="square" rtlCol="0">
+                <a:spAutoFit/>
+              </a:bodyPr>
+              <a:lstStyle/>
+              <a:p>
+                <a:pPr algn="ctr"/>
+                <a:r>
+                  <a:rPr lang="en-US" sz="900" dirty="0" smtClean="0">
+                    <a:solidFill>
+                      <a:srgbClr val="000000"/>
+                    </a:solidFill>
+                    <a:latin typeface="Helvetica"/>
+                    <a:cs typeface="Helvetica"/>
+                  </a:rPr>
+                  <a:t>Girl</a:t>
+                </a:r>
+                <a:endParaRPr lang="en-US" sz="900" dirty="0">
+                  <a:solidFill>
+                    <a:srgbClr val="000000"/>
+                  </a:solidFill>
+                  <a:latin typeface="Helvetica"/>
+                  <a:cs typeface="Helvetica"/>
+                </a:endParaRPr>
+              </a:p>
+            </p:txBody>
+          </p:sp>
+          <p:sp>
+            <p:nvSpPr>
+              <p:cNvPr id="174" name="TextBox 173"/>
+              <p:cNvSpPr txBox="1"/>
+              <p:nvPr/>
+            </p:nvSpPr>
+            <p:spPr>
+              <a:xfrm>
+                <a:off x="3745946" y="1769922"/>
+                <a:ext cx="576617" cy="230832"/>
+              </a:xfrm>
+              <a:prstGeom prst="rect">
+                <a:avLst/>
+              </a:prstGeom>
+              <a:noFill/>
+            </p:spPr>
+            <p:txBody>
+              <a:bodyPr wrap="square" rtlCol="0">
+                <a:spAutoFit/>
+              </a:bodyPr>
+              <a:lstStyle/>
+              <a:p>
+                <a:pPr algn="ctr"/>
+                <a:r>
+                  <a:rPr lang="en-US" sz="900" dirty="0" smtClean="0">
+                    <a:latin typeface="Helvetica"/>
+                    <a:cs typeface="Helvetica"/>
+                  </a:rPr>
+                  <a:t>Boy</a:t>
+                </a:r>
+                <a:endParaRPr lang="en-US" sz="900" dirty="0">
+                  <a:latin typeface="Helvetica"/>
+                  <a:cs typeface="Helvetica"/>
+                </a:endParaRPr>
+              </a:p>
+            </p:txBody>
           </p:sp>
         </p:grpSp>
         <p:sp>
           <p:nvSpPr>
-            <p:cNvPr id="82" name="Rounded Rectangle 81"/>
+            <p:cNvPr id="92" name="Rounded Rectangle 91"/>
             <p:cNvSpPr/>
             <p:nvPr/>
           </p:nvSpPr>
           <p:spPr>
             <a:xfrm>
-              <a:off x="3187313" y="5635958"/>
+              <a:off x="3176818" y="2446168"/>
               <a:ext cx="547919" cy="252448"/>
             </a:xfrm>
             <a:prstGeom prst="roundRect">
@@ -4363,7 +5696,7 @@
                   <a:latin typeface="Helvetica"/>
                   <a:cs typeface="Helvetica"/>
                 </a:rPr>
-                <a:t>Gallery</a:t>
+                <a:t>Cancel</a:t>
               </a:r>
               <a:endParaRPr lang="en-US" sz="800" b="1" dirty="0">
                 <a:solidFill>
@@ -4377,13 +5710,13 @@
         </p:sp>
         <p:sp>
           <p:nvSpPr>
-            <p:cNvPr id="84" name="Rounded Rectangle 83"/>
+            <p:cNvPr id="93" name="Rounded Rectangle 92"/>
             <p:cNvSpPr/>
             <p:nvPr/>
           </p:nvSpPr>
           <p:spPr>
             <a:xfrm>
-              <a:off x="3799505" y="5635958"/>
+              <a:off x="3789010" y="2446168"/>
               <a:ext cx="547919" cy="252448"/>
             </a:xfrm>
             <a:prstGeom prst="roundRect">
@@ -4412,7 +5745,7 @@
             </a:fontRef>
           </p:style>
           <p:txBody>
-            <a:bodyPr/>
+            <a:bodyPr lIns="0" rIns="0"/>
             <a:lstStyle/>
             <a:p>
               <a:pPr algn="ctr"/>
@@ -4424,7 +5757,7 @@
                   <a:latin typeface="Helvetica"/>
                   <a:cs typeface="Helvetica"/>
                 </a:rPr>
-                <a:t>Add</a:t>
+                <a:t>Create</a:t>
               </a:r>
               <a:endParaRPr lang="en-US" sz="900" b="1" dirty="0">
                 <a:solidFill>
@@ -4436,121 +5769,25 @@
             </a:p>
           </p:txBody>
         </p:sp>
-        <p:sp>
-          <p:nvSpPr>
-            <p:cNvPr id="85" name="TextBox 84"/>
-            <p:cNvSpPr txBox="1"/>
-            <p:nvPr/>
-          </p:nvSpPr>
-          <p:spPr>
-            <a:xfrm>
-              <a:off x="3630282" y="4395812"/>
-              <a:ext cx="490990" cy="246221"/>
-            </a:xfrm>
-            <a:prstGeom prst="rect">
-              <a:avLst/>
-            </a:prstGeom>
-            <a:noFill/>
-          </p:spPr>
-          <p:txBody>
-            <a:bodyPr wrap="none" rtlCol="0">
-              <a:spAutoFit/>
-            </a:bodyPr>
-            <a:lstStyle/>
-            <a:p>
-              <a:r>
-                <a:rPr lang="en-US" sz="1000" b="1" dirty="0" smtClean="0">
-                  <a:latin typeface="Helvetica"/>
-                  <a:cs typeface="Helvetica"/>
-                </a:rPr>
-                <a:t>John</a:t>
-              </a:r>
-              <a:endParaRPr lang="en-US" sz="1000" b="1" dirty="0">
-                <a:latin typeface="Helvetica"/>
-                <a:cs typeface="Helvetica"/>
-              </a:endParaRPr>
-            </a:p>
-          </p:txBody>
-        </p:sp>
-        <p:sp>
-          <p:nvSpPr>
-            <p:cNvPr id="87" name="TextBox 86"/>
-            <p:cNvSpPr txBox="1"/>
-            <p:nvPr/>
-          </p:nvSpPr>
-          <p:spPr>
-            <a:xfrm>
-              <a:off x="3640777" y="4582496"/>
-              <a:ext cx="762311" cy="230832"/>
-            </a:xfrm>
-            <a:prstGeom prst="rect">
-              <a:avLst/>
-            </a:prstGeom>
-            <a:noFill/>
-          </p:spPr>
-          <p:txBody>
-            <a:bodyPr wrap="none" rtlCol="0">
-              <a:spAutoFit/>
-            </a:bodyPr>
-            <a:lstStyle/>
-            <a:p>
-              <a:r>
-                <a:rPr lang="en-US" sz="900" dirty="0" smtClean="0">
-                  <a:latin typeface="Helvetica"/>
-                  <a:cs typeface="Helvetica"/>
-                </a:rPr>
-                <a:t>2014.10.05</a:t>
-              </a:r>
-              <a:endParaRPr lang="en-US" sz="900" dirty="0">
-                <a:latin typeface="Helvetica"/>
-                <a:cs typeface="Helvetica"/>
-              </a:endParaRPr>
-            </a:p>
-          </p:txBody>
-        </p:sp>
-        <p:pic>
-          <p:nvPicPr>
-            <p:cNvPr id="100" name="Picture 99"/>
-            <p:cNvPicPr>
-              <a:picLocks noChangeAspect="1"/>
-            </p:cNvPicPr>
-            <p:nvPr/>
-          </p:nvPicPr>
-          <p:blipFill>
-            <a:blip r:embed="rId3"/>
-            <a:stretch>
-              <a:fillRect/>
-            </a:stretch>
-          </p:blipFill>
-          <p:spPr>
-            <a:xfrm>
-              <a:off x="3244524" y="4455781"/>
-              <a:ext cx="393496" cy="393496"/>
-            </a:xfrm>
-            <a:prstGeom prst="rect">
-              <a:avLst/>
-            </a:prstGeom>
-          </p:spPr>
-        </p:pic>
       </p:grpSp>
       <p:pic>
         <p:nvPicPr>
-          <p:cNvPr id="102" name="Picture 101"/>
+          <p:cNvPr id="127" name="Picture 126"/>
           <p:cNvPicPr>
             <a:picLocks noChangeAspect="1"/>
           </p:cNvPicPr>
           <p:nvPr/>
         </p:nvPicPr>
         <p:blipFill>
-          <a:blip r:embed="rId4"/>
+          <a:blip r:embed="rId5"/>
           <a:stretch>
             <a:fillRect/>
           </a:stretch>
         </p:blipFill>
         <p:spPr>
           <a:xfrm>
-            <a:off x="409818" y="6347673"/>
-            <a:ext cx="216246" cy="223094"/>
+            <a:off x="1095591" y="4671492"/>
+            <a:ext cx="180000" cy="180000"/>
           </a:xfrm>
           <a:prstGeom prst="rect">
             <a:avLst/>
@@ -4559,52 +5796,96 @@
       </p:pic>
       <p:pic>
         <p:nvPicPr>
-          <p:cNvPr id="104" name="Picture 103"/>
+          <p:cNvPr id="128" name="Picture 127"/>
           <p:cNvPicPr>
             <a:picLocks noChangeAspect="1"/>
           </p:cNvPicPr>
           <p:nvPr/>
         </p:nvPicPr>
         <p:blipFill>
-          <a:blip r:embed="rId4"/>
+          <a:blip r:embed="rId6"/>
           <a:stretch>
             <a:fillRect/>
           </a:stretch>
         </p:blipFill>
         <p:spPr>
           <a:xfrm>
-            <a:off x="6186577" y="3133341"/>
-            <a:ext cx="216246" cy="223094"/>
+            <a:off x="2273826" y="266704"/>
+            <a:ext cx="180000" cy="180000"/>
           </a:xfrm>
           <a:prstGeom prst="rect">
             <a:avLst/>
           </a:prstGeom>
         </p:spPr>
       </p:pic>
-      <p:pic>
-        <p:nvPicPr>
-          <p:cNvPr id="105" name="Picture 104"/>
-          <p:cNvPicPr>
-            <a:picLocks noChangeAspect="1"/>
-          </p:cNvPicPr>
+      <p:sp>
+        <p:nvSpPr>
+          <p:cNvPr id="129" name="TextBox 128"/>
+          <p:cNvSpPr txBox="1"/>
           <p:nvPr/>
-        </p:nvPicPr>
-        <p:blipFill>
-          <a:blip r:embed="rId4"/>
-          <a:stretch>
-            <a:fillRect/>
-          </a:stretch>
-        </p:blipFill>
+        </p:nvSpPr>
         <p:spPr>
           <a:xfrm>
-            <a:off x="422980" y="3133341"/>
-            <a:ext cx="216246" cy="223094"/>
+            <a:off x="1200829" y="4654125"/>
+            <a:ext cx="479618" cy="215444"/>
           </a:xfrm>
           <a:prstGeom prst="rect">
             <a:avLst/>
           </a:prstGeom>
+          <a:noFill/>
         </p:spPr>
-      </p:pic>
+        <p:txBody>
+          <a:bodyPr wrap="none" rtlCol="0">
+            <a:spAutoFit/>
+          </a:bodyPr>
+          <a:lstStyle/>
+          <a:p>
+            <a:r>
+              <a:rPr lang="en-US" sz="800" b="1" dirty="0" smtClean="0">
+                <a:latin typeface="Helvetica"/>
+                <a:cs typeface="Helvetica"/>
+              </a:rPr>
+              <a:t>Korea</a:t>
+            </a:r>
+            <a:endParaRPr lang="en-US" sz="800" b="1" dirty="0">
+              <a:latin typeface="Helvetica"/>
+              <a:cs typeface="Helvetica"/>
+            </a:endParaRPr>
+          </a:p>
+        </p:txBody>
+      </p:sp>
+    </p:spTree>
+  </p:cSld>
+  <p:clrMapOvr>
+    <a:masterClrMapping/>
+  </p:clrMapOvr>
+  <p:timing>
+    <p:tnLst>
+      <p:par>
+        <p:cTn id="1" dur="indefinite" restart="never" nodeType="tmRoot"/>
+      </p:par>
+    </p:tnLst>
+  </p:timing>
+</p:sld>
+</file>
+
+<file path=ppt/slides/slide3.xml><?xml version="1.0" encoding="utf-8"?>
+<p:sld xmlns:a="http://schemas.openxmlformats.org/drawingml/2006/main" xmlns:r="http://schemas.openxmlformats.org/officeDocument/2006/relationships" xmlns:mc="http://schemas.openxmlformats.org/markup-compatibility/2006" xmlns:mv="urn:schemas-microsoft-com:mac:vml" xmlns:p="http://schemas.openxmlformats.org/presentationml/2006/main" mc:Ignorable="mv" mc:PreserveAttributes="mv:*">
+  <p:cSld>
+    <p:spTree>
+      <p:nvGrpSpPr>
+        <p:cNvPr id="1" name=""/>
+        <p:cNvGrpSpPr/>
+        <p:nvPr/>
+      </p:nvGrpSpPr>
+      <p:grpSpPr>
+        <a:xfrm>
+          <a:off x="0" y="0"/>
+          <a:ext cx="0" cy="0"/>
+          <a:chOff x="0" y="0"/>
+          <a:chExt cx="0" cy="0"/>
+        </a:xfrm>
+      </p:grpSpPr>
     </p:spTree>
   </p:cSld>
   <p:clrMapOvr>

--- a/ArtisticBaby.pptx
+++ b/ArtisticBaby.pptx
@@ -8,6 +8,7 @@
     <p:sldId id="256" r:id="rId2"/>
     <p:sldId id="257" r:id="rId3"/>
     <p:sldId id="258" r:id="rId4"/>
+    <p:sldId id="259" r:id="rId5"/>
   </p:sldIdLst>
   <p:sldSz cx="9144000" cy="6858000" type="screen4x3"/>
   <p:notesSz cx="6858000" cy="9144000"/>
@@ -291,7 +292,7 @@
             <a:fld id="{0473D8EE-FE78-FA4E-9A10-DD6752EB4FB1}" type="datetimeFigureOut">
               <a:rPr lang="en-US" smtClean="0"/>
               <a:pPr/>
-              <a:t>11/21/14</a:t>
+              <a:t>11/22/14</a:t>
             </a:fld>
             <a:endParaRPr lang="en-US"/>
           </a:p>
@@ -458,7 +459,7 @@
             <a:fld id="{0473D8EE-FE78-FA4E-9A10-DD6752EB4FB1}" type="datetimeFigureOut">
               <a:rPr lang="en-US" smtClean="0"/>
               <a:pPr/>
-              <a:t>11/21/14</a:t>
+              <a:t>11/22/14</a:t>
             </a:fld>
             <a:endParaRPr lang="en-US"/>
           </a:p>
@@ -635,7 +636,7 @@
             <a:fld id="{0473D8EE-FE78-FA4E-9A10-DD6752EB4FB1}" type="datetimeFigureOut">
               <a:rPr lang="en-US" smtClean="0"/>
               <a:pPr/>
-              <a:t>11/21/14</a:t>
+              <a:t>11/22/14</a:t>
             </a:fld>
             <a:endParaRPr lang="en-US"/>
           </a:p>
@@ -802,7 +803,7 @@
             <a:fld id="{0473D8EE-FE78-FA4E-9A10-DD6752EB4FB1}" type="datetimeFigureOut">
               <a:rPr lang="en-US" smtClean="0"/>
               <a:pPr/>
-              <a:t>11/21/14</a:t>
+              <a:t>11/22/14</a:t>
             </a:fld>
             <a:endParaRPr lang="en-US"/>
           </a:p>
@@ -1045,7 +1046,7 @@
             <a:fld id="{0473D8EE-FE78-FA4E-9A10-DD6752EB4FB1}" type="datetimeFigureOut">
               <a:rPr lang="en-US" smtClean="0"/>
               <a:pPr/>
-              <a:t>11/21/14</a:t>
+              <a:t>11/22/14</a:t>
             </a:fld>
             <a:endParaRPr lang="en-US"/>
           </a:p>
@@ -1330,7 +1331,7 @@
             <a:fld id="{0473D8EE-FE78-FA4E-9A10-DD6752EB4FB1}" type="datetimeFigureOut">
               <a:rPr lang="en-US" smtClean="0"/>
               <a:pPr/>
-              <a:t>11/21/14</a:t>
+              <a:t>11/22/14</a:t>
             </a:fld>
             <a:endParaRPr lang="en-US"/>
           </a:p>
@@ -1749,7 +1750,7 @@
             <a:fld id="{0473D8EE-FE78-FA4E-9A10-DD6752EB4FB1}" type="datetimeFigureOut">
               <a:rPr lang="en-US" smtClean="0"/>
               <a:pPr/>
-              <a:t>11/21/14</a:t>
+              <a:t>11/22/14</a:t>
             </a:fld>
             <a:endParaRPr lang="en-US"/>
           </a:p>
@@ -1864,7 +1865,7 @@
             <a:fld id="{0473D8EE-FE78-FA4E-9A10-DD6752EB4FB1}" type="datetimeFigureOut">
               <a:rPr lang="en-US" smtClean="0"/>
               <a:pPr/>
-              <a:t>11/21/14</a:t>
+              <a:t>11/22/14</a:t>
             </a:fld>
             <a:endParaRPr lang="en-US"/>
           </a:p>
@@ -1956,7 +1957,7 @@
             <a:fld id="{0473D8EE-FE78-FA4E-9A10-DD6752EB4FB1}" type="datetimeFigureOut">
               <a:rPr lang="en-US" smtClean="0"/>
               <a:pPr/>
-              <a:t>11/21/14</a:t>
+              <a:t>11/22/14</a:t>
             </a:fld>
             <a:endParaRPr lang="en-US"/>
           </a:p>
@@ -2230,7 +2231,7 @@
             <a:fld id="{0473D8EE-FE78-FA4E-9A10-DD6752EB4FB1}" type="datetimeFigureOut">
               <a:rPr lang="en-US" smtClean="0"/>
               <a:pPr/>
-              <a:t>11/21/14</a:t>
+              <a:t>11/22/14</a:t>
             </a:fld>
             <a:endParaRPr lang="en-US"/>
           </a:p>
@@ -2480,7 +2481,7 @@
             <a:fld id="{0473D8EE-FE78-FA4E-9A10-DD6752EB4FB1}" type="datetimeFigureOut">
               <a:rPr lang="en-US" smtClean="0"/>
               <a:pPr/>
-              <a:t>11/21/14</a:t>
+              <a:t>11/22/14</a:t>
             </a:fld>
             <a:endParaRPr lang="en-US"/>
           </a:p>
@@ -2690,7 +2691,7 @@
             <a:fld id="{0473D8EE-FE78-FA4E-9A10-DD6752EB4FB1}" type="datetimeFigureOut">
               <a:rPr lang="en-US" smtClean="0"/>
               <a:pPr/>
-              <a:t>11/21/14</a:t>
+              <a:t>11/22/14</a:t>
             </a:fld>
             <a:endParaRPr lang="en-US"/>
           </a:p>
@@ -3438,670 +3439,6 @@
           </p:spPr>
         </p:pic>
       </p:grpSp>
-      <p:grpSp>
-        <p:nvGrpSpPr>
-          <p:cNvPr id="63" name="Group 62"/>
-          <p:cNvGrpSpPr/>
-          <p:nvPr/>
-        </p:nvGrpSpPr>
-        <p:grpSpPr>
-          <a:xfrm>
-            <a:off x="315562" y="3657600"/>
-            <a:ext cx="1702398" cy="2975874"/>
-            <a:chOff x="312693" y="446704"/>
-            <a:chExt cx="1702398" cy="2975874"/>
-          </a:xfrm>
-        </p:grpSpPr>
-        <p:grpSp>
-          <p:nvGrpSpPr>
-            <p:cNvPr id="64" name="Group 63"/>
-            <p:cNvGrpSpPr/>
-            <p:nvPr/>
-          </p:nvGrpSpPr>
-          <p:grpSpPr>
-            <a:xfrm>
-              <a:off x="312693" y="446704"/>
-              <a:ext cx="1702398" cy="2975874"/>
-              <a:chOff x="312693" y="446704"/>
-              <a:chExt cx="1702398" cy="2975874"/>
-            </a:xfrm>
-          </p:grpSpPr>
-          <p:sp>
-            <p:nvSpPr>
-              <p:cNvPr id="66" name="Rectangle 65"/>
-              <p:cNvSpPr/>
-              <p:nvPr/>
-            </p:nvSpPr>
-            <p:spPr>
-              <a:xfrm>
-                <a:off x="312693" y="449213"/>
-                <a:ext cx="1702398" cy="2972570"/>
-              </a:xfrm>
-              <a:prstGeom prst="rect">
-                <a:avLst/>
-              </a:prstGeom>
-              <a:noFill/>
-              <a:ln>
-                <a:solidFill>
-                  <a:schemeClr val="tx1"/>
-                </a:solidFill>
-              </a:ln>
-              <a:effectLst/>
-            </p:spPr>
-            <p:style>
-              <a:lnRef idx="1">
-                <a:schemeClr val="accent1"/>
-              </a:lnRef>
-              <a:fillRef idx="3">
-                <a:schemeClr val="accent1"/>
-              </a:fillRef>
-              <a:effectRef idx="2">
-                <a:schemeClr val="accent1"/>
-              </a:effectRef>
-              <a:fontRef idx="minor">
-                <a:schemeClr val="lt1"/>
-              </a:fontRef>
-            </p:style>
-          </p:sp>
-          <p:sp>
-            <p:nvSpPr>
-              <p:cNvPr id="67" name="Rectangle 66"/>
-              <p:cNvSpPr/>
-              <p:nvPr/>
-            </p:nvSpPr>
-            <p:spPr>
-              <a:xfrm>
-                <a:off x="312694" y="446704"/>
-                <a:ext cx="1702397" cy="358999"/>
-              </a:xfrm>
-              <a:prstGeom prst="rect">
-                <a:avLst/>
-              </a:prstGeom>
-              <a:solidFill>
-                <a:schemeClr val="bg1"/>
-              </a:solidFill>
-              <a:ln>
-                <a:solidFill>
-                  <a:schemeClr val="tx1"/>
-                </a:solidFill>
-              </a:ln>
-              <a:effectLst/>
-            </p:spPr>
-            <p:style>
-              <a:lnRef idx="1">
-                <a:schemeClr val="accent1"/>
-              </a:lnRef>
-              <a:fillRef idx="3">
-                <a:schemeClr val="accent1"/>
-              </a:fillRef>
-              <a:effectRef idx="2">
-                <a:schemeClr val="accent1"/>
-              </a:effectRef>
-              <a:fontRef idx="minor">
-                <a:schemeClr val="lt1"/>
-              </a:fontRef>
-            </p:style>
-          </p:sp>
-          <p:sp>
-            <p:nvSpPr>
-              <p:cNvPr id="68" name="Rectangle 67"/>
-              <p:cNvSpPr/>
-              <p:nvPr/>
-            </p:nvSpPr>
-            <p:spPr>
-              <a:xfrm>
-                <a:off x="1731610" y="530672"/>
-                <a:ext cx="203033" cy="222548"/>
-              </a:xfrm>
-              <a:prstGeom prst="rect">
-                <a:avLst/>
-              </a:prstGeom>
-              <a:noFill/>
-              <a:ln>
-                <a:solidFill>
-                  <a:schemeClr val="bg1"/>
-                </a:solidFill>
-              </a:ln>
-              <a:effectLst/>
-            </p:spPr>
-            <p:style>
-              <a:lnRef idx="1">
-                <a:schemeClr val="accent1"/>
-              </a:lnRef>
-              <a:fillRef idx="3">
-                <a:schemeClr val="accent1"/>
-              </a:fillRef>
-              <a:effectRef idx="2">
-                <a:schemeClr val="accent1"/>
-              </a:effectRef>
-              <a:fontRef idx="minor">
-                <a:schemeClr val="lt1"/>
-              </a:fontRef>
-            </p:style>
-          </p:sp>
-          <p:grpSp>
-            <p:nvGrpSpPr>
-              <p:cNvPr id="69" name="Group 68"/>
-              <p:cNvGrpSpPr/>
-              <p:nvPr/>
-            </p:nvGrpSpPr>
-            <p:grpSpPr>
-              <a:xfrm>
-                <a:off x="312694" y="3058539"/>
-                <a:ext cx="1702397" cy="364039"/>
-                <a:chOff x="312694" y="3058539"/>
-                <a:chExt cx="1702397" cy="364039"/>
-              </a:xfrm>
-            </p:grpSpPr>
-            <p:sp>
-              <p:nvSpPr>
-                <p:cNvPr id="70" name="Rectangle 69"/>
-                <p:cNvSpPr/>
-                <p:nvPr/>
-              </p:nvSpPr>
-              <p:spPr>
-                <a:xfrm>
-                  <a:off x="312694" y="3062784"/>
-                  <a:ext cx="1702397" cy="358999"/>
-                </a:xfrm>
-                <a:prstGeom prst="rect">
-                  <a:avLst/>
-                </a:prstGeom>
-                <a:solidFill>
-                  <a:schemeClr val="bg1"/>
-                </a:solidFill>
-                <a:ln>
-                  <a:solidFill>
-                    <a:schemeClr val="tx1"/>
-                  </a:solidFill>
-                </a:ln>
-                <a:effectLst/>
-              </p:spPr>
-              <p:style>
-                <a:lnRef idx="1">
-                  <a:schemeClr val="accent1"/>
-                </a:lnRef>
-                <a:fillRef idx="3">
-                  <a:schemeClr val="accent1"/>
-                </a:fillRef>
-                <a:effectRef idx="2">
-                  <a:schemeClr val="accent1"/>
-                </a:effectRef>
-                <a:fontRef idx="minor">
-                  <a:schemeClr val="lt1"/>
-                </a:fontRef>
-              </p:style>
-            </p:sp>
-            <p:cxnSp>
-              <p:nvCxnSpPr>
-                <p:cNvPr id="71" name="Straight Connector 70"/>
-                <p:cNvCxnSpPr/>
-                <p:nvPr/>
-              </p:nvCxnSpPr>
-              <p:spPr>
-                <a:xfrm rot="5400000">
-                  <a:off x="1009009" y="3242284"/>
-                  <a:ext cx="358999" cy="1588"/>
-                </a:xfrm>
-                <a:prstGeom prst="line">
-                  <a:avLst/>
-                </a:prstGeom>
-                <a:ln w="9525">
-                  <a:solidFill>
-                    <a:schemeClr val="tx1"/>
-                  </a:solidFill>
-                </a:ln>
-                <a:effectLst/>
-              </p:spPr>
-              <p:style>
-                <a:lnRef idx="2">
-                  <a:schemeClr val="accent1"/>
-                </a:lnRef>
-                <a:fillRef idx="0">
-                  <a:schemeClr val="accent1"/>
-                </a:fillRef>
-                <a:effectRef idx="1">
-                  <a:schemeClr val="accent1"/>
-                </a:effectRef>
-                <a:fontRef idx="minor">
-                  <a:schemeClr val="tx1"/>
-                </a:fontRef>
-              </p:style>
-            </p:cxnSp>
-            <p:cxnSp>
-              <p:nvCxnSpPr>
-                <p:cNvPr id="72" name="Straight Connector 71"/>
-                <p:cNvCxnSpPr/>
-                <p:nvPr/>
-              </p:nvCxnSpPr>
-              <p:spPr>
-                <a:xfrm rot="5400000">
-                  <a:off x="1431989" y="3237245"/>
-                  <a:ext cx="358999" cy="1588"/>
-                </a:xfrm>
-                <a:prstGeom prst="line">
-                  <a:avLst/>
-                </a:prstGeom>
-                <a:ln w="9525">
-                  <a:solidFill>
-                    <a:schemeClr val="tx1"/>
-                  </a:solidFill>
-                </a:ln>
-                <a:effectLst/>
-              </p:spPr>
-              <p:style>
-                <a:lnRef idx="2">
-                  <a:schemeClr val="accent1"/>
-                </a:lnRef>
-                <a:fillRef idx="0">
-                  <a:schemeClr val="accent1"/>
-                </a:fillRef>
-                <a:effectRef idx="1">
-                  <a:schemeClr val="accent1"/>
-                </a:effectRef>
-                <a:fontRef idx="minor">
-                  <a:schemeClr val="tx1"/>
-                </a:fontRef>
-              </p:style>
-            </p:cxnSp>
-            <p:cxnSp>
-              <p:nvCxnSpPr>
-                <p:cNvPr id="73" name="Straight Connector 72"/>
-                <p:cNvCxnSpPr/>
-                <p:nvPr/>
-              </p:nvCxnSpPr>
-              <p:spPr>
-                <a:xfrm rot="5400000">
-                  <a:off x="551809" y="3242285"/>
-                  <a:ext cx="358999" cy="1588"/>
-                </a:xfrm>
-                <a:prstGeom prst="line">
-                  <a:avLst/>
-                </a:prstGeom>
-                <a:ln w="9525">
-                  <a:solidFill>
-                    <a:schemeClr val="tx1"/>
-                  </a:solidFill>
-                </a:ln>
-                <a:effectLst/>
-              </p:spPr>
-              <p:style>
-                <a:lnRef idx="2">
-                  <a:schemeClr val="accent1"/>
-                </a:lnRef>
-                <a:fillRef idx="0">
-                  <a:schemeClr val="accent1"/>
-                </a:fillRef>
-                <a:effectRef idx="1">
-                  <a:schemeClr val="accent1"/>
-                </a:effectRef>
-                <a:fontRef idx="minor">
-                  <a:schemeClr val="tx1"/>
-                </a:fontRef>
-              </p:style>
-            </p:cxnSp>
-          </p:grpSp>
-        </p:grpSp>
-        <p:pic>
-          <p:nvPicPr>
-            <p:cNvPr id="65" name="Picture 64"/>
-            <p:cNvPicPr>
-              <a:picLocks noChangeAspect="1"/>
-            </p:cNvPicPr>
-            <p:nvPr/>
-          </p:nvPicPr>
-          <p:blipFill>
-            <a:blip r:embed="rId2"/>
-            <a:stretch>
-              <a:fillRect/>
-            </a:stretch>
-          </p:blipFill>
-          <p:spPr>
-            <a:xfrm>
-              <a:off x="1676359" y="3112349"/>
-              <a:ext cx="279808" cy="279808"/>
-            </a:xfrm>
-            <a:prstGeom prst="rect">
-              <a:avLst/>
-            </a:prstGeom>
-          </p:spPr>
-        </p:pic>
-      </p:grpSp>
-      <p:grpSp>
-        <p:nvGrpSpPr>
-          <p:cNvPr id="81" name="Group 80"/>
-          <p:cNvGrpSpPr/>
-          <p:nvPr/>
-        </p:nvGrpSpPr>
-        <p:grpSpPr>
-          <a:xfrm>
-            <a:off x="530703" y="4304775"/>
-            <a:ext cx="1277970" cy="1660084"/>
-            <a:chOff x="3124200" y="4304775"/>
-            <a:chExt cx="1277970" cy="1660084"/>
-          </a:xfrm>
-        </p:grpSpPr>
-        <p:sp>
-          <p:nvSpPr>
-            <p:cNvPr id="79" name="Rounded Rectangle 78"/>
-            <p:cNvSpPr/>
-            <p:nvPr/>
-          </p:nvSpPr>
-          <p:spPr>
-            <a:xfrm>
-              <a:off x="3124200" y="4304775"/>
-              <a:ext cx="1277970" cy="1660084"/>
-            </a:xfrm>
-            <a:prstGeom prst="roundRect">
-              <a:avLst>
-                <a:gd name="adj" fmla="val 8682"/>
-              </a:avLst>
-            </a:prstGeom>
-            <a:noFill/>
-            <a:ln>
-              <a:solidFill>
-                <a:schemeClr val="tx1"/>
-              </a:solidFill>
-            </a:ln>
-            <a:effectLst/>
-          </p:spPr>
-          <p:style>
-            <a:lnRef idx="1">
-              <a:schemeClr val="accent1"/>
-            </a:lnRef>
-            <a:fillRef idx="3">
-              <a:schemeClr val="accent1"/>
-            </a:fillRef>
-            <a:effectRef idx="2">
-              <a:schemeClr val="accent1"/>
-            </a:effectRef>
-            <a:fontRef idx="minor">
-              <a:schemeClr val="lt1"/>
-            </a:fontRef>
-          </p:style>
-        </p:sp>
-        <p:sp>
-          <p:nvSpPr>
-            <p:cNvPr id="80" name="Rectangle 79"/>
-            <p:cNvSpPr/>
-            <p:nvPr/>
-          </p:nvSpPr>
-          <p:spPr>
-            <a:xfrm>
-              <a:off x="3225323" y="4416804"/>
-              <a:ext cx="421977" cy="421977"/>
-            </a:xfrm>
-            <a:prstGeom prst="rect">
-              <a:avLst/>
-            </a:prstGeom>
-            <a:noFill/>
-            <a:ln>
-              <a:solidFill>
-                <a:schemeClr val="tx1"/>
-              </a:solidFill>
-            </a:ln>
-            <a:effectLst/>
-          </p:spPr>
-          <p:style>
-            <a:lnRef idx="1">
-              <a:schemeClr val="accent1"/>
-            </a:lnRef>
-            <a:fillRef idx="3">
-              <a:schemeClr val="accent1"/>
-            </a:fillRef>
-            <a:effectRef idx="2">
-              <a:schemeClr val="accent1"/>
-            </a:effectRef>
-            <a:fontRef idx="minor">
-              <a:schemeClr val="lt1"/>
-            </a:fontRef>
-          </p:style>
-        </p:sp>
-      </p:grpSp>
-      <p:sp>
-        <p:nvSpPr>
-          <p:cNvPr id="82" name="Rounded Rectangle 81"/>
-          <p:cNvSpPr/>
-          <p:nvPr/>
-        </p:nvSpPr>
-        <p:spPr>
-          <a:xfrm>
-            <a:off x="593816" y="5635958"/>
-            <a:ext cx="547919" cy="252448"/>
-          </a:xfrm>
-          <a:prstGeom prst="roundRect">
-            <a:avLst/>
-          </a:prstGeom>
-          <a:noFill/>
-          <a:ln>
-            <a:solidFill>
-              <a:schemeClr val="tx1"/>
-            </a:solidFill>
-          </a:ln>
-          <a:effectLst/>
-        </p:spPr>
-        <p:style>
-          <a:lnRef idx="1">
-            <a:schemeClr val="accent1"/>
-          </a:lnRef>
-          <a:fillRef idx="3">
-            <a:schemeClr val="accent1"/>
-          </a:fillRef>
-          <a:effectRef idx="2">
-            <a:schemeClr val="accent1"/>
-          </a:effectRef>
-          <a:fontRef idx="minor">
-            <a:schemeClr val="lt1"/>
-          </a:fontRef>
-        </p:style>
-        <p:txBody>
-          <a:bodyPr lIns="0" rIns="0" anchor="t" anchorCtr="0">
-            <a:noAutofit/>
-          </a:bodyPr>
-          <a:lstStyle/>
-          <a:p>
-            <a:pPr algn="ctr"/>
-            <a:r>
-              <a:rPr lang="en-US" sz="800" b="1" dirty="0" smtClean="0">
-                <a:solidFill>
-                  <a:srgbClr val="000000"/>
-                </a:solidFill>
-                <a:latin typeface="Helvetica"/>
-                <a:cs typeface="Helvetica"/>
-              </a:rPr>
-              <a:t>Gallery</a:t>
-            </a:r>
-            <a:endParaRPr lang="en-US" sz="800" b="1" dirty="0">
-              <a:solidFill>
-                <a:srgbClr val="000000"/>
-              </a:solidFill>
-              <a:latin typeface="Helvetica"/>
-              <a:cs typeface="Helvetica"/>
-            </a:endParaRPr>
-          </a:p>
-        </p:txBody>
-      </p:sp>
-      <p:sp>
-        <p:nvSpPr>
-          <p:cNvPr id="84" name="Rounded Rectangle 83"/>
-          <p:cNvSpPr/>
-          <p:nvPr/>
-        </p:nvSpPr>
-        <p:spPr>
-          <a:xfrm>
-            <a:off x="1206008" y="5635958"/>
-            <a:ext cx="547919" cy="252448"/>
-          </a:xfrm>
-          <a:prstGeom prst="roundRect">
-            <a:avLst/>
-          </a:prstGeom>
-          <a:noFill/>
-          <a:ln>
-            <a:solidFill>
-              <a:schemeClr val="tx1"/>
-            </a:solidFill>
-          </a:ln>
-          <a:effectLst/>
-        </p:spPr>
-        <p:style>
-          <a:lnRef idx="1">
-            <a:schemeClr val="accent1"/>
-          </a:lnRef>
-          <a:fillRef idx="3">
-            <a:schemeClr val="accent1"/>
-          </a:fillRef>
-          <a:effectRef idx="2">
-            <a:schemeClr val="accent1"/>
-          </a:effectRef>
-          <a:fontRef idx="minor">
-            <a:schemeClr val="lt1"/>
-          </a:fontRef>
-        </p:style>
-        <p:txBody>
-          <a:bodyPr/>
-          <a:lstStyle/>
-          <a:p>
-            <a:pPr algn="ctr"/>
-            <a:r>
-              <a:rPr lang="en-US" sz="900" b="1" dirty="0" smtClean="0">
-                <a:solidFill>
-                  <a:srgbClr val="000000"/>
-                </a:solidFill>
-                <a:latin typeface="Helvetica"/>
-                <a:cs typeface="Helvetica"/>
-              </a:rPr>
-              <a:t>Add</a:t>
-            </a:r>
-            <a:endParaRPr lang="en-US" sz="900" b="1" dirty="0">
-              <a:solidFill>
-                <a:srgbClr val="000000"/>
-              </a:solidFill>
-              <a:latin typeface="Helvetica"/>
-              <a:cs typeface="Helvetica"/>
-            </a:endParaRPr>
-          </a:p>
-        </p:txBody>
-      </p:sp>
-      <p:sp>
-        <p:nvSpPr>
-          <p:cNvPr id="85" name="TextBox 84"/>
-          <p:cNvSpPr txBox="1"/>
-          <p:nvPr/>
-        </p:nvSpPr>
-        <p:spPr>
-          <a:xfrm>
-            <a:off x="1036785" y="4343332"/>
-            <a:ext cx="490990" cy="246221"/>
-          </a:xfrm>
-          <a:prstGeom prst="rect">
-            <a:avLst/>
-          </a:prstGeom>
-          <a:noFill/>
-        </p:spPr>
-        <p:txBody>
-          <a:bodyPr wrap="none" rtlCol="0">
-            <a:spAutoFit/>
-          </a:bodyPr>
-          <a:lstStyle/>
-          <a:p>
-            <a:r>
-              <a:rPr lang="en-US" sz="1000" b="1" dirty="0" smtClean="0">
-                <a:latin typeface="Helvetica"/>
-                <a:cs typeface="Helvetica"/>
-              </a:rPr>
-              <a:t>John</a:t>
-            </a:r>
-            <a:endParaRPr lang="en-US" sz="1000" b="1" dirty="0">
-              <a:latin typeface="Helvetica"/>
-              <a:cs typeface="Helvetica"/>
-            </a:endParaRPr>
-          </a:p>
-        </p:txBody>
-      </p:sp>
-      <p:sp>
-        <p:nvSpPr>
-          <p:cNvPr id="87" name="TextBox 86"/>
-          <p:cNvSpPr txBox="1"/>
-          <p:nvPr/>
-        </p:nvSpPr>
-        <p:spPr>
-          <a:xfrm>
-            <a:off x="1036518" y="4488032"/>
-            <a:ext cx="698128" cy="215444"/>
-          </a:xfrm>
-          <a:prstGeom prst="rect">
-            <a:avLst/>
-          </a:prstGeom>
-          <a:noFill/>
-        </p:spPr>
-        <p:txBody>
-          <a:bodyPr wrap="none" rtlCol="0">
-            <a:spAutoFit/>
-          </a:bodyPr>
-          <a:lstStyle/>
-          <a:p>
-            <a:r>
-              <a:rPr lang="en-US" sz="800" dirty="0" smtClean="0">
-                <a:latin typeface="Helvetica"/>
-                <a:cs typeface="Helvetica"/>
-              </a:rPr>
-              <a:t>2014.10.05</a:t>
-            </a:r>
-            <a:endParaRPr lang="en-US" sz="800" dirty="0">
-              <a:latin typeface="Helvetica"/>
-              <a:cs typeface="Helvetica"/>
-            </a:endParaRPr>
-          </a:p>
-        </p:txBody>
-      </p:sp>
-      <p:pic>
-        <p:nvPicPr>
-          <p:cNvPr id="100" name="Picture 99"/>
-          <p:cNvPicPr>
-            <a:picLocks noChangeAspect="1"/>
-          </p:cNvPicPr>
-          <p:nvPr/>
-        </p:nvPicPr>
-        <p:blipFill>
-          <a:blip r:embed="rId3"/>
-          <a:stretch>
-            <a:fillRect/>
-          </a:stretch>
-        </p:blipFill>
-        <p:spPr>
-          <a:xfrm>
-            <a:off x="651027" y="4455781"/>
-            <a:ext cx="393496" cy="393496"/>
-          </a:xfrm>
-          <a:prstGeom prst="rect">
-            <a:avLst/>
-          </a:prstGeom>
-        </p:spPr>
-      </p:pic>
-      <p:pic>
-        <p:nvPicPr>
-          <p:cNvPr id="102" name="Picture 101"/>
-          <p:cNvPicPr>
-            <a:picLocks noChangeAspect="1"/>
-          </p:cNvPicPr>
-          <p:nvPr/>
-        </p:nvPicPr>
-        <p:blipFill>
-          <a:blip r:embed="rId4"/>
-          <a:stretch>
-            <a:fillRect/>
-          </a:stretch>
-        </p:blipFill>
-        <p:spPr>
-          <a:xfrm>
-            <a:off x="409818" y="6347673"/>
-            <a:ext cx="216246" cy="223094"/>
-          </a:xfrm>
-          <a:prstGeom prst="rect">
-            <a:avLst/>
-          </a:prstGeom>
-        </p:spPr>
-      </p:pic>
       <p:pic>
         <p:nvPicPr>
           <p:cNvPr id="105" name="Picture 104"/>
@@ -4111,7 +3448,7 @@
           <p:nvPr/>
         </p:nvPicPr>
         <p:blipFill>
-          <a:blip r:embed="rId4"/>
+          <a:blip r:embed="rId3"/>
           <a:stretch>
             <a:fillRect/>
           </a:stretch>
@@ -4278,330 +3615,1069 @@
           </a:p>
         </p:txBody>
       </p:sp>
-      <p:sp>
-        <p:nvSpPr>
-          <p:cNvPr id="111" name="Rectangle 110"/>
-          <p:cNvSpPr/>
+      <p:grpSp>
+        <p:nvGrpSpPr>
+          <p:cNvPr id="232" name="Group 231"/>
+          <p:cNvGrpSpPr/>
           <p:nvPr/>
-        </p:nvSpPr>
-        <p:spPr>
+        </p:nvGrpSpPr>
+        <p:grpSpPr>
           <a:xfrm>
-            <a:off x="5486399" y="449213"/>
-            <a:ext cx="1702398" cy="2972570"/>
+            <a:off x="2892461" y="446704"/>
+            <a:ext cx="1717126" cy="2975875"/>
+            <a:chOff x="2892461" y="446704"/>
+            <a:chExt cx="1717126" cy="2975875"/>
           </a:xfrm>
-          <a:prstGeom prst="rect">
-            <a:avLst/>
-          </a:prstGeom>
-          <a:noFill/>
-          <a:ln>
+        </p:grpSpPr>
+        <p:sp>
+          <p:nvSpPr>
+            <p:cNvPr id="29" name="Rectangle 28"/>
+            <p:cNvSpPr/>
+            <p:nvPr/>
+          </p:nvSpPr>
+          <p:spPr>
+            <a:xfrm>
+              <a:off x="2907189" y="449213"/>
+              <a:ext cx="1702398" cy="2972570"/>
+            </a:xfrm>
+            <a:prstGeom prst="rect">
+              <a:avLst/>
+            </a:prstGeom>
+            <a:noFill/>
+            <a:ln>
+              <a:solidFill>
+                <a:schemeClr val="tx1"/>
+              </a:solidFill>
+            </a:ln>
+            <a:effectLst/>
+          </p:spPr>
+          <p:style>
+            <a:lnRef idx="1">
+              <a:schemeClr val="accent1"/>
+            </a:lnRef>
+            <a:fillRef idx="3">
+              <a:schemeClr val="accent1"/>
+            </a:fillRef>
+            <a:effectRef idx="2">
+              <a:schemeClr val="accent1"/>
+            </a:effectRef>
+            <a:fontRef idx="minor">
+              <a:schemeClr val="lt1"/>
+            </a:fontRef>
+          </p:style>
+        </p:sp>
+        <p:sp>
+          <p:nvSpPr>
+            <p:cNvPr id="36" name="Rectangle 35"/>
+            <p:cNvSpPr/>
+            <p:nvPr/>
+          </p:nvSpPr>
+          <p:spPr>
+            <a:xfrm>
+              <a:off x="2907190" y="446704"/>
+              <a:ext cx="1702397" cy="358999"/>
+            </a:xfrm>
+            <a:prstGeom prst="rect">
+              <a:avLst/>
+            </a:prstGeom>
             <a:solidFill>
+              <a:schemeClr val="bg1"/>
+            </a:solidFill>
+            <a:ln>
+              <a:solidFill>
+                <a:schemeClr val="tx1"/>
+              </a:solidFill>
+            </a:ln>
+            <a:effectLst/>
+          </p:spPr>
+          <p:style>
+            <a:lnRef idx="1">
+              <a:schemeClr val="accent1"/>
+            </a:lnRef>
+            <a:fillRef idx="3">
+              <a:schemeClr val="accent1"/>
+            </a:fillRef>
+            <a:effectRef idx="2">
+              <a:schemeClr val="accent1"/>
+            </a:effectRef>
+            <a:fontRef idx="minor">
+              <a:schemeClr val="lt1"/>
+            </a:fontRef>
+          </p:style>
+        </p:sp>
+        <p:sp>
+          <p:nvSpPr>
+            <p:cNvPr id="32" name="Rectangle 31"/>
+            <p:cNvSpPr/>
+            <p:nvPr/>
+          </p:nvSpPr>
+          <p:spPr>
+            <a:xfrm>
+              <a:off x="2907190" y="3062784"/>
+              <a:ext cx="1702397" cy="358999"/>
+            </a:xfrm>
+            <a:prstGeom prst="rect">
+              <a:avLst/>
+            </a:prstGeom>
+            <a:solidFill>
+              <a:schemeClr val="bg1"/>
+            </a:solidFill>
+            <a:ln>
+              <a:solidFill>
+                <a:schemeClr val="tx1"/>
+              </a:solidFill>
+            </a:ln>
+            <a:effectLst/>
+          </p:spPr>
+          <p:style>
+            <a:lnRef idx="1">
+              <a:schemeClr val="accent1"/>
+            </a:lnRef>
+            <a:fillRef idx="3">
+              <a:schemeClr val="accent1"/>
+            </a:fillRef>
+            <a:effectRef idx="2">
+              <a:schemeClr val="accent1"/>
+            </a:effectRef>
+            <a:fontRef idx="minor">
+              <a:schemeClr val="lt1"/>
+            </a:fontRef>
+          </p:style>
+        </p:sp>
+        <p:cxnSp>
+          <p:nvCxnSpPr>
+            <p:cNvPr id="33" name="Straight Connector 32"/>
+            <p:cNvCxnSpPr/>
+            <p:nvPr/>
+          </p:nvCxnSpPr>
+          <p:spPr>
+            <a:xfrm rot="5400000">
+              <a:off x="3603505" y="3242284"/>
+              <a:ext cx="358999" cy="1588"/>
+            </a:xfrm>
+            <a:prstGeom prst="line">
+              <a:avLst/>
+            </a:prstGeom>
+            <a:ln w="9525">
+              <a:solidFill>
+                <a:schemeClr val="tx1"/>
+              </a:solidFill>
+            </a:ln>
+            <a:effectLst/>
+          </p:spPr>
+          <p:style>
+            <a:lnRef idx="2">
+              <a:schemeClr val="accent1"/>
+            </a:lnRef>
+            <a:fillRef idx="0">
+              <a:schemeClr val="accent1"/>
+            </a:fillRef>
+            <a:effectRef idx="1">
+              <a:schemeClr val="accent1"/>
+            </a:effectRef>
+            <a:fontRef idx="minor">
               <a:schemeClr val="tx1"/>
+            </a:fontRef>
+          </p:style>
+        </p:cxnSp>
+        <p:cxnSp>
+          <p:nvCxnSpPr>
+            <p:cNvPr id="34" name="Straight Connector 33"/>
+            <p:cNvCxnSpPr/>
+            <p:nvPr/>
+          </p:nvCxnSpPr>
+          <p:spPr>
+            <a:xfrm rot="5400000">
+              <a:off x="4026485" y="3237245"/>
+              <a:ext cx="358999" cy="1588"/>
+            </a:xfrm>
+            <a:prstGeom prst="line">
+              <a:avLst/>
+            </a:prstGeom>
+            <a:ln w="9525">
+              <a:solidFill>
+                <a:schemeClr val="tx1"/>
+              </a:solidFill>
+            </a:ln>
+            <a:effectLst/>
+          </p:spPr>
+          <p:style>
+            <a:lnRef idx="2">
+              <a:schemeClr val="accent1"/>
+            </a:lnRef>
+            <a:fillRef idx="0">
+              <a:schemeClr val="accent1"/>
+            </a:fillRef>
+            <a:effectRef idx="1">
+              <a:schemeClr val="accent1"/>
+            </a:effectRef>
+            <a:fontRef idx="minor">
+              <a:schemeClr val="tx1"/>
+            </a:fontRef>
+          </p:style>
+        </p:cxnSp>
+        <p:cxnSp>
+          <p:nvCxnSpPr>
+            <p:cNvPr id="35" name="Straight Connector 34"/>
+            <p:cNvCxnSpPr/>
+            <p:nvPr/>
+          </p:nvCxnSpPr>
+          <p:spPr>
+            <a:xfrm rot="5400000">
+              <a:off x="3146305" y="3242285"/>
+              <a:ext cx="358999" cy="1588"/>
+            </a:xfrm>
+            <a:prstGeom prst="line">
+              <a:avLst/>
+            </a:prstGeom>
+            <a:ln w="9525">
+              <a:solidFill>
+                <a:schemeClr val="tx1"/>
+              </a:solidFill>
+            </a:ln>
+            <a:effectLst/>
+          </p:spPr>
+          <p:style>
+            <a:lnRef idx="2">
+              <a:schemeClr val="accent1"/>
+            </a:lnRef>
+            <a:fillRef idx="0">
+              <a:schemeClr val="accent1"/>
+            </a:fillRef>
+            <a:effectRef idx="1">
+              <a:schemeClr val="accent1"/>
+            </a:effectRef>
+            <a:fontRef idx="minor">
+              <a:schemeClr val="tx1"/>
+            </a:fontRef>
+          </p:style>
+        </p:cxnSp>
+        <p:pic>
+          <p:nvPicPr>
+            <p:cNvPr id="45" name="Picture 44"/>
+            <p:cNvPicPr>
+              <a:picLocks noChangeAspect="1"/>
+            </p:cNvPicPr>
+            <p:nvPr/>
+          </p:nvPicPr>
+          <p:blipFill>
+            <a:blip r:embed="rId2"/>
+            <a:stretch>
+              <a:fillRect/>
+            </a:stretch>
+          </p:blipFill>
+          <p:spPr>
+            <a:xfrm>
+              <a:off x="4278789" y="3112349"/>
+              <a:ext cx="279808" cy="279808"/>
+            </a:xfrm>
+            <a:prstGeom prst="rect">
+              <a:avLst/>
+            </a:prstGeom>
+          </p:spPr>
+        </p:pic>
+        <p:pic>
+          <p:nvPicPr>
+            <p:cNvPr id="104" name="Picture 103"/>
+            <p:cNvPicPr>
+              <a:picLocks noChangeAspect="1"/>
+            </p:cNvPicPr>
+            <p:nvPr/>
+          </p:nvPicPr>
+          <p:blipFill>
+            <a:blip r:embed="rId3"/>
+            <a:stretch>
+              <a:fillRect/>
+            </a:stretch>
+          </p:blipFill>
+          <p:spPr>
+            <a:xfrm>
+              <a:off x="3007968" y="3133341"/>
+              <a:ext cx="216246" cy="223094"/>
+            </a:xfrm>
+            <a:prstGeom prst="rect">
+              <a:avLst/>
+            </a:prstGeom>
+          </p:spPr>
+        </p:pic>
+        <p:sp>
+          <p:nvSpPr>
+            <p:cNvPr id="97" name="Rectangle 96"/>
+            <p:cNvSpPr/>
+            <p:nvPr/>
+          </p:nvSpPr>
+          <p:spPr>
+            <a:xfrm>
+              <a:off x="4301420" y="520176"/>
+              <a:ext cx="203033" cy="222548"/>
+            </a:xfrm>
+            <a:prstGeom prst="rect">
+              <a:avLst/>
+            </a:prstGeom>
+            <a:noFill/>
+            <a:ln>
+              <a:solidFill>
+                <a:schemeClr val="tx1"/>
+              </a:solidFill>
+            </a:ln>
+            <a:effectLst/>
+          </p:spPr>
+          <p:style>
+            <a:lnRef idx="1">
+              <a:schemeClr val="accent1"/>
+            </a:lnRef>
+            <a:fillRef idx="3">
+              <a:schemeClr val="accent1"/>
+            </a:fillRef>
+            <a:effectRef idx="2">
+              <a:schemeClr val="accent1"/>
+            </a:effectRef>
+            <a:fontRef idx="minor">
+              <a:schemeClr val="lt1"/>
+            </a:fontRef>
+          </p:style>
+          <p:txBody>
+            <a:bodyPr/>
+            <a:lstStyle/>
+            <a:p>
+              <a:pPr algn="ctr"/>
+              <a:endParaRPr lang="en-US" sz="900" dirty="0">
+                <a:solidFill>
+                  <a:srgbClr val="000000"/>
+                </a:solidFill>
+              </a:endParaRPr>
+            </a:p>
+          </p:txBody>
+        </p:sp>
+        <p:sp>
+          <p:nvSpPr>
+            <p:cNvPr id="98" name="Cross 97"/>
+            <p:cNvSpPr/>
+            <p:nvPr/>
+          </p:nvSpPr>
+          <p:spPr>
+            <a:xfrm>
+              <a:off x="4309181" y="541170"/>
+              <a:ext cx="180584" cy="180562"/>
+            </a:xfrm>
+            <a:prstGeom prst="plus">
+              <a:avLst>
+                <a:gd name="adj" fmla="val 40304"/>
+              </a:avLst>
+            </a:prstGeom>
+            <a:solidFill>
+              <a:schemeClr val="bg1">
+                <a:lumMod val="75000"/>
+              </a:schemeClr>
             </a:solidFill>
-          </a:ln>
-          <a:effectLst/>
-        </p:spPr>
-        <p:style>
-          <a:lnRef idx="1">
-            <a:schemeClr val="accent1"/>
-          </a:lnRef>
-          <a:fillRef idx="3">
-            <a:schemeClr val="accent1"/>
-          </a:fillRef>
-          <a:effectRef idx="2">
-            <a:schemeClr val="accent1"/>
-          </a:effectRef>
-          <a:fontRef idx="minor">
-            <a:schemeClr val="lt1"/>
-          </a:fontRef>
-        </p:style>
-      </p:sp>
-      <p:sp>
-        <p:nvSpPr>
-          <p:cNvPr id="112" name="Rectangle 111"/>
-          <p:cNvSpPr/>
-          <p:nvPr/>
-        </p:nvSpPr>
-        <p:spPr>
-          <a:xfrm>
-            <a:off x="5486400" y="446704"/>
-            <a:ext cx="1702397" cy="358999"/>
-          </a:xfrm>
-          <a:prstGeom prst="rect">
-            <a:avLst/>
-          </a:prstGeom>
-          <a:solidFill>
-            <a:schemeClr val="bg1"/>
-          </a:solidFill>
-          <a:ln>
+            <a:ln>
+              <a:noFill/>
+            </a:ln>
+            <a:effectLst/>
+          </p:spPr>
+          <p:style>
+            <a:lnRef idx="1">
+              <a:schemeClr val="accent1"/>
+            </a:lnRef>
+            <a:fillRef idx="3">
+              <a:schemeClr val="accent1"/>
+            </a:fillRef>
+            <a:effectRef idx="2">
+              <a:schemeClr val="accent1"/>
+            </a:effectRef>
+            <a:fontRef idx="minor">
+              <a:schemeClr val="lt1"/>
+            </a:fontRef>
+          </p:style>
+        </p:sp>
+        <p:sp>
+          <p:nvSpPr>
+            <p:cNvPr id="101" name="Rectangle 100"/>
+            <p:cNvSpPr/>
+            <p:nvPr/>
+          </p:nvSpPr>
+          <p:spPr>
+            <a:xfrm>
+              <a:off x="2892461" y="449213"/>
+              <a:ext cx="1717125" cy="2973366"/>
+            </a:xfrm>
+            <a:prstGeom prst="rect">
+              <a:avLst/>
+            </a:prstGeom>
             <a:solidFill>
+              <a:schemeClr val="tx1">
+                <a:alpha val="20000"/>
+              </a:schemeClr>
+            </a:solidFill>
+            <a:ln>
+              <a:noFill/>
+            </a:ln>
+            <a:effectLst/>
+          </p:spPr>
+          <p:style>
+            <a:lnRef idx="1">
+              <a:schemeClr val="accent1"/>
+            </a:lnRef>
+            <a:fillRef idx="3">
+              <a:schemeClr val="accent1"/>
+            </a:fillRef>
+            <a:effectRef idx="2">
+              <a:schemeClr val="accent1"/>
+            </a:effectRef>
+            <a:fontRef idx="minor">
+              <a:schemeClr val="lt1"/>
+            </a:fontRef>
+          </p:style>
+        </p:sp>
+        <p:sp>
+          <p:nvSpPr>
+            <p:cNvPr id="130" name="Rounded Rectangle 129"/>
+            <p:cNvSpPr/>
+            <p:nvPr/>
+          </p:nvSpPr>
+          <p:spPr>
+            <a:xfrm>
+              <a:off x="3120640" y="1101269"/>
+              <a:ext cx="1277970" cy="1660084"/>
+            </a:xfrm>
+            <a:prstGeom prst="roundRect">
+              <a:avLst>
+                <a:gd name="adj" fmla="val 8682"/>
+              </a:avLst>
+            </a:prstGeom>
+            <a:solidFill>
+              <a:schemeClr val="bg1"/>
+            </a:solidFill>
+            <a:ln>
+              <a:solidFill>
+                <a:schemeClr val="tx1"/>
+              </a:solidFill>
+            </a:ln>
+            <a:effectLst/>
+          </p:spPr>
+          <p:style>
+            <a:lnRef idx="1">
+              <a:schemeClr val="accent1"/>
+            </a:lnRef>
+            <a:fillRef idx="3">
+              <a:schemeClr val="accent1"/>
+            </a:fillRef>
+            <a:effectRef idx="2">
+              <a:schemeClr val="accent1"/>
+            </a:effectRef>
+            <a:fontRef idx="minor">
+              <a:schemeClr val="lt1"/>
+            </a:fontRef>
+          </p:style>
+        </p:sp>
+        <p:sp>
+          <p:nvSpPr>
+            <p:cNvPr id="131" name="Rectangle 130"/>
+            <p:cNvSpPr/>
+            <p:nvPr/>
+          </p:nvSpPr>
+          <p:spPr>
+            <a:xfrm>
+              <a:off x="3221763" y="1213298"/>
+              <a:ext cx="421977" cy="421977"/>
+            </a:xfrm>
+            <a:prstGeom prst="rect">
+              <a:avLst/>
+            </a:prstGeom>
+            <a:solidFill>
+              <a:schemeClr val="bg1"/>
+            </a:solidFill>
+            <a:ln>
+              <a:solidFill>
+                <a:schemeClr val="tx1"/>
+              </a:solidFill>
+            </a:ln>
+            <a:effectLst/>
+          </p:spPr>
+          <p:style>
+            <a:lnRef idx="1">
+              <a:schemeClr val="accent1"/>
+            </a:lnRef>
+            <a:fillRef idx="3">
+              <a:schemeClr val="accent1"/>
+            </a:fillRef>
+            <a:effectRef idx="2">
+              <a:schemeClr val="accent1"/>
+            </a:effectRef>
+            <a:fontRef idx="minor">
+              <a:schemeClr val="lt1"/>
+            </a:fontRef>
+          </p:style>
+        </p:sp>
+        <p:sp>
+          <p:nvSpPr>
+            <p:cNvPr id="133" name="Rounded Rectangle 132"/>
+            <p:cNvSpPr/>
+            <p:nvPr/>
+          </p:nvSpPr>
+          <p:spPr>
+            <a:xfrm>
+              <a:off x="3715422" y="1213298"/>
+              <a:ext cx="595409" cy="419878"/>
+            </a:xfrm>
+            <a:prstGeom prst="roundRect">
+              <a:avLst>
+                <a:gd name="adj" fmla="val 8682"/>
+              </a:avLst>
+            </a:prstGeom>
+            <a:noFill/>
+            <a:ln>
+              <a:solidFill>
+                <a:schemeClr val="tx1"/>
+              </a:solidFill>
+            </a:ln>
+            <a:effectLst/>
+          </p:spPr>
+          <p:style>
+            <a:lnRef idx="1">
+              <a:schemeClr val="accent1"/>
+            </a:lnRef>
+            <a:fillRef idx="3">
+              <a:schemeClr val="accent1"/>
+            </a:fillRef>
+            <a:effectRef idx="2">
+              <a:schemeClr val="accent1"/>
+            </a:effectRef>
+            <a:fontRef idx="minor">
+              <a:schemeClr val="lt1"/>
+            </a:fontRef>
+          </p:style>
+        </p:sp>
+        <p:cxnSp>
+          <p:nvCxnSpPr>
+            <p:cNvPr id="136" name="Straight Connector 135"/>
+            <p:cNvCxnSpPr>
+              <a:endCxn id="133" idx="3"/>
+            </p:cNvCxnSpPr>
+            <p:nvPr/>
+          </p:nvCxnSpPr>
+          <p:spPr>
+            <a:xfrm>
+              <a:off x="3715422" y="1422562"/>
+              <a:ext cx="595409" cy="675"/>
+            </a:xfrm>
+            <a:prstGeom prst="line">
+              <a:avLst/>
+            </a:prstGeom>
+            <a:ln w="9525">
+              <a:solidFill>
+                <a:schemeClr val="tx1"/>
+              </a:solidFill>
+            </a:ln>
+            <a:effectLst/>
+          </p:spPr>
+          <p:style>
+            <a:lnRef idx="2">
+              <a:schemeClr val="accent1"/>
+            </a:lnRef>
+            <a:fillRef idx="0">
+              <a:schemeClr val="accent1"/>
+            </a:fillRef>
+            <a:effectRef idx="1">
+              <a:schemeClr val="accent1"/>
+            </a:effectRef>
+            <a:fontRef idx="minor">
               <a:schemeClr val="tx1"/>
+            </a:fontRef>
+          </p:style>
+        </p:cxnSp>
+        <p:sp>
+          <p:nvSpPr>
+            <p:cNvPr id="138" name="TextBox 137"/>
+            <p:cNvSpPr txBox="1"/>
+            <p:nvPr/>
+          </p:nvSpPr>
+          <p:spPr>
+            <a:xfrm>
+              <a:off x="3753338" y="1249312"/>
+              <a:ext cx="307871" cy="138499"/>
+            </a:xfrm>
+            <a:prstGeom prst="rect">
+              <a:avLst/>
+            </a:prstGeom>
+            <a:noFill/>
+          </p:spPr>
+          <p:txBody>
+            <a:bodyPr wrap="none" lIns="0" tIns="0" rIns="0" bIns="0" rtlCol="0" anchor="ctr" anchorCtr="0">
+              <a:normAutofit/>
+            </a:bodyPr>
+            <a:lstStyle/>
+            <a:p>
+              <a:r>
+                <a:rPr lang="en-US" sz="900" dirty="0" smtClean="0">
+                  <a:solidFill>
+                    <a:srgbClr val="BFBFBF"/>
+                  </a:solidFill>
+                  <a:latin typeface="Helvetica"/>
+                  <a:cs typeface="Helvetica"/>
+                </a:rPr>
+                <a:t>Name</a:t>
+              </a:r>
+              <a:endParaRPr lang="en-US" sz="900" dirty="0">
+                <a:solidFill>
+                  <a:srgbClr val="BFBFBF"/>
+                </a:solidFill>
+                <a:latin typeface="Helvetica"/>
+                <a:cs typeface="Helvetica"/>
+              </a:endParaRPr>
+            </a:p>
+          </p:txBody>
+        </p:sp>
+        <p:sp>
+          <p:nvSpPr>
+            <p:cNvPr id="139" name="TextBox 138"/>
+            <p:cNvSpPr txBox="1"/>
+            <p:nvPr/>
+          </p:nvSpPr>
+          <p:spPr>
+            <a:xfrm>
+              <a:off x="3758105" y="1459152"/>
+              <a:ext cx="436017" cy="138499"/>
+            </a:xfrm>
+            <a:prstGeom prst="rect">
+              <a:avLst/>
+            </a:prstGeom>
+            <a:noFill/>
+          </p:spPr>
+          <p:txBody>
+            <a:bodyPr wrap="none" lIns="0" tIns="0" rIns="0" bIns="0" rtlCol="0" anchor="ctr" anchorCtr="0">
+              <a:normAutofit/>
+            </a:bodyPr>
+            <a:lstStyle/>
+            <a:p>
+              <a:r>
+                <a:rPr lang="en-US" sz="900" dirty="0" smtClean="0">
+                  <a:solidFill>
+                    <a:srgbClr val="BFBFBF"/>
+                  </a:solidFill>
+                  <a:latin typeface="Helvetica"/>
+                  <a:cs typeface="Helvetica"/>
+                </a:rPr>
+                <a:t>Birthday</a:t>
+              </a:r>
+              <a:endParaRPr lang="en-US" sz="900" dirty="0">
+                <a:solidFill>
+                  <a:srgbClr val="BFBFBF"/>
+                </a:solidFill>
+                <a:latin typeface="Helvetica"/>
+                <a:cs typeface="Helvetica"/>
+              </a:endParaRPr>
+            </a:p>
+          </p:txBody>
+        </p:sp>
+        <p:sp>
+          <p:nvSpPr>
+            <p:cNvPr id="141" name="Cross 140"/>
+            <p:cNvSpPr/>
+            <p:nvPr/>
+          </p:nvSpPr>
+          <p:spPr>
+            <a:xfrm>
+              <a:off x="3340457" y="1333421"/>
+              <a:ext cx="180584" cy="180562"/>
+            </a:xfrm>
+            <a:prstGeom prst="plus">
+              <a:avLst>
+                <a:gd name="adj" fmla="val 40304"/>
+              </a:avLst>
+            </a:prstGeom>
+            <a:solidFill>
+              <a:schemeClr val="bg1">
+                <a:lumMod val="75000"/>
+              </a:schemeClr>
             </a:solidFill>
-          </a:ln>
-          <a:effectLst/>
-        </p:spPr>
-        <p:style>
-          <a:lnRef idx="1">
-            <a:schemeClr val="accent1"/>
-          </a:lnRef>
-          <a:fillRef idx="3">
-            <a:schemeClr val="accent1"/>
-          </a:fillRef>
-          <a:effectRef idx="2">
-            <a:schemeClr val="accent1"/>
-          </a:effectRef>
-          <a:fontRef idx="minor">
-            <a:schemeClr val="lt1"/>
-          </a:fontRef>
-        </p:style>
-      </p:sp>
-      <p:sp>
-        <p:nvSpPr>
-          <p:cNvPr id="113" name="Rectangle 112"/>
-          <p:cNvSpPr/>
-          <p:nvPr/>
-        </p:nvSpPr>
-        <p:spPr>
-          <a:xfrm>
-            <a:off x="5568906" y="520176"/>
-            <a:ext cx="203033" cy="222548"/>
-          </a:xfrm>
-          <a:prstGeom prst="rect">
-            <a:avLst/>
-          </a:prstGeom>
-          <a:noFill/>
-          <a:ln>
-            <a:solidFill>
+            <a:ln>
+              <a:noFill/>
+            </a:ln>
+            <a:effectLst/>
+          </p:spPr>
+          <p:style>
+            <a:lnRef idx="1">
+              <a:schemeClr val="accent1"/>
+            </a:lnRef>
+            <a:fillRef idx="3">
+              <a:schemeClr val="accent1"/>
+            </a:fillRef>
+            <a:effectRef idx="2">
+              <a:schemeClr val="accent1"/>
+            </a:effectRef>
+            <a:fontRef idx="minor">
+              <a:schemeClr val="lt1"/>
+            </a:fontRef>
+          </p:style>
+        </p:sp>
+        <p:sp>
+          <p:nvSpPr>
+            <p:cNvPr id="147" name="Rounded Rectangle 146"/>
+            <p:cNvSpPr/>
+            <p:nvPr/>
+          </p:nvSpPr>
+          <p:spPr>
+            <a:xfrm>
+              <a:off x="3223041" y="1790914"/>
+              <a:ext cx="1087789" cy="419878"/>
+            </a:xfrm>
+            <a:prstGeom prst="roundRect">
+              <a:avLst>
+                <a:gd name="adj" fmla="val 8682"/>
+              </a:avLst>
+            </a:prstGeom>
+            <a:noFill/>
+            <a:ln>
+              <a:solidFill>
+                <a:schemeClr val="tx1"/>
+              </a:solidFill>
+            </a:ln>
+            <a:effectLst/>
+          </p:spPr>
+          <p:style>
+            <a:lnRef idx="1">
+              <a:schemeClr val="accent1"/>
+            </a:lnRef>
+            <a:fillRef idx="3">
+              <a:schemeClr val="accent1"/>
+            </a:fillRef>
+            <a:effectRef idx="2">
+              <a:schemeClr val="accent1"/>
+            </a:effectRef>
+            <a:fontRef idx="minor">
+              <a:schemeClr val="lt1"/>
+            </a:fontRef>
+          </p:style>
+        </p:sp>
+        <p:cxnSp>
+          <p:nvCxnSpPr>
+            <p:cNvPr id="148" name="Straight Connector 147"/>
+            <p:cNvCxnSpPr>
+              <a:endCxn id="147" idx="3"/>
+            </p:cNvCxnSpPr>
+            <p:nvPr/>
+          </p:nvCxnSpPr>
+          <p:spPr>
+            <a:xfrm>
+              <a:off x="3223041" y="2000178"/>
+              <a:ext cx="1087789" cy="675"/>
+            </a:xfrm>
+            <a:prstGeom prst="line">
+              <a:avLst/>
+            </a:prstGeom>
+            <a:ln w="9525">
+              <a:solidFill>
+                <a:schemeClr val="tx1"/>
+              </a:solidFill>
+            </a:ln>
+            <a:effectLst/>
+          </p:spPr>
+          <p:style>
+            <a:lnRef idx="2">
+              <a:schemeClr val="accent1"/>
+            </a:lnRef>
+            <a:fillRef idx="0">
+              <a:schemeClr val="accent1"/>
+            </a:fillRef>
+            <a:effectRef idx="1">
+              <a:schemeClr val="accent1"/>
+            </a:effectRef>
+            <a:fontRef idx="minor">
               <a:schemeClr val="tx1"/>
-            </a:solidFill>
-          </a:ln>
-          <a:effectLst/>
-        </p:spPr>
-        <p:style>
-          <a:lnRef idx="1">
-            <a:schemeClr val="accent1"/>
-          </a:lnRef>
-          <a:fillRef idx="3">
-            <a:schemeClr val="accent1"/>
-          </a:fillRef>
-          <a:effectRef idx="2">
-            <a:schemeClr val="accent1"/>
-          </a:effectRef>
-          <a:fontRef idx="minor">
-            <a:schemeClr val="lt1"/>
-          </a:fontRef>
-        </p:style>
-      </p:sp>
-      <p:sp>
-        <p:nvSpPr>
-          <p:cNvPr id="114" name="Rectangle 113"/>
-          <p:cNvSpPr/>
-          <p:nvPr/>
-        </p:nvSpPr>
-        <p:spPr>
-          <a:xfrm>
-            <a:off x="6905316" y="520176"/>
-            <a:ext cx="203033" cy="222548"/>
-          </a:xfrm>
-          <a:prstGeom prst="rect">
-            <a:avLst/>
-          </a:prstGeom>
-          <a:noFill/>
-          <a:ln>
-            <a:solidFill>
+            </a:fontRef>
+          </p:style>
+        </p:cxnSp>
+        <p:sp>
+          <p:nvSpPr>
+            <p:cNvPr id="146" name="TextBox 145"/>
+            <p:cNvSpPr txBox="1"/>
+            <p:nvPr/>
+          </p:nvSpPr>
+          <p:spPr>
+            <a:xfrm>
+              <a:off x="3274188" y="2027361"/>
+              <a:ext cx="1102136" cy="138499"/>
+            </a:xfrm>
+            <a:prstGeom prst="rect">
+              <a:avLst/>
+            </a:prstGeom>
+            <a:noFill/>
+          </p:spPr>
+          <p:txBody>
+            <a:bodyPr wrap="square" lIns="0" tIns="0" rIns="0" bIns="0" rtlCol="0" anchor="ctr" anchorCtr="0">
+              <a:normAutofit/>
+            </a:bodyPr>
+            <a:lstStyle/>
+            <a:p>
+              <a:r>
+                <a:rPr lang="en-US" sz="900" dirty="0" smtClean="0">
+                  <a:solidFill>
+                    <a:srgbClr val="BFBFBF"/>
+                  </a:solidFill>
+                  <a:latin typeface="Helvetica"/>
+                  <a:cs typeface="Helvetica"/>
+                </a:rPr>
+                <a:t>Nationality</a:t>
+              </a:r>
+              <a:endParaRPr lang="en-US" sz="900" dirty="0">
+                <a:solidFill>
+                  <a:srgbClr val="BFBFBF"/>
+                </a:solidFill>
+                <a:latin typeface="Helvetica"/>
+                <a:cs typeface="Helvetica"/>
+              </a:endParaRPr>
+            </a:p>
+          </p:txBody>
+        </p:sp>
+        <p:cxnSp>
+          <p:nvCxnSpPr>
+            <p:cNvPr id="149" name="Straight Connector 148"/>
+            <p:cNvCxnSpPr>
+              <a:endCxn id="147" idx="0"/>
+            </p:cNvCxnSpPr>
+            <p:nvPr/>
+          </p:nvCxnSpPr>
+          <p:spPr>
+            <a:xfrm rot="5400000" flipH="1" flipV="1">
+              <a:off x="3661907" y="1895149"/>
+              <a:ext cx="209264" cy="794"/>
+            </a:xfrm>
+            <a:prstGeom prst="line">
+              <a:avLst/>
+            </a:prstGeom>
+            <a:ln w="9525">
+              <a:solidFill>
+                <a:schemeClr val="tx1"/>
+              </a:solidFill>
+            </a:ln>
+            <a:effectLst/>
+          </p:spPr>
+          <p:style>
+            <a:lnRef idx="2">
+              <a:schemeClr val="accent1"/>
+            </a:lnRef>
+            <a:fillRef idx="0">
+              <a:schemeClr val="accent1"/>
+            </a:fillRef>
+            <a:effectRef idx="1">
+              <a:schemeClr val="accent1"/>
+            </a:effectRef>
+            <a:fontRef idx="minor">
               <a:schemeClr val="tx1"/>
-            </a:solidFill>
-          </a:ln>
-          <a:effectLst/>
-        </p:spPr>
-        <p:style>
-          <a:lnRef idx="1">
-            <a:schemeClr val="accent1"/>
-          </a:lnRef>
-          <a:fillRef idx="3">
-            <a:schemeClr val="accent1"/>
-          </a:fillRef>
-          <a:effectRef idx="2">
-            <a:schemeClr val="accent1"/>
-          </a:effectRef>
-          <a:fontRef idx="minor">
-            <a:schemeClr val="lt1"/>
-          </a:fontRef>
-        </p:style>
-      </p:sp>
-      <p:sp>
-        <p:nvSpPr>
-          <p:cNvPr id="115" name="Rectangle 114"/>
-          <p:cNvSpPr/>
-          <p:nvPr/>
-        </p:nvSpPr>
-        <p:spPr>
-          <a:xfrm>
-            <a:off x="5486400" y="3062784"/>
-            <a:ext cx="1702397" cy="358999"/>
-          </a:xfrm>
-          <a:prstGeom prst="rect">
-            <a:avLst/>
-          </a:prstGeom>
-          <a:solidFill>
-            <a:schemeClr val="bg1"/>
-          </a:solidFill>
-          <a:ln>
-            <a:solidFill>
-              <a:schemeClr val="tx1"/>
-            </a:solidFill>
-          </a:ln>
-          <a:effectLst/>
-        </p:spPr>
-        <p:style>
-          <a:lnRef idx="1">
-            <a:schemeClr val="accent1"/>
-          </a:lnRef>
-          <a:fillRef idx="3">
-            <a:schemeClr val="accent1"/>
-          </a:fillRef>
-          <a:effectRef idx="2">
-            <a:schemeClr val="accent1"/>
-          </a:effectRef>
-          <a:fontRef idx="minor">
-            <a:schemeClr val="lt1"/>
-          </a:fontRef>
-        </p:style>
-      </p:sp>
-      <p:cxnSp>
-        <p:nvCxnSpPr>
-          <p:cNvPr id="116" name="Straight Connector 115"/>
-          <p:cNvCxnSpPr/>
-          <p:nvPr/>
-        </p:nvCxnSpPr>
-        <p:spPr>
-          <a:xfrm rot="5400000">
-            <a:off x="6182715" y="3242284"/>
-            <a:ext cx="358999" cy="1588"/>
-          </a:xfrm>
-          <a:prstGeom prst="line">
-            <a:avLst/>
-          </a:prstGeom>
-          <a:ln w="9525">
-            <a:solidFill>
-              <a:schemeClr val="tx1"/>
-            </a:solidFill>
-          </a:ln>
-          <a:effectLst/>
-        </p:spPr>
-        <p:style>
-          <a:lnRef idx="2">
-            <a:schemeClr val="accent1"/>
-          </a:lnRef>
-          <a:fillRef idx="0">
-            <a:schemeClr val="accent1"/>
-          </a:fillRef>
-          <a:effectRef idx="1">
-            <a:schemeClr val="accent1"/>
-          </a:effectRef>
-          <a:fontRef idx="minor">
-            <a:schemeClr val="tx1"/>
-          </a:fontRef>
-        </p:style>
-      </p:cxnSp>
-      <p:cxnSp>
-        <p:nvCxnSpPr>
-          <p:cNvPr id="117" name="Straight Connector 116"/>
-          <p:cNvCxnSpPr/>
-          <p:nvPr/>
-        </p:nvCxnSpPr>
-        <p:spPr>
-          <a:xfrm rot="5400000">
-            <a:off x="6605695" y="3237245"/>
-            <a:ext cx="358999" cy="1588"/>
-          </a:xfrm>
-          <a:prstGeom prst="line">
-            <a:avLst/>
-          </a:prstGeom>
-          <a:ln w="9525">
-            <a:solidFill>
-              <a:schemeClr val="tx1"/>
-            </a:solidFill>
-          </a:ln>
-          <a:effectLst/>
-        </p:spPr>
-        <p:style>
-          <a:lnRef idx="2">
-            <a:schemeClr val="accent1"/>
-          </a:lnRef>
-          <a:fillRef idx="0">
-            <a:schemeClr val="accent1"/>
-          </a:fillRef>
-          <a:effectRef idx="1">
-            <a:schemeClr val="accent1"/>
-          </a:effectRef>
-          <a:fontRef idx="minor">
-            <a:schemeClr val="tx1"/>
-          </a:fontRef>
-        </p:style>
-      </p:cxnSp>
-      <p:cxnSp>
-        <p:nvCxnSpPr>
-          <p:cNvPr id="118" name="Straight Connector 117"/>
-          <p:cNvCxnSpPr/>
-          <p:nvPr/>
-        </p:nvCxnSpPr>
-        <p:spPr>
-          <a:xfrm rot="5400000">
-            <a:off x="5725515" y="3242285"/>
-            <a:ext cx="358999" cy="1588"/>
-          </a:xfrm>
-          <a:prstGeom prst="line">
-            <a:avLst/>
-          </a:prstGeom>
-          <a:ln w="9525">
-            <a:solidFill>
-              <a:schemeClr val="tx1"/>
-            </a:solidFill>
-          </a:ln>
-          <a:effectLst/>
-        </p:spPr>
-        <p:style>
-          <a:lnRef idx="2">
-            <a:schemeClr val="accent1"/>
-          </a:lnRef>
-          <a:fillRef idx="0">
-            <a:schemeClr val="accent1"/>
-          </a:fillRef>
-          <a:effectRef idx="1">
-            <a:schemeClr val="accent1"/>
-          </a:effectRef>
-          <a:fontRef idx="minor">
-            <a:schemeClr val="tx1"/>
-          </a:fontRef>
-        </p:style>
-      </p:cxnSp>
+            </a:fontRef>
+          </p:style>
+        </p:cxnSp>
+        <p:sp>
+          <p:nvSpPr>
+            <p:cNvPr id="173" name="TextBox 172"/>
+            <p:cNvSpPr txBox="1"/>
+            <p:nvPr/>
+          </p:nvSpPr>
+          <p:spPr>
+            <a:xfrm>
+              <a:off x="3210515" y="1807550"/>
+              <a:ext cx="576617" cy="138499"/>
+            </a:xfrm>
+            <a:prstGeom prst="rect">
+              <a:avLst/>
+            </a:prstGeom>
+            <a:noFill/>
+          </p:spPr>
+          <p:txBody>
+            <a:bodyPr wrap="square" lIns="0" tIns="0" rIns="0" bIns="0" rtlCol="0" anchor="ctr" anchorCtr="0">
+              <a:normAutofit/>
+            </a:bodyPr>
+            <a:lstStyle/>
+            <a:p>
+              <a:pPr algn="ctr"/>
+              <a:r>
+                <a:rPr lang="en-US" sz="900" dirty="0" smtClean="0">
+                  <a:solidFill>
+                    <a:srgbClr val="000000"/>
+                  </a:solidFill>
+                  <a:latin typeface="Helvetica"/>
+                  <a:cs typeface="Helvetica"/>
+                </a:rPr>
+                <a:t>Girl</a:t>
+              </a:r>
+              <a:endParaRPr lang="en-US" sz="900" dirty="0">
+                <a:solidFill>
+                  <a:srgbClr val="000000"/>
+                </a:solidFill>
+                <a:latin typeface="Helvetica"/>
+                <a:cs typeface="Helvetica"/>
+              </a:endParaRPr>
+            </a:p>
+          </p:txBody>
+        </p:sp>
+        <p:sp>
+          <p:nvSpPr>
+            <p:cNvPr id="174" name="TextBox 173"/>
+            <p:cNvSpPr txBox="1"/>
+            <p:nvPr/>
+          </p:nvSpPr>
+          <p:spPr>
+            <a:xfrm>
+              <a:off x="3745946" y="1807550"/>
+              <a:ext cx="576617" cy="138499"/>
+            </a:xfrm>
+            <a:prstGeom prst="rect">
+              <a:avLst/>
+            </a:prstGeom>
+            <a:noFill/>
+          </p:spPr>
+          <p:txBody>
+            <a:bodyPr wrap="square" lIns="0" tIns="0" rIns="0" bIns="0" rtlCol="0" anchor="ctr" anchorCtr="0">
+              <a:normAutofit/>
+            </a:bodyPr>
+            <a:lstStyle/>
+            <a:p>
+              <a:pPr algn="ctr"/>
+              <a:r>
+                <a:rPr lang="en-US" sz="900" dirty="0" smtClean="0">
+                  <a:latin typeface="Helvetica"/>
+                  <a:cs typeface="Helvetica"/>
+                </a:rPr>
+                <a:t>Boy</a:t>
+              </a:r>
+              <a:endParaRPr lang="en-US" sz="900" dirty="0">
+                <a:latin typeface="Helvetica"/>
+                <a:cs typeface="Helvetica"/>
+              </a:endParaRPr>
+            </a:p>
+          </p:txBody>
+        </p:sp>
+        <p:sp>
+          <p:nvSpPr>
+            <p:cNvPr id="92" name="Rounded Rectangle 91"/>
+            <p:cNvSpPr/>
+            <p:nvPr/>
+          </p:nvSpPr>
+          <p:spPr>
+            <a:xfrm>
+              <a:off x="3176818" y="2446168"/>
+              <a:ext cx="547919" cy="252448"/>
+            </a:xfrm>
+            <a:prstGeom prst="roundRect">
+              <a:avLst/>
+            </a:prstGeom>
+            <a:noFill/>
+            <a:ln>
+              <a:solidFill>
+                <a:schemeClr val="tx1"/>
+              </a:solidFill>
+            </a:ln>
+            <a:effectLst/>
+          </p:spPr>
+          <p:style>
+            <a:lnRef idx="1">
+              <a:schemeClr val="accent1"/>
+            </a:lnRef>
+            <a:fillRef idx="3">
+              <a:schemeClr val="accent1"/>
+            </a:fillRef>
+            <a:effectRef idx="2">
+              <a:schemeClr val="accent1"/>
+            </a:effectRef>
+            <a:fontRef idx="minor">
+              <a:schemeClr val="lt1"/>
+            </a:fontRef>
+          </p:style>
+          <p:txBody>
+            <a:bodyPr lIns="0" tIns="0" rIns="0" bIns="0" anchor="ctr" anchorCtr="0">
+              <a:normAutofit/>
+            </a:bodyPr>
+            <a:lstStyle/>
+            <a:p>
+              <a:pPr algn="ctr"/>
+              <a:r>
+                <a:rPr lang="en-US" sz="800" b="1" dirty="0" smtClean="0">
+                  <a:solidFill>
+                    <a:srgbClr val="000000"/>
+                  </a:solidFill>
+                  <a:latin typeface="Helvetica"/>
+                  <a:cs typeface="Helvetica"/>
+                </a:rPr>
+                <a:t>Cancel</a:t>
+              </a:r>
+              <a:endParaRPr lang="en-US" sz="800" b="1" dirty="0">
+                <a:solidFill>
+                  <a:srgbClr val="000000"/>
+                </a:solidFill>
+                <a:latin typeface="Helvetica"/>
+                <a:cs typeface="Helvetica"/>
+              </a:endParaRPr>
+            </a:p>
+          </p:txBody>
+        </p:sp>
+        <p:sp>
+          <p:nvSpPr>
+            <p:cNvPr id="93" name="Rounded Rectangle 92"/>
+            <p:cNvSpPr/>
+            <p:nvPr/>
+          </p:nvSpPr>
+          <p:spPr>
+            <a:xfrm>
+              <a:off x="3789010" y="2446168"/>
+              <a:ext cx="547919" cy="252448"/>
+            </a:xfrm>
+            <a:prstGeom prst="roundRect">
+              <a:avLst/>
+            </a:prstGeom>
+            <a:noFill/>
+            <a:ln>
+              <a:solidFill>
+                <a:schemeClr val="tx1"/>
+              </a:solidFill>
+            </a:ln>
+            <a:effectLst/>
+          </p:spPr>
+          <p:style>
+            <a:lnRef idx="1">
+              <a:schemeClr val="accent1"/>
+            </a:lnRef>
+            <a:fillRef idx="3">
+              <a:schemeClr val="accent1"/>
+            </a:fillRef>
+            <a:effectRef idx="2">
+              <a:schemeClr val="accent1"/>
+            </a:effectRef>
+            <a:fontRef idx="minor">
+              <a:schemeClr val="lt1"/>
+            </a:fontRef>
+          </p:style>
+          <p:txBody>
+            <a:bodyPr lIns="0" tIns="0" rIns="0" bIns="0" anchor="ctr" anchorCtr="0">
+              <a:normAutofit/>
+            </a:bodyPr>
+            <a:lstStyle/>
+            <a:p>
+              <a:pPr algn="ctr"/>
+              <a:r>
+                <a:rPr lang="en-US" sz="900" b="1" dirty="0" smtClean="0">
+                  <a:solidFill>
+                    <a:srgbClr val="000000"/>
+                  </a:solidFill>
+                  <a:latin typeface="Helvetica"/>
+                  <a:cs typeface="Helvetica"/>
+                </a:rPr>
+                <a:t>Create</a:t>
+              </a:r>
+              <a:endParaRPr lang="en-US" sz="900" b="1" dirty="0">
+                <a:solidFill>
+                  <a:srgbClr val="000000"/>
+                </a:solidFill>
+                <a:latin typeface="Helvetica"/>
+                <a:cs typeface="Helvetica"/>
+              </a:endParaRPr>
+            </a:p>
+          </p:txBody>
+        </p:sp>
+      </p:grpSp>
       <p:pic>
         <p:nvPicPr>
-          <p:cNvPr id="119" name="Picture 118"/>
-          <p:cNvPicPr>
-            <a:picLocks noChangeAspect="1"/>
-          </p:cNvPicPr>
-          <p:nvPr/>
-        </p:nvPicPr>
-        <p:blipFill>
-          <a:blip r:embed="rId2"/>
-          <a:stretch>
-            <a:fillRect/>
-          </a:stretch>
-        </p:blipFill>
-        <p:spPr>
-          <a:xfrm>
-            <a:off x="6857999" y="3112349"/>
-            <a:ext cx="279808" cy="279808"/>
-          </a:xfrm>
-          <a:prstGeom prst="rect">
-            <a:avLst/>
-          </a:prstGeom>
-        </p:spPr>
-      </p:pic>
-      <p:pic>
-        <p:nvPicPr>
-          <p:cNvPr id="120" name="Picture 119"/>
+          <p:cNvPr id="128" name="Picture 127"/>
           <p:cNvPicPr>
             <a:picLocks noChangeAspect="1"/>
           </p:cNvPicPr>
@@ -4615,8 +4691,8 @@
         </p:blipFill>
         <p:spPr>
           <a:xfrm>
-            <a:off x="5587178" y="3133341"/>
-            <a:ext cx="216246" cy="223094"/>
+            <a:off x="8360833" y="715703"/>
+            <a:ext cx="180000" cy="180000"/>
           </a:xfrm>
           <a:prstGeom prst="rect">
             <a:avLst/>
@@ -4625,41 +4701,4799 @@
       </p:pic>
       <p:grpSp>
         <p:nvGrpSpPr>
-          <p:cNvPr id="132" name="Group 131"/>
+          <p:cNvPr id="229" name="Group 228"/>
           <p:cNvGrpSpPr/>
           <p:nvPr/>
         </p:nvGrpSpPr>
         <p:grpSpPr>
           <a:xfrm>
-            <a:off x="2892461" y="446704"/>
+            <a:off x="2892461" y="3657600"/>
             <a:ext cx="1717126" cy="2975875"/>
-            <a:chOff x="2892461" y="446704"/>
+            <a:chOff x="2892461" y="3657600"/>
             <a:chExt cx="1717126" cy="2975875"/>
           </a:xfrm>
         </p:grpSpPr>
+        <p:sp>
+          <p:nvSpPr>
+            <p:cNvPr id="186" name="Rectangle 185"/>
+            <p:cNvSpPr/>
+            <p:nvPr/>
+          </p:nvSpPr>
+          <p:spPr>
+            <a:xfrm>
+              <a:off x="2907189" y="3660109"/>
+              <a:ext cx="1702398" cy="2972570"/>
+            </a:xfrm>
+            <a:prstGeom prst="rect">
+              <a:avLst/>
+            </a:prstGeom>
+            <a:noFill/>
+            <a:ln>
+              <a:solidFill>
+                <a:schemeClr val="tx1"/>
+              </a:solidFill>
+            </a:ln>
+            <a:effectLst/>
+          </p:spPr>
+          <p:style>
+            <a:lnRef idx="1">
+              <a:schemeClr val="accent1"/>
+            </a:lnRef>
+            <a:fillRef idx="3">
+              <a:schemeClr val="accent1"/>
+            </a:fillRef>
+            <a:effectRef idx="2">
+              <a:schemeClr val="accent1"/>
+            </a:effectRef>
+            <a:fontRef idx="minor">
+              <a:schemeClr val="lt1"/>
+            </a:fontRef>
+          </p:style>
+        </p:sp>
+        <p:sp>
+          <p:nvSpPr>
+            <p:cNvPr id="187" name="Rectangle 186"/>
+            <p:cNvSpPr/>
+            <p:nvPr/>
+          </p:nvSpPr>
+          <p:spPr>
+            <a:xfrm>
+              <a:off x="2907190" y="3657600"/>
+              <a:ext cx="1702397" cy="358999"/>
+            </a:xfrm>
+            <a:prstGeom prst="rect">
+              <a:avLst/>
+            </a:prstGeom>
+            <a:solidFill>
+              <a:schemeClr val="bg1"/>
+            </a:solidFill>
+            <a:ln>
+              <a:solidFill>
+                <a:schemeClr val="tx1"/>
+              </a:solidFill>
+            </a:ln>
+            <a:effectLst/>
+          </p:spPr>
+          <p:style>
+            <a:lnRef idx="1">
+              <a:schemeClr val="accent1"/>
+            </a:lnRef>
+            <a:fillRef idx="3">
+              <a:schemeClr val="accent1"/>
+            </a:fillRef>
+            <a:effectRef idx="2">
+              <a:schemeClr val="accent1"/>
+            </a:effectRef>
+            <a:fontRef idx="minor">
+              <a:schemeClr val="lt1"/>
+            </a:fontRef>
+          </p:style>
+        </p:sp>
+        <p:sp>
+          <p:nvSpPr>
+            <p:cNvPr id="188" name="Rectangle 187"/>
+            <p:cNvSpPr/>
+            <p:nvPr/>
+          </p:nvSpPr>
+          <p:spPr>
+            <a:xfrm>
+              <a:off x="2907190" y="6273680"/>
+              <a:ext cx="1702397" cy="358999"/>
+            </a:xfrm>
+            <a:prstGeom prst="rect">
+              <a:avLst/>
+            </a:prstGeom>
+            <a:solidFill>
+              <a:schemeClr val="bg1"/>
+            </a:solidFill>
+            <a:ln>
+              <a:solidFill>
+                <a:schemeClr val="tx1"/>
+              </a:solidFill>
+            </a:ln>
+            <a:effectLst/>
+          </p:spPr>
+          <p:style>
+            <a:lnRef idx="1">
+              <a:schemeClr val="accent1"/>
+            </a:lnRef>
+            <a:fillRef idx="3">
+              <a:schemeClr val="accent1"/>
+            </a:fillRef>
+            <a:effectRef idx="2">
+              <a:schemeClr val="accent1"/>
+            </a:effectRef>
+            <a:fontRef idx="minor">
+              <a:schemeClr val="lt1"/>
+            </a:fontRef>
+          </p:style>
+        </p:sp>
+        <p:cxnSp>
+          <p:nvCxnSpPr>
+            <p:cNvPr id="189" name="Straight Connector 188"/>
+            <p:cNvCxnSpPr/>
+            <p:nvPr/>
+          </p:nvCxnSpPr>
+          <p:spPr>
+            <a:xfrm rot="5400000">
+              <a:off x="3603505" y="6453180"/>
+              <a:ext cx="358999" cy="1588"/>
+            </a:xfrm>
+            <a:prstGeom prst="line">
+              <a:avLst/>
+            </a:prstGeom>
+            <a:ln w="9525">
+              <a:solidFill>
+                <a:schemeClr val="tx1"/>
+              </a:solidFill>
+            </a:ln>
+            <a:effectLst/>
+          </p:spPr>
+          <p:style>
+            <a:lnRef idx="2">
+              <a:schemeClr val="accent1"/>
+            </a:lnRef>
+            <a:fillRef idx="0">
+              <a:schemeClr val="accent1"/>
+            </a:fillRef>
+            <a:effectRef idx="1">
+              <a:schemeClr val="accent1"/>
+            </a:effectRef>
+            <a:fontRef idx="minor">
+              <a:schemeClr val="tx1"/>
+            </a:fontRef>
+          </p:style>
+        </p:cxnSp>
+        <p:cxnSp>
+          <p:nvCxnSpPr>
+            <p:cNvPr id="190" name="Straight Connector 189"/>
+            <p:cNvCxnSpPr/>
+            <p:nvPr/>
+          </p:nvCxnSpPr>
+          <p:spPr>
+            <a:xfrm rot="5400000">
+              <a:off x="4026485" y="6448141"/>
+              <a:ext cx="358999" cy="1588"/>
+            </a:xfrm>
+            <a:prstGeom prst="line">
+              <a:avLst/>
+            </a:prstGeom>
+            <a:ln w="9525">
+              <a:solidFill>
+                <a:schemeClr val="tx1"/>
+              </a:solidFill>
+            </a:ln>
+            <a:effectLst/>
+          </p:spPr>
+          <p:style>
+            <a:lnRef idx="2">
+              <a:schemeClr val="accent1"/>
+            </a:lnRef>
+            <a:fillRef idx="0">
+              <a:schemeClr val="accent1"/>
+            </a:fillRef>
+            <a:effectRef idx="1">
+              <a:schemeClr val="accent1"/>
+            </a:effectRef>
+            <a:fontRef idx="minor">
+              <a:schemeClr val="tx1"/>
+            </a:fontRef>
+          </p:style>
+        </p:cxnSp>
+        <p:cxnSp>
+          <p:nvCxnSpPr>
+            <p:cNvPr id="191" name="Straight Connector 190"/>
+            <p:cNvCxnSpPr/>
+            <p:nvPr/>
+          </p:nvCxnSpPr>
+          <p:spPr>
+            <a:xfrm rot="5400000">
+              <a:off x="3146305" y="6453181"/>
+              <a:ext cx="358999" cy="1588"/>
+            </a:xfrm>
+            <a:prstGeom prst="line">
+              <a:avLst/>
+            </a:prstGeom>
+            <a:ln w="9525">
+              <a:solidFill>
+                <a:schemeClr val="tx1"/>
+              </a:solidFill>
+            </a:ln>
+            <a:effectLst/>
+          </p:spPr>
+          <p:style>
+            <a:lnRef idx="2">
+              <a:schemeClr val="accent1"/>
+            </a:lnRef>
+            <a:fillRef idx="0">
+              <a:schemeClr val="accent1"/>
+            </a:fillRef>
+            <a:effectRef idx="1">
+              <a:schemeClr val="accent1"/>
+            </a:effectRef>
+            <a:fontRef idx="minor">
+              <a:schemeClr val="tx1"/>
+            </a:fontRef>
+          </p:style>
+        </p:cxnSp>
+        <p:pic>
+          <p:nvPicPr>
+            <p:cNvPr id="192" name="Picture 191"/>
+            <p:cNvPicPr>
+              <a:picLocks noChangeAspect="1"/>
+            </p:cNvPicPr>
+            <p:nvPr/>
+          </p:nvPicPr>
+          <p:blipFill>
+            <a:blip r:embed="rId2"/>
+            <a:stretch>
+              <a:fillRect/>
+            </a:stretch>
+          </p:blipFill>
+          <p:spPr>
+            <a:xfrm>
+              <a:off x="4278789" y="6323245"/>
+              <a:ext cx="279808" cy="279808"/>
+            </a:xfrm>
+            <a:prstGeom prst="rect">
+              <a:avLst/>
+            </a:prstGeom>
+          </p:spPr>
+        </p:pic>
+        <p:pic>
+          <p:nvPicPr>
+            <p:cNvPr id="193" name="Picture 192"/>
+            <p:cNvPicPr>
+              <a:picLocks noChangeAspect="1"/>
+            </p:cNvPicPr>
+            <p:nvPr/>
+          </p:nvPicPr>
+          <p:blipFill>
+            <a:blip r:embed="rId3"/>
+            <a:stretch>
+              <a:fillRect/>
+            </a:stretch>
+          </p:blipFill>
+          <p:spPr>
+            <a:xfrm>
+              <a:off x="3007968" y="6344237"/>
+              <a:ext cx="216246" cy="223094"/>
+            </a:xfrm>
+            <a:prstGeom prst="rect">
+              <a:avLst/>
+            </a:prstGeom>
+          </p:spPr>
+        </p:pic>
         <p:grpSp>
           <p:nvGrpSpPr>
-            <p:cNvPr id="99" name="Group 98"/>
+            <p:cNvPr id="194" name="Group 193"/>
             <p:cNvGrpSpPr/>
             <p:nvPr/>
           </p:nvGrpSpPr>
           <p:grpSpPr>
             <a:xfrm>
-              <a:off x="2907189" y="446704"/>
+              <a:off x="4301420" y="3731072"/>
+              <a:ext cx="203033" cy="222548"/>
+              <a:chOff x="1721115" y="520176"/>
+              <a:chExt cx="203033" cy="222548"/>
+            </a:xfrm>
+          </p:grpSpPr>
+          <p:sp>
+            <p:nvSpPr>
+              <p:cNvPr id="195" name="Rectangle 194"/>
+              <p:cNvSpPr/>
+              <p:nvPr/>
+            </p:nvSpPr>
+            <p:spPr>
+              <a:xfrm>
+                <a:off x="1721115" y="520176"/>
+                <a:ext cx="203033" cy="222548"/>
+              </a:xfrm>
+              <a:prstGeom prst="rect">
+                <a:avLst/>
+              </a:prstGeom>
+              <a:noFill/>
+              <a:ln>
+                <a:solidFill>
+                  <a:schemeClr val="tx1"/>
+                </a:solidFill>
+              </a:ln>
+              <a:effectLst/>
+            </p:spPr>
+            <p:style>
+              <a:lnRef idx="1">
+                <a:schemeClr val="accent1"/>
+              </a:lnRef>
+              <a:fillRef idx="3">
+                <a:schemeClr val="accent1"/>
+              </a:fillRef>
+              <a:effectRef idx="2">
+                <a:schemeClr val="accent1"/>
+              </a:effectRef>
+              <a:fontRef idx="minor">
+                <a:schemeClr val="lt1"/>
+              </a:fontRef>
+            </p:style>
+            <p:txBody>
+              <a:bodyPr/>
+              <a:lstStyle/>
+              <a:p>
+                <a:pPr algn="ctr"/>
+                <a:endParaRPr lang="en-US" sz="900" dirty="0">
+                  <a:solidFill>
+                    <a:srgbClr val="000000"/>
+                  </a:solidFill>
+                </a:endParaRPr>
+              </a:p>
+            </p:txBody>
+          </p:sp>
+          <p:sp>
+            <p:nvSpPr>
+              <p:cNvPr id="196" name="Cross 195"/>
+              <p:cNvSpPr/>
+              <p:nvPr/>
+            </p:nvSpPr>
+            <p:spPr>
+              <a:xfrm>
+                <a:off x="1728876" y="541170"/>
+                <a:ext cx="180584" cy="180562"/>
+              </a:xfrm>
+              <a:prstGeom prst="plus">
+                <a:avLst>
+                  <a:gd name="adj" fmla="val 40304"/>
+                </a:avLst>
+              </a:prstGeom>
+              <a:solidFill>
+                <a:schemeClr val="bg1">
+                  <a:lumMod val="75000"/>
+                </a:schemeClr>
+              </a:solidFill>
+              <a:ln>
+                <a:noFill/>
+              </a:ln>
+              <a:effectLst/>
+            </p:spPr>
+            <p:style>
+              <a:lnRef idx="1">
+                <a:schemeClr val="accent1"/>
+              </a:lnRef>
+              <a:fillRef idx="3">
+                <a:schemeClr val="accent1"/>
+              </a:fillRef>
+              <a:effectRef idx="2">
+                <a:schemeClr val="accent1"/>
+              </a:effectRef>
+              <a:fontRef idx="minor">
+                <a:schemeClr val="lt1"/>
+              </a:fontRef>
+            </p:style>
+          </p:sp>
+        </p:grpSp>
+        <p:sp>
+          <p:nvSpPr>
+            <p:cNvPr id="164" name="Rectangle 163"/>
+            <p:cNvSpPr/>
+            <p:nvPr/>
+          </p:nvSpPr>
+          <p:spPr>
+            <a:xfrm>
+              <a:off x="2892461" y="3660109"/>
+              <a:ext cx="1717125" cy="2973366"/>
+            </a:xfrm>
+            <a:prstGeom prst="rect">
+              <a:avLst/>
+            </a:prstGeom>
+            <a:solidFill>
+              <a:schemeClr val="tx1">
+                <a:alpha val="20000"/>
+              </a:schemeClr>
+            </a:solidFill>
+            <a:ln>
+              <a:noFill/>
+            </a:ln>
+            <a:effectLst/>
+          </p:spPr>
+          <p:style>
+            <a:lnRef idx="1">
+              <a:schemeClr val="accent1"/>
+            </a:lnRef>
+            <a:fillRef idx="3">
+              <a:schemeClr val="accent1"/>
+            </a:fillRef>
+            <a:effectRef idx="2">
+              <a:schemeClr val="accent1"/>
+            </a:effectRef>
+            <a:fontRef idx="minor">
+              <a:schemeClr val="lt1"/>
+            </a:fontRef>
+          </p:style>
+        </p:sp>
+        <p:sp>
+          <p:nvSpPr>
+            <p:cNvPr id="184" name="Rounded Rectangle 183"/>
+            <p:cNvSpPr/>
+            <p:nvPr/>
+          </p:nvSpPr>
+          <p:spPr>
+            <a:xfrm>
+              <a:off x="3120640" y="4312165"/>
+              <a:ext cx="1277970" cy="1660084"/>
+            </a:xfrm>
+            <a:prstGeom prst="roundRect">
+              <a:avLst>
+                <a:gd name="adj" fmla="val 8682"/>
+              </a:avLst>
+            </a:prstGeom>
+            <a:solidFill>
+              <a:schemeClr val="bg1"/>
+            </a:solidFill>
+            <a:ln>
+              <a:solidFill>
+                <a:schemeClr val="tx1"/>
+              </a:solidFill>
+            </a:ln>
+            <a:effectLst/>
+          </p:spPr>
+          <p:style>
+            <a:lnRef idx="1">
+              <a:schemeClr val="accent1"/>
+            </a:lnRef>
+            <a:fillRef idx="3">
+              <a:schemeClr val="accent1"/>
+            </a:fillRef>
+            <a:effectRef idx="2">
+              <a:schemeClr val="accent1"/>
+            </a:effectRef>
+            <a:fontRef idx="minor">
+              <a:schemeClr val="lt1"/>
+            </a:fontRef>
+          </p:style>
+        </p:sp>
+        <p:sp>
+          <p:nvSpPr>
+            <p:cNvPr id="185" name="Rectangle 184"/>
+            <p:cNvSpPr/>
+            <p:nvPr/>
+          </p:nvSpPr>
+          <p:spPr>
+            <a:xfrm>
+              <a:off x="3221763" y="4424194"/>
+              <a:ext cx="421977" cy="421977"/>
+            </a:xfrm>
+            <a:prstGeom prst="rect">
+              <a:avLst/>
+            </a:prstGeom>
+            <a:solidFill>
+              <a:schemeClr val="bg1"/>
+            </a:solidFill>
+            <a:ln>
+              <a:solidFill>
+                <a:schemeClr val="tx1"/>
+              </a:solidFill>
+            </a:ln>
+            <a:effectLst/>
+          </p:spPr>
+          <p:style>
+            <a:lnRef idx="1">
+              <a:schemeClr val="accent1"/>
+            </a:lnRef>
+            <a:fillRef idx="3">
+              <a:schemeClr val="accent1"/>
+            </a:fillRef>
+            <a:effectRef idx="2">
+              <a:schemeClr val="accent1"/>
+            </a:effectRef>
+            <a:fontRef idx="minor">
+              <a:schemeClr val="lt1"/>
+            </a:fontRef>
+          </p:style>
+        </p:sp>
+        <p:grpSp>
+          <p:nvGrpSpPr>
+            <p:cNvPr id="179" name="Group 178"/>
+            <p:cNvGrpSpPr/>
+            <p:nvPr/>
+          </p:nvGrpSpPr>
+          <p:grpSpPr>
+            <a:xfrm>
+              <a:off x="3715422" y="4424194"/>
+              <a:ext cx="595409" cy="419878"/>
+              <a:chOff x="4357591" y="4416804"/>
+              <a:chExt cx="640123" cy="419878"/>
+            </a:xfrm>
+          </p:grpSpPr>
+          <p:sp>
+            <p:nvSpPr>
+              <p:cNvPr id="182" name="Rounded Rectangle 181"/>
+              <p:cNvSpPr/>
+              <p:nvPr/>
+            </p:nvSpPr>
+            <p:spPr>
+              <a:xfrm>
+                <a:off x="4357591" y="4416804"/>
+                <a:ext cx="640123" cy="419878"/>
+              </a:xfrm>
+              <a:prstGeom prst="roundRect">
+                <a:avLst>
+                  <a:gd name="adj" fmla="val 8682"/>
+                </a:avLst>
+              </a:prstGeom>
+              <a:noFill/>
+              <a:ln>
+                <a:solidFill>
+                  <a:schemeClr val="tx1"/>
+                </a:solidFill>
+              </a:ln>
+              <a:effectLst/>
+            </p:spPr>
+            <p:style>
+              <a:lnRef idx="1">
+                <a:schemeClr val="accent1"/>
+              </a:lnRef>
+              <a:fillRef idx="3">
+                <a:schemeClr val="accent1"/>
+              </a:fillRef>
+              <a:effectRef idx="2">
+                <a:schemeClr val="accent1"/>
+              </a:effectRef>
+              <a:fontRef idx="minor">
+                <a:schemeClr val="lt1"/>
+              </a:fontRef>
+            </p:style>
+          </p:sp>
+          <p:cxnSp>
+            <p:nvCxnSpPr>
+              <p:cNvPr id="183" name="Straight Connector 182"/>
+              <p:cNvCxnSpPr>
+                <a:endCxn id="182" idx="3"/>
+              </p:cNvCxnSpPr>
+              <p:nvPr/>
+            </p:nvCxnSpPr>
+            <p:spPr>
+              <a:xfrm>
+                <a:off x="4357591" y="4626068"/>
+                <a:ext cx="640123" cy="675"/>
+              </a:xfrm>
+              <a:prstGeom prst="line">
+                <a:avLst/>
+              </a:prstGeom>
+              <a:ln w="9525">
+                <a:solidFill>
+                  <a:schemeClr val="tx1"/>
+                </a:solidFill>
+              </a:ln>
+              <a:effectLst/>
+            </p:spPr>
+            <p:style>
+              <a:lnRef idx="2">
+                <a:schemeClr val="accent1"/>
+              </a:lnRef>
+              <a:fillRef idx="0">
+                <a:schemeClr val="accent1"/>
+              </a:fillRef>
+              <a:effectRef idx="1">
+                <a:schemeClr val="accent1"/>
+              </a:effectRef>
+              <a:fontRef idx="minor">
+                <a:schemeClr val="tx1"/>
+              </a:fontRef>
+            </p:style>
+          </p:cxnSp>
+        </p:grpSp>
+        <p:sp>
+          <p:nvSpPr>
+            <p:cNvPr id="180" name="TextBox 179"/>
+            <p:cNvSpPr txBox="1"/>
+            <p:nvPr/>
+          </p:nvSpPr>
+          <p:spPr>
+            <a:xfrm>
+              <a:off x="3753338" y="4460208"/>
+              <a:ext cx="307871" cy="138499"/>
+            </a:xfrm>
+            <a:prstGeom prst="rect">
+              <a:avLst/>
+            </a:prstGeom>
+            <a:noFill/>
+          </p:spPr>
+          <p:txBody>
+            <a:bodyPr wrap="none" lIns="0" tIns="0" rIns="0" bIns="0" rtlCol="0" anchor="ctr" anchorCtr="0">
+              <a:normAutofit/>
+            </a:bodyPr>
+            <a:lstStyle/>
+            <a:p>
+              <a:r>
+                <a:rPr lang="en-US" sz="900" dirty="0" smtClean="0">
+                  <a:solidFill>
+                    <a:srgbClr val="BFBFBF"/>
+                  </a:solidFill>
+                  <a:latin typeface="Helvetica"/>
+                  <a:cs typeface="Helvetica"/>
+                </a:rPr>
+                <a:t>Name</a:t>
+              </a:r>
+              <a:endParaRPr lang="en-US" sz="900" dirty="0">
+                <a:solidFill>
+                  <a:srgbClr val="BFBFBF"/>
+                </a:solidFill>
+                <a:latin typeface="Helvetica"/>
+                <a:cs typeface="Helvetica"/>
+              </a:endParaRPr>
+            </a:p>
+          </p:txBody>
+        </p:sp>
+        <p:sp>
+          <p:nvSpPr>
+            <p:cNvPr id="181" name="TextBox 180"/>
+            <p:cNvSpPr txBox="1"/>
+            <p:nvPr/>
+          </p:nvSpPr>
+          <p:spPr>
+            <a:xfrm>
+              <a:off x="3758105" y="4670048"/>
+              <a:ext cx="436017" cy="138499"/>
+            </a:xfrm>
+            <a:prstGeom prst="rect">
+              <a:avLst/>
+            </a:prstGeom>
+            <a:noFill/>
+          </p:spPr>
+          <p:txBody>
+            <a:bodyPr wrap="none" lIns="0" tIns="0" rIns="0" bIns="0" rtlCol="0" anchor="ctr" anchorCtr="0">
+              <a:normAutofit/>
+            </a:bodyPr>
+            <a:lstStyle/>
+            <a:p>
+              <a:r>
+                <a:rPr lang="en-US" sz="900" dirty="0" smtClean="0">
+                  <a:solidFill>
+                    <a:srgbClr val="BFBFBF"/>
+                  </a:solidFill>
+                  <a:latin typeface="Helvetica"/>
+                  <a:cs typeface="Helvetica"/>
+                </a:rPr>
+                <a:t>Birthday</a:t>
+              </a:r>
+              <a:endParaRPr lang="en-US" sz="900" dirty="0">
+                <a:solidFill>
+                  <a:srgbClr val="BFBFBF"/>
+                </a:solidFill>
+                <a:latin typeface="Helvetica"/>
+                <a:cs typeface="Helvetica"/>
+              </a:endParaRPr>
+            </a:p>
+          </p:txBody>
+        </p:sp>
+        <p:sp>
+          <p:nvSpPr>
+            <p:cNvPr id="167" name="Cross 166"/>
+            <p:cNvSpPr/>
+            <p:nvPr/>
+          </p:nvSpPr>
+          <p:spPr>
+            <a:xfrm>
+              <a:off x="3340457" y="4544317"/>
+              <a:ext cx="180584" cy="180562"/>
+            </a:xfrm>
+            <a:prstGeom prst="plus">
+              <a:avLst>
+                <a:gd name="adj" fmla="val 40304"/>
+              </a:avLst>
+            </a:prstGeom>
+            <a:solidFill>
+              <a:schemeClr val="bg1">
+                <a:lumMod val="75000"/>
+              </a:schemeClr>
+            </a:solidFill>
+            <a:ln>
+              <a:noFill/>
+            </a:ln>
+            <a:effectLst/>
+          </p:spPr>
+          <p:style>
+            <a:lnRef idx="1">
+              <a:schemeClr val="accent1"/>
+            </a:lnRef>
+            <a:fillRef idx="3">
+              <a:schemeClr val="accent1"/>
+            </a:fillRef>
+            <a:effectRef idx="2">
+              <a:schemeClr val="accent1"/>
+            </a:effectRef>
+            <a:fontRef idx="minor">
+              <a:schemeClr val="lt1"/>
+            </a:fontRef>
+          </p:style>
+        </p:sp>
+        <p:sp>
+          <p:nvSpPr>
+            <p:cNvPr id="171" name="Rounded Rectangle 170"/>
+            <p:cNvSpPr/>
+            <p:nvPr/>
+          </p:nvSpPr>
+          <p:spPr>
+            <a:xfrm>
+              <a:off x="3223041" y="5001810"/>
+              <a:ext cx="1087789" cy="419878"/>
+            </a:xfrm>
+            <a:prstGeom prst="roundRect">
+              <a:avLst>
+                <a:gd name="adj" fmla="val 8682"/>
+              </a:avLst>
+            </a:prstGeom>
+            <a:noFill/>
+            <a:ln>
+              <a:solidFill>
+                <a:schemeClr val="tx1"/>
+              </a:solidFill>
+            </a:ln>
+            <a:effectLst/>
+          </p:spPr>
+          <p:style>
+            <a:lnRef idx="1">
+              <a:schemeClr val="accent1"/>
+            </a:lnRef>
+            <a:fillRef idx="3">
+              <a:schemeClr val="accent1"/>
+            </a:fillRef>
+            <a:effectRef idx="2">
+              <a:schemeClr val="accent1"/>
+            </a:effectRef>
+            <a:fontRef idx="minor">
+              <a:schemeClr val="lt1"/>
+            </a:fontRef>
+          </p:style>
+        </p:sp>
+        <p:cxnSp>
+          <p:nvCxnSpPr>
+            <p:cNvPr id="172" name="Straight Connector 171"/>
+            <p:cNvCxnSpPr>
+              <a:endCxn id="171" idx="3"/>
+            </p:cNvCxnSpPr>
+            <p:nvPr/>
+          </p:nvCxnSpPr>
+          <p:spPr>
+            <a:xfrm>
+              <a:off x="3223041" y="5211074"/>
+              <a:ext cx="1087789" cy="675"/>
+            </a:xfrm>
+            <a:prstGeom prst="line">
+              <a:avLst/>
+            </a:prstGeom>
+            <a:ln w="9525">
+              <a:solidFill>
+                <a:schemeClr val="tx1"/>
+              </a:solidFill>
+            </a:ln>
+            <a:effectLst/>
+          </p:spPr>
+          <p:style>
+            <a:lnRef idx="2">
+              <a:schemeClr val="accent1"/>
+            </a:lnRef>
+            <a:fillRef idx="0">
+              <a:schemeClr val="accent1"/>
+            </a:fillRef>
+            <a:effectRef idx="1">
+              <a:schemeClr val="accent1"/>
+            </a:effectRef>
+            <a:fontRef idx="minor">
+              <a:schemeClr val="tx1"/>
+            </a:fontRef>
+          </p:style>
+        </p:cxnSp>
+        <p:sp>
+          <p:nvSpPr>
+            <p:cNvPr id="175" name="TextBox 174"/>
+            <p:cNvSpPr txBox="1"/>
+            <p:nvPr/>
+          </p:nvSpPr>
+          <p:spPr>
+            <a:xfrm>
+              <a:off x="3274188" y="5247664"/>
+              <a:ext cx="1102136" cy="138499"/>
+            </a:xfrm>
+            <a:prstGeom prst="rect">
+              <a:avLst/>
+            </a:prstGeom>
+            <a:noFill/>
+          </p:spPr>
+          <p:txBody>
+            <a:bodyPr wrap="square" lIns="0" tIns="0" rIns="0" bIns="0" rtlCol="0" anchor="ctr" anchorCtr="0">
+              <a:normAutofit/>
+            </a:bodyPr>
+            <a:lstStyle/>
+            <a:p>
+              <a:r>
+                <a:rPr lang="en-US" sz="900" dirty="0" smtClean="0">
+                  <a:solidFill>
+                    <a:srgbClr val="BFBFBF"/>
+                  </a:solidFill>
+                  <a:latin typeface="Helvetica"/>
+                  <a:cs typeface="Helvetica"/>
+                </a:rPr>
+                <a:t>Nationality</a:t>
+              </a:r>
+              <a:endParaRPr lang="en-US" sz="900" dirty="0">
+                <a:solidFill>
+                  <a:srgbClr val="BFBFBF"/>
+                </a:solidFill>
+                <a:latin typeface="Helvetica"/>
+                <a:cs typeface="Helvetica"/>
+              </a:endParaRPr>
+            </a:p>
+          </p:txBody>
+        </p:sp>
+        <p:cxnSp>
+          <p:nvCxnSpPr>
+            <p:cNvPr id="176" name="Straight Connector 175"/>
+            <p:cNvCxnSpPr>
+              <a:endCxn id="171" idx="0"/>
+            </p:cNvCxnSpPr>
+            <p:nvPr/>
+          </p:nvCxnSpPr>
+          <p:spPr>
+            <a:xfrm rot="5400000" flipH="1" flipV="1">
+              <a:off x="3661907" y="5106045"/>
+              <a:ext cx="209264" cy="794"/>
+            </a:xfrm>
+            <a:prstGeom prst="line">
+              <a:avLst/>
+            </a:prstGeom>
+            <a:ln w="9525">
+              <a:solidFill>
+                <a:schemeClr val="tx1"/>
+              </a:solidFill>
+            </a:ln>
+            <a:effectLst/>
+          </p:spPr>
+          <p:style>
+            <a:lnRef idx="2">
+              <a:schemeClr val="accent1"/>
+            </a:lnRef>
+            <a:fillRef idx="0">
+              <a:schemeClr val="accent1"/>
+            </a:fillRef>
+            <a:effectRef idx="1">
+              <a:schemeClr val="accent1"/>
+            </a:effectRef>
+            <a:fontRef idx="minor">
+              <a:schemeClr val="tx1"/>
+            </a:fontRef>
+          </p:style>
+        </p:cxnSp>
+        <p:sp>
+          <p:nvSpPr>
+            <p:cNvPr id="177" name="TextBox 176"/>
+            <p:cNvSpPr txBox="1"/>
+            <p:nvPr/>
+          </p:nvSpPr>
+          <p:spPr>
+            <a:xfrm>
+              <a:off x="3210515" y="5018446"/>
+              <a:ext cx="576617" cy="138499"/>
+            </a:xfrm>
+            <a:prstGeom prst="rect">
+              <a:avLst/>
+            </a:prstGeom>
+            <a:noFill/>
+          </p:spPr>
+          <p:txBody>
+            <a:bodyPr wrap="square" lIns="0" tIns="0" rIns="0" bIns="0" rtlCol="0" anchor="ctr" anchorCtr="0">
+              <a:normAutofit/>
+            </a:bodyPr>
+            <a:lstStyle/>
+            <a:p>
+              <a:pPr algn="ctr"/>
+              <a:r>
+                <a:rPr lang="en-US" sz="900" dirty="0" smtClean="0">
+                  <a:solidFill>
+                    <a:srgbClr val="000000"/>
+                  </a:solidFill>
+                  <a:latin typeface="Helvetica"/>
+                  <a:cs typeface="Helvetica"/>
+                </a:rPr>
+                <a:t>Girl</a:t>
+              </a:r>
+              <a:endParaRPr lang="en-US" sz="900" dirty="0">
+                <a:solidFill>
+                  <a:srgbClr val="000000"/>
+                </a:solidFill>
+                <a:latin typeface="Helvetica"/>
+                <a:cs typeface="Helvetica"/>
+              </a:endParaRPr>
+            </a:p>
+          </p:txBody>
+        </p:sp>
+        <p:sp>
+          <p:nvSpPr>
+            <p:cNvPr id="178" name="TextBox 177"/>
+            <p:cNvSpPr txBox="1"/>
+            <p:nvPr/>
+          </p:nvSpPr>
+          <p:spPr>
+            <a:xfrm>
+              <a:off x="3745946" y="5018446"/>
+              <a:ext cx="576617" cy="138499"/>
+            </a:xfrm>
+            <a:prstGeom prst="rect">
+              <a:avLst/>
+            </a:prstGeom>
+            <a:noFill/>
+          </p:spPr>
+          <p:txBody>
+            <a:bodyPr wrap="square" lIns="0" tIns="0" rIns="0" bIns="0" rtlCol="0" anchor="ctr" anchorCtr="0">
+              <a:normAutofit/>
+            </a:bodyPr>
+            <a:lstStyle/>
+            <a:p>
+              <a:pPr algn="ctr"/>
+              <a:r>
+                <a:rPr lang="en-US" sz="900" dirty="0" smtClean="0">
+                  <a:latin typeface="Helvetica"/>
+                  <a:cs typeface="Helvetica"/>
+                </a:rPr>
+                <a:t>Boy</a:t>
+              </a:r>
+              <a:endParaRPr lang="en-US" sz="900" dirty="0">
+                <a:latin typeface="Helvetica"/>
+                <a:cs typeface="Helvetica"/>
+              </a:endParaRPr>
+            </a:p>
+          </p:txBody>
+        </p:sp>
+        <p:sp>
+          <p:nvSpPr>
+            <p:cNvPr id="169" name="Rounded Rectangle 168"/>
+            <p:cNvSpPr/>
+            <p:nvPr/>
+          </p:nvSpPr>
+          <p:spPr>
+            <a:xfrm>
+              <a:off x="3176818" y="5657064"/>
+              <a:ext cx="547919" cy="252448"/>
+            </a:xfrm>
+            <a:prstGeom prst="roundRect">
+              <a:avLst/>
+            </a:prstGeom>
+            <a:noFill/>
+            <a:ln>
+              <a:solidFill>
+                <a:schemeClr val="tx1"/>
+              </a:solidFill>
+            </a:ln>
+            <a:effectLst/>
+          </p:spPr>
+          <p:style>
+            <a:lnRef idx="1">
+              <a:schemeClr val="accent1"/>
+            </a:lnRef>
+            <a:fillRef idx="3">
+              <a:schemeClr val="accent1"/>
+            </a:fillRef>
+            <a:effectRef idx="2">
+              <a:schemeClr val="accent1"/>
+            </a:effectRef>
+            <a:fontRef idx="minor">
+              <a:schemeClr val="lt1"/>
+            </a:fontRef>
+          </p:style>
+          <p:txBody>
+            <a:bodyPr lIns="0" tIns="0" rIns="0" bIns="0" anchor="ctr" anchorCtr="0">
+              <a:normAutofit/>
+            </a:bodyPr>
+            <a:lstStyle/>
+            <a:p>
+              <a:pPr algn="ctr"/>
+              <a:r>
+                <a:rPr lang="en-US" sz="800" b="1" dirty="0" smtClean="0">
+                  <a:solidFill>
+                    <a:srgbClr val="000000"/>
+                  </a:solidFill>
+                  <a:latin typeface="Helvetica"/>
+                  <a:cs typeface="Helvetica"/>
+                </a:rPr>
+                <a:t>Cancel</a:t>
+              </a:r>
+              <a:endParaRPr lang="en-US" sz="800" b="1" dirty="0">
+                <a:solidFill>
+                  <a:srgbClr val="000000"/>
+                </a:solidFill>
+                <a:latin typeface="Helvetica"/>
+                <a:cs typeface="Helvetica"/>
+              </a:endParaRPr>
+            </a:p>
+          </p:txBody>
+        </p:sp>
+        <p:sp>
+          <p:nvSpPr>
+            <p:cNvPr id="170" name="Rounded Rectangle 169"/>
+            <p:cNvSpPr/>
+            <p:nvPr/>
+          </p:nvSpPr>
+          <p:spPr>
+            <a:xfrm>
+              <a:off x="3789010" y="5657064"/>
+              <a:ext cx="547919" cy="252448"/>
+            </a:xfrm>
+            <a:prstGeom prst="roundRect">
+              <a:avLst/>
+            </a:prstGeom>
+            <a:noFill/>
+            <a:ln>
+              <a:solidFill>
+                <a:schemeClr val="tx1"/>
+              </a:solidFill>
+            </a:ln>
+            <a:effectLst/>
+          </p:spPr>
+          <p:style>
+            <a:lnRef idx="1">
+              <a:schemeClr val="accent1"/>
+            </a:lnRef>
+            <a:fillRef idx="3">
+              <a:schemeClr val="accent1"/>
+            </a:fillRef>
+            <a:effectRef idx="2">
+              <a:schemeClr val="accent1"/>
+            </a:effectRef>
+            <a:fontRef idx="minor">
+              <a:schemeClr val="lt1"/>
+            </a:fontRef>
+          </p:style>
+          <p:txBody>
+            <a:bodyPr lIns="0" tIns="0" rIns="0" bIns="0" anchor="ctr" anchorCtr="0">
+              <a:normAutofit/>
+            </a:bodyPr>
+            <a:lstStyle/>
+            <a:p>
+              <a:pPr algn="ctr"/>
+              <a:r>
+                <a:rPr lang="en-US" sz="900" b="1" dirty="0" smtClean="0">
+                  <a:solidFill>
+                    <a:srgbClr val="000000"/>
+                  </a:solidFill>
+                  <a:latin typeface="Helvetica"/>
+                  <a:cs typeface="Helvetica"/>
+                </a:rPr>
+                <a:t>Save</a:t>
+              </a:r>
+              <a:endParaRPr lang="en-US" sz="900" b="1" dirty="0">
+                <a:solidFill>
+                  <a:srgbClr val="000000"/>
+                </a:solidFill>
+                <a:latin typeface="Helvetica"/>
+                <a:cs typeface="Helvetica"/>
+              </a:endParaRPr>
+            </a:p>
+          </p:txBody>
+        </p:sp>
+      </p:grpSp>
+      <p:grpSp>
+        <p:nvGrpSpPr>
+          <p:cNvPr id="231" name="Group 230"/>
+          <p:cNvGrpSpPr/>
+          <p:nvPr/>
+        </p:nvGrpSpPr>
+        <p:grpSpPr>
+          <a:xfrm>
+            <a:off x="315562" y="3657600"/>
+            <a:ext cx="1702398" cy="2975874"/>
+            <a:chOff x="315562" y="3657600"/>
+            <a:chExt cx="1702398" cy="2975874"/>
+          </a:xfrm>
+        </p:grpSpPr>
+        <p:grpSp>
+          <p:nvGrpSpPr>
+            <p:cNvPr id="63" name="Group 62"/>
+            <p:cNvGrpSpPr/>
+            <p:nvPr/>
+          </p:nvGrpSpPr>
+          <p:grpSpPr>
+            <a:xfrm>
+              <a:off x="315562" y="3657600"/>
               <a:ext cx="1702398" cy="2975874"/>
-              <a:chOff x="2907189" y="446704"/>
+              <a:chOff x="312693" y="446704"/>
+              <a:chExt cx="1702398" cy="2975874"/>
+            </a:xfrm>
+          </p:grpSpPr>
+          <p:grpSp>
+            <p:nvGrpSpPr>
+              <p:cNvPr id="64" name="Group 63"/>
+              <p:cNvGrpSpPr/>
+              <p:nvPr/>
+            </p:nvGrpSpPr>
+            <p:grpSpPr>
+              <a:xfrm>
+                <a:off x="312693" y="446704"/>
+                <a:ext cx="1702398" cy="2975874"/>
+                <a:chOff x="312693" y="446704"/>
+                <a:chExt cx="1702398" cy="2975874"/>
+              </a:xfrm>
+            </p:grpSpPr>
+            <p:sp>
+              <p:nvSpPr>
+                <p:cNvPr id="66" name="Rectangle 65"/>
+                <p:cNvSpPr/>
+                <p:nvPr/>
+              </p:nvSpPr>
+              <p:spPr>
+                <a:xfrm>
+                  <a:off x="312693" y="449213"/>
+                  <a:ext cx="1702398" cy="2972570"/>
+                </a:xfrm>
+                <a:prstGeom prst="rect">
+                  <a:avLst/>
+                </a:prstGeom>
+                <a:noFill/>
+                <a:ln>
+                  <a:solidFill>
+                    <a:schemeClr val="tx1"/>
+                  </a:solidFill>
+                </a:ln>
+                <a:effectLst/>
+              </p:spPr>
+              <p:style>
+                <a:lnRef idx="1">
+                  <a:schemeClr val="accent1"/>
+                </a:lnRef>
+                <a:fillRef idx="3">
+                  <a:schemeClr val="accent1"/>
+                </a:fillRef>
+                <a:effectRef idx="2">
+                  <a:schemeClr val="accent1"/>
+                </a:effectRef>
+                <a:fontRef idx="minor">
+                  <a:schemeClr val="lt1"/>
+                </a:fontRef>
+              </p:style>
+            </p:sp>
+            <p:sp>
+              <p:nvSpPr>
+                <p:cNvPr id="67" name="Rectangle 66"/>
+                <p:cNvSpPr/>
+                <p:nvPr/>
+              </p:nvSpPr>
+              <p:spPr>
+                <a:xfrm>
+                  <a:off x="312694" y="446704"/>
+                  <a:ext cx="1702397" cy="358999"/>
+                </a:xfrm>
+                <a:prstGeom prst="rect">
+                  <a:avLst/>
+                </a:prstGeom>
+                <a:solidFill>
+                  <a:schemeClr val="bg1"/>
+                </a:solidFill>
+                <a:ln>
+                  <a:solidFill>
+                    <a:schemeClr val="tx1"/>
+                  </a:solidFill>
+                </a:ln>
+                <a:effectLst/>
+              </p:spPr>
+              <p:style>
+                <a:lnRef idx="1">
+                  <a:schemeClr val="accent1"/>
+                </a:lnRef>
+                <a:fillRef idx="3">
+                  <a:schemeClr val="accent1"/>
+                </a:fillRef>
+                <a:effectRef idx="2">
+                  <a:schemeClr val="accent1"/>
+                </a:effectRef>
+                <a:fontRef idx="minor">
+                  <a:schemeClr val="lt1"/>
+                </a:fontRef>
+              </p:style>
+            </p:sp>
+            <p:sp>
+              <p:nvSpPr>
+                <p:cNvPr id="68" name="Rectangle 67"/>
+                <p:cNvSpPr/>
+                <p:nvPr/>
+              </p:nvSpPr>
+              <p:spPr>
+                <a:xfrm>
+                  <a:off x="1731610" y="530672"/>
+                  <a:ext cx="203033" cy="222548"/>
+                </a:xfrm>
+                <a:prstGeom prst="rect">
+                  <a:avLst/>
+                </a:prstGeom>
+                <a:noFill/>
+                <a:ln>
+                  <a:solidFill>
+                    <a:schemeClr val="bg1"/>
+                  </a:solidFill>
+                </a:ln>
+                <a:effectLst/>
+              </p:spPr>
+              <p:style>
+                <a:lnRef idx="1">
+                  <a:schemeClr val="accent1"/>
+                </a:lnRef>
+                <a:fillRef idx="3">
+                  <a:schemeClr val="accent1"/>
+                </a:fillRef>
+                <a:effectRef idx="2">
+                  <a:schemeClr val="accent1"/>
+                </a:effectRef>
+                <a:fontRef idx="minor">
+                  <a:schemeClr val="lt1"/>
+                </a:fontRef>
+              </p:style>
+            </p:sp>
+            <p:grpSp>
+              <p:nvGrpSpPr>
+                <p:cNvPr id="69" name="Group 68"/>
+                <p:cNvGrpSpPr/>
+                <p:nvPr/>
+              </p:nvGrpSpPr>
+              <p:grpSpPr>
+                <a:xfrm>
+                  <a:off x="312694" y="3058539"/>
+                  <a:ext cx="1702397" cy="364039"/>
+                  <a:chOff x="312694" y="3058539"/>
+                  <a:chExt cx="1702397" cy="364039"/>
+                </a:xfrm>
+              </p:grpSpPr>
+              <p:sp>
+                <p:nvSpPr>
+                  <p:cNvPr id="70" name="Rectangle 69"/>
+                  <p:cNvSpPr/>
+                  <p:nvPr/>
+                </p:nvSpPr>
+                <p:spPr>
+                  <a:xfrm>
+                    <a:off x="312694" y="3062784"/>
+                    <a:ext cx="1702397" cy="358999"/>
+                  </a:xfrm>
+                  <a:prstGeom prst="rect">
+                    <a:avLst/>
+                  </a:prstGeom>
+                  <a:solidFill>
+                    <a:schemeClr val="bg1"/>
+                  </a:solidFill>
+                  <a:ln>
+                    <a:solidFill>
+                      <a:schemeClr val="tx1"/>
+                    </a:solidFill>
+                  </a:ln>
+                  <a:effectLst/>
+                </p:spPr>
+                <p:style>
+                  <a:lnRef idx="1">
+                    <a:schemeClr val="accent1"/>
+                  </a:lnRef>
+                  <a:fillRef idx="3">
+                    <a:schemeClr val="accent1"/>
+                  </a:fillRef>
+                  <a:effectRef idx="2">
+                    <a:schemeClr val="accent1"/>
+                  </a:effectRef>
+                  <a:fontRef idx="minor">
+                    <a:schemeClr val="lt1"/>
+                  </a:fontRef>
+                </p:style>
+              </p:sp>
+              <p:cxnSp>
+                <p:nvCxnSpPr>
+                  <p:cNvPr id="71" name="Straight Connector 70"/>
+                  <p:cNvCxnSpPr/>
+                  <p:nvPr/>
+                </p:nvCxnSpPr>
+                <p:spPr>
+                  <a:xfrm rot="5400000">
+                    <a:off x="1009009" y="3242284"/>
+                    <a:ext cx="358999" cy="1588"/>
+                  </a:xfrm>
+                  <a:prstGeom prst="line">
+                    <a:avLst/>
+                  </a:prstGeom>
+                  <a:ln w="9525">
+                    <a:solidFill>
+                      <a:schemeClr val="tx1"/>
+                    </a:solidFill>
+                  </a:ln>
+                  <a:effectLst/>
+                </p:spPr>
+                <p:style>
+                  <a:lnRef idx="2">
+                    <a:schemeClr val="accent1"/>
+                  </a:lnRef>
+                  <a:fillRef idx="0">
+                    <a:schemeClr val="accent1"/>
+                  </a:fillRef>
+                  <a:effectRef idx="1">
+                    <a:schemeClr val="accent1"/>
+                  </a:effectRef>
+                  <a:fontRef idx="minor">
+                    <a:schemeClr val="tx1"/>
+                  </a:fontRef>
+                </p:style>
+              </p:cxnSp>
+              <p:cxnSp>
+                <p:nvCxnSpPr>
+                  <p:cNvPr id="72" name="Straight Connector 71"/>
+                  <p:cNvCxnSpPr/>
+                  <p:nvPr/>
+                </p:nvCxnSpPr>
+                <p:spPr>
+                  <a:xfrm rot="5400000">
+                    <a:off x="1431989" y="3237245"/>
+                    <a:ext cx="358999" cy="1588"/>
+                  </a:xfrm>
+                  <a:prstGeom prst="line">
+                    <a:avLst/>
+                  </a:prstGeom>
+                  <a:ln w="9525">
+                    <a:solidFill>
+                      <a:schemeClr val="tx1"/>
+                    </a:solidFill>
+                  </a:ln>
+                  <a:effectLst/>
+                </p:spPr>
+                <p:style>
+                  <a:lnRef idx="2">
+                    <a:schemeClr val="accent1"/>
+                  </a:lnRef>
+                  <a:fillRef idx="0">
+                    <a:schemeClr val="accent1"/>
+                  </a:fillRef>
+                  <a:effectRef idx="1">
+                    <a:schemeClr val="accent1"/>
+                  </a:effectRef>
+                  <a:fontRef idx="minor">
+                    <a:schemeClr val="tx1"/>
+                  </a:fontRef>
+                </p:style>
+              </p:cxnSp>
+              <p:cxnSp>
+                <p:nvCxnSpPr>
+                  <p:cNvPr id="73" name="Straight Connector 72"/>
+                  <p:cNvCxnSpPr/>
+                  <p:nvPr/>
+                </p:nvCxnSpPr>
+                <p:spPr>
+                  <a:xfrm rot="5400000">
+                    <a:off x="551809" y="3242285"/>
+                    <a:ext cx="358999" cy="1588"/>
+                  </a:xfrm>
+                  <a:prstGeom prst="line">
+                    <a:avLst/>
+                  </a:prstGeom>
+                  <a:ln w="9525">
+                    <a:solidFill>
+                      <a:schemeClr val="tx1"/>
+                    </a:solidFill>
+                  </a:ln>
+                  <a:effectLst/>
+                </p:spPr>
+                <p:style>
+                  <a:lnRef idx="2">
+                    <a:schemeClr val="accent1"/>
+                  </a:lnRef>
+                  <a:fillRef idx="0">
+                    <a:schemeClr val="accent1"/>
+                  </a:fillRef>
+                  <a:effectRef idx="1">
+                    <a:schemeClr val="accent1"/>
+                  </a:effectRef>
+                  <a:fontRef idx="minor">
+                    <a:schemeClr val="tx1"/>
+                  </a:fontRef>
+                </p:style>
+              </p:cxnSp>
+            </p:grpSp>
+          </p:grpSp>
+          <p:pic>
+            <p:nvPicPr>
+              <p:cNvPr id="65" name="Picture 64"/>
+              <p:cNvPicPr>
+                <a:picLocks noChangeAspect="1"/>
+              </p:cNvPicPr>
+              <p:nvPr/>
+            </p:nvPicPr>
+            <p:blipFill>
+              <a:blip r:embed="rId2"/>
+              <a:stretch>
+                <a:fillRect/>
+              </a:stretch>
+            </p:blipFill>
+            <p:spPr>
+              <a:xfrm>
+                <a:off x="1676359" y="3112349"/>
+                <a:ext cx="279808" cy="279808"/>
+              </a:xfrm>
+              <a:prstGeom prst="rect">
+                <a:avLst/>
+              </a:prstGeom>
+            </p:spPr>
+          </p:pic>
+        </p:grpSp>
+        <p:grpSp>
+          <p:nvGrpSpPr>
+            <p:cNvPr id="81" name="Group 80"/>
+            <p:cNvGrpSpPr/>
+            <p:nvPr/>
+          </p:nvGrpSpPr>
+          <p:grpSpPr>
+            <a:xfrm>
+              <a:off x="530703" y="4304775"/>
+              <a:ext cx="1277970" cy="1660084"/>
+              <a:chOff x="3124200" y="4304775"/>
+              <a:chExt cx="1277970" cy="1660084"/>
+            </a:xfrm>
+          </p:grpSpPr>
+          <p:sp>
+            <p:nvSpPr>
+              <p:cNvPr id="79" name="Rounded Rectangle 78"/>
+              <p:cNvSpPr/>
+              <p:nvPr/>
+            </p:nvSpPr>
+            <p:spPr>
+              <a:xfrm>
+                <a:off x="3124200" y="4304775"/>
+                <a:ext cx="1277970" cy="1660084"/>
+              </a:xfrm>
+              <a:prstGeom prst="roundRect">
+                <a:avLst>
+                  <a:gd name="adj" fmla="val 8682"/>
+                </a:avLst>
+              </a:prstGeom>
+              <a:noFill/>
+              <a:ln>
+                <a:solidFill>
+                  <a:schemeClr val="tx1"/>
+                </a:solidFill>
+              </a:ln>
+              <a:effectLst/>
+            </p:spPr>
+            <p:style>
+              <a:lnRef idx="1">
+                <a:schemeClr val="accent1"/>
+              </a:lnRef>
+              <a:fillRef idx="3">
+                <a:schemeClr val="accent1"/>
+              </a:fillRef>
+              <a:effectRef idx="2">
+                <a:schemeClr val="accent1"/>
+              </a:effectRef>
+              <a:fontRef idx="minor">
+                <a:schemeClr val="lt1"/>
+              </a:fontRef>
+            </p:style>
+          </p:sp>
+          <p:sp>
+            <p:nvSpPr>
+              <p:cNvPr id="80" name="Rectangle 79"/>
+              <p:cNvSpPr/>
+              <p:nvPr/>
+            </p:nvSpPr>
+            <p:spPr>
+              <a:xfrm>
+                <a:off x="3225323" y="4416804"/>
+                <a:ext cx="421977" cy="421977"/>
+              </a:xfrm>
+              <a:prstGeom prst="rect">
+                <a:avLst/>
+              </a:prstGeom>
+              <a:noFill/>
+              <a:ln>
+                <a:solidFill>
+                  <a:schemeClr val="tx1"/>
+                </a:solidFill>
+              </a:ln>
+              <a:effectLst/>
+            </p:spPr>
+            <p:style>
+              <a:lnRef idx="1">
+                <a:schemeClr val="accent1"/>
+              </a:lnRef>
+              <a:fillRef idx="3">
+                <a:schemeClr val="accent1"/>
+              </a:fillRef>
+              <a:effectRef idx="2">
+                <a:schemeClr val="accent1"/>
+              </a:effectRef>
+              <a:fontRef idx="minor">
+                <a:schemeClr val="lt1"/>
+              </a:fontRef>
+            </p:style>
+          </p:sp>
+        </p:grpSp>
+        <p:sp>
+          <p:nvSpPr>
+            <p:cNvPr id="82" name="Rounded Rectangle 81"/>
+            <p:cNvSpPr/>
+            <p:nvPr/>
+          </p:nvSpPr>
+          <p:spPr>
+            <a:xfrm>
+              <a:off x="593816" y="5635958"/>
+              <a:ext cx="547919" cy="252448"/>
+            </a:xfrm>
+            <a:prstGeom prst="roundRect">
+              <a:avLst/>
+            </a:prstGeom>
+            <a:noFill/>
+            <a:ln>
+              <a:solidFill>
+                <a:schemeClr val="tx1"/>
+              </a:solidFill>
+            </a:ln>
+            <a:effectLst/>
+          </p:spPr>
+          <p:style>
+            <a:lnRef idx="1">
+              <a:schemeClr val="accent1"/>
+            </a:lnRef>
+            <a:fillRef idx="3">
+              <a:schemeClr val="accent1"/>
+            </a:fillRef>
+            <a:effectRef idx="2">
+              <a:schemeClr val="accent1"/>
+            </a:effectRef>
+            <a:fontRef idx="minor">
+              <a:schemeClr val="lt1"/>
+            </a:fontRef>
+          </p:style>
+          <p:txBody>
+            <a:bodyPr lIns="0" tIns="0" rIns="0" bIns="0" anchor="ctr" anchorCtr="0">
+              <a:normAutofit/>
+            </a:bodyPr>
+            <a:lstStyle/>
+            <a:p>
+              <a:pPr algn="ctr"/>
+              <a:r>
+                <a:rPr lang="en-US" sz="800" b="1" dirty="0" smtClean="0">
+                  <a:solidFill>
+                    <a:srgbClr val="000000"/>
+                  </a:solidFill>
+                  <a:latin typeface="Helvetica"/>
+                  <a:cs typeface="Helvetica"/>
+                </a:rPr>
+                <a:t>Gallery</a:t>
+              </a:r>
+              <a:endParaRPr lang="en-US" sz="800" b="1" dirty="0">
+                <a:solidFill>
+                  <a:srgbClr val="000000"/>
+                </a:solidFill>
+                <a:latin typeface="Helvetica"/>
+                <a:cs typeface="Helvetica"/>
+              </a:endParaRPr>
+            </a:p>
+          </p:txBody>
+        </p:sp>
+        <p:sp>
+          <p:nvSpPr>
+            <p:cNvPr id="84" name="Rounded Rectangle 83"/>
+            <p:cNvSpPr/>
+            <p:nvPr/>
+          </p:nvSpPr>
+          <p:spPr>
+            <a:xfrm>
+              <a:off x="1206008" y="5635958"/>
+              <a:ext cx="547919" cy="252448"/>
+            </a:xfrm>
+            <a:prstGeom prst="roundRect">
+              <a:avLst/>
+            </a:prstGeom>
+            <a:noFill/>
+            <a:ln>
+              <a:solidFill>
+                <a:schemeClr val="tx1"/>
+              </a:solidFill>
+            </a:ln>
+            <a:effectLst/>
+          </p:spPr>
+          <p:style>
+            <a:lnRef idx="1">
+              <a:schemeClr val="accent1"/>
+            </a:lnRef>
+            <a:fillRef idx="3">
+              <a:schemeClr val="accent1"/>
+            </a:fillRef>
+            <a:effectRef idx="2">
+              <a:schemeClr val="accent1"/>
+            </a:effectRef>
+            <a:fontRef idx="minor">
+              <a:schemeClr val="lt1"/>
+            </a:fontRef>
+          </p:style>
+          <p:txBody>
+            <a:bodyPr lIns="0" tIns="0" rIns="0" bIns="0" anchor="ctr" anchorCtr="0">
+              <a:normAutofit/>
+            </a:bodyPr>
+            <a:lstStyle/>
+            <a:p>
+              <a:pPr algn="ctr"/>
+              <a:r>
+                <a:rPr lang="en-US" sz="900" b="1" dirty="0" smtClean="0">
+                  <a:solidFill>
+                    <a:srgbClr val="000000"/>
+                  </a:solidFill>
+                  <a:latin typeface="Helvetica"/>
+                  <a:cs typeface="Helvetica"/>
+                </a:rPr>
+                <a:t>Add</a:t>
+              </a:r>
+              <a:endParaRPr lang="en-US" sz="900" b="1" dirty="0">
+                <a:solidFill>
+                  <a:srgbClr val="000000"/>
+                </a:solidFill>
+                <a:latin typeface="Helvetica"/>
+                <a:cs typeface="Helvetica"/>
+              </a:endParaRPr>
+            </a:p>
+          </p:txBody>
+        </p:sp>
+        <p:sp>
+          <p:nvSpPr>
+            <p:cNvPr id="85" name="TextBox 84"/>
+            <p:cNvSpPr txBox="1"/>
+            <p:nvPr/>
+          </p:nvSpPr>
+          <p:spPr>
+            <a:xfrm>
+              <a:off x="1130855" y="4409181"/>
+              <a:ext cx="306324" cy="153888"/>
+            </a:xfrm>
+            <a:prstGeom prst="rect">
+              <a:avLst/>
+            </a:prstGeom>
+            <a:noFill/>
+          </p:spPr>
+          <p:txBody>
+            <a:bodyPr wrap="none" lIns="0" tIns="0" rIns="0" bIns="0" rtlCol="0" anchor="ctr" anchorCtr="0">
+              <a:normAutofit/>
+            </a:bodyPr>
+            <a:lstStyle/>
+            <a:p>
+              <a:r>
+                <a:rPr lang="en-US" sz="1000" b="1" dirty="0" smtClean="0">
+                  <a:latin typeface="Helvetica"/>
+                  <a:cs typeface="Helvetica"/>
+                </a:rPr>
+                <a:t>John</a:t>
+              </a:r>
+              <a:endParaRPr lang="en-US" sz="1000" b="1" dirty="0">
+                <a:latin typeface="Helvetica"/>
+                <a:cs typeface="Helvetica"/>
+              </a:endParaRPr>
+            </a:p>
+          </p:txBody>
+        </p:sp>
+        <p:sp>
+          <p:nvSpPr>
+            <p:cNvPr id="87" name="TextBox 86"/>
+            <p:cNvSpPr txBox="1"/>
+            <p:nvPr/>
+          </p:nvSpPr>
+          <p:spPr>
+            <a:xfrm>
+              <a:off x="1130588" y="4553881"/>
+              <a:ext cx="513462" cy="123111"/>
+            </a:xfrm>
+            <a:prstGeom prst="rect">
+              <a:avLst/>
+            </a:prstGeom>
+            <a:noFill/>
+          </p:spPr>
+          <p:txBody>
+            <a:bodyPr wrap="none" lIns="0" tIns="0" rIns="0" bIns="0" rtlCol="0" anchor="ctr" anchorCtr="0">
+              <a:normAutofit/>
+            </a:bodyPr>
+            <a:lstStyle/>
+            <a:p>
+              <a:r>
+                <a:rPr lang="en-US" sz="800" dirty="0" smtClean="0">
+                  <a:latin typeface="Helvetica"/>
+                  <a:cs typeface="Helvetica"/>
+                </a:rPr>
+                <a:t>2014.10.05</a:t>
+              </a:r>
+              <a:endParaRPr lang="en-US" sz="800" dirty="0">
+                <a:latin typeface="Helvetica"/>
+                <a:cs typeface="Helvetica"/>
+              </a:endParaRPr>
+            </a:p>
+          </p:txBody>
+        </p:sp>
+        <p:pic>
+          <p:nvPicPr>
+            <p:cNvPr id="100" name="Picture 99"/>
+            <p:cNvPicPr>
+              <a:picLocks noChangeAspect="1"/>
+            </p:cNvPicPr>
+            <p:nvPr/>
+          </p:nvPicPr>
+          <p:blipFill>
+            <a:blip r:embed="rId5"/>
+            <a:stretch>
+              <a:fillRect/>
+            </a:stretch>
+          </p:blipFill>
+          <p:spPr>
+            <a:xfrm>
+              <a:off x="651027" y="4455781"/>
+              <a:ext cx="393496" cy="393496"/>
+            </a:xfrm>
+            <a:prstGeom prst="rect">
+              <a:avLst/>
+            </a:prstGeom>
+          </p:spPr>
+        </p:pic>
+        <p:pic>
+          <p:nvPicPr>
+            <p:cNvPr id="102" name="Picture 101"/>
+            <p:cNvPicPr>
+              <a:picLocks noChangeAspect="1"/>
+            </p:cNvPicPr>
+            <p:nvPr/>
+          </p:nvPicPr>
+          <p:blipFill>
+            <a:blip r:embed="rId3"/>
+            <a:stretch>
+              <a:fillRect/>
+            </a:stretch>
+          </p:blipFill>
+          <p:spPr>
+            <a:xfrm>
+              <a:off x="409818" y="6347673"/>
+              <a:ext cx="216246" cy="223094"/>
+            </a:xfrm>
+            <a:prstGeom prst="rect">
+              <a:avLst/>
+            </a:prstGeom>
+          </p:spPr>
+        </p:pic>
+        <p:pic>
+          <p:nvPicPr>
+            <p:cNvPr id="127" name="Picture 126"/>
+            <p:cNvPicPr>
+              <a:picLocks noChangeAspect="1"/>
+            </p:cNvPicPr>
+            <p:nvPr/>
+          </p:nvPicPr>
+          <p:blipFill>
+            <a:blip r:embed="rId6"/>
+            <a:stretch>
+              <a:fillRect/>
+            </a:stretch>
+          </p:blipFill>
+          <p:spPr>
+            <a:xfrm>
+              <a:off x="1095591" y="4671492"/>
+              <a:ext cx="180000" cy="180000"/>
+            </a:xfrm>
+            <a:prstGeom prst="rect">
+              <a:avLst/>
+            </a:prstGeom>
+          </p:spPr>
+        </p:pic>
+        <p:sp>
+          <p:nvSpPr>
+            <p:cNvPr id="129" name="TextBox 128"/>
+            <p:cNvSpPr txBox="1"/>
+            <p:nvPr/>
+          </p:nvSpPr>
+          <p:spPr>
+            <a:xfrm>
+              <a:off x="1294899" y="4719974"/>
+              <a:ext cx="294953" cy="123111"/>
+            </a:xfrm>
+            <a:prstGeom prst="rect">
+              <a:avLst/>
+            </a:prstGeom>
+            <a:noFill/>
+          </p:spPr>
+          <p:txBody>
+            <a:bodyPr wrap="none" lIns="0" tIns="0" rIns="0" bIns="0" rtlCol="0" anchor="ctr" anchorCtr="0">
+              <a:normAutofit/>
+            </a:bodyPr>
+            <a:lstStyle/>
+            <a:p>
+              <a:r>
+                <a:rPr lang="en-US" sz="800" b="1" dirty="0" smtClean="0">
+                  <a:latin typeface="Helvetica"/>
+                  <a:cs typeface="Helvetica"/>
+                </a:rPr>
+                <a:t>Korea</a:t>
+              </a:r>
+              <a:endParaRPr lang="en-US" sz="800" b="1" dirty="0">
+                <a:latin typeface="Helvetica"/>
+                <a:cs typeface="Helvetica"/>
+              </a:endParaRPr>
+            </a:p>
+          </p:txBody>
+        </p:sp>
+        <p:grpSp>
+          <p:nvGrpSpPr>
+            <p:cNvPr id="90" name="Group 89"/>
+            <p:cNvGrpSpPr/>
+            <p:nvPr/>
+          </p:nvGrpSpPr>
+          <p:grpSpPr>
+            <a:xfrm>
+              <a:off x="1721115" y="3723304"/>
+              <a:ext cx="203033" cy="222548"/>
+              <a:chOff x="1721115" y="520176"/>
+              <a:chExt cx="203033" cy="222548"/>
+            </a:xfrm>
+          </p:grpSpPr>
+          <p:sp>
+            <p:nvSpPr>
+              <p:cNvPr id="91" name="Rectangle 90"/>
+              <p:cNvSpPr/>
+              <p:nvPr/>
+            </p:nvSpPr>
+            <p:spPr>
+              <a:xfrm>
+                <a:off x="1721115" y="520176"/>
+                <a:ext cx="203033" cy="222548"/>
+              </a:xfrm>
+              <a:prstGeom prst="rect">
+                <a:avLst/>
+              </a:prstGeom>
+              <a:noFill/>
+              <a:ln>
+                <a:solidFill>
+                  <a:schemeClr val="tx1"/>
+                </a:solidFill>
+              </a:ln>
+              <a:effectLst/>
+            </p:spPr>
+            <p:style>
+              <a:lnRef idx="1">
+                <a:schemeClr val="accent1"/>
+              </a:lnRef>
+              <a:fillRef idx="3">
+                <a:schemeClr val="accent1"/>
+              </a:fillRef>
+              <a:effectRef idx="2">
+                <a:schemeClr val="accent1"/>
+              </a:effectRef>
+              <a:fontRef idx="minor">
+                <a:schemeClr val="lt1"/>
+              </a:fontRef>
+            </p:style>
+            <p:txBody>
+              <a:bodyPr/>
+              <a:lstStyle/>
+              <a:p>
+                <a:pPr algn="ctr"/>
+                <a:endParaRPr lang="en-US" sz="900" dirty="0">
+                  <a:solidFill>
+                    <a:srgbClr val="000000"/>
+                  </a:solidFill>
+                </a:endParaRPr>
+              </a:p>
+            </p:txBody>
+          </p:sp>
+          <p:sp>
+            <p:nvSpPr>
+              <p:cNvPr id="95" name="Cross 94"/>
+              <p:cNvSpPr/>
+              <p:nvPr/>
+            </p:nvSpPr>
+            <p:spPr>
+              <a:xfrm>
+                <a:off x="1728876" y="541170"/>
+                <a:ext cx="180584" cy="180562"/>
+              </a:xfrm>
+              <a:prstGeom prst="plus">
+                <a:avLst>
+                  <a:gd name="adj" fmla="val 40304"/>
+                </a:avLst>
+              </a:prstGeom>
+              <a:solidFill>
+                <a:schemeClr val="bg1">
+                  <a:lumMod val="75000"/>
+                </a:schemeClr>
+              </a:solidFill>
+              <a:ln>
+                <a:noFill/>
+              </a:ln>
+              <a:effectLst/>
+            </p:spPr>
+            <p:style>
+              <a:lnRef idx="1">
+                <a:schemeClr val="accent1"/>
+              </a:lnRef>
+              <a:fillRef idx="3">
+                <a:schemeClr val="accent1"/>
+              </a:fillRef>
+              <a:effectRef idx="2">
+                <a:schemeClr val="accent1"/>
+              </a:effectRef>
+              <a:fontRef idx="minor">
+                <a:schemeClr val="lt1"/>
+              </a:fontRef>
+            </p:style>
+          </p:sp>
+        </p:grpSp>
+        <p:sp>
+          <p:nvSpPr>
+            <p:cNvPr id="198" name="Rounded Rectangle 197"/>
+            <p:cNvSpPr/>
+            <p:nvPr/>
+          </p:nvSpPr>
+          <p:spPr>
+            <a:xfrm>
+              <a:off x="1581072" y="4366138"/>
+              <a:ext cx="162000" cy="97200"/>
+            </a:xfrm>
+            <a:prstGeom prst="roundRect">
+              <a:avLst/>
+            </a:prstGeom>
+            <a:noFill/>
+            <a:ln>
+              <a:solidFill>
+                <a:schemeClr val="tx1"/>
+              </a:solidFill>
+            </a:ln>
+            <a:effectLst/>
+          </p:spPr>
+          <p:style>
+            <a:lnRef idx="1">
+              <a:schemeClr val="accent1"/>
+            </a:lnRef>
+            <a:fillRef idx="3">
+              <a:schemeClr val="accent1"/>
+            </a:fillRef>
+            <a:effectRef idx="2">
+              <a:schemeClr val="accent1"/>
+            </a:effectRef>
+            <a:fontRef idx="minor">
+              <a:schemeClr val="lt1"/>
+            </a:fontRef>
+          </p:style>
+          <p:txBody>
+            <a:bodyPr lIns="0" tIns="0" rIns="0" bIns="0">
+              <a:normAutofit fontScale="70000" lnSpcReduction="20000"/>
+            </a:bodyPr>
+            <a:lstStyle/>
+            <a:p>
+              <a:pPr algn="ctr"/>
+              <a:r>
+                <a:rPr lang="en-US" sz="900" b="1" dirty="0" smtClean="0">
+                  <a:solidFill>
+                    <a:srgbClr val="000000"/>
+                  </a:solidFill>
+                  <a:latin typeface="Helvetica"/>
+                  <a:cs typeface="Helvetica"/>
+                </a:rPr>
+                <a:t>Edit</a:t>
+              </a:r>
+              <a:endParaRPr lang="en-US" sz="900" b="1" dirty="0">
+                <a:solidFill>
+                  <a:srgbClr val="000000"/>
+                </a:solidFill>
+                <a:latin typeface="Helvetica"/>
+                <a:cs typeface="Helvetica"/>
+              </a:endParaRPr>
+            </a:p>
+          </p:txBody>
+        </p:sp>
+      </p:grpSp>
+      <p:grpSp>
+        <p:nvGrpSpPr>
+          <p:cNvPr id="201" name="Group 200"/>
+          <p:cNvGrpSpPr/>
+          <p:nvPr/>
+        </p:nvGrpSpPr>
+        <p:grpSpPr>
+          <a:xfrm>
+            <a:off x="5486400" y="449213"/>
+            <a:ext cx="1702398" cy="2975874"/>
+            <a:chOff x="5486400" y="449213"/>
+            <a:chExt cx="1702398" cy="2975874"/>
+          </a:xfrm>
+        </p:grpSpPr>
+        <p:grpSp>
+          <p:nvGrpSpPr>
+            <p:cNvPr id="103" name="Group 102"/>
+            <p:cNvGrpSpPr/>
+            <p:nvPr/>
+          </p:nvGrpSpPr>
+          <p:grpSpPr>
+            <a:xfrm>
+              <a:off x="5486400" y="449213"/>
+              <a:ext cx="1702398" cy="2975874"/>
+              <a:chOff x="312693" y="446704"/>
+              <a:chExt cx="1702398" cy="2975874"/>
+            </a:xfrm>
+          </p:grpSpPr>
+          <p:grpSp>
+            <p:nvGrpSpPr>
+              <p:cNvPr id="106" name="Group 105"/>
+              <p:cNvGrpSpPr/>
+              <p:nvPr/>
+            </p:nvGrpSpPr>
+            <p:grpSpPr>
+              <a:xfrm>
+                <a:off x="312693" y="446704"/>
+                <a:ext cx="1702398" cy="2975874"/>
+                <a:chOff x="312693" y="446704"/>
+                <a:chExt cx="1702398" cy="2975874"/>
+              </a:xfrm>
+            </p:grpSpPr>
+            <p:sp>
+              <p:nvSpPr>
+                <p:cNvPr id="122" name="Rectangle 121"/>
+                <p:cNvSpPr/>
+                <p:nvPr/>
+              </p:nvSpPr>
+              <p:spPr>
+                <a:xfrm>
+                  <a:off x="312693" y="449213"/>
+                  <a:ext cx="1702398" cy="2972570"/>
+                </a:xfrm>
+                <a:prstGeom prst="rect">
+                  <a:avLst/>
+                </a:prstGeom>
+                <a:noFill/>
+                <a:ln>
+                  <a:solidFill>
+                    <a:schemeClr val="tx1"/>
+                  </a:solidFill>
+                </a:ln>
+                <a:effectLst/>
+              </p:spPr>
+              <p:style>
+                <a:lnRef idx="1">
+                  <a:schemeClr val="accent1"/>
+                </a:lnRef>
+                <a:fillRef idx="3">
+                  <a:schemeClr val="accent1"/>
+                </a:fillRef>
+                <a:effectRef idx="2">
+                  <a:schemeClr val="accent1"/>
+                </a:effectRef>
+                <a:fontRef idx="minor">
+                  <a:schemeClr val="lt1"/>
+                </a:fontRef>
+              </p:style>
+            </p:sp>
+            <p:sp>
+              <p:nvSpPr>
+                <p:cNvPr id="123" name="Rectangle 122"/>
+                <p:cNvSpPr/>
+                <p:nvPr/>
+              </p:nvSpPr>
+              <p:spPr>
+                <a:xfrm>
+                  <a:off x="312694" y="446704"/>
+                  <a:ext cx="1702397" cy="358999"/>
+                </a:xfrm>
+                <a:prstGeom prst="rect">
+                  <a:avLst/>
+                </a:prstGeom>
+                <a:solidFill>
+                  <a:schemeClr val="bg1"/>
+                </a:solidFill>
+                <a:ln>
+                  <a:solidFill>
+                    <a:schemeClr val="tx1"/>
+                  </a:solidFill>
+                </a:ln>
+                <a:effectLst/>
+              </p:spPr>
+              <p:style>
+                <a:lnRef idx="1">
+                  <a:schemeClr val="accent1"/>
+                </a:lnRef>
+                <a:fillRef idx="3">
+                  <a:schemeClr val="accent1"/>
+                </a:fillRef>
+                <a:effectRef idx="2">
+                  <a:schemeClr val="accent1"/>
+                </a:effectRef>
+                <a:fontRef idx="minor">
+                  <a:schemeClr val="lt1"/>
+                </a:fontRef>
+              </p:style>
+            </p:sp>
+            <p:sp>
+              <p:nvSpPr>
+                <p:cNvPr id="125" name="Rectangle 124"/>
+                <p:cNvSpPr/>
+                <p:nvPr/>
+              </p:nvSpPr>
+              <p:spPr>
+                <a:xfrm>
+                  <a:off x="1731610" y="530672"/>
+                  <a:ext cx="203033" cy="222548"/>
+                </a:xfrm>
+                <a:prstGeom prst="rect">
+                  <a:avLst/>
+                </a:prstGeom>
+                <a:noFill/>
+                <a:ln>
+                  <a:solidFill>
+                    <a:schemeClr val="bg1"/>
+                  </a:solidFill>
+                </a:ln>
+                <a:effectLst/>
+              </p:spPr>
+              <p:style>
+                <a:lnRef idx="1">
+                  <a:schemeClr val="accent1"/>
+                </a:lnRef>
+                <a:fillRef idx="3">
+                  <a:schemeClr val="accent1"/>
+                </a:fillRef>
+                <a:effectRef idx="2">
+                  <a:schemeClr val="accent1"/>
+                </a:effectRef>
+                <a:fontRef idx="minor">
+                  <a:schemeClr val="lt1"/>
+                </a:fontRef>
+              </p:style>
+            </p:sp>
+            <p:grpSp>
+              <p:nvGrpSpPr>
+                <p:cNvPr id="126" name="Group 125"/>
+                <p:cNvGrpSpPr/>
+                <p:nvPr/>
+              </p:nvGrpSpPr>
+              <p:grpSpPr>
+                <a:xfrm>
+                  <a:off x="312694" y="3058539"/>
+                  <a:ext cx="1702397" cy="364039"/>
+                  <a:chOff x="312694" y="3058539"/>
+                  <a:chExt cx="1702397" cy="364039"/>
+                </a:xfrm>
+              </p:grpSpPr>
+              <p:sp>
+                <p:nvSpPr>
+                  <p:cNvPr id="134" name="Rectangle 133"/>
+                  <p:cNvSpPr/>
+                  <p:nvPr/>
+                </p:nvSpPr>
+                <p:spPr>
+                  <a:xfrm>
+                    <a:off x="312694" y="3062784"/>
+                    <a:ext cx="1702397" cy="358999"/>
+                  </a:xfrm>
+                  <a:prstGeom prst="rect">
+                    <a:avLst/>
+                  </a:prstGeom>
+                  <a:solidFill>
+                    <a:schemeClr val="bg1"/>
+                  </a:solidFill>
+                  <a:ln>
+                    <a:solidFill>
+                      <a:schemeClr val="tx1"/>
+                    </a:solidFill>
+                  </a:ln>
+                  <a:effectLst/>
+                </p:spPr>
+                <p:style>
+                  <a:lnRef idx="1">
+                    <a:schemeClr val="accent1"/>
+                  </a:lnRef>
+                  <a:fillRef idx="3">
+                    <a:schemeClr val="accent1"/>
+                  </a:fillRef>
+                  <a:effectRef idx="2">
+                    <a:schemeClr val="accent1"/>
+                  </a:effectRef>
+                  <a:fontRef idx="minor">
+                    <a:schemeClr val="lt1"/>
+                  </a:fontRef>
+                </p:style>
+              </p:sp>
+              <p:cxnSp>
+                <p:nvCxnSpPr>
+                  <p:cNvPr id="135" name="Straight Connector 134"/>
+                  <p:cNvCxnSpPr/>
+                  <p:nvPr/>
+                </p:nvCxnSpPr>
+                <p:spPr>
+                  <a:xfrm rot="5400000">
+                    <a:off x="1009009" y="3242284"/>
+                    <a:ext cx="358999" cy="1588"/>
+                  </a:xfrm>
+                  <a:prstGeom prst="line">
+                    <a:avLst/>
+                  </a:prstGeom>
+                  <a:ln w="9525">
+                    <a:solidFill>
+                      <a:schemeClr val="tx1"/>
+                    </a:solidFill>
+                  </a:ln>
+                  <a:effectLst/>
+                </p:spPr>
+                <p:style>
+                  <a:lnRef idx="2">
+                    <a:schemeClr val="accent1"/>
+                  </a:lnRef>
+                  <a:fillRef idx="0">
+                    <a:schemeClr val="accent1"/>
+                  </a:fillRef>
+                  <a:effectRef idx="1">
+                    <a:schemeClr val="accent1"/>
+                  </a:effectRef>
+                  <a:fontRef idx="minor">
+                    <a:schemeClr val="tx1"/>
+                  </a:fontRef>
+                </p:style>
+              </p:cxnSp>
+              <p:cxnSp>
+                <p:nvCxnSpPr>
+                  <p:cNvPr id="137" name="Straight Connector 136"/>
+                  <p:cNvCxnSpPr/>
+                  <p:nvPr/>
+                </p:nvCxnSpPr>
+                <p:spPr>
+                  <a:xfrm rot="5400000">
+                    <a:off x="1431989" y="3237245"/>
+                    <a:ext cx="358999" cy="1588"/>
+                  </a:xfrm>
+                  <a:prstGeom prst="line">
+                    <a:avLst/>
+                  </a:prstGeom>
+                  <a:ln w="9525">
+                    <a:solidFill>
+                      <a:schemeClr val="tx1"/>
+                    </a:solidFill>
+                  </a:ln>
+                  <a:effectLst/>
+                </p:spPr>
+                <p:style>
+                  <a:lnRef idx="2">
+                    <a:schemeClr val="accent1"/>
+                  </a:lnRef>
+                  <a:fillRef idx="0">
+                    <a:schemeClr val="accent1"/>
+                  </a:fillRef>
+                  <a:effectRef idx="1">
+                    <a:schemeClr val="accent1"/>
+                  </a:effectRef>
+                  <a:fontRef idx="minor">
+                    <a:schemeClr val="tx1"/>
+                  </a:fontRef>
+                </p:style>
+              </p:cxnSp>
+              <p:cxnSp>
+                <p:nvCxnSpPr>
+                  <p:cNvPr id="143" name="Straight Connector 142"/>
+                  <p:cNvCxnSpPr/>
+                  <p:nvPr/>
+                </p:nvCxnSpPr>
+                <p:spPr>
+                  <a:xfrm rot="5400000">
+                    <a:off x="551809" y="3242285"/>
+                    <a:ext cx="358999" cy="1588"/>
+                  </a:xfrm>
+                  <a:prstGeom prst="line">
+                    <a:avLst/>
+                  </a:prstGeom>
+                  <a:ln w="9525">
+                    <a:solidFill>
+                      <a:schemeClr val="tx1"/>
+                    </a:solidFill>
+                  </a:ln>
+                  <a:effectLst/>
+                </p:spPr>
+                <p:style>
+                  <a:lnRef idx="2">
+                    <a:schemeClr val="accent1"/>
+                  </a:lnRef>
+                  <a:fillRef idx="0">
+                    <a:schemeClr val="accent1"/>
+                  </a:fillRef>
+                  <a:effectRef idx="1">
+                    <a:schemeClr val="accent1"/>
+                  </a:effectRef>
+                  <a:fontRef idx="minor">
+                    <a:schemeClr val="tx1"/>
+                  </a:fontRef>
+                </p:style>
+              </p:cxnSp>
+            </p:grpSp>
+          </p:grpSp>
+          <p:pic>
+            <p:nvPicPr>
+              <p:cNvPr id="121" name="Picture 120"/>
+              <p:cNvPicPr>
+                <a:picLocks noChangeAspect="1"/>
+              </p:cNvPicPr>
+              <p:nvPr/>
+            </p:nvPicPr>
+            <p:blipFill>
+              <a:blip r:embed="rId2"/>
+              <a:stretch>
+                <a:fillRect/>
+              </a:stretch>
+            </p:blipFill>
+            <p:spPr>
+              <a:xfrm>
+                <a:off x="1676359" y="3112349"/>
+                <a:ext cx="279808" cy="279808"/>
+              </a:xfrm>
+              <a:prstGeom prst="rect">
+                <a:avLst/>
+              </a:prstGeom>
+            </p:spPr>
+          </p:pic>
+        </p:grpSp>
+        <p:grpSp>
+          <p:nvGrpSpPr>
+            <p:cNvPr id="144" name="Group 143"/>
+            <p:cNvGrpSpPr/>
+            <p:nvPr/>
+          </p:nvGrpSpPr>
+          <p:grpSpPr>
+            <a:xfrm>
+              <a:off x="5701541" y="1096388"/>
+              <a:ext cx="1277970" cy="1660084"/>
+              <a:chOff x="3124200" y="4304775"/>
+              <a:chExt cx="1277970" cy="1660084"/>
+            </a:xfrm>
+          </p:grpSpPr>
+          <p:sp>
+            <p:nvSpPr>
+              <p:cNvPr id="145" name="Rounded Rectangle 144"/>
+              <p:cNvSpPr/>
+              <p:nvPr/>
+            </p:nvSpPr>
+            <p:spPr>
+              <a:xfrm>
+                <a:off x="3124200" y="4304775"/>
+                <a:ext cx="1277970" cy="1660084"/>
+              </a:xfrm>
+              <a:prstGeom prst="roundRect">
+                <a:avLst>
+                  <a:gd name="adj" fmla="val 8682"/>
+                </a:avLst>
+              </a:prstGeom>
+              <a:noFill/>
+              <a:ln>
+                <a:solidFill>
+                  <a:schemeClr val="tx1"/>
+                </a:solidFill>
+              </a:ln>
+              <a:effectLst/>
+            </p:spPr>
+            <p:style>
+              <a:lnRef idx="1">
+                <a:schemeClr val="accent1"/>
+              </a:lnRef>
+              <a:fillRef idx="3">
+                <a:schemeClr val="accent1"/>
+              </a:fillRef>
+              <a:effectRef idx="2">
+                <a:schemeClr val="accent1"/>
+              </a:effectRef>
+              <a:fontRef idx="minor">
+                <a:schemeClr val="lt1"/>
+              </a:fontRef>
+            </p:style>
+          </p:sp>
+          <p:sp>
+            <p:nvSpPr>
+              <p:cNvPr id="150" name="Rectangle 149"/>
+              <p:cNvSpPr/>
+              <p:nvPr/>
+            </p:nvSpPr>
+            <p:spPr>
+              <a:xfrm>
+                <a:off x="3225323" y="4416804"/>
+                <a:ext cx="421977" cy="421977"/>
+              </a:xfrm>
+              <a:prstGeom prst="rect">
+                <a:avLst/>
+              </a:prstGeom>
+              <a:noFill/>
+              <a:ln>
+                <a:solidFill>
+                  <a:schemeClr val="tx1"/>
+                </a:solidFill>
+              </a:ln>
+              <a:effectLst/>
+            </p:spPr>
+            <p:style>
+              <a:lnRef idx="1">
+                <a:schemeClr val="accent1"/>
+              </a:lnRef>
+              <a:fillRef idx="3">
+                <a:schemeClr val="accent1"/>
+              </a:fillRef>
+              <a:effectRef idx="2">
+                <a:schemeClr val="accent1"/>
+              </a:effectRef>
+              <a:fontRef idx="minor">
+                <a:schemeClr val="lt1"/>
+              </a:fontRef>
+            </p:style>
+          </p:sp>
+        </p:grpSp>
+        <p:sp>
+          <p:nvSpPr>
+            <p:cNvPr id="151" name="Rounded Rectangle 150"/>
+            <p:cNvSpPr/>
+            <p:nvPr/>
+          </p:nvSpPr>
+          <p:spPr>
+            <a:xfrm>
+              <a:off x="5764654" y="2427571"/>
+              <a:ext cx="547919" cy="252448"/>
+            </a:xfrm>
+            <a:prstGeom prst="roundRect">
+              <a:avLst/>
+            </a:prstGeom>
+            <a:noFill/>
+            <a:ln>
+              <a:solidFill>
+                <a:schemeClr val="tx1"/>
+              </a:solidFill>
+            </a:ln>
+            <a:effectLst/>
+          </p:spPr>
+          <p:style>
+            <a:lnRef idx="1">
+              <a:schemeClr val="accent1"/>
+            </a:lnRef>
+            <a:fillRef idx="3">
+              <a:schemeClr val="accent1"/>
+            </a:fillRef>
+            <a:effectRef idx="2">
+              <a:schemeClr val="accent1"/>
+            </a:effectRef>
+            <a:fontRef idx="minor">
+              <a:schemeClr val="lt1"/>
+            </a:fontRef>
+          </p:style>
+          <p:txBody>
+            <a:bodyPr lIns="0" tIns="0" rIns="0" bIns="0" anchor="ctr" anchorCtr="0">
+              <a:normAutofit/>
+            </a:bodyPr>
+            <a:lstStyle/>
+            <a:p>
+              <a:pPr algn="ctr"/>
+              <a:r>
+                <a:rPr lang="en-US" sz="800" b="1" dirty="0" smtClean="0">
+                  <a:solidFill>
+                    <a:srgbClr val="000000"/>
+                  </a:solidFill>
+                  <a:latin typeface="Helvetica"/>
+                  <a:cs typeface="Helvetica"/>
+                </a:rPr>
+                <a:t>Gallery</a:t>
+              </a:r>
+              <a:endParaRPr lang="en-US" sz="800" b="1" dirty="0">
+                <a:solidFill>
+                  <a:srgbClr val="000000"/>
+                </a:solidFill>
+                <a:latin typeface="Helvetica"/>
+                <a:cs typeface="Helvetica"/>
+              </a:endParaRPr>
+            </a:p>
+          </p:txBody>
+        </p:sp>
+        <p:sp>
+          <p:nvSpPr>
+            <p:cNvPr id="152" name="Rounded Rectangle 151"/>
+            <p:cNvSpPr/>
+            <p:nvPr/>
+          </p:nvSpPr>
+          <p:spPr>
+            <a:xfrm>
+              <a:off x="6376846" y="2427571"/>
+              <a:ext cx="547919" cy="252448"/>
+            </a:xfrm>
+            <a:prstGeom prst="roundRect">
+              <a:avLst/>
+            </a:prstGeom>
+            <a:noFill/>
+            <a:ln>
+              <a:solidFill>
+                <a:schemeClr val="tx1"/>
+              </a:solidFill>
+            </a:ln>
+            <a:effectLst/>
+          </p:spPr>
+          <p:style>
+            <a:lnRef idx="1">
+              <a:schemeClr val="accent1"/>
+            </a:lnRef>
+            <a:fillRef idx="3">
+              <a:schemeClr val="accent1"/>
+            </a:fillRef>
+            <a:effectRef idx="2">
+              <a:schemeClr val="accent1"/>
+            </a:effectRef>
+            <a:fontRef idx="minor">
+              <a:schemeClr val="lt1"/>
+            </a:fontRef>
+          </p:style>
+          <p:txBody>
+            <a:bodyPr lIns="0" tIns="0" rIns="0" bIns="0" anchor="ctr" anchorCtr="0">
+              <a:normAutofit/>
+            </a:bodyPr>
+            <a:lstStyle/>
+            <a:p>
+              <a:pPr algn="ctr"/>
+              <a:r>
+                <a:rPr lang="en-US" sz="900" b="1" dirty="0" smtClean="0">
+                  <a:solidFill>
+                    <a:srgbClr val="000000"/>
+                  </a:solidFill>
+                  <a:latin typeface="Helvetica"/>
+                  <a:cs typeface="Helvetica"/>
+                </a:rPr>
+                <a:t>Add</a:t>
+              </a:r>
+              <a:endParaRPr lang="en-US" sz="900" b="1" dirty="0">
+                <a:solidFill>
+                  <a:srgbClr val="000000"/>
+                </a:solidFill>
+                <a:latin typeface="Helvetica"/>
+                <a:cs typeface="Helvetica"/>
+              </a:endParaRPr>
+            </a:p>
+          </p:txBody>
+        </p:sp>
+        <p:sp>
+          <p:nvSpPr>
+            <p:cNvPr id="153" name="TextBox 152"/>
+            <p:cNvSpPr txBox="1"/>
+            <p:nvPr/>
+          </p:nvSpPr>
+          <p:spPr>
+            <a:xfrm>
+              <a:off x="6311100" y="1200794"/>
+              <a:ext cx="306324" cy="153888"/>
+            </a:xfrm>
+            <a:prstGeom prst="rect">
+              <a:avLst/>
+            </a:prstGeom>
+            <a:noFill/>
+          </p:spPr>
+          <p:txBody>
+            <a:bodyPr wrap="none" lIns="0" tIns="0" rIns="0" bIns="0" rtlCol="0" anchor="ctr" anchorCtr="0">
+              <a:normAutofit/>
+            </a:bodyPr>
+            <a:lstStyle/>
+            <a:p>
+              <a:r>
+                <a:rPr lang="en-US" sz="1000" b="1" dirty="0" smtClean="0">
+                  <a:latin typeface="Helvetica"/>
+                  <a:cs typeface="Helvetica"/>
+                </a:rPr>
+                <a:t>John</a:t>
+              </a:r>
+              <a:endParaRPr lang="en-US" sz="1000" b="1" dirty="0">
+                <a:latin typeface="Helvetica"/>
+                <a:cs typeface="Helvetica"/>
+              </a:endParaRPr>
+            </a:p>
+          </p:txBody>
+        </p:sp>
+        <p:sp>
+          <p:nvSpPr>
+            <p:cNvPr id="154" name="TextBox 153"/>
+            <p:cNvSpPr txBox="1"/>
+            <p:nvPr/>
+          </p:nvSpPr>
+          <p:spPr>
+            <a:xfrm>
+              <a:off x="6310833" y="1345494"/>
+              <a:ext cx="513462" cy="123111"/>
+            </a:xfrm>
+            <a:prstGeom prst="rect">
+              <a:avLst/>
+            </a:prstGeom>
+            <a:noFill/>
+          </p:spPr>
+          <p:txBody>
+            <a:bodyPr wrap="none" lIns="0" tIns="0" rIns="0" bIns="0" rtlCol="0" anchor="ctr" anchorCtr="0">
+              <a:normAutofit/>
+            </a:bodyPr>
+            <a:lstStyle/>
+            <a:p>
+              <a:r>
+                <a:rPr lang="en-US" sz="800" dirty="0" smtClean="0">
+                  <a:latin typeface="Helvetica"/>
+                  <a:cs typeface="Helvetica"/>
+                </a:rPr>
+                <a:t>2014.10.05</a:t>
+              </a:r>
+              <a:endParaRPr lang="en-US" sz="800" dirty="0">
+                <a:latin typeface="Helvetica"/>
+                <a:cs typeface="Helvetica"/>
+              </a:endParaRPr>
+            </a:p>
+          </p:txBody>
+        </p:sp>
+        <p:pic>
+          <p:nvPicPr>
+            <p:cNvPr id="155" name="Picture 154"/>
+            <p:cNvPicPr>
+              <a:picLocks noChangeAspect="1"/>
+            </p:cNvPicPr>
+            <p:nvPr/>
+          </p:nvPicPr>
+          <p:blipFill>
+            <a:blip r:embed="rId5"/>
+            <a:stretch>
+              <a:fillRect/>
+            </a:stretch>
+          </p:blipFill>
+          <p:spPr>
+            <a:xfrm>
+              <a:off x="5821865" y="1247394"/>
+              <a:ext cx="393496" cy="393496"/>
+            </a:xfrm>
+            <a:prstGeom prst="rect">
+              <a:avLst/>
+            </a:prstGeom>
+          </p:spPr>
+        </p:pic>
+        <p:pic>
+          <p:nvPicPr>
+            <p:cNvPr id="156" name="Picture 155"/>
+            <p:cNvPicPr>
+              <a:picLocks noChangeAspect="1"/>
+            </p:cNvPicPr>
+            <p:nvPr/>
+          </p:nvPicPr>
+          <p:blipFill>
+            <a:blip r:embed="rId3"/>
+            <a:stretch>
+              <a:fillRect/>
+            </a:stretch>
+          </p:blipFill>
+          <p:spPr>
+            <a:xfrm>
+              <a:off x="5580656" y="3139286"/>
+              <a:ext cx="216246" cy="223094"/>
+            </a:xfrm>
+            <a:prstGeom prst="rect">
+              <a:avLst/>
+            </a:prstGeom>
+          </p:spPr>
+        </p:pic>
+        <p:pic>
+          <p:nvPicPr>
+            <p:cNvPr id="157" name="Picture 156"/>
+            <p:cNvPicPr>
+              <a:picLocks noChangeAspect="1"/>
+            </p:cNvPicPr>
+            <p:nvPr/>
+          </p:nvPicPr>
+          <p:blipFill>
+            <a:blip r:embed="rId6"/>
+            <a:stretch>
+              <a:fillRect/>
+            </a:stretch>
+          </p:blipFill>
+          <p:spPr>
+            <a:xfrm>
+              <a:off x="6266429" y="1463105"/>
+              <a:ext cx="180000" cy="180000"/>
+            </a:xfrm>
+            <a:prstGeom prst="rect">
+              <a:avLst/>
+            </a:prstGeom>
+          </p:spPr>
+        </p:pic>
+        <p:sp>
+          <p:nvSpPr>
+            <p:cNvPr id="158" name="TextBox 157"/>
+            <p:cNvSpPr txBox="1"/>
+            <p:nvPr/>
+          </p:nvSpPr>
+          <p:spPr>
+            <a:xfrm>
+              <a:off x="6475144" y="1483366"/>
+              <a:ext cx="294953" cy="123111"/>
+            </a:xfrm>
+            <a:prstGeom prst="rect">
+              <a:avLst/>
+            </a:prstGeom>
+            <a:noFill/>
+          </p:spPr>
+          <p:txBody>
+            <a:bodyPr wrap="none" lIns="0" tIns="0" rIns="0" bIns="0" rtlCol="0" anchor="ctr" anchorCtr="0">
+              <a:normAutofit/>
+            </a:bodyPr>
+            <a:lstStyle/>
+            <a:p>
+              <a:r>
+                <a:rPr lang="en-US" sz="800" b="1" dirty="0" smtClean="0">
+                  <a:latin typeface="Helvetica"/>
+                  <a:cs typeface="Helvetica"/>
+                </a:rPr>
+                <a:t>Korea</a:t>
+              </a:r>
+              <a:endParaRPr lang="en-US" sz="800" b="1" dirty="0">
+                <a:latin typeface="Helvetica"/>
+                <a:cs typeface="Helvetica"/>
+              </a:endParaRPr>
+            </a:p>
+          </p:txBody>
+        </p:sp>
+        <p:grpSp>
+          <p:nvGrpSpPr>
+            <p:cNvPr id="159" name="Group 158"/>
+            <p:cNvGrpSpPr/>
+            <p:nvPr/>
+          </p:nvGrpSpPr>
+          <p:grpSpPr>
+            <a:xfrm>
+              <a:off x="6891953" y="514917"/>
+              <a:ext cx="203033" cy="222548"/>
+              <a:chOff x="1721115" y="520176"/>
+              <a:chExt cx="203033" cy="222548"/>
+            </a:xfrm>
+          </p:grpSpPr>
+          <p:sp>
+            <p:nvSpPr>
+              <p:cNvPr id="160" name="Rectangle 159"/>
+              <p:cNvSpPr/>
+              <p:nvPr/>
+            </p:nvSpPr>
+            <p:spPr>
+              <a:xfrm>
+                <a:off x="1721115" y="520176"/>
+                <a:ext cx="203033" cy="222548"/>
+              </a:xfrm>
+              <a:prstGeom prst="rect">
+                <a:avLst/>
+              </a:prstGeom>
+              <a:noFill/>
+              <a:ln>
+                <a:solidFill>
+                  <a:schemeClr val="tx1"/>
+                </a:solidFill>
+              </a:ln>
+              <a:effectLst/>
+            </p:spPr>
+            <p:style>
+              <a:lnRef idx="1">
+                <a:schemeClr val="accent1"/>
+              </a:lnRef>
+              <a:fillRef idx="3">
+                <a:schemeClr val="accent1"/>
+              </a:fillRef>
+              <a:effectRef idx="2">
+                <a:schemeClr val="accent1"/>
+              </a:effectRef>
+              <a:fontRef idx="minor">
+                <a:schemeClr val="lt1"/>
+              </a:fontRef>
+            </p:style>
+            <p:txBody>
+              <a:bodyPr/>
+              <a:lstStyle/>
+              <a:p>
+                <a:pPr algn="ctr"/>
+                <a:endParaRPr lang="en-US" sz="900" dirty="0">
+                  <a:solidFill>
+                    <a:srgbClr val="000000"/>
+                  </a:solidFill>
+                </a:endParaRPr>
+              </a:p>
+            </p:txBody>
+          </p:sp>
+          <p:sp>
+            <p:nvSpPr>
+              <p:cNvPr id="161" name="Cross 160"/>
+              <p:cNvSpPr/>
+              <p:nvPr/>
+            </p:nvSpPr>
+            <p:spPr>
+              <a:xfrm>
+                <a:off x="1728876" y="541170"/>
+                <a:ext cx="180584" cy="180562"/>
+              </a:xfrm>
+              <a:prstGeom prst="plus">
+                <a:avLst>
+                  <a:gd name="adj" fmla="val 40304"/>
+                </a:avLst>
+              </a:prstGeom>
+              <a:solidFill>
+                <a:schemeClr val="bg1">
+                  <a:lumMod val="75000"/>
+                </a:schemeClr>
+              </a:solidFill>
+              <a:ln>
+                <a:noFill/>
+              </a:ln>
+              <a:effectLst/>
+            </p:spPr>
+            <p:style>
+              <a:lnRef idx="1">
+                <a:schemeClr val="accent1"/>
+              </a:lnRef>
+              <a:fillRef idx="3">
+                <a:schemeClr val="accent1"/>
+              </a:fillRef>
+              <a:effectRef idx="2">
+                <a:schemeClr val="accent1"/>
+              </a:effectRef>
+              <a:fontRef idx="minor">
+                <a:schemeClr val="lt1"/>
+              </a:fontRef>
+            </p:style>
+          </p:sp>
+        </p:grpSp>
+        <p:sp>
+          <p:nvSpPr>
+            <p:cNvPr id="199" name="Rounded Rectangle 198"/>
+            <p:cNvSpPr/>
+            <p:nvPr/>
+          </p:nvSpPr>
+          <p:spPr>
+            <a:xfrm>
+              <a:off x="6756076" y="1161601"/>
+              <a:ext cx="162000" cy="97200"/>
+            </a:xfrm>
+            <a:prstGeom prst="roundRect">
+              <a:avLst/>
+            </a:prstGeom>
+            <a:noFill/>
+            <a:ln>
+              <a:solidFill>
+                <a:schemeClr val="tx1"/>
+              </a:solidFill>
+            </a:ln>
+            <a:effectLst/>
+          </p:spPr>
+          <p:style>
+            <a:lnRef idx="1">
+              <a:schemeClr val="accent1"/>
+            </a:lnRef>
+            <a:fillRef idx="3">
+              <a:schemeClr val="accent1"/>
+            </a:fillRef>
+            <a:effectRef idx="2">
+              <a:schemeClr val="accent1"/>
+            </a:effectRef>
+            <a:fontRef idx="minor">
+              <a:schemeClr val="lt1"/>
+            </a:fontRef>
+          </p:style>
+          <p:txBody>
+            <a:bodyPr lIns="0" tIns="0" rIns="0" bIns="0">
+              <a:normAutofit fontScale="70000" lnSpcReduction="20000"/>
+            </a:bodyPr>
+            <a:lstStyle/>
+            <a:p>
+              <a:pPr algn="ctr"/>
+              <a:r>
+                <a:rPr lang="en-US" sz="900" b="1" dirty="0" smtClean="0">
+                  <a:solidFill>
+                    <a:srgbClr val="000000"/>
+                  </a:solidFill>
+                  <a:latin typeface="Helvetica"/>
+                  <a:cs typeface="Helvetica"/>
+                </a:rPr>
+                <a:t>Edit</a:t>
+              </a:r>
+              <a:endParaRPr lang="en-US" sz="900" b="1" dirty="0">
+                <a:solidFill>
+                  <a:srgbClr val="000000"/>
+                </a:solidFill>
+                <a:latin typeface="Helvetica"/>
+                <a:cs typeface="Helvetica"/>
+              </a:endParaRPr>
+            </a:p>
+          </p:txBody>
+        </p:sp>
+      </p:grpSp>
+      <p:grpSp>
+        <p:nvGrpSpPr>
+          <p:cNvPr id="202" name="Group 201"/>
+          <p:cNvGrpSpPr/>
+          <p:nvPr/>
+        </p:nvGrpSpPr>
+        <p:grpSpPr>
+          <a:xfrm>
+            <a:off x="5486400" y="3657600"/>
+            <a:ext cx="1702398" cy="2975874"/>
+            <a:chOff x="5486400" y="449213"/>
+            <a:chExt cx="1702398" cy="2975874"/>
+          </a:xfrm>
+        </p:grpSpPr>
+        <p:grpSp>
+          <p:nvGrpSpPr>
+            <p:cNvPr id="203" name="Group 202"/>
+            <p:cNvGrpSpPr/>
+            <p:nvPr/>
+          </p:nvGrpSpPr>
+          <p:grpSpPr>
+            <a:xfrm>
+              <a:off x="5486400" y="449213"/>
+              <a:ext cx="1702398" cy="2975874"/>
+              <a:chOff x="312693" y="446704"/>
+              <a:chExt cx="1702398" cy="2975874"/>
+            </a:xfrm>
+          </p:grpSpPr>
+          <p:grpSp>
+            <p:nvGrpSpPr>
+              <p:cNvPr id="219" name="Group 218"/>
+              <p:cNvGrpSpPr/>
+              <p:nvPr/>
+            </p:nvGrpSpPr>
+            <p:grpSpPr>
+              <a:xfrm>
+                <a:off x="312693" y="446704"/>
+                <a:ext cx="1702398" cy="2975874"/>
+                <a:chOff x="312693" y="446704"/>
+                <a:chExt cx="1702398" cy="2975874"/>
+              </a:xfrm>
+            </p:grpSpPr>
+            <p:sp>
+              <p:nvSpPr>
+                <p:cNvPr id="221" name="Rectangle 220"/>
+                <p:cNvSpPr/>
+                <p:nvPr/>
+              </p:nvSpPr>
+              <p:spPr>
+                <a:xfrm>
+                  <a:off x="312693" y="449213"/>
+                  <a:ext cx="1702398" cy="2972570"/>
+                </a:xfrm>
+                <a:prstGeom prst="rect">
+                  <a:avLst/>
+                </a:prstGeom>
+                <a:noFill/>
+                <a:ln>
+                  <a:solidFill>
+                    <a:schemeClr val="tx1"/>
+                  </a:solidFill>
+                </a:ln>
+                <a:effectLst/>
+              </p:spPr>
+              <p:style>
+                <a:lnRef idx="1">
+                  <a:schemeClr val="accent1"/>
+                </a:lnRef>
+                <a:fillRef idx="3">
+                  <a:schemeClr val="accent1"/>
+                </a:fillRef>
+                <a:effectRef idx="2">
+                  <a:schemeClr val="accent1"/>
+                </a:effectRef>
+                <a:fontRef idx="minor">
+                  <a:schemeClr val="lt1"/>
+                </a:fontRef>
+              </p:style>
+            </p:sp>
+            <p:sp>
+              <p:nvSpPr>
+                <p:cNvPr id="222" name="Rectangle 221"/>
+                <p:cNvSpPr/>
+                <p:nvPr/>
+              </p:nvSpPr>
+              <p:spPr>
+                <a:xfrm>
+                  <a:off x="312694" y="446704"/>
+                  <a:ext cx="1702397" cy="358999"/>
+                </a:xfrm>
+                <a:prstGeom prst="rect">
+                  <a:avLst/>
+                </a:prstGeom>
+                <a:solidFill>
+                  <a:schemeClr val="bg1"/>
+                </a:solidFill>
+                <a:ln>
+                  <a:solidFill>
+                    <a:schemeClr val="tx1"/>
+                  </a:solidFill>
+                </a:ln>
+                <a:effectLst/>
+              </p:spPr>
+              <p:style>
+                <a:lnRef idx="1">
+                  <a:schemeClr val="accent1"/>
+                </a:lnRef>
+                <a:fillRef idx="3">
+                  <a:schemeClr val="accent1"/>
+                </a:fillRef>
+                <a:effectRef idx="2">
+                  <a:schemeClr val="accent1"/>
+                </a:effectRef>
+                <a:fontRef idx="minor">
+                  <a:schemeClr val="lt1"/>
+                </a:fontRef>
+              </p:style>
+            </p:sp>
+            <p:sp>
+              <p:nvSpPr>
+                <p:cNvPr id="223" name="Rectangle 222"/>
+                <p:cNvSpPr/>
+                <p:nvPr/>
+              </p:nvSpPr>
+              <p:spPr>
+                <a:xfrm>
+                  <a:off x="1731610" y="530672"/>
+                  <a:ext cx="203033" cy="222548"/>
+                </a:xfrm>
+                <a:prstGeom prst="rect">
+                  <a:avLst/>
+                </a:prstGeom>
+                <a:noFill/>
+                <a:ln>
+                  <a:solidFill>
+                    <a:schemeClr val="bg1"/>
+                  </a:solidFill>
+                </a:ln>
+                <a:effectLst/>
+              </p:spPr>
+              <p:style>
+                <a:lnRef idx="1">
+                  <a:schemeClr val="accent1"/>
+                </a:lnRef>
+                <a:fillRef idx="3">
+                  <a:schemeClr val="accent1"/>
+                </a:fillRef>
+                <a:effectRef idx="2">
+                  <a:schemeClr val="accent1"/>
+                </a:effectRef>
+                <a:fontRef idx="minor">
+                  <a:schemeClr val="lt1"/>
+                </a:fontRef>
+              </p:style>
+            </p:sp>
+            <p:grpSp>
+              <p:nvGrpSpPr>
+                <p:cNvPr id="224" name="Group 223"/>
+                <p:cNvGrpSpPr/>
+                <p:nvPr/>
+              </p:nvGrpSpPr>
+              <p:grpSpPr>
+                <a:xfrm>
+                  <a:off x="312694" y="3058539"/>
+                  <a:ext cx="1702397" cy="364039"/>
+                  <a:chOff x="312694" y="3058539"/>
+                  <a:chExt cx="1702397" cy="364039"/>
+                </a:xfrm>
+              </p:grpSpPr>
+              <p:sp>
+                <p:nvSpPr>
+                  <p:cNvPr id="225" name="Rectangle 224"/>
+                  <p:cNvSpPr/>
+                  <p:nvPr/>
+                </p:nvSpPr>
+                <p:spPr>
+                  <a:xfrm>
+                    <a:off x="312694" y="3062784"/>
+                    <a:ext cx="1702397" cy="358999"/>
+                  </a:xfrm>
+                  <a:prstGeom prst="rect">
+                    <a:avLst/>
+                  </a:prstGeom>
+                  <a:solidFill>
+                    <a:schemeClr val="bg1"/>
+                  </a:solidFill>
+                  <a:ln>
+                    <a:solidFill>
+                      <a:schemeClr val="tx1"/>
+                    </a:solidFill>
+                  </a:ln>
+                  <a:effectLst/>
+                </p:spPr>
+                <p:style>
+                  <a:lnRef idx="1">
+                    <a:schemeClr val="accent1"/>
+                  </a:lnRef>
+                  <a:fillRef idx="3">
+                    <a:schemeClr val="accent1"/>
+                  </a:fillRef>
+                  <a:effectRef idx="2">
+                    <a:schemeClr val="accent1"/>
+                  </a:effectRef>
+                  <a:fontRef idx="minor">
+                    <a:schemeClr val="lt1"/>
+                  </a:fontRef>
+                </p:style>
+              </p:sp>
+              <p:cxnSp>
+                <p:nvCxnSpPr>
+                  <p:cNvPr id="226" name="Straight Connector 225"/>
+                  <p:cNvCxnSpPr/>
+                  <p:nvPr/>
+                </p:nvCxnSpPr>
+                <p:spPr>
+                  <a:xfrm rot="5400000">
+                    <a:off x="1009009" y="3242284"/>
+                    <a:ext cx="358999" cy="1588"/>
+                  </a:xfrm>
+                  <a:prstGeom prst="line">
+                    <a:avLst/>
+                  </a:prstGeom>
+                  <a:ln w="9525">
+                    <a:solidFill>
+                      <a:schemeClr val="tx1"/>
+                    </a:solidFill>
+                  </a:ln>
+                  <a:effectLst/>
+                </p:spPr>
+                <p:style>
+                  <a:lnRef idx="2">
+                    <a:schemeClr val="accent1"/>
+                  </a:lnRef>
+                  <a:fillRef idx="0">
+                    <a:schemeClr val="accent1"/>
+                  </a:fillRef>
+                  <a:effectRef idx="1">
+                    <a:schemeClr val="accent1"/>
+                  </a:effectRef>
+                  <a:fontRef idx="minor">
+                    <a:schemeClr val="tx1"/>
+                  </a:fontRef>
+                </p:style>
+              </p:cxnSp>
+              <p:cxnSp>
+                <p:nvCxnSpPr>
+                  <p:cNvPr id="227" name="Straight Connector 226"/>
+                  <p:cNvCxnSpPr/>
+                  <p:nvPr/>
+                </p:nvCxnSpPr>
+                <p:spPr>
+                  <a:xfrm rot="5400000">
+                    <a:off x="1431989" y="3237245"/>
+                    <a:ext cx="358999" cy="1588"/>
+                  </a:xfrm>
+                  <a:prstGeom prst="line">
+                    <a:avLst/>
+                  </a:prstGeom>
+                  <a:ln w="9525">
+                    <a:solidFill>
+                      <a:schemeClr val="tx1"/>
+                    </a:solidFill>
+                  </a:ln>
+                  <a:effectLst/>
+                </p:spPr>
+                <p:style>
+                  <a:lnRef idx="2">
+                    <a:schemeClr val="accent1"/>
+                  </a:lnRef>
+                  <a:fillRef idx="0">
+                    <a:schemeClr val="accent1"/>
+                  </a:fillRef>
+                  <a:effectRef idx="1">
+                    <a:schemeClr val="accent1"/>
+                  </a:effectRef>
+                  <a:fontRef idx="minor">
+                    <a:schemeClr val="tx1"/>
+                  </a:fontRef>
+                </p:style>
+              </p:cxnSp>
+              <p:cxnSp>
+                <p:nvCxnSpPr>
+                  <p:cNvPr id="228" name="Straight Connector 227"/>
+                  <p:cNvCxnSpPr/>
+                  <p:nvPr/>
+                </p:nvCxnSpPr>
+                <p:spPr>
+                  <a:xfrm rot="5400000">
+                    <a:off x="551809" y="3242285"/>
+                    <a:ext cx="358999" cy="1588"/>
+                  </a:xfrm>
+                  <a:prstGeom prst="line">
+                    <a:avLst/>
+                  </a:prstGeom>
+                  <a:ln w="9525">
+                    <a:solidFill>
+                      <a:schemeClr val="tx1"/>
+                    </a:solidFill>
+                  </a:ln>
+                  <a:effectLst/>
+                </p:spPr>
+                <p:style>
+                  <a:lnRef idx="2">
+                    <a:schemeClr val="accent1"/>
+                  </a:lnRef>
+                  <a:fillRef idx="0">
+                    <a:schemeClr val="accent1"/>
+                  </a:fillRef>
+                  <a:effectRef idx="1">
+                    <a:schemeClr val="accent1"/>
+                  </a:effectRef>
+                  <a:fontRef idx="minor">
+                    <a:schemeClr val="tx1"/>
+                  </a:fontRef>
+                </p:style>
+              </p:cxnSp>
+            </p:grpSp>
+          </p:grpSp>
+          <p:pic>
+            <p:nvPicPr>
+              <p:cNvPr id="220" name="Picture 219"/>
+              <p:cNvPicPr>
+                <a:picLocks noChangeAspect="1"/>
+              </p:cNvPicPr>
+              <p:nvPr/>
+            </p:nvPicPr>
+            <p:blipFill>
+              <a:blip r:embed="rId2"/>
+              <a:stretch>
+                <a:fillRect/>
+              </a:stretch>
+            </p:blipFill>
+            <p:spPr>
+              <a:xfrm>
+                <a:off x="1676359" y="3112349"/>
+                <a:ext cx="279808" cy="279808"/>
+              </a:xfrm>
+              <a:prstGeom prst="rect">
+                <a:avLst/>
+              </a:prstGeom>
+            </p:spPr>
+          </p:pic>
+        </p:grpSp>
+        <p:grpSp>
+          <p:nvGrpSpPr>
+            <p:cNvPr id="204" name="Group 203"/>
+            <p:cNvGrpSpPr/>
+            <p:nvPr/>
+          </p:nvGrpSpPr>
+          <p:grpSpPr>
+            <a:xfrm>
+              <a:off x="5701541" y="1096388"/>
+              <a:ext cx="1277970" cy="1660084"/>
+              <a:chOff x="3124200" y="4304775"/>
+              <a:chExt cx="1277970" cy="1660084"/>
+            </a:xfrm>
+          </p:grpSpPr>
+          <p:sp>
+            <p:nvSpPr>
+              <p:cNvPr id="217" name="Rounded Rectangle 216"/>
+              <p:cNvSpPr/>
+              <p:nvPr/>
+            </p:nvSpPr>
+            <p:spPr>
+              <a:xfrm>
+                <a:off x="3124200" y="4304775"/>
+                <a:ext cx="1277970" cy="1660084"/>
+              </a:xfrm>
+              <a:prstGeom prst="roundRect">
+                <a:avLst>
+                  <a:gd name="adj" fmla="val 8682"/>
+                </a:avLst>
+              </a:prstGeom>
+              <a:noFill/>
+              <a:ln>
+                <a:solidFill>
+                  <a:schemeClr val="tx1"/>
+                </a:solidFill>
+              </a:ln>
+              <a:effectLst/>
+            </p:spPr>
+            <p:style>
+              <a:lnRef idx="1">
+                <a:schemeClr val="accent1"/>
+              </a:lnRef>
+              <a:fillRef idx="3">
+                <a:schemeClr val="accent1"/>
+              </a:fillRef>
+              <a:effectRef idx="2">
+                <a:schemeClr val="accent1"/>
+              </a:effectRef>
+              <a:fontRef idx="minor">
+                <a:schemeClr val="lt1"/>
+              </a:fontRef>
+            </p:style>
+          </p:sp>
+          <p:sp>
+            <p:nvSpPr>
+              <p:cNvPr id="218" name="Rectangle 217"/>
+              <p:cNvSpPr/>
+              <p:nvPr/>
+            </p:nvSpPr>
+            <p:spPr>
+              <a:xfrm>
+                <a:off x="3225323" y="4416804"/>
+                <a:ext cx="421977" cy="421977"/>
+              </a:xfrm>
+              <a:prstGeom prst="rect">
+                <a:avLst/>
+              </a:prstGeom>
+              <a:noFill/>
+              <a:ln>
+                <a:solidFill>
+                  <a:schemeClr val="tx1"/>
+                </a:solidFill>
+              </a:ln>
+              <a:effectLst/>
+            </p:spPr>
+            <p:style>
+              <a:lnRef idx="1">
+                <a:schemeClr val="accent1"/>
+              </a:lnRef>
+              <a:fillRef idx="3">
+                <a:schemeClr val="accent1"/>
+              </a:fillRef>
+              <a:effectRef idx="2">
+                <a:schemeClr val="accent1"/>
+              </a:effectRef>
+              <a:fontRef idx="minor">
+                <a:schemeClr val="lt1"/>
+              </a:fontRef>
+            </p:style>
+          </p:sp>
+        </p:grpSp>
+        <p:sp>
+          <p:nvSpPr>
+            <p:cNvPr id="205" name="Rounded Rectangle 204"/>
+            <p:cNvSpPr/>
+            <p:nvPr/>
+          </p:nvSpPr>
+          <p:spPr>
+            <a:xfrm>
+              <a:off x="5764654" y="2427571"/>
+              <a:ext cx="547919" cy="252448"/>
+            </a:xfrm>
+            <a:prstGeom prst="roundRect">
+              <a:avLst/>
+            </a:prstGeom>
+            <a:noFill/>
+            <a:ln>
+              <a:solidFill>
+                <a:schemeClr val="tx1"/>
+              </a:solidFill>
+            </a:ln>
+            <a:effectLst/>
+          </p:spPr>
+          <p:style>
+            <a:lnRef idx="1">
+              <a:schemeClr val="accent1"/>
+            </a:lnRef>
+            <a:fillRef idx="3">
+              <a:schemeClr val="accent1"/>
+            </a:fillRef>
+            <a:effectRef idx="2">
+              <a:schemeClr val="accent1"/>
+            </a:effectRef>
+            <a:fontRef idx="minor">
+              <a:schemeClr val="lt1"/>
+            </a:fontRef>
+          </p:style>
+          <p:txBody>
+            <a:bodyPr lIns="0" tIns="0" rIns="0" bIns="0" anchor="ctr" anchorCtr="0">
+              <a:normAutofit/>
+            </a:bodyPr>
+            <a:lstStyle/>
+            <a:p>
+              <a:pPr algn="ctr"/>
+              <a:r>
+                <a:rPr lang="en-US" sz="800" b="1" dirty="0" smtClean="0">
+                  <a:solidFill>
+                    <a:srgbClr val="000000"/>
+                  </a:solidFill>
+                  <a:latin typeface="Helvetica"/>
+                  <a:cs typeface="Helvetica"/>
+                </a:rPr>
+                <a:t>Gallery</a:t>
+              </a:r>
+              <a:endParaRPr lang="en-US" sz="800" b="1" dirty="0">
+                <a:solidFill>
+                  <a:srgbClr val="000000"/>
+                </a:solidFill>
+                <a:latin typeface="Helvetica"/>
+                <a:cs typeface="Helvetica"/>
+              </a:endParaRPr>
+            </a:p>
+          </p:txBody>
+        </p:sp>
+        <p:sp>
+          <p:nvSpPr>
+            <p:cNvPr id="206" name="Rounded Rectangle 205"/>
+            <p:cNvSpPr/>
+            <p:nvPr/>
+          </p:nvSpPr>
+          <p:spPr>
+            <a:xfrm>
+              <a:off x="6376846" y="2427571"/>
+              <a:ext cx="547919" cy="252448"/>
+            </a:xfrm>
+            <a:prstGeom prst="roundRect">
+              <a:avLst/>
+            </a:prstGeom>
+            <a:noFill/>
+            <a:ln>
+              <a:solidFill>
+                <a:schemeClr val="tx1"/>
+              </a:solidFill>
+            </a:ln>
+            <a:effectLst/>
+          </p:spPr>
+          <p:style>
+            <a:lnRef idx="1">
+              <a:schemeClr val="accent1"/>
+            </a:lnRef>
+            <a:fillRef idx="3">
+              <a:schemeClr val="accent1"/>
+            </a:fillRef>
+            <a:effectRef idx="2">
+              <a:schemeClr val="accent1"/>
+            </a:effectRef>
+            <a:fontRef idx="minor">
+              <a:schemeClr val="lt1"/>
+            </a:fontRef>
+          </p:style>
+          <p:txBody>
+            <a:bodyPr lIns="0" tIns="0" rIns="0" bIns="0" anchor="ctr" anchorCtr="0">
+              <a:normAutofit/>
+            </a:bodyPr>
+            <a:lstStyle/>
+            <a:p>
+              <a:pPr algn="ctr"/>
+              <a:r>
+                <a:rPr lang="en-US" sz="900" b="1" dirty="0" smtClean="0">
+                  <a:solidFill>
+                    <a:srgbClr val="000000"/>
+                  </a:solidFill>
+                  <a:latin typeface="Helvetica"/>
+                  <a:cs typeface="Helvetica"/>
+                </a:rPr>
+                <a:t>Add</a:t>
+              </a:r>
+              <a:endParaRPr lang="en-US" sz="900" b="1" dirty="0">
+                <a:solidFill>
+                  <a:srgbClr val="000000"/>
+                </a:solidFill>
+                <a:latin typeface="Helvetica"/>
+                <a:cs typeface="Helvetica"/>
+              </a:endParaRPr>
+            </a:p>
+          </p:txBody>
+        </p:sp>
+        <p:sp>
+          <p:nvSpPr>
+            <p:cNvPr id="207" name="TextBox 206"/>
+            <p:cNvSpPr txBox="1"/>
+            <p:nvPr/>
+          </p:nvSpPr>
+          <p:spPr>
+            <a:xfrm>
+              <a:off x="6311100" y="1200794"/>
+              <a:ext cx="306324" cy="153888"/>
+            </a:xfrm>
+            <a:prstGeom prst="rect">
+              <a:avLst/>
+            </a:prstGeom>
+            <a:noFill/>
+          </p:spPr>
+          <p:txBody>
+            <a:bodyPr wrap="none" lIns="0" tIns="0" rIns="0" bIns="0" rtlCol="0" anchor="ctr" anchorCtr="0">
+              <a:normAutofit/>
+            </a:bodyPr>
+            <a:lstStyle/>
+            <a:p>
+              <a:r>
+                <a:rPr lang="en-US" sz="1000" b="1" dirty="0" smtClean="0">
+                  <a:latin typeface="Helvetica"/>
+                  <a:cs typeface="Helvetica"/>
+                </a:rPr>
+                <a:t>John</a:t>
+              </a:r>
+              <a:endParaRPr lang="en-US" sz="1000" b="1" dirty="0">
+                <a:latin typeface="Helvetica"/>
+                <a:cs typeface="Helvetica"/>
+              </a:endParaRPr>
+            </a:p>
+          </p:txBody>
+        </p:sp>
+        <p:sp>
+          <p:nvSpPr>
+            <p:cNvPr id="208" name="TextBox 207"/>
+            <p:cNvSpPr txBox="1"/>
+            <p:nvPr/>
+          </p:nvSpPr>
+          <p:spPr>
+            <a:xfrm>
+              <a:off x="6310833" y="1345494"/>
+              <a:ext cx="513462" cy="123111"/>
+            </a:xfrm>
+            <a:prstGeom prst="rect">
+              <a:avLst/>
+            </a:prstGeom>
+            <a:noFill/>
+          </p:spPr>
+          <p:txBody>
+            <a:bodyPr wrap="none" lIns="0" tIns="0" rIns="0" bIns="0" rtlCol="0" anchor="ctr" anchorCtr="0">
+              <a:normAutofit/>
+            </a:bodyPr>
+            <a:lstStyle/>
+            <a:p>
+              <a:r>
+                <a:rPr lang="en-US" sz="800" dirty="0" smtClean="0">
+                  <a:latin typeface="Helvetica"/>
+                  <a:cs typeface="Helvetica"/>
+                </a:rPr>
+                <a:t>2014.10.05</a:t>
+              </a:r>
+              <a:endParaRPr lang="en-US" sz="800" dirty="0">
+                <a:latin typeface="Helvetica"/>
+                <a:cs typeface="Helvetica"/>
+              </a:endParaRPr>
+            </a:p>
+          </p:txBody>
+        </p:sp>
+        <p:pic>
+          <p:nvPicPr>
+            <p:cNvPr id="209" name="Picture 208"/>
+            <p:cNvPicPr>
+              <a:picLocks noChangeAspect="1"/>
+            </p:cNvPicPr>
+            <p:nvPr/>
+          </p:nvPicPr>
+          <p:blipFill>
+            <a:blip r:embed="rId5"/>
+            <a:stretch>
+              <a:fillRect/>
+            </a:stretch>
+          </p:blipFill>
+          <p:spPr>
+            <a:xfrm>
+              <a:off x="5821865" y="1247394"/>
+              <a:ext cx="393496" cy="393496"/>
+            </a:xfrm>
+            <a:prstGeom prst="rect">
+              <a:avLst/>
+            </a:prstGeom>
+          </p:spPr>
+        </p:pic>
+        <p:pic>
+          <p:nvPicPr>
+            <p:cNvPr id="210" name="Picture 209"/>
+            <p:cNvPicPr>
+              <a:picLocks noChangeAspect="1"/>
+            </p:cNvPicPr>
+            <p:nvPr/>
+          </p:nvPicPr>
+          <p:blipFill>
+            <a:blip r:embed="rId3"/>
+            <a:stretch>
+              <a:fillRect/>
+            </a:stretch>
+          </p:blipFill>
+          <p:spPr>
+            <a:xfrm>
+              <a:off x="5580656" y="3139286"/>
+              <a:ext cx="216246" cy="223094"/>
+            </a:xfrm>
+            <a:prstGeom prst="rect">
+              <a:avLst/>
+            </a:prstGeom>
+          </p:spPr>
+        </p:pic>
+        <p:pic>
+          <p:nvPicPr>
+            <p:cNvPr id="211" name="Picture 210"/>
+            <p:cNvPicPr>
+              <a:picLocks noChangeAspect="1"/>
+            </p:cNvPicPr>
+            <p:nvPr/>
+          </p:nvPicPr>
+          <p:blipFill>
+            <a:blip r:embed="rId6"/>
+            <a:stretch>
+              <a:fillRect/>
+            </a:stretch>
+          </p:blipFill>
+          <p:spPr>
+            <a:xfrm>
+              <a:off x="6266429" y="1463105"/>
+              <a:ext cx="180000" cy="180000"/>
+            </a:xfrm>
+            <a:prstGeom prst="rect">
+              <a:avLst/>
+            </a:prstGeom>
+          </p:spPr>
+        </p:pic>
+        <p:sp>
+          <p:nvSpPr>
+            <p:cNvPr id="212" name="TextBox 211"/>
+            <p:cNvSpPr txBox="1"/>
+            <p:nvPr/>
+          </p:nvSpPr>
+          <p:spPr>
+            <a:xfrm>
+              <a:off x="6475144" y="1483366"/>
+              <a:ext cx="294953" cy="123111"/>
+            </a:xfrm>
+            <a:prstGeom prst="rect">
+              <a:avLst/>
+            </a:prstGeom>
+            <a:noFill/>
+          </p:spPr>
+          <p:txBody>
+            <a:bodyPr wrap="none" lIns="0" tIns="0" rIns="0" bIns="0" rtlCol="0" anchor="ctr" anchorCtr="0">
+              <a:normAutofit/>
+            </a:bodyPr>
+            <a:lstStyle/>
+            <a:p>
+              <a:r>
+                <a:rPr lang="en-US" sz="800" b="1" dirty="0" smtClean="0">
+                  <a:latin typeface="Helvetica"/>
+                  <a:cs typeface="Helvetica"/>
+                </a:rPr>
+                <a:t>Korea</a:t>
+              </a:r>
+              <a:endParaRPr lang="en-US" sz="800" b="1" dirty="0">
+                <a:latin typeface="Helvetica"/>
+                <a:cs typeface="Helvetica"/>
+              </a:endParaRPr>
+            </a:p>
+          </p:txBody>
+        </p:sp>
+        <p:grpSp>
+          <p:nvGrpSpPr>
+            <p:cNvPr id="213" name="Group 212"/>
+            <p:cNvGrpSpPr/>
+            <p:nvPr/>
+          </p:nvGrpSpPr>
+          <p:grpSpPr>
+            <a:xfrm>
+              <a:off x="6891953" y="514917"/>
+              <a:ext cx="203033" cy="222548"/>
+              <a:chOff x="1721115" y="520176"/>
+              <a:chExt cx="203033" cy="222548"/>
+            </a:xfrm>
+          </p:grpSpPr>
+          <p:sp>
+            <p:nvSpPr>
+              <p:cNvPr id="215" name="Rectangle 214"/>
+              <p:cNvSpPr/>
+              <p:nvPr/>
+            </p:nvSpPr>
+            <p:spPr>
+              <a:xfrm>
+                <a:off x="1721115" y="520176"/>
+                <a:ext cx="203033" cy="222548"/>
+              </a:xfrm>
+              <a:prstGeom prst="rect">
+                <a:avLst/>
+              </a:prstGeom>
+              <a:noFill/>
+              <a:ln>
+                <a:solidFill>
+                  <a:schemeClr val="tx1"/>
+                </a:solidFill>
+              </a:ln>
+              <a:effectLst/>
+            </p:spPr>
+            <p:style>
+              <a:lnRef idx="1">
+                <a:schemeClr val="accent1"/>
+              </a:lnRef>
+              <a:fillRef idx="3">
+                <a:schemeClr val="accent1"/>
+              </a:fillRef>
+              <a:effectRef idx="2">
+                <a:schemeClr val="accent1"/>
+              </a:effectRef>
+              <a:fontRef idx="minor">
+                <a:schemeClr val="lt1"/>
+              </a:fontRef>
+            </p:style>
+            <p:txBody>
+              <a:bodyPr/>
+              <a:lstStyle/>
+              <a:p>
+                <a:pPr algn="ctr"/>
+                <a:endParaRPr lang="en-US" sz="900" dirty="0">
+                  <a:solidFill>
+                    <a:srgbClr val="000000"/>
+                  </a:solidFill>
+                </a:endParaRPr>
+              </a:p>
+            </p:txBody>
+          </p:sp>
+          <p:sp>
+            <p:nvSpPr>
+              <p:cNvPr id="216" name="Cross 215"/>
+              <p:cNvSpPr/>
+              <p:nvPr/>
+            </p:nvSpPr>
+            <p:spPr>
+              <a:xfrm>
+                <a:off x="1728876" y="541170"/>
+                <a:ext cx="180584" cy="180562"/>
+              </a:xfrm>
+              <a:prstGeom prst="plus">
+                <a:avLst>
+                  <a:gd name="adj" fmla="val 40304"/>
+                </a:avLst>
+              </a:prstGeom>
+              <a:solidFill>
+                <a:schemeClr val="bg1">
+                  <a:lumMod val="75000"/>
+                </a:schemeClr>
+              </a:solidFill>
+              <a:ln>
+                <a:noFill/>
+              </a:ln>
+              <a:effectLst/>
+            </p:spPr>
+            <p:style>
+              <a:lnRef idx="1">
+                <a:schemeClr val="accent1"/>
+              </a:lnRef>
+              <a:fillRef idx="3">
+                <a:schemeClr val="accent1"/>
+              </a:fillRef>
+              <a:effectRef idx="2">
+                <a:schemeClr val="accent1"/>
+              </a:effectRef>
+              <a:fontRef idx="minor">
+                <a:schemeClr val="lt1"/>
+              </a:fontRef>
+            </p:style>
+          </p:sp>
+        </p:grpSp>
+        <p:sp>
+          <p:nvSpPr>
+            <p:cNvPr id="214" name="Rounded Rectangle 213"/>
+            <p:cNvSpPr/>
+            <p:nvPr/>
+          </p:nvSpPr>
+          <p:spPr>
+            <a:xfrm>
+              <a:off x="6756076" y="1161601"/>
+              <a:ext cx="162000" cy="97200"/>
+            </a:xfrm>
+            <a:prstGeom prst="roundRect">
+              <a:avLst/>
+            </a:prstGeom>
+            <a:noFill/>
+            <a:ln>
+              <a:solidFill>
+                <a:schemeClr val="tx1"/>
+              </a:solidFill>
+            </a:ln>
+            <a:effectLst/>
+          </p:spPr>
+          <p:style>
+            <a:lnRef idx="1">
+              <a:schemeClr val="accent1"/>
+            </a:lnRef>
+            <a:fillRef idx="3">
+              <a:schemeClr val="accent1"/>
+            </a:fillRef>
+            <a:effectRef idx="2">
+              <a:schemeClr val="accent1"/>
+            </a:effectRef>
+            <a:fontRef idx="minor">
+              <a:schemeClr val="lt1"/>
+            </a:fontRef>
+          </p:style>
+          <p:txBody>
+            <a:bodyPr lIns="0" tIns="0" rIns="0" bIns="0">
+              <a:normAutofit fontScale="70000" lnSpcReduction="20000"/>
+            </a:bodyPr>
+            <a:lstStyle/>
+            <a:p>
+              <a:pPr algn="ctr"/>
+              <a:r>
+                <a:rPr lang="en-US" sz="900" b="1" dirty="0" smtClean="0">
+                  <a:solidFill>
+                    <a:srgbClr val="000000"/>
+                  </a:solidFill>
+                  <a:latin typeface="Helvetica"/>
+                  <a:cs typeface="Helvetica"/>
+                </a:rPr>
+                <a:t>Edit</a:t>
+              </a:r>
+              <a:endParaRPr lang="en-US" sz="900" b="1" dirty="0">
+                <a:solidFill>
+                  <a:srgbClr val="000000"/>
+                </a:solidFill>
+                <a:latin typeface="Helvetica"/>
+                <a:cs typeface="Helvetica"/>
+              </a:endParaRPr>
+            </a:p>
+          </p:txBody>
+        </p:sp>
+      </p:grpSp>
+    </p:spTree>
+  </p:cSld>
+  <p:clrMapOvr>
+    <a:masterClrMapping/>
+  </p:clrMapOvr>
+  <p:timing>
+    <p:tnLst>
+      <p:par>
+        <p:cTn id="1" dur="indefinite" restart="never" nodeType="tmRoot"/>
+      </p:par>
+    </p:tnLst>
+  </p:timing>
+</p:sld>
+</file>
+
+<file path=ppt/slides/slide3.xml><?xml version="1.0" encoding="utf-8"?>
+<p:sld xmlns:a="http://schemas.openxmlformats.org/drawingml/2006/main" xmlns:r="http://schemas.openxmlformats.org/officeDocument/2006/relationships" xmlns:mc="http://schemas.openxmlformats.org/markup-compatibility/2006" xmlns:mv="urn:schemas-microsoft-com:mac:vml" xmlns:p="http://schemas.openxmlformats.org/presentationml/2006/main" mc:Ignorable="mv" mc:PreserveAttributes="mv:*">
+  <p:cSld>
+    <p:spTree>
+      <p:nvGrpSpPr>
+        <p:cNvPr id="1" name=""/>
+        <p:cNvGrpSpPr/>
+        <p:nvPr/>
+      </p:nvGrpSpPr>
+      <p:grpSpPr>
+        <a:xfrm>
+          <a:off x="0" y="0"/>
+          <a:ext cx="0" cy="0"/>
+          <a:chOff x="0" y="0"/>
+          <a:chExt cx="0" cy="0"/>
+        </a:xfrm>
+      </p:grpSpPr>
+      <p:grpSp>
+        <p:nvGrpSpPr>
+          <p:cNvPr id="39" name="Group 38"/>
+          <p:cNvGrpSpPr/>
+          <p:nvPr/>
+        </p:nvGrpSpPr>
+        <p:grpSpPr>
+          <a:xfrm>
+            <a:off x="315562" y="457200"/>
+            <a:ext cx="1702398" cy="2975874"/>
+            <a:chOff x="315562" y="3657600"/>
+            <a:chExt cx="1702398" cy="2975874"/>
+          </a:xfrm>
+        </p:grpSpPr>
+        <p:grpSp>
+          <p:nvGrpSpPr>
+            <p:cNvPr id="40" name="Group 62"/>
+            <p:cNvGrpSpPr/>
+            <p:nvPr/>
+          </p:nvGrpSpPr>
+          <p:grpSpPr>
+            <a:xfrm>
+              <a:off x="315562" y="3657600"/>
+              <a:ext cx="1702398" cy="2975874"/>
+              <a:chOff x="312693" y="446704"/>
+              <a:chExt cx="1702398" cy="2975874"/>
+            </a:xfrm>
+          </p:grpSpPr>
+          <p:grpSp>
+            <p:nvGrpSpPr>
+              <p:cNvPr id="56" name="Group 63"/>
+              <p:cNvGrpSpPr/>
+              <p:nvPr/>
+            </p:nvGrpSpPr>
+            <p:grpSpPr>
+              <a:xfrm>
+                <a:off x="312693" y="446704"/>
+                <a:ext cx="1702398" cy="2975874"/>
+                <a:chOff x="312693" y="446704"/>
+                <a:chExt cx="1702398" cy="2975874"/>
+              </a:xfrm>
+            </p:grpSpPr>
+            <p:sp>
+              <p:nvSpPr>
+                <p:cNvPr id="58" name="Rectangle 57"/>
+                <p:cNvSpPr/>
+                <p:nvPr/>
+              </p:nvSpPr>
+              <p:spPr>
+                <a:xfrm>
+                  <a:off x="312693" y="449213"/>
+                  <a:ext cx="1702398" cy="2972570"/>
+                </a:xfrm>
+                <a:prstGeom prst="rect">
+                  <a:avLst/>
+                </a:prstGeom>
+                <a:noFill/>
+                <a:ln>
+                  <a:solidFill>
+                    <a:schemeClr val="tx1"/>
+                  </a:solidFill>
+                </a:ln>
+                <a:effectLst/>
+              </p:spPr>
+              <p:style>
+                <a:lnRef idx="1">
+                  <a:schemeClr val="accent1"/>
+                </a:lnRef>
+                <a:fillRef idx="3">
+                  <a:schemeClr val="accent1"/>
+                </a:fillRef>
+                <a:effectRef idx="2">
+                  <a:schemeClr val="accent1"/>
+                </a:effectRef>
+                <a:fontRef idx="minor">
+                  <a:schemeClr val="lt1"/>
+                </a:fontRef>
+              </p:style>
+            </p:sp>
+            <p:sp>
+              <p:nvSpPr>
+                <p:cNvPr id="59" name="Rectangle 58"/>
+                <p:cNvSpPr/>
+                <p:nvPr/>
+              </p:nvSpPr>
+              <p:spPr>
+                <a:xfrm>
+                  <a:off x="312694" y="446704"/>
+                  <a:ext cx="1702397" cy="358999"/>
+                </a:xfrm>
+                <a:prstGeom prst="rect">
+                  <a:avLst/>
+                </a:prstGeom>
+                <a:solidFill>
+                  <a:schemeClr val="bg1"/>
+                </a:solidFill>
+                <a:ln>
+                  <a:solidFill>
+                    <a:schemeClr val="tx1"/>
+                  </a:solidFill>
+                </a:ln>
+                <a:effectLst/>
+              </p:spPr>
+              <p:style>
+                <a:lnRef idx="1">
+                  <a:schemeClr val="accent1"/>
+                </a:lnRef>
+                <a:fillRef idx="3">
+                  <a:schemeClr val="accent1"/>
+                </a:fillRef>
+                <a:effectRef idx="2">
+                  <a:schemeClr val="accent1"/>
+                </a:effectRef>
+                <a:fontRef idx="minor">
+                  <a:schemeClr val="lt1"/>
+                </a:fontRef>
+              </p:style>
+            </p:sp>
+            <p:sp>
+              <p:nvSpPr>
+                <p:cNvPr id="60" name="Rectangle 59"/>
+                <p:cNvSpPr/>
+                <p:nvPr/>
+              </p:nvSpPr>
+              <p:spPr>
+                <a:xfrm>
+                  <a:off x="1731610" y="530672"/>
+                  <a:ext cx="203033" cy="222548"/>
+                </a:xfrm>
+                <a:prstGeom prst="rect">
+                  <a:avLst/>
+                </a:prstGeom>
+                <a:noFill/>
+                <a:ln>
+                  <a:solidFill>
+                    <a:schemeClr val="bg1"/>
+                  </a:solidFill>
+                </a:ln>
+                <a:effectLst/>
+              </p:spPr>
+              <p:style>
+                <a:lnRef idx="1">
+                  <a:schemeClr val="accent1"/>
+                </a:lnRef>
+                <a:fillRef idx="3">
+                  <a:schemeClr val="accent1"/>
+                </a:fillRef>
+                <a:effectRef idx="2">
+                  <a:schemeClr val="accent1"/>
+                </a:effectRef>
+                <a:fontRef idx="minor">
+                  <a:schemeClr val="lt1"/>
+                </a:fontRef>
+              </p:style>
+            </p:sp>
+            <p:grpSp>
+              <p:nvGrpSpPr>
+                <p:cNvPr id="61" name="Group 68"/>
+                <p:cNvGrpSpPr/>
+                <p:nvPr/>
+              </p:nvGrpSpPr>
+              <p:grpSpPr>
+                <a:xfrm>
+                  <a:off x="312694" y="3058539"/>
+                  <a:ext cx="1702397" cy="364039"/>
+                  <a:chOff x="312694" y="3058539"/>
+                  <a:chExt cx="1702397" cy="364039"/>
+                </a:xfrm>
+              </p:grpSpPr>
+              <p:sp>
+                <p:nvSpPr>
+                  <p:cNvPr id="62" name="Rectangle 61"/>
+                  <p:cNvSpPr/>
+                  <p:nvPr/>
+                </p:nvSpPr>
+                <p:spPr>
+                  <a:xfrm>
+                    <a:off x="312694" y="3062784"/>
+                    <a:ext cx="1702397" cy="358999"/>
+                  </a:xfrm>
+                  <a:prstGeom prst="rect">
+                    <a:avLst/>
+                  </a:prstGeom>
+                  <a:solidFill>
+                    <a:schemeClr val="bg1"/>
+                  </a:solidFill>
+                  <a:ln>
+                    <a:solidFill>
+                      <a:schemeClr val="tx1"/>
+                    </a:solidFill>
+                  </a:ln>
+                  <a:effectLst/>
+                </p:spPr>
+                <p:style>
+                  <a:lnRef idx="1">
+                    <a:schemeClr val="accent1"/>
+                  </a:lnRef>
+                  <a:fillRef idx="3">
+                    <a:schemeClr val="accent1"/>
+                  </a:fillRef>
+                  <a:effectRef idx="2">
+                    <a:schemeClr val="accent1"/>
+                  </a:effectRef>
+                  <a:fontRef idx="minor">
+                    <a:schemeClr val="lt1"/>
+                  </a:fontRef>
+                </p:style>
+              </p:sp>
+              <p:cxnSp>
+                <p:nvCxnSpPr>
+                  <p:cNvPr id="63" name="Straight Connector 62"/>
+                  <p:cNvCxnSpPr/>
+                  <p:nvPr/>
+                </p:nvCxnSpPr>
+                <p:spPr>
+                  <a:xfrm rot="5400000">
+                    <a:off x="1009009" y="3242284"/>
+                    <a:ext cx="358999" cy="1588"/>
+                  </a:xfrm>
+                  <a:prstGeom prst="line">
+                    <a:avLst/>
+                  </a:prstGeom>
+                  <a:ln w="9525">
+                    <a:solidFill>
+                      <a:schemeClr val="tx1"/>
+                    </a:solidFill>
+                  </a:ln>
+                  <a:effectLst/>
+                </p:spPr>
+                <p:style>
+                  <a:lnRef idx="2">
+                    <a:schemeClr val="accent1"/>
+                  </a:lnRef>
+                  <a:fillRef idx="0">
+                    <a:schemeClr val="accent1"/>
+                  </a:fillRef>
+                  <a:effectRef idx="1">
+                    <a:schemeClr val="accent1"/>
+                  </a:effectRef>
+                  <a:fontRef idx="minor">
+                    <a:schemeClr val="tx1"/>
+                  </a:fontRef>
+                </p:style>
+              </p:cxnSp>
+              <p:cxnSp>
+                <p:nvCxnSpPr>
+                  <p:cNvPr id="64" name="Straight Connector 63"/>
+                  <p:cNvCxnSpPr/>
+                  <p:nvPr/>
+                </p:nvCxnSpPr>
+                <p:spPr>
+                  <a:xfrm rot="5400000">
+                    <a:off x="1431989" y="3237245"/>
+                    <a:ext cx="358999" cy="1588"/>
+                  </a:xfrm>
+                  <a:prstGeom prst="line">
+                    <a:avLst/>
+                  </a:prstGeom>
+                  <a:ln w="9525">
+                    <a:solidFill>
+                      <a:schemeClr val="tx1"/>
+                    </a:solidFill>
+                  </a:ln>
+                  <a:effectLst/>
+                </p:spPr>
+                <p:style>
+                  <a:lnRef idx="2">
+                    <a:schemeClr val="accent1"/>
+                  </a:lnRef>
+                  <a:fillRef idx="0">
+                    <a:schemeClr val="accent1"/>
+                  </a:fillRef>
+                  <a:effectRef idx="1">
+                    <a:schemeClr val="accent1"/>
+                  </a:effectRef>
+                  <a:fontRef idx="minor">
+                    <a:schemeClr val="tx1"/>
+                  </a:fontRef>
+                </p:style>
+              </p:cxnSp>
+              <p:cxnSp>
+                <p:nvCxnSpPr>
+                  <p:cNvPr id="65" name="Straight Connector 64"/>
+                  <p:cNvCxnSpPr/>
+                  <p:nvPr/>
+                </p:nvCxnSpPr>
+                <p:spPr>
+                  <a:xfrm rot="5400000">
+                    <a:off x="551809" y="3242285"/>
+                    <a:ext cx="358999" cy="1588"/>
+                  </a:xfrm>
+                  <a:prstGeom prst="line">
+                    <a:avLst/>
+                  </a:prstGeom>
+                  <a:ln w="9525">
+                    <a:solidFill>
+                      <a:schemeClr val="tx1"/>
+                    </a:solidFill>
+                  </a:ln>
+                  <a:effectLst/>
+                </p:spPr>
+                <p:style>
+                  <a:lnRef idx="2">
+                    <a:schemeClr val="accent1"/>
+                  </a:lnRef>
+                  <a:fillRef idx="0">
+                    <a:schemeClr val="accent1"/>
+                  </a:fillRef>
+                  <a:effectRef idx="1">
+                    <a:schemeClr val="accent1"/>
+                  </a:effectRef>
+                  <a:fontRef idx="minor">
+                    <a:schemeClr val="tx1"/>
+                  </a:fontRef>
+                </p:style>
+              </p:cxnSp>
+            </p:grpSp>
+          </p:grpSp>
+          <p:pic>
+            <p:nvPicPr>
+              <p:cNvPr id="57" name="Picture 56"/>
+              <p:cNvPicPr>
+                <a:picLocks noChangeAspect="1"/>
+              </p:cNvPicPr>
+              <p:nvPr/>
+            </p:nvPicPr>
+            <p:blipFill>
+              <a:blip r:embed="rId2"/>
+              <a:stretch>
+                <a:fillRect/>
+              </a:stretch>
+            </p:blipFill>
+            <p:spPr>
+              <a:xfrm>
+                <a:off x="1676359" y="3112349"/>
+                <a:ext cx="279808" cy="279808"/>
+              </a:xfrm>
+              <a:prstGeom prst="rect">
+                <a:avLst/>
+              </a:prstGeom>
+            </p:spPr>
+          </p:pic>
+        </p:grpSp>
+        <p:grpSp>
+          <p:nvGrpSpPr>
+            <p:cNvPr id="41" name="Group 80"/>
+            <p:cNvGrpSpPr/>
+            <p:nvPr/>
+          </p:nvGrpSpPr>
+          <p:grpSpPr>
+            <a:xfrm>
+              <a:off x="530703" y="4304775"/>
+              <a:ext cx="1277970" cy="1660084"/>
+              <a:chOff x="3124200" y="4304775"/>
+              <a:chExt cx="1277970" cy="1660084"/>
+            </a:xfrm>
+          </p:grpSpPr>
+          <p:sp>
+            <p:nvSpPr>
+              <p:cNvPr id="54" name="Rounded Rectangle 53"/>
+              <p:cNvSpPr/>
+              <p:nvPr/>
+            </p:nvSpPr>
+            <p:spPr>
+              <a:xfrm>
+                <a:off x="3124200" y="4304775"/>
+                <a:ext cx="1277970" cy="1660084"/>
+              </a:xfrm>
+              <a:prstGeom prst="roundRect">
+                <a:avLst>
+                  <a:gd name="adj" fmla="val 8682"/>
+                </a:avLst>
+              </a:prstGeom>
+              <a:noFill/>
+              <a:ln>
+                <a:solidFill>
+                  <a:schemeClr val="tx1"/>
+                </a:solidFill>
+              </a:ln>
+              <a:effectLst/>
+            </p:spPr>
+            <p:style>
+              <a:lnRef idx="1">
+                <a:schemeClr val="accent1"/>
+              </a:lnRef>
+              <a:fillRef idx="3">
+                <a:schemeClr val="accent1"/>
+              </a:fillRef>
+              <a:effectRef idx="2">
+                <a:schemeClr val="accent1"/>
+              </a:effectRef>
+              <a:fontRef idx="minor">
+                <a:schemeClr val="lt1"/>
+              </a:fontRef>
+            </p:style>
+          </p:sp>
+          <p:sp>
+            <p:nvSpPr>
+              <p:cNvPr id="55" name="Rectangle 54"/>
+              <p:cNvSpPr/>
+              <p:nvPr/>
+            </p:nvSpPr>
+            <p:spPr>
+              <a:xfrm>
+                <a:off x="3225323" y="4416804"/>
+                <a:ext cx="421977" cy="421977"/>
+              </a:xfrm>
+              <a:prstGeom prst="rect">
+                <a:avLst/>
+              </a:prstGeom>
+              <a:noFill/>
+              <a:ln>
+                <a:solidFill>
+                  <a:schemeClr val="tx1"/>
+                </a:solidFill>
+              </a:ln>
+              <a:effectLst/>
+            </p:spPr>
+            <p:style>
+              <a:lnRef idx="1">
+                <a:schemeClr val="accent1"/>
+              </a:lnRef>
+              <a:fillRef idx="3">
+                <a:schemeClr val="accent1"/>
+              </a:fillRef>
+              <a:effectRef idx="2">
+                <a:schemeClr val="accent1"/>
+              </a:effectRef>
+              <a:fontRef idx="minor">
+                <a:schemeClr val="lt1"/>
+              </a:fontRef>
+            </p:style>
+          </p:sp>
+        </p:grpSp>
+        <p:sp>
+          <p:nvSpPr>
+            <p:cNvPr id="42" name="Rounded Rectangle 41"/>
+            <p:cNvSpPr/>
+            <p:nvPr/>
+          </p:nvSpPr>
+          <p:spPr>
+            <a:xfrm>
+              <a:off x="593816" y="5635958"/>
+              <a:ext cx="547919" cy="252448"/>
+            </a:xfrm>
+            <a:prstGeom prst="roundRect">
+              <a:avLst/>
+            </a:prstGeom>
+            <a:noFill/>
+            <a:ln>
+              <a:solidFill>
+                <a:schemeClr val="tx1"/>
+              </a:solidFill>
+            </a:ln>
+            <a:effectLst/>
+          </p:spPr>
+          <p:style>
+            <a:lnRef idx="1">
+              <a:schemeClr val="accent1"/>
+            </a:lnRef>
+            <a:fillRef idx="3">
+              <a:schemeClr val="accent1"/>
+            </a:fillRef>
+            <a:effectRef idx="2">
+              <a:schemeClr val="accent1"/>
+            </a:effectRef>
+            <a:fontRef idx="minor">
+              <a:schemeClr val="lt1"/>
+            </a:fontRef>
+          </p:style>
+          <p:txBody>
+            <a:bodyPr lIns="0" tIns="0" rIns="0" bIns="0" anchor="ctr" anchorCtr="0">
+              <a:normAutofit/>
+            </a:bodyPr>
+            <a:lstStyle/>
+            <a:p>
+              <a:pPr algn="ctr"/>
+              <a:r>
+                <a:rPr lang="en-US" sz="800" b="1" dirty="0" smtClean="0">
+                  <a:solidFill>
+                    <a:srgbClr val="000000"/>
+                  </a:solidFill>
+                  <a:latin typeface="Helvetica"/>
+                  <a:cs typeface="Helvetica"/>
+                </a:rPr>
+                <a:t>Gallery</a:t>
+              </a:r>
+              <a:endParaRPr lang="en-US" sz="800" b="1" dirty="0">
+                <a:solidFill>
+                  <a:srgbClr val="000000"/>
+                </a:solidFill>
+                <a:latin typeface="Helvetica"/>
+                <a:cs typeface="Helvetica"/>
+              </a:endParaRPr>
+            </a:p>
+          </p:txBody>
+        </p:sp>
+        <p:sp>
+          <p:nvSpPr>
+            <p:cNvPr id="43" name="Rounded Rectangle 42"/>
+            <p:cNvSpPr/>
+            <p:nvPr/>
+          </p:nvSpPr>
+          <p:spPr>
+            <a:xfrm>
+              <a:off x="1206008" y="5635958"/>
+              <a:ext cx="547919" cy="252448"/>
+            </a:xfrm>
+            <a:prstGeom prst="roundRect">
+              <a:avLst/>
+            </a:prstGeom>
+            <a:noFill/>
+            <a:ln>
+              <a:solidFill>
+                <a:schemeClr val="tx1"/>
+              </a:solidFill>
+            </a:ln>
+            <a:effectLst/>
+          </p:spPr>
+          <p:style>
+            <a:lnRef idx="1">
+              <a:schemeClr val="accent1"/>
+            </a:lnRef>
+            <a:fillRef idx="3">
+              <a:schemeClr val="accent1"/>
+            </a:fillRef>
+            <a:effectRef idx="2">
+              <a:schemeClr val="accent1"/>
+            </a:effectRef>
+            <a:fontRef idx="minor">
+              <a:schemeClr val="lt1"/>
+            </a:fontRef>
+          </p:style>
+          <p:txBody>
+            <a:bodyPr lIns="0" tIns="0" rIns="0" bIns="0" anchor="ctr" anchorCtr="0">
+              <a:normAutofit/>
+            </a:bodyPr>
+            <a:lstStyle/>
+            <a:p>
+              <a:pPr algn="ctr"/>
+              <a:r>
+                <a:rPr lang="en-US" sz="900" b="1" dirty="0" smtClean="0">
+                  <a:solidFill>
+                    <a:srgbClr val="000000"/>
+                  </a:solidFill>
+                  <a:latin typeface="Helvetica"/>
+                  <a:cs typeface="Helvetica"/>
+                </a:rPr>
+                <a:t>Add</a:t>
+              </a:r>
+              <a:endParaRPr lang="en-US" sz="900" b="1" dirty="0">
+                <a:solidFill>
+                  <a:srgbClr val="000000"/>
+                </a:solidFill>
+                <a:latin typeface="Helvetica"/>
+                <a:cs typeface="Helvetica"/>
+              </a:endParaRPr>
+            </a:p>
+          </p:txBody>
+        </p:sp>
+        <p:sp>
+          <p:nvSpPr>
+            <p:cNvPr id="44" name="TextBox 43"/>
+            <p:cNvSpPr txBox="1"/>
+            <p:nvPr/>
+          </p:nvSpPr>
+          <p:spPr>
+            <a:xfrm>
+              <a:off x="1130855" y="4409181"/>
+              <a:ext cx="306324" cy="153888"/>
+            </a:xfrm>
+            <a:prstGeom prst="rect">
+              <a:avLst/>
+            </a:prstGeom>
+            <a:noFill/>
+          </p:spPr>
+          <p:txBody>
+            <a:bodyPr wrap="none" lIns="0" tIns="0" rIns="0" bIns="0" rtlCol="0" anchor="ctr" anchorCtr="0">
+              <a:normAutofit/>
+            </a:bodyPr>
+            <a:lstStyle/>
+            <a:p>
+              <a:r>
+                <a:rPr lang="en-US" sz="1000" b="1" dirty="0" smtClean="0">
+                  <a:latin typeface="Helvetica"/>
+                  <a:cs typeface="Helvetica"/>
+                </a:rPr>
+                <a:t>John</a:t>
+              </a:r>
+              <a:endParaRPr lang="en-US" sz="1000" b="1" dirty="0">
+                <a:latin typeface="Helvetica"/>
+                <a:cs typeface="Helvetica"/>
+              </a:endParaRPr>
+            </a:p>
+          </p:txBody>
+        </p:sp>
+        <p:sp>
+          <p:nvSpPr>
+            <p:cNvPr id="45" name="TextBox 44"/>
+            <p:cNvSpPr txBox="1"/>
+            <p:nvPr/>
+          </p:nvSpPr>
+          <p:spPr>
+            <a:xfrm>
+              <a:off x="1130588" y="4553881"/>
+              <a:ext cx="513462" cy="123111"/>
+            </a:xfrm>
+            <a:prstGeom prst="rect">
+              <a:avLst/>
+            </a:prstGeom>
+            <a:noFill/>
+          </p:spPr>
+          <p:txBody>
+            <a:bodyPr wrap="none" lIns="0" tIns="0" rIns="0" bIns="0" rtlCol="0" anchor="ctr" anchorCtr="0">
+              <a:normAutofit/>
+            </a:bodyPr>
+            <a:lstStyle/>
+            <a:p>
+              <a:r>
+                <a:rPr lang="en-US" sz="800" dirty="0" smtClean="0">
+                  <a:latin typeface="Helvetica"/>
+                  <a:cs typeface="Helvetica"/>
+                </a:rPr>
+                <a:t>2014.10.05</a:t>
+              </a:r>
+              <a:endParaRPr lang="en-US" sz="800" dirty="0">
+                <a:latin typeface="Helvetica"/>
+                <a:cs typeface="Helvetica"/>
+              </a:endParaRPr>
+            </a:p>
+          </p:txBody>
+        </p:sp>
+        <p:pic>
+          <p:nvPicPr>
+            <p:cNvPr id="46" name="Picture 45"/>
+            <p:cNvPicPr>
+              <a:picLocks noChangeAspect="1"/>
+            </p:cNvPicPr>
+            <p:nvPr/>
+          </p:nvPicPr>
+          <p:blipFill>
+            <a:blip r:embed="rId3"/>
+            <a:stretch>
+              <a:fillRect/>
+            </a:stretch>
+          </p:blipFill>
+          <p:spPr>
+            <a:xfrm>
+              <a:off x="651027" y="4455781"/>
+              <a:ext cx="393496" cy="393496"/>
+            </a:xfrm>
+            <a:prstGeom prst="rect">
+              <a:avLst/>
+            </a:prstGeom>
+          </p:spPr>
+        </p:pic>
+        <p:pic>
+          <p:nvPicPr>
+            <p:cNvPr id="47" name="Picture 46"/>
+            <p:cNvPicPr>
+              <a:picLocks noChangeAspect="1"/>
+            </p:cNvPicPr>
+            <p:nvPr/>
+          </p:nvPicPr>
+          <p:blipFill>
+            <a:blip r:embed="rId4"/>
+            <a:stretch>
+              <a:fillRect/>
+            </a:stretch>
+          </p:blipFill>
+          <p:spPr>
+            <a:xfrm>
+              <a:off x="409818" y="6347673"/>
+              <a:ext cx="216246" cy="223094"/>
+            </a:xfrm>
+            <a:prstGeom prst="rect">
+              <a:avLst/>
+            </a:prstGeom>
+          </p:spPr>
+        </p:pic>
+        <p:pic>
+          <p:nvPicPr>
+            <p:cNvPr id="48" name="Picture 47"/>
+            <p:cNvPicPr>
+              <a:picLocks noChangeAspect="1"/>
+            </p:cNvPicPr>
+            <p:nvPr/>
+          </p:nvPicPr>
+          <p:blipFill>
+            <a:blip r:embed="rId5"/>
+            <a:stretch>
+              <a:fillRect/>
+            </a:stretch>
+          </p:blipFill>
+          <p:spPr>
+            <a:xfrm>
+              <a:off x="1095591" y="4671492"/>
+              <a:ext cx="180000" cy="180000"/>
+            </a:xfrm>
+            <a:prstGeom prst="rect">
+              <a:avLst/>
+            </a:prstGeom>
+          </p:spPr>
+        </p:pic>
+        <p:sp>
+          <p:nvSpPr>
+            <p:cNvPr id="49" name="TextBox 48"/>
+            <p:cNvSpPr txBox="1"/>
+            <p:nvPr/>
+          </p:nvSpPr>
+          <p:spPr>
+            <a:xfrm>
+              <a:off x="1294899" y="4719974"/>
+              <a:ext cx="294953" cy="123111"/>
+            </a:xfrm>
+            <a:prstGeom prst="rect">
+              <a:avLst/>
+            </a:prstGeom>
+            <a:noFill/>
+          </p:spPr>
+          <p:txBody>
+            <a:bodyPr wrap="none" lIns="0" tIns="0" rIns="0" bIns="0" rtlCol="0" anchor="ctr" anchorCtr="0">
+              <a:normAutofit/>
+            </a:bodyPr>
+            <a:lstStyle/>
+            <a:p>
+              <a:r>
+                <a:rPr lang="en-US" sz="800" b="1" dirty="0" smtClean="0">
+                  <a:latin typeface="Helvetica"/>
+                  <a:cs typeface="Helvetica"/>
+                </a:rPr>
+                <a:t>Korea</a:t>
+              </a:r>
+              <a:endParaRPr lang="en-US" sz="800" b="1" dirty="0">
+                <a:latin typeface="Helvetica"/>
+                <a:cs typeface="Helvetica"/>
+              </a:endParaRPr>
+            </a:p>
+          </p:txBody>
+        </p:sp>
+        <p:grpSp>
+          <p:nvGrpSpPr>
+            <p:cNvPr id="50" name="Group 89"/>
+            <p:cNvGrpSpPr/>
+            <p:nvPr/>
+          </p:nvGrpSpPr>
+          <p:grpSpPr>
+            <a:xfrm>
+              <a:off x="1721115" y="3723304"/>
+              <a:ext cx="203033" cy="222548"/>
+              <a:chOff x="1721115" y="520176"/>
+              <a:chExt cx="203033" cy="222548"/>
+            </a:xfrm>
+          </p:grpSpPr>
+          <p:sp>
+            <p:nvSpPr>
+              <p:cNvPr id="52" name="Rectangle 51"/>
+              <p:cNvSpPr/>
+              <p:nvPr/>
+            </p:nvSpPr>
+            <p:spPr>
+              <a:xfrm>
+                <a:off x="1721115" y="520176"/>
+                <a:ext cx="203033" cy="222548"/>
+              </a:xfrm>
+              <a:prstGeom prst="rect">
+                <a:avLst/>
+              </a:prstGeom>
+              <a:noFill/>
+              <a:ln>
+                <a:solidFill>
+                  <a:schemeClr val="tx1"/>
+                </a:solidFill>
+              </a:ln>
+              <a:effectLst/>
+            </p:spPr>
+            <p:style>
+              <a:lnRef idx="1">
+                <a:schemeClr val="accent1"/>
+              </a:lnRef>
+              <a:fillRef idx="3">
+                <a:schemeClr val="accent1"/>
+              </a:fillRef>
+              <a:effectRef idx="2">
+                <a:schemeClr val="accent1"/>
+              </a:effectRef>
+              <a:fontRef idx="minor">
+                <a:schemeClr val="lt1"/>
+              </a:fontRef>
+            </p:style>
+            <p:txBody>
+              <a:bodyPr/>
+              <a:lstStyle/>
+              <a:p>
+                <a:pPr algn="ctr"/>
+                <a:endParaRPr lang="en-US" sz="900" dirty="0">
+                  <a:solidFill>
+                    <a:srgbClr val="000000"/>
+                  </a:solidFill>
+                </a:endParaRPr>
+              </a:p>
+            </p:txBody>
+          </p:sp>
+          <p:sp>
+            <p:nvSpPr>
+              <p:cNvPr id="53" name="Cross 52"/>
+              <p:cNvSpPr/>
+              <p:nvPr/>
+            </p:nvSpPr>
+            <p:spPr>
+              <a:xfrm>
+                <a:off x="1728876" y="541170"/>
+                <a:ext cx="180584" cy="180562"/>
+              </a:xfrm>
+              <a:prstGeom prst="plus">
+                <a:avLst>
+                  <a:gd name="adj" fmla="val 40304"/>
+                </a:avLst>
+              </a:prstGeom>
+              <a:solidFill>
+                <a:schemeClr val="bg1">
+                  <a:lumMod val="75000"/>
+                </a:schemeClr>
+              </a:solidFill>
+              <a:ln>
+                <a:noFill/>
+              </a:ln>
+              <a:effectLst/>
+            </p:spPr>
+            <p:style>
+              <a:lnRef idx="1">
+                <a:schemeClr val="accent1"/>
+              </a:lnRef>
+              <a:fillRef idx="3">
+                <a:schemeClr val="accent1"/>
+              </a:fillRef>
+              <a:effectRef idx="2">
+                <a:schemeClr val="accent1"/>
+              </a:effectRef>
+              <a:fontRef idx="minor">
+                <a:schemeClr val="lt1"/>
+              </a:fontRef>
+            </p:style>
+          </p:sp>
+        </p:grpSp>
+        <p:sp>
+          <p:nvSpPr>
+            <p:cNvPr id="51" name="Rounded Rectangle 50"/>
+            <p:cNvSpPr/>
+            <p:nvPr/>
+          </p:nvSpPr>
+          <p:spPr>
+            <a:xfrm>
+              <a:off x="1581072" y="4366138"/>
+              <a:ext cx="162000" cy="97200"/>
+            </a:xfrm>
+            <a:prstGeom prst="roundRect">
+              <a:avLst/>
+            </a:prstGeom>
+            <a:noFill/>
+            <a:ln>
+              <a:solidFill>
+                <a:schemeClr val="tx1"/>
+              </a:solidFill>
+            </a:ln>
+            <a:effectLst/>
+          </p:spPr>
+          <p:style>
+            <a:lnRef idx="1">
+              <a:schemeClr val="accent1"/>
+            </a:lnRef>
+            <a:fillRef idx="3">
+              <a:schemeClr val="accent1"/>
+            </a:fillRef>
+            <a:effectRef idx="2">
+              <a:schemeClr val="accent1"/>
+            </a:effectRef>
+            <a:fontRef idx="minor">
+              <a:schemeClr val="lt1"/>
+            </a:fontRef>
+          </p:style>
+          <p:txBody>
+            <a:bodyPr lIns="0" tIns="0" rIns="0" bIns="0">
+              <a:normAutofit fontScale="70000" lnSpcReduction="20000"/>
+            </a:bodyPr>
+            <a:lstStyle/>
+            <a:p>
+              <a:pPr algn="ctr"/>
+              <a:r>
+                <a:rPr lang="en-US" sz="900" b="1" dirty="0" smtClean="0">
+                  <a:solidFill>
+                    <a:srgbClr val="000000"/>
+                  </a:solidFill>
+                  <a:latin typeface="Helvetica"/>
+                  <a:cs typeface="Helvetica"/>
+                </a:rPr>
+                <a:t>Edit</a:t>
+              </a:r>
+              <a:endParaRPr lang="en-US" sz="900" b="1" dirty="0">
+                <a:solidFill>
+                  <a:srgbClr val="000000"/>
+                </a:solidFill>
+                <a:latin typeface="Helvetica"/>
+                <a:cs typeface="Helvetica"/>
+              </a:endParaRPr>
+            </a:p>
+          </p:txBody>
+        </p:sp>
+      </p:grpSp>
+      <p:grpSp>
+        <p:nvGrpSpPr>
+          <p:cNvPr id="67" name="Group 62"/>
+          <p:cNvGrpSpPr/>
+          <p:nvPr/>
+        </p:nvGrpSpPr>
+        <p:grpSpPr>
+          <a:xfrm>
+            <a:off x="2667000" y="457200"/>
+            <a:ext cx="1702398" cy="2975874"/>
+            <a:chOff x="312693" y="446704"/>
+            <a:chExt cx="1702398" cy="2975874"/>
+          </a:xfrm>
+        </p:grpSpPr>
+        <p:grpSp>
+          <p:nvGrpSpPr>
+            <p:cNvPr id="83" name="Group 63"/>
+            <p:cNvGrpSpPr/>
+            <p:nvPr/>
+          </p:nvGrpSpPr>
+          <p:grpSpPr>
+            <a:xfrm>
+              <a:off x="312693" y="446704"/>
+              <a:ext cx="1702398" cy="2975874"/>
+              <a:chOff x="312693" y="446704"/>
               <a:chExt cx="1702398" cy="2975874"/>
             </a:xfrm>
           </p:grpSpPr>
           <p:sp>
             <p:nvSpPr>
-              <p:cNvPr id="29" name="Rectangle 28"/>
+              <p:cNvPr id="85" name="Rectangle 84"/>
               <p:cNvSpPr/>
               <p:nvPr/>
             </p:nvSpPr>
             <p:spPr>
               <a:xfrm>
-                <a:off x="2907189" y="449213"/>
+                <a:off x="312693" y="449213"/>
                 <a:ext cx="1702398" cy="2972570"/>
               </a:xfrm>
               <a:prstGeom prst="rect">
@@ -4690,13 +9524,13 @@
           </p:sp>
           <p:sp>
             <p:nvSpPr>
-              <p:cNvPr id="36" name="Rectangle 35"/>
+              <p:cNvPr id="86" name="Rectangle 85"/>
               <p:cNvSpPr/>
               <p:nvPr/>
             </p:nvSpPr>
             <p:spPr>
               <a:xfrm>
-                <a:off x="2907190" y="446704"/>
+                <a:off x="312694" y="446704"/>
                 <a:ext cx="1702397" cy="358999"/>
               </a:xfrm>
               <a:prstGeom prst="rect">
@@ -4729,21 +9563,1068 @@
           </p:sp>
           <p:sp>
             <p:nvSpPr>
-              <p:cNvPr id="32" name="Rectangle 31"/>
+              <p:cNvPr id="87" name="Rectangle 86"/>
               <p:cNvSpPr/>
               <p:nvPr/>
             </p:nvSpPr>
             <p:spPr>
               <a:xfrm>
-                <a:off x="2907190" y="3062784"/>
-                <a:ext cx="1702397" cy="358999"/>
+                <a:off x="1731610" y="530672"/>
+                <a:ext cx="203033" cy="222548"/>
               </a:xfrm>
               <a:prstGeom prst="rect">
                 <a:avLst/>
               </a:prstGeom>
+              <a:noFill/>
+              <a:ln>
+                <a:solidFill>
+                  <a:schemeClr val="bg1"/>
+                </a:solidFill>
+              </a:ln>
+              <a:effectLst/>
+            </p:spPr>
+            <p:style>
+              <a:lnRef idx="1">
+                <a:schemeClr val="accent1"/>
+              </a:lnRef>
+              <a:fillRef idx="3">
+                <a:schemeClr val="accent1"/>
+              </a:fillRef>
+              <a:effectRef idx="2">
+                <a:schemeClr val="accent1"/>
+              </a:effectRef>
+              <a:fontRef idx="minor">
+                <a:schemeClr val="lt1"/>
+              </a:fontRef>
+            </p:style>
+          </p:sp>
+          <p:grpSp>
+            <p:nvGrpSpPr>
+              <p:cNvPr id="88" name="Group 68"/>
+              <p:cNvGrpSpPr/>
+              <p:nvPr/>
+            </p:nvGrpSpPr>
+            <p:grpSpPr>
+              <a:xfrm>
+                <a:off x="312694" y="3058539"/>
+                <a:ext cx="1702397" cy="364039"/>
+                <a:chOff x="312694" y="3058539"/>
+                <a:chExt cx="1702397" cy="364039"/>
+              </a:xfrm>
+            </p:grpSpPr>
+            <p:sp>
+              <p:nvSpPr>
+                <p:cNvPr id="89" name="Rectangle 88"/>
+                <p:cNvSpPr/>
+                <p:nvPr/>
+              </p:nvSpPr>
+              <p:spPr>
+                <a:xfrm>
+                  <a:off x="312694" y="3062784"/>
+                  <a:ext cx="1702397" cy="358999"/>
+                </a:xfrm>
+                <a:prstGeom prst="rect">
+                  <a:avLst/>
+                </a:prstGeom>
+                <a:solidFill>
+                  <a:schemeClr val="bg1"/>
+                </a:solidFill>
+                <a:ln>
+                  <a:solidFill>
+                    <a:schemeClr val="tx1"/>
+                  </a:solidFill>
+                </a:ln>
+                <a:effectLst/>
+              </p:spPr>
+              <p:style>
+                <a:lnRef idx="1">
+                  <a:schemeClr val="accent1"/>
+                </a:lnRef>
+                <a:fillRef idx="3">
+                  <a:schemeClr val="accent1"/>
+                </a:fillRef>
+                <a:effectRef idx="2">
+                  <a:schemeClr val="accent1"/>
+                </a:effectRef>
+                <a:fontRef idx="minor">
+                  <a:schemeClr val="lt1"/>
+                </a:fontRef>
+              </p:style>
+            </p:sp>
+            <p:cxnSp>
+              <p:nvCxnSpPr>
+                <p:cNvPr id="90" name="Straight Connector 89"/>
+                <p:cNvCxnSpPr/>
+                <p:nvPr/>
+              </p:nvCxnSpPr>
+              <p:spPr>
+                <a:xfrm rot="5400000">
+                  <a:off x="1009009" y="3242284"/>
+                  <a:ext cx="358999" cy="1588"/>
+                </a:xfrm>
+                <a:prstGeom prst="line">
+                  <a:avLst/>
+                </a:prstGeom>
+                <a:ln w="9525">
+                  <a:solidFill>
+                    <a:schemeClr val="tx1"/>
+                  </a:solidFill>
+                </a:ln>
+                <a:effectLst/>
+              </p:spPr>
+              <p:style>
+                <a:lnRef idx="2">
+                  <a:schemeClr val="accent1"/>
+                </a:lnRef>
+                <a:fillRef idx="0">
+                  <a:schemeClr val="accent1"/>
+                </a:fillRef>
+                <a:effectRef idx="1">
+                  <a:schemeClr val="accent1"/>
+                </a:effectRef>
+                <a:fontRef idx="minor">
+                  <a:schemeClr val="tx1"/>
+                </a:fontRef>
+              </p:style>
+            </p:cxnSp>
+            <p:cxnSp>
+              <p:nvCxnSpPr>
+                <p:cNvPr id="91" name="Straight Connector 90"/>
+                <p:cNvCxnSpPr/>
+                <p:nvPr/>
+              </p:nvCxnSpPr>
+              <p:spPr>
+                <a:xfrm rot="5400000">
+                  <a:off x="1431989" y="3237245"/>
+                  <a:ext cx="358999" cy="1588"/>
+                </a:xfrm>
+                <a:prstGeom prst="line">
+                  <a:avLst/>
+                </a:prstGeom>
+                <a:ln w="9525">
+                  <a:solidFill>
+                    <a:schemeClr val="tx1"/>
+                  </a:solidFill>
+                </a:ln>
+                <a:effectLst/>
+              </p:spPr>
+              <p:style>
+                <a:lnRef idx="2">
+                  <a:schemeClr val="accent1"/>
+                </a:lnRef>
+                <a:fillRef idx="0">
+                  <a:schemeClr val="accent1"/>
+                </a:fillRef>
+                <a:effectRef idx="1">
+                  <a:schemeClr val="accent1"/>
+                </a:effectRef>
+                <a:fontRef idx="minor">
+                  <a:schemeClr val="tx1"/>
+                </a:fontRef>
+              </p:style>
+            </p:cxnSp>
+            <p:cxnSp>
+              <p:nvCxnSpPr>
+                <p:cNvPr id="92" name="Straight Connector 91"/>
+                <p:cNvCxnSpPr/>
+                <p:nvPr/>
+              </p:nvCxnSpPr>
+              <p:spPr>
+                <a:xfrm rot="5400000">
+                  <a:off x="551809" y="3242285"/>
+                  <a:ext cx="358999" cy="1588"/>
+                </a:xfrm>
+                <a:prstGeom prst="line">
+                  <a:avLst/>
+                </a:prstGeom>
+                <a:ln w="9525">
+                  <a:solidFill>
+                    <a:schemeClr val="tx1"/>
+                  </a:solidFill>
+                </a:ln>
+                <a:effectLst/>
+              </p:spPr>
+              <p:style>
+                <a:lnRef idx="2">
+                  <a:schemeClr val="accent1"/>
+                </a:lnRef>
+                <a:fillRef idx="0">
+                  <a:schemeClr val="accent1"/>
+                </a:fillRef>
+                <a:effectRef idx="1">
+                  <a:schemeClr val="accent1"/>
+                </a:effectRef>
+                <a:fontRef idx="minor">
+                  <a:schemeClr val="tx1"/>
+                </a:fontRef>
+              </p:style>
+            </p:cxnSp>
+          </p:grpSp>
+        </p:grpSp>
+        <p:pic>
+          <p:nvPicPr>
+            <p:cNvPr id="84" name="Picture 83"/>
+            <p:cNvPicPr>
+              <a:picLocks noChangeAspect="1"/>
+            </p:cNvPicPr>
+            <p:nvPr/>
+          </p:nvPicPr>
+          <p:blipFill>
+            <a:blip r:embed="rId2"/>
+            <a:stretch>
+              <a:fillRect/>
+            </a:stretch>
+          </p:blipFill>
+          <p:spPr>
+            <a:xfrm>
+              <a:off x="1676359" y="3112349"/>
+              <a:ext cx="279808" cy="279808"/>
+            </a:xfrm>
+            <a:prstGeom prst="rect">
+              <a:avLst/>
+            </a:prstGeom>
+          </p:spPr>
+        </p:pic>
+      </p:grpSp>
+      <p:sp>
+        <p:nvSpPr>
+          <p:cNvPr id="81" name="Rounded Rectangle 80"/>
+          <p:cNvSpPr/>
+          <p:nvPr/>
+        </p:nvSpPr>
+        <p:spPr>
+          <a:xfrm>
+            <a:off x="2667454" y="821050"/>
+            <a:ext cx="837746" cy="1412033"/>
+          </a:xfrm>
+          <a:prstGeom prst="roundRect">
+            <a:avLst>
+              <a:gd name="adj" fmla="val 11162"/>
+            </a:avLst>
+          </a:prstGeom>
+          <a:noFill/>
+          <a:ln>
+            <a:solidFill>
+              <a:schemeClr val="tx1"/>
+            </a:solidFill>
+          </a:ln>
+          <a:effectLst/>
+        </p:spPr>
+        <p:style>
+          <a:lnRef idx="1">
+            <a:schemeClr val="accent1"/>
+          </a:lnRef>
+          <a:fillRef idx="3">
+            <a:schemeClr val="accent1"/>
+          </a:fillRef>
+          <a:effectRef idx="2">
+            <a:schemeClr val="accent1"/>
+          </a:effectRef>
+          <a:fontRef idx="minor">
+            <a:schemeClr val="lt1"/>
+          </a:fontRef>
+        </p:style>
+      </p:sp>
+      <p:pic>
+        <p:nvPicPr>
+          <p:cNvPr id="74" name="Picture 73"/>
+          <p:cNvPicPr>
+            <a:picLocks noChangeAspect="1"/>
+          </p:cNvPicPr>
+          <p:nvPr/>
+        </p:nvPicPr>
+        <p:blipFill>
+          <a:blip r:embed="rId4"/>
+          <a:stretch>
+            <a:fillRect/>
+          </a:stretch>
+        </p:blipFill>
+        <p:spPr>
+          <a:xfrm>
+            <a:off x="2761256" y="3147273"/>
+            <a:ext cx="216246" cy="223094"/>
+          </a:xfrm>
+          <a:prstGeom prst="rect">
+            <a:avLst/>
+          </a:prstGeom>
+        </p:spPr>
+      </p:pic>
+      <p:grpSp>
+        <p:nvGrpSpPr>
+          <p:cNvPr id="77" name="Group 89"/>
+          <p:cNvGrpSpPr/>
+          <p:nvPr/>
+        </p:nvGrpSpPr>
+        <p:grpSpPr>
+          <a:xfrm>
+            <a:off x="4072553" y="522904"/>
+            <a:ext cx="203033" cy="222548"/>
+            <a:chOff x="1721115" y="520176"/>
+            <a:chExt cx="203033" cy="222548"/>
+          </a:xfrm>
+        </p:grpSpPr>
+        <p:sp>
+          <p:nvSpPr>
+            <p:cNvPr id="79" name="Rectangle 78"/>
+            <p:cNvSpPr/>
+            <p:nvPr/>
+          </p:nvSpPr>
+          <p:spPr>
+            <a:xfrm>
+              <a:off x="1721115" y="520176"/>
+              <a:ext cx="203033" cy="222548"/>
+            </a:xfrm>
+            <a:prstGeom prst="rect">
+              <a:avLst/>
+            </a:prstGeom>
+            <a:noFill/>
+            <a:ln>
               <a:solidFill>
-                <a:schemeClr val="bg1"/>
+                <a:schemeClr val="tx1"/>
               </a:solidFill>
+            </a:ln>
+            <a:effectLst/>
+          </p:spPr>
+          <p:style>
+            <a:lnRef idx="1">
+              <a:schemeClr val="accent1"/>
+            </a:lnRef>
+            <a:fillRef idx="3">
+              <a:schemeClr val="accent1"/>
+            </a:fillRef>
+            <a:effectRef idx="2">
+              <a:schemeClr val="accent1"/>
+            </a:effectRef>
+            <a:fontRef idx="minor">
+              <a:schemeClr val="lt1"/>
+            </a:fontRef>
+          </p:style>
+          <p:txBody>
+            <a:bodyPr/>
+            <a:lstStyle/>
+            <a:p>
+              <a:pPr algn="ctr"/>
+              <a:endParaRPr lang="en-US" sz="900" dirty="0">
+                <a:solidFill>
+                  <a:srgbClr val="000000"/>
+                </a:solidFill>
+              </a:endParaRPr>
+            </a:p>
+          </p:txBody>
+        </p:sp>
+        <p:sp>
+          <p:nvSpPr>
+            <p:cNvPr id="80" name="Cross 79"/>
+            <p:cNvSpPr/>
+            <p:nvPr/>
+          </p:nvSpPr>
+          <p:spPr>
+            <a:xfrm>
+              <a:off x="1728876" y="541170"/>
+              <a:ext cx="180584" cy="180562"/>
+            </a:xfrm>
+            <a:prstGeom prst="plus">
+              <a:avLst>
+                <a:gd name="adj" fmla="val 40304"/>
+              </a:avLst>
+            </a:prstGeom>
+            <a:solidFill>
+              <a:schemeClr val="bg1">
+                <a:lumMod val="75000"/>
+              </a:schemeClr>
+            </a:solidFill>
+            <a:ln>
+              <a:noFill/>
+            </a:ln>
+            <a:effectLst/>
+          </p:spPr>
+          <p:style>
+            <a:lnRef idx="1">
+              <a:schemeClr val="accent1"/>
+            </a:lnRef>
+            <a:fillRef idx="3">
+              <a:schemeClr val="accent1"/>
+            </a:fillRef>
+            <a:effectRef idx="2">
+              <a:schemeClr val="accent1"/>
+            </a:effectRef>
+            <a:fontRef idx="minor">
+              <a:schemeClr val="lt1"/>
+            </a:fontRef>
+          </p:style>
+        </p:sp>
+      </p:grpSp>
+      <p:grpSp>
+        <p:nvGrpSpPr>
+          <p:cNvPr id="97" name="Group 96"/>
+          <p:cNvGrpSpPr/>
+          <p:nvPr/>
+        </p:nvGrpSpPr>
+        <p:grpSpPr>
+          <a:xfrm>
+            <a:off x="2752804" y="522904"/>
+            <a:ext cx="203033" cy="222548"/>
+            <a:chOff x="2752804" y="522904"/>
+            <a:chExt cx="203033" cy="222548"/>
+          </a:xfrm>
+        </p:grpSpPr>
+        <p:sp>
+          <p:nvSpPr>
+            <p:cNvPr id="93" name="Rectangle 92"/>
+            <p:cNvSpPr/>
+            <p:nvPr/>
+          </p:nvSpPr>
+          <p:spPr>
+            <a:xfrm>
+              <a:off x="2752804" y="522904"/>
+              <a:ext cx="203033" cy="222548"/>
+            </a:xfrm>
+            <a:prstGeom prst="rect">
+              <a:avLst/>
+            </a:prstGeom>
+            <a:noFill/>
+            <a:ln>
+              <a:solidFill>
+                <a:schemeClr val="tx1"/>
+              </a:solidFill>
+            </a:ln>
+            <a:effectLst/>
+          </p:spPr>
+          <p:style>
+            <a:lnRef idx="1">
+              <a:schemeClr val="accent1"/>
+            </a:lnRef>
+            <a:fillRef idx="3">
+              <a:schemeClr val="accent1"/>
+            </a:fillRef>
+            <a:effectRef idx="2">
+              <a:schemeClr val="accent1"/>
+            </a:effectRef>
+            <a:fontRef idx="minor">
+              <a:schemeClr val="lt1"/>
+            </a:fontRef>
+          </p:style>
+        </p:sp>
+        <p:sp>
+          <p:nvSpPr>
+            <p:cNvPr id="96" name="Pentagon 95"/>
+            <p:cNvSpPr/>
+            <p:nvPr/>
+          </p:nvSpPr>
+          <p:spPr>
+            <a:xfrm flipH="1" flipV="1">
+              <a:off x="2759367" y="570367"/>
+              <a:ext cx="165106" cy="122344"/>
+            </a:xfrm>
+            <a:prstGeom prst="homePlate">
+              <a:avLst/>
+            </a:prstGeom>
+            <a:solidFill>
+              <a:schemeClr val="bg1">
+                <a:lumMod val="85000"/>
+              </a:schemeClr>
+            </a:solidFill>
+            <a:ln>
+              <a:noFill/>
+            </a:ln>
+            <a:effectLst/>
+          </p:spPr>
+          <p:style>
+            <a:lnRef idx="1">
+              <a:schemeClr val="accent1"/>
+            </a:lnRef>
+            <a:fillRef idx="3">
+              <a:schemeClr val="accent1"/>
+            </a:fillRef>
+            <a:effectRef idx="2">
+              <a:schemeClr val="accent1"/>
+            </a:effectRef>
+            <a:fontRef idx="minor">
+              <a:schemeClr val="lt1"/>
+            </a:fontRef>
+          </p:style>
+        </p:sp>
+      </p:grpSp>
+      <p:sp>
+        <p:nvSpPr>
+          <p:cNvPr id="98" name="Rounded Rectangle 97"/>
+          <p:cNvSpPr/>
+          <p:nvPr/>
+        </p:nvSpPr>
+        <p:spPr>
+          <a:xfrm>
+            <a:off x="2665948" y="2265545"/>
+            <a:ext cx="837746" cy="803490"/>
+          </a:xfrm>
+          <a:prstGeom prst="roundRect">
+            <a:avLst>
+              <a:gd name="adj" fmla="val 11162"/>
+            </a:avLst>
+          </a:prstGeom>
+          <a:noFill/>
+          <a:ln>
+            <a:solidFill>
+              <a:schemeClr val="tx1"/>
+            </a:solidFill>
+          </a:ln>
+          <a:effectLst/>
+        </p:spPr>
+        <p:style>
+          <a:lnRef idx="1">
+            <a:schemeClr val="accent1"/>
+          </a:lnRef>
+          <a:fillRef idx="3">
+            <a:schemeClr val="accent1"/>
+          </a:fillRef>
+          <a:effectRef idx="2">
+            <a:schemeClr val="accent1"/>
+          </a:effectRef>
+          <a:fontRef idx="minor">
+            <a:schemeClr val="lt1"/>
+          </a:fontRef>
+        </p:style>
+      </p:sp>
+      <p:sp>
+        <p:nvSpPr>
+          <p:cNvPr id="99" name="Rounded Rectangle 98"/>
+          <p:cNvSpPr/>
+          <p:nvPr/>
+        </p:nvSpPr>
+        <p:spPr>
+          <a:xfrm>
+            <a:off x="3526366" y="819166"/>
+            <a:ext cx="837746" cy="1075252"/>
+          </a:xfrm>
+          <a:prstGeom prst="roundRect">
+            <a:avLst>
+              <a:gd name="adj" fmla="val 11162"/>
+            </a:avLst>
+          </a:prstGeom>
+          <a:noFill/>
+          <a:ln>
+            <a:solidFill>
+              <a:schemeClr val="tx1"/>
+            </a:solidFill>
+          </a:ln>
+          <a:effectLst/>
+        </p:spPr>
+        <p:style>
+          <a:lnRef idx="1">
+            <a:schemeClr val="accent1"/>
+          </a:lnRef>
+          <a:fillRef idx="3">
+            <a:schemeClr val="accent1"/>
+          </a:fillRef>
+          <a:effectRef idx="2">
+            <a:schemeClr val="accent1"/>
+          </a:effectRef>
+          <a:fontRef idx="minor">
+            <a:schemeClr val="lt1"/>
+          </a:fontRef>
+        </p:style>
+      </p:sp>
+      <p:sp>
+        <p:nvSpPr>
+          <p:cNvPr id="100" name="Rounded Rectangle 99"/>
+          <p:cNvSpPr/>
+          <p:nvPr/>
+        </p:nvSpPr>
+        <p:spPr>
+          <a:xfrm>
+            <a:off x="3526366" y="1928285"/>
+            <a:ext cx="837746" cy="1075252"/>
+          </a:xfrm>
+          <a:prstGeom prst="roundRect">
+            <a:avLst>
+              <a:gd name="adj" fmla="val 11162"/>
+            </a:avLst>
+          </a:prstGeom>
+          <a:noFill/>
+          <a:ln>
+            <a:solidFill>
+              <a:schemeClr val="tx1"/>
+            </a:solidFill>
+          </a:ln>
+          <a:effectLst/>
+        </p:spPr>
+        <p:style>
+          <a:lnRef idx="1">
+            <a:schemeClr val="accent1"/>
+          </a:lnRef>
+          <a:fillRef idx="3">
+            <a:schemeClr val="accent1"/>
+          </a:fillRef>
+          <a:effectRef idx="2">
+            <a:schemeClr val="accent1"/>
+          </a:effectRef>
+          <a:fontRef idx="minor">
+            <a:schemeClr val="lt1"/>
+          </a:fontRef>
+        </p:style>
+      </p:sp>
+      <p:grpSp>
+        <p:nvGrpSpPr>
+          <p:cNvPr id="111" name="Group 110"/>
+          <p:cNvGrpSpPr/>
+          <p:nvPr/>
+        </p:nvGrpSpPr>
+        <p:grpSpPr>
+          <a:xfrm>
+            <a:off x="315562" y="3655069"/>
+            <a:ext cx="1717125" cy="2978406"/>
+            <a:chOff x="315562" y="3655069"/>
+            <a:chExt cx="1717125" cy="2978406"/>
+          </a:xfrm>
+        </p:grpSpPr>
+        <p:grpSp>
+          <p:nvGrpSpPr>
+            <p:cNvPr id="12" name="Group 11"/>
+            <p:cNvGrpSpPr/>
+            <p:nvPr/>
+          </p:nvGrpSpPr>
+          <p:grpSpPr>
+            <a:xfrm>
+              <a:off x="315562" y="3657600"/>
+              <a:ext cx="1702398" cy="2975874"/>
+              <a:chOff x="315562" y="3657600"/>
+              <a:chExt cx="1702398" cy="2975874"/>
+            </a:xfrm>
+          </p:grpSpPr>
+          <p:grpSp>
+            <p:nvGrpSpPr>
+              <p:cNvPr id="13" name="Group 62"/>
+              <p:cNvGrpSpPr/>
+              <p:nvPr/>
+            </p:nvGrpSpPr>
+            <p:grpSpPr>
+              <a:xfrm>
+                <a:off x="315562" y="3657600"/>
+                <a:ext cx="1702398" cy="2975874"/>
+                <a:chOff x="312693" y="446704"/>
+                <a:chExt cx="1702398" cy="2975874"/>
+              </a:xfrm>
+            </p:grpSpPr>
+            <p:grpSp>
+              <p:nvGrpSpPr>
+                <p:cNvPr id="29" name="Group 63"/>
+                <p:cNvGrpSpPr/>
+                <p:nvPr/>
+              </p:nvGrpSpPr>
+              <p:grpSpPr>
+                <a:xfrm>
+                  <a:off x="312693" y="446704"/>
+                  <a:ext cx="1702398" cy="2975874"/>
+                  <a:chOff x="312693" y="446704"/>
+                  <a:chExt cx="1702398" cy="2975874"/>
+                </a:xfrm>
+              </p:grpSpPr>
+              <p:sp>
+                <p:nvSpPr>
+                  <p:cNvPr id="31" name="Rectangle 30"/>
+                  <p:cNvSpPr/>
+                  <p:nvPr/>
+                </p:nvSpPr>
+                <p:spPr>
+                  <a:xfrm>
+                    <a:off x="312693" y="449213"/>
+                    <a:ext cx="1702398" cy="2972570"/>
+                  </a:xfrm>
+                  <a:prstGeom prst="rect">
+                    <a:avLst/>
+                  </a:prstGeom>
+                  <a:noFill/>
+                  <a:ln>
+                    <a:solidFill>
+                      <a:schemeClr val="tx1"/>
+                    </a:solidFill>
+                  </a:ln>
+                  <a:effectLst/>
+                </p:spPr>
+                <p:style>
+                  <a:lnRef idx="1">
+                    <a:schemeClr val="accent1"/>
+                  </a:lnRef>
+                  <a:fillRef idx="3">
+                    <a:schemeClr val="accent1"/>
+                  </a:fillRef>
+                  <a:effectRef idx="2">
+                    <a:schemeClr val="accent1"/>
+                  </a:effectRef>
+                  <a:fontRef idx="minor">
+                    <a:schemeClr val="lt1"/>
+                  </a:fontRef>
+                </p:style>
+              </p:sp>
+              <p:sp>
+                <p:nvSpPr>
+                  <p:cNvPr id="32" name="Rectangle 31"/>
+                  <p:cNvSpPr/>
+                  <p:nvPr/>
+                </p:nvSpPr>
+                <p:spPr>
+                  <a:xfrm>
+                    <a:off x="312694" y="446704"/>
+                    <a:ext cx="1702397" cy="358999"/>
+                  </a:xfrm>
+                  <a:prstGeom prst="rect">
+                    <a:avLst/>
+                  </a:prstGeom>
+                  <a:solidFill>
+                    <a:schemeClr val="bg1"/>
+                  </a:solidFill>
+                  <a:ln>
+                    <a:solidFill>
+                      <a:schemeClr val="tx1"/>
+                    </a:solidFill>
+                  </a:ln>
+                  <a:effectLst/>
+                </p:spPr>
+                <p:style>
+                  <a:lnRef idx="1">
+                    <a:schemeClr val="accent1"/>
+                  </a:lnRef>
+                  <a:fillRef idx="3">
+                    <a:schemeClr val="accent1"/>
+                  </a:fillRef>
+                  <a:effectRef idx="2">
+                    <a:schemeClr val="accent1"/>
+                  </a:effectRef>
+                  <a:fontRef idx="minor">
+                    <a:schemeClr val="lt1"/>
+                  </a:fontRef>
+                </p:style>
+              </p:sp>
+              <p:sp>
+                <p:nvSpPr>
+                  <p:cNvPr id="33" name="Rectangle 32"/>
+                  <p:cNvSpPr/>
+                  <p:nvPr/>
+                </p:nvSpPr>
+                <p:spPr>
+                  <a:xfrm>
+                    <a:off x="1731610" y="530672"/>
+                    <a:ext cx="203033" cy="222548"/>
+                  </a:xfrm>
+                  <a:prstGeom prst="rect">
+                    <a:avLst/>
+                  </a:prstGeom>
+                  <a:noFill/>
+                  <a:ln>
+                    <a:solidFill>
+                      <a:schemeClr val="bg1"/>
+                    </a:solidFill>
+                  </a:ln>
+                  <a:effectLst/>
+                </p:spPr>
+                <p:style>
+                  <a:lnRef idx="1">
+                    <a:schemeClr val="accent1"/>
+                  </a:lnRef>
+                  <a:fillRef idx="3">
+                    <a:schemeClr val="accent1"/>
+                  </a:fillRef>
+                  <a:effectRef idx="2">
+                    <a:schemeClr val="accent1"/>
+                  </a:effectRef>
+                  <a:fontRef idx="minor">
+                    <a:schemeClr val="lt1"/>
+                  </a:fontRef>
+                </p:style>
+              </p:sp>
+              <p:grpSp>
+                <p:nvGrpSpPr>
+                  <p:cNvPr id="34" name="Group 68"/>
+                  <p:cNvGrpSpPr/>
+                  <p:nvPr/>
+                </p:nvGrpSpPr>
+                <p:grpSpPr>
+                  <a:xfrm>
+                    <a:off x="312694" y="3058539"/>
+                    <a:ext cx="1702397" cy="364039"/>
+                    <a:chOff x="312694" y="3058539"/>
+                    <a:chExt cx="1702397" cy="364039"/>
+                  </a:xfrm>
+                </p:grpSpPr>
+                <p:sp>
+                  <p:nvSpPr>
+                    <p:cNvPr id="35" name="Rectangle 34"/>
+                    <p:cNvSpPr/>
+                    <p:nvPr/>
+                  </p:nvSpPr>
+                  <p:spPr>
+                    <a:xfrm>
+                      <a:off x="312694" y="3062784"/>
+                      <a:ext cx="1702397" cy="358999"/>
+                    </a:xfrm>
+                    <a:prstGeom prst="rect">
+                      <a:avLst/>
+                    </a:prstGeom>
+                    <a:solidFill>
+                      <a:schemeClr val="bg1"/>
+                    </a:solidFill>
+                    <a:ln>
+                      <a:solidFill>
+                        <a:schemeClr val="tx1"/>
+                      </a:solidFill>
+                    </a:ln>
+                    <a:effectLst/>
+                  </p:spPr>
+                  <p:style>
+                    <a:lnRef idx="1">
+                      <a:schemeClr val="accent1"/>
+                    </a:lnRef>
+                    <a:fillRef idx="3">
+                      <a:schemeClr val="accent1"/>
+                    </a:fillRef>
+                    <a:effectRef idx="2">
+                      <a:schemeClr val="accent1"/>
+                    </a:effectRef>
+                    <a:fontRef idx="minor">
+                      <a:schemeClr val="lt1"/>
+                    </a:fontRef>
+                  </p:style>
+                </p:sp>
+                <p:cxnSp>
+                  <p:nvCxnSpPr>
+                    <p:cNvPr id="36" name="Straight Connector 35"/>
+                    <p:cNvCxnSpPr/>
+                    <p:nvPr/>
+                  </p:nvCxnSpPr>
+                  <p:spPr>
+                    <a:xfrm rot="5400000">
+                      <a:off x="1009009" y="3242284"/>
+                      <a:ext cx="358999" cy="1588"/>
+                    </a:xfrm>
+                    <a:prstGeom prst="line">
+                      <a:avLst/>
+                    </a:prstGeom>
+                    <a:ln w="9525">
+                      <a:solidFill>
+                        <a:schemeClr val="tx1"/>
+                      </a:solidFill>
+                    </a:ln>
+                    <a:effectLst/>
+                  </p:spPr>
+                  <p:style>
+                    <a:lnRef idx="2">
+                      <a:schemeClr val="accent1"/>
+                    </a:lnRef>
+                    <a:fillRef idx="0">
+                      <a:schemeClr val="accent1"/>
+                    </a:fillRef>
+                    <a:effectRef idx="1">
+                      <a:schemeClr val="accent1"/>
+                    </a:effectRef>
+                    <a:fontRef idx="minor">
+                      <a:schemeClr val="tx1"/>
+                    </a:fontRef>
+                  </p:style>
+                </p:cxnSp>
+                <p:cxnSp>
+                  <p:nvCxnSpPr>
+                    <p:cNvPr id="37" name="Straight Connector 36"/>
+                    <p:cNvCxnSpPr/>
+                    <p:nvPr/>
+                  </p:nvCxnSpPr>
+                  <p:spPr>
+                    <a:xfrm rot="5400000">
+                      <a:off x="1431989" y="3237245"/>
+                      <a:ext cx="358999" cy="1588"/>
+                    </a:xfrm>
+                    <a:prstGeom prst="line">
+                      <a:avLst/>
+                    </a:prstGeom>
+                    <a:ln w="9525">
+                      <a:solidFill>
+                        <a:schemeClr val="tx1"/>
+                      </a:solidFill>
+                    </a:ln>
+                    <a:effectLst/>
+                  </p:spPr>
+                  <p:style>
+                    <a:lnRef idx="2">
+                      <a:schemeClr val="accent1"/>
+                    </a:lnRef>
+                    <a:fillRef idx="0">
+                      <a:schemeClr val="accent1"/>
+                    </a:fillRef>
+                    <a:effectRef idx="1">
+                      <a:schemeClr val="accent1"/>
+                    </a:effectRef>
+                    <a:fontRef idx="minor">
+                      <a:schemeClr val="tx1"/>
+                    </a:fontRef>
+                  </p:style>
+                </p:cxnSp>
+                <p:cxnSp>
+                  <p:nvCxnSpPr>
+                    <p:cNvPr id="38" name="Straight Connector 37"/>
+                    <p:cNvCxnSpPr/>
+                    <p:nvPr/>
+                  </p:nvCxnSpPr>
+                  <p:spPr>
+                    <a:xfrm rot="5400000">
+                      <a:off x="551809" y="3242285"/>
+                      <a:ext cx="358999" cy="1588"/>
+                    </a:xfrm>
+                    <a:prstGeom prst="line">
+                      <a:avLst/>
+                    </a:prstGeom>
+                    <a:ln w="9525">
+                      <a:solidFill>
+                        <a:schemeClr val="tx1"/>
+                      </a:solidFill>
+                    </a:ln>
+                    <a:effectLst/>
+                  </p:spPr>
+                  <p:style>
+                    <a:lnRef idx="2">
+                      <a:schemeClr val="accent1"/>
+                    </a:lnRef>
+                    <a:fillRef idx="0">
+                      <a:schemeClr val="accent1"/>
+                    </a:fillRef>
+                    <a:effectRef idx="1">
+                      <a:schemeClr val="accent1"/>
+                    </a:effectRef>
+                    <a:fontRef idx="minor">
+                      <a:schemeClr val="tx1"/>
+                    </a:fontRef>
+                  </p:style>
+                </p:cxnSp>
+              </p:grpSp>
+            </p:grpSp>
+            <p:pic>
+              <p:nvPicPr>
+                <p:cNvPr id="30" name="Picture 29"/>
+                <p:cNvPicPr>
+                  <a:picLocks noChangeAspect="1"/>
+                </p:cNvPicPr>
+                <p:nvPr/>
+              </p:nvPicPr>
+              <p:blipFill>
+                <a:blip r:embed="rId2"/>
+                <a:stretch>
+                  <a:fillRect/>
+                </a:stretch>
+              </p:blipFill>
+              <p:spPr>
+                <a:xfrm>
+                  <a:off x="1676359" y="3112349"/>
+                  <a:ext cx="279808" cy="279808"/>
+                </a:xfrm>
+                <a:prstGeom prst="rect">
+                  <a:avLst/>
+                </a:prstGeom>
+              </p:spPr>
+            </p:pic>
+          </p:grpSp>
+          <p:grpSp>
+            <p:nvGrpSpPr>
+              <p:cNvPr id="14" name="Group 80"/>
+              <p:cNvGrpSpPr/>
+              <p:nvPr/>
+            </p:nvGrpSpPr>
+            <p:grpSpPr>
+              <a:xfrm>
+                <a:off x="530703" y="4304775"/>
+                <a:ext cx="1277970" cy="1660084"/>
+                <a:chOff x="3124200" y="4304775"/>
+                <a:chExt cx="1277970" cy="1660084"/>
+              </a:xfrm>
+            </p:grpSpPr>
+            <p:sp>
+              <p:nvSpPr>
+                <p:cNvPr id="27" name="Rounded Rectangle 26"/>
+                <p:cNvSpPr/>
+                <p:nvPr/>
+              </p:nvSpPr>
+              <p:spPr>
+                <a:xfrm>
+                  <a:off x="3124200" y="4304775"/>
+                  <a:ext cx="1277970" cy="1660084"/>
+                </a:xfrm>
+                <a:prstGeom prst="roundRect">
+                  <a:avLst>
+                    <a:gd name="adj" fmla="val 8682"/>
+                  </a:avLst>
+                </a:prstGeom>
+                <a:noFill/>
+                <a:ln>
+                  <a:solidFill>
+                    <a:schemeClr val="tx1"/>
+                  </a:solidFill>
+                </a:ln>
+                <a:effectLst/>
+              </p:spPr>
+              <p:style>
+                <a:lnRef idx="1">
+                  <a:schemeClr val="accent1"/>
+                </a:lnRef>
+                <a:fillRef idx="3">
+                  <a:schemeClr val="accent1"/>
+                </a:fillRef>
+                <a:effectRef idx="2">
+                  <a:schemeClr val="accent1"/>
+                </a:effectRef>
+                <a:fontRef idx="minor">
+                  <a:schemeClr val="lt1"/>
+                </a:fontRef>
+              </p:style>
+            </p:sp>
+            <p:sp>
+              <p:nvSpPr>
+                <p:cNvPr id="28" name="Rectangle 27"/>
+                <p:cNvSpPr/>
+                <p:nvPr/>
+              </p:nvSpPr>
+              <p:spPr>
+                <a:xfrm>
+                  <a:off x="3225323" y="4416804"/>
+                  <a:ext cx="421977" cy="421977"/>
+                </a:xfrm>
+                <a:prstGeom prst="rect">
+                  <a:avLst/>
+                </a:prstGeom>
+                <a:noFill/>
+                <a:ln>
+                  <a:solidFill>
+                    <a:schemeClr val="tx1"/>
+                  </a:solidFill>
+                </a:ln>
+                <a:effectLst/>
+              </p:spPr>
+              <p:style>
+                <a:lnRef idx="1">
+                  <a:schemeClr val="accent1"/>
+                </a:lnRef>
+                <a:fillRef idx="3">
+                  <a:schemeClr val="accent1"/>
+                </a:fillRef>
+                <a:effectRef idx="2">
+                  <a:schemeClr val="accent1"/>
+                </a:effectRef>
+                <a:fontRef idx="minor">
+                  <a:schemeClr val="lt1"/>
+                </a:fontRef>
+              </p:style>
+            </p:sp>
+          </p:grpSp>
+          <p:sp>
+            <p:nvSpPr>
+              <p:cNvPr id="15" name="Rounded Rectangle 14"/>
+              <p:cNvSpPr/>
+              <p:nvPr/>
+            </p:nvSpPr>
+            <p:spPr>
+              <a:xfrm>
+                <a:off x="593816" y="5635958"/>
+                <a:ext cx="547919" cy="252448"/>
+              </a:xfrm>
+              <a:prstGeom prst="roundRect">
+                <a:avLst/>
+              </a:prstGeom>
+              <a:noFill/>
               <a:ln>
                 <a:solidFill>
                   <a:schemeClr val="tx1"/>
@@ -4765,22 +10646,49 @@
                 <a:schemeClr val="lt1"/>
               </a:fontRef>
             </p:style>
+            <p:txBody>
+              <a:bodyPr lIns="0" tIns="0" rIns="0" bIns="0" anchor="ctr" anchorCtr="0">
+                <a:normAutofit/>
+              </a:bodyPr>
+              <a:lstStyle/>
+              <a:p>
+                <a:pPr algn="ctr"/>
+                <a:r>
+                  <a:rPr lang="en-US" sz="800" b="1" dirty="0" smtClean="0">
+                    <a:solidFill>
+                      <a:srgbClr val="000000"/>
+                    </a:solidFill>
+                    <a:latin typeface="Helvetica"/>
+                    <a:cs typeface="Helvetica"/>
+                  </a:rPr>
+                  <a:t>Gallery</a:t>
+                </a:r>
+                <a:endParaRPr lang="en-US" sz="800" b="1" dirty="0">
+                  <a:solidFill>
+                    <a:srgbClr val="000000"/>
+                  </a:solidFill>
+                  <a:latin typeface="Helvetica"/>
+                  <a:cs typeface="Helvetica"/>
+                </a:endParaRPr>
+              </a:p>
+            </p:txBody>
           </p:sp>
-          <p:cxnSp>
-            <p:nvCxnSpPr>
-              <p:cNvPr id="33" name="Straight Connector 32"/>
-              <p:cNvCxnSpPr/>
+          <p:sp>
+            <p:nvSpPr>
+              <p:cNvPr id="16" name="Rounded Rectangle 15"/>
+              <p:cNvSpPr/>
               <p:nvPr/>
-            </p:nvCxnSpPr>
+            </p:nvSpPr>
             <p:spPr>
-              <a:xfrm rot="5400000">
-                <a:off x="3603505" y="3242284"/>
-                <a:ext cx="358999" cy="1588"/>
+              <a:xfrm>
+                <a:off x="1206008" y="5635958"/>
+                <a:ext cx="547919" cy="252448"/>
               </a:xfrm>
-              <a:prstGeom prst="line">
+              <a:prstGeom prst="roundRect">
                 <a:avLst/>
               </a:prstGeom>
-              <a:ln w="9525">
+              <a:noFill/>
+              <a:ln>
                 <a:solidFill>
                   <a:schemeClr val="tx1"/>
                 </a:solidFill>
@@ -4788,110 +10696,136 @@
               <a:effectLst/>
             </p:spPr>
             <p:style>
-              <a:lnRef idx="2">
+              <a:lnRef idx="1">
                 <a:schemeClr val="accent1"/>
               </a:lnRef>
-              <a:fillRef idx="0">
+              <a:fillRef idx="3">
                 <a:schemeClr val="accent1"/>
               </a:fillRef>
-              <a:effectRef idx="1">
+              <a:effectRef idx="2">
                 <a:schemeClr val="accent1"/>
               </a:effectRef>
               <a:fontRef idx="minor">
-                <a:schemeClr val="tx1"/>
+                <a:schemeClr val="lt1"/>
               </a:fontRef>
             </p:style>
-          </p:cxnSp>
-          <p:cxnSp>
-            <p:nvCxnSpPr>
-              <p:cNvPr id="34" name="Straight Connector 33"/>
-              <p:cNvCxnSpPr/>
+            <p:txBody>
+              <a:bodyPr lIns="0" tIns="0" rIns="0" bIns="0" anchor="ctr" anchorCtr="0">
+                <a:normAutofit/>
+              </a:bodyPr>
+              <a:lstStyle/>
+              <a:p>
+                <a:pPr algn="ctr"/>
+                <a:r>
+                  <a:rPr lang="en-US" sz="900" b="1" dirty="0" smtClean="0">
+                    <a:solidFill>
+                      <a:srgbClr val="000000"/>
+                    </a:solidFill>
+                    <a:latin typeface="Helvetica"/>
+                    <a:cs typeface="Helvetica"/>
+                  </a:rPr>
+                  <a:t>Add</a:t>
+                </a:r>
+                <a:endParaRPr lang="en-US" sz="900" b="1" dirty="0">
+                  <a:solidFill>
+                    <a:srgbClr val="000000"/>
+                  </a:solidFill>
+                  <a:latin typeface="Helvetica"/>
+                  <a:cs typeface="Helvetica"/>
+                </a:endParaRPr>
+              </a:p>
+            </p:txBody>
+          </p:sp>
+          <p:sp>
+            <p:nvSpPr>
+              <p:cNvPr id="17" name="TextBox 16"/>
+              <p:cNvSpPr txBox="1"/>
               <p:nvPr/>
-            </p:nvCxnSpPr>
+            </p:nvSpPr>
             <p:spPr>
-              <a:xfrm rot="5400000">
-                <a:off x="4026485" y="3237245"/>
-                <a:ext cx="358999" cy="1588"/>
+              <a:xfrm>
+                <a:off x="1130855" y="4409181"/>
+                <a:ext cx="306324" cy="153888"/>
               </a:xfrm>
-              <a:prstGeom prst="line">
+              <a:prstGeom prst="rect">
                 <a:avLst/>
               </a:prstGeom>
-              <a:ln w="9525">
-                <a:solidFill>
-                  <a:schemeClr val="tx1"/>
-                </a:solidFill>
-              </a:ln>
-              <a:effectLst/>
+              <a:noFill/>
             </p:spPr>
-            <p:style>
-              <a:lnRef idx="2">
-                <a:schemeClr val="accent1"/>
-              </a:lnRef>
-              <a:fillRef idx="0">
-                <a:schemeClr val="accent1"/>
-              </a:fillRef>
-              <a:effectRef idx="1">
-                <a:schemeClr val="accent1"/>
-              </a:effectRef>
-              <a:fontRef idx="minor">
-                <a:schemeClr val="tx1"/>
-              </a:fontRef>
-            </p:style>
-          </p:cxnSp>
-          <p:cxnSp>
-            <p:nvCxnSpPr>
-              <p:cNvPr id="35" name="Straight Connector 34"/>
-              <p:cNvCxnSpPr/>
+            <p:txBody>
+              <a:bodyPr wrap="none" lIns="0" tIns="0" rIns="0" bIns="0" rtlCol="0" anchor="ctr" anchorCtr="0">
+                <a:normAutofit/>
+              </a:bodyPr>
+              <a:lstStyle/>
+              <a:p>
+                <a:r>
+                  <a:rPr lang="en-US" sz="1000" b="1" dirty="0" smtClean="0">
+                    <a:latin typeface="Helvetica"/>
+                    <a:cs typeface="Helvetica"/>
+                  </a:rPr>
+                  <a:t>John</a:t>
+                </a:r>
+                <a:endParaRPr lang="en-US" sz="1000" b="1" dirty="0">
+                  <a:latin typeface="Helvetica"/>
+                  <a:cs typeface="Helvetica"/>
+                </a:endParaRPr>
+              </a:p>
+            </p:txBody>
+          </p:sp>
+          <p:sp>
+            <p:nvSpPr>
+              <p:cNvPr id="18" name="TextBox 17"/>
+              <p:cNvSpPr txBox="1"/>
               <p:nvPr/>
-            </p:nvCxnSpPr>
+            </p:nvSpPr>
             <p:spPr>
-              <a:xfrm rot="5400000">
-                <a:off x="3146305" y="3242285"/>
-                <a:ext cx="358999" cy="1588"/>
+              <a:xfrm>
+                <a:off x="1130588" y="4553881"/>
+                <a:ext cx="513462" cy="123111"/>
               </a:xfrm>
-              <a:prstGeom prst="line">
+              <a:prstGeom prst="rect">
                 <a:avLst/>
               </a:prstGeom>
-              <a:ln w="9525">
-                <a:solidFill>
-                  <a:schemeClr val="tx1"/>
-                </a:solidFill>
-              </a:ln>
-              <a:effectLst/>
+              <a:noFill/>
             </p:spPr>
-            <p:style>
-              <a:lnRef idx="2">
-                <a:schemeClr val="accent1"/>
-              </a:lnRef>
-              <a:fillRef idx="0">
-                <a:schemeClr val="accent1"/>
-              </a:fillRef>
-              <a:effectRef idx="1">
-                <a:schemeClr val="accent1"/>
-              </a:effectRef>
-              <a:fontRef idx="minor">
-                <a:schemeClr val="tx1"/>
-              </a:fontRef>
-            </p:style>
-          </p:cxnSp>
+            <p:txBody>
+              <a:bodyPr wrap="none" lIns="0" tIns="0" rIns="0" bIns="0" rtlCol="0" anchor="ctr" anchorCtr="0">
+                <a:normAutofit/>
+              </a:bodyPr>
+              <a:lstStyle/>
+              <a:p>
+                <a:r>
+                  <a:rPr lang="en-US" sz="800" dirty="0" smtClean="0">
+                    <a:latin typeface="Helvetica"/>
+                    <a:cs typeface="Helvetica"/>
+                  </a:rPr>
+                  <a:t>2014.10.05</a:t>
+                </a:r>
+                <a:endParaRPr lang="en-US" sz="800" dirty="0">
+                  <a:latin typeface="Helvetica"/>
+                  <a:cs typeface="Helvetica"/>
+                </a:endParaRPr>
+              </a:p>
+            </p:txBody>
+          </p:sp>
           <p:pic>
             <p:nvPicPr>
-              <p:cNvPr id="45" name="Picture 44"/>
+              <p:cNvPr id="19" name="Picture 18"/>
               <p:cNvPicPr>
                 <a:picLocks noChangeAspect="1"/>
               </p:cNvPicPr>
               <p:nvPr/>
             </p:nvPicPr>
             <p:blipFill>
-              <a:blip r:embed="rId2"/>
+              <a:blip r:embed="rId3"/>
               <a:stretch>
                 <a:fillRect/>
               </a:stretch>
             </p:blipFill>
             <p:spPr>
               <a:xfrm>
-                <a:off x="4278789" y="3112349"/>
-                <a:ext cx="279808" cy="279808"/>
+                <a:off x="651027" y="4455781"/>
+                <a:ext cx="393496" cy="393496"/>
               </a:xfrm>
               <a:prstGeom prst="rect">
                 <a:avLst/>
@@ -4900,7 +10834,7 @@
           </p:pic>
           <p:pic>
             <p:nvPicPr>
-              <p:cNvPr id="104" name="Picture 103"/>
+              <p:cNvPr id="20" name="Picture 19"/>
               <p:cNvPicPr>
                 <a:picLocks noChangeAspect="1"/>
               </p:cNvPicPr>
@@ -4914,7 +10848,7 @@
             </p:blipFill>
             <p:spPr>
               <a:xfrm>
-                <a:off x="3007968" y="3133341"/>
+                <a:off x="409818" y="6347673"/>
                 <a:ext cx="216246" cy="223094"/>
               </a:xfrm>
               <a:prstGeom prst="rect">
@@ -4922,15 +10856,75 @@
               </a:prstGeom>
             </p:spPr>
           </p:pic>
+          <p:pic>
+            <p:nvPicPr>
+              <p:cNvPr id="21" name="Picture 20"/>
+              <p:cNvPicPr>
+                <a:picLocks noChangeAspect="1"/>
+              </p:cNvPicPr>
+              <p:nvPr/>
+            </p:nvPicPr>
+            <p:blipFill>
+              <a:blip r:embed="rId5"/>
+              <a:stretch>
+                <a:fillRect/>
+              </a:stretch>
+            </p:blipFill>
+            <p:spPr>
+              <a:xfrm>
+                <a:off x="1095591" y="4671492"/>
+                <a:ext cx="180000" cy="180000"/>
+              </a:xfrm>
+              <a:prstGeom prst="rect">
+                <a:avLst/>
+              </a:prstGeom>
+            </p:spPr>
+          </p:pic>
+          <p:sp>
+            <p:nvSpPr>
+              <p:cNvPr id="22" name="TextBox 21"/>
+              <p:cNvSpPr txBox="1"/>
+              <p:nvPr/>
+            </p:nvSpPr>
+            <p:spPr>
+              <a:xfrm>
+                <a:off x="1294899" y="4719974"/>
+                <a:ext cx="294953" cy="123111"/>
+              </a:xfrm>
+              <a:prstGeom prst="rect">
+                <a:avLst/>
+              </a:prstGeom>
+              <a:noFill/>
+            </p:spPr>
+            <p:txBody>
+              <a:bodyPr wrap="none" lIns="0" tIns="0" rIns="0" bIns="0" rtlCol="0" anchor="ctr" anchorCtr="0">
+                <a:normAutofit/>
+              </a:bodyPr>
+              <a:lstStyle/>
+              <a:p>
+                <a:r>
+                  <a:rPr lang="en-US" sz="800" b="1" dirty="0" smtClean="0">
+                    <a:latin typeface="Helvetica"/>
+                    <a:cs typeface="Helvetica"/>
+                  </a:rPr>
+                  <a:t>Korea</a:t>
+                </a:r>
+                <a:endParaRPr lang="en-US" sz="800" b="1" dirty="0">
+                  <a:latin typeface="Helvetica"/>
+                  <a:cs typeface="Helvetica"/>
+                </a:endParaRPr>
+              </a:p>
+            </p:txBody>
+          </p:sp>
           <p:grpSp>
             <p:nvGrpSpPr>
-              <p:cNvPr id="96" name="Group 95"/>
+              <p:cNvPr id="23" name="Group 89"/>
               <p:cNvGrpSpPr/>
               <p:nvPr/>
             </p:nvGrpSpPr>
             <p:grpSpPr>
               <a:xfrm>
-                <a:off x="4301420" y="520176"/>
+                <a:off x="1721115" y="3723304"/>
                 <a:ext cx="203033" cy="222548"/>
                 <a:chOff x="1721115" y="520176"/>
                 <a:chExt cx="203033" cy="222548"/>
@@ -4938,7 +10932,7 @@
             </p:grpSpPr>
             <p:sp>
               <p:nvSpPr>
-                <p:cNvPr id="97" name="Rectangle 96"/>
+                <p:cNvPr id="25" name="Rectangle 24"/>
                 <p:cNvSpPr/>
                 <p:nvPr/>
               </p:nvSpPr>
@@ -4987,7 +10981,7 @@
             </p:sp>
             <p:sp>
               <p:nvSpPr>
-                <p:cNvPr id="98" name="Cross 97"/>
+                <p:cNvPr id="26" name="Cross 25"/>
                 <p:cNvSpPr/>
                 <p:nvPr/>
               </p:nvSpPr>
@@ -5027,401 +11021,19 @@
               </p:style>
             </p:sp>
           </p:grpSp>
-        </p:grpSp>
-        <p:sp>
-          <p:nvSpPr>
-            <p:cNvPr id="101" name="Rectangle 100"/>
-            <p:cNvSpPr/>
-            <p:nvPr/>
-          </p:nvSpPr>
-          <p:spPr>
-            <a:xfrm>
-              <a:off x="2892461" y="449213"/>
-              <a:ext cx="1717125" cy="2973366"/>
-            </a:xfrm>
-            <a:prstGeom prst="rect">
-              <a:avLst/>
-            </a:prstGeom>
-            <a:solidFill>
-              <a:schemeClr val="tx1">
-                <a:alpha val="20000"/>
-              </a:schemeClr>
-            </a:solidFill>
-            <a:ln>
-              <a:noFill/>
-            </a:ln>
-            <a:effectLst/>
-          </p:spPr>
-          <p:style>
-            <a:lnRef idx="1">
-              <a:schemeClr val="accent1"/>
-            </a:lnRef>
-            <a:fillRef idx="3">
-              <a:schemeClr val="accent1"/>
-            </a:fillRef>
-            <a:effectRef idx="2">
-              <a:schemeClr val="accent1"/>
-            </a:effectRef>
-            <a:fontRef idx="minor">
-              <a:schemeClr val="lt1"/>
-            </a:fontRef>
-          </p:style>
-        </p:sp>
-        <p:grpSp>
-          <p:nvGrpSpPr>
-            <p:cNvPr id="124" name="Group 80"/>
-            <p:cNvGrpSpPr/>
-            <p:nvPr/>
-          </p:nvGrpSpPr>
-          <p:grpSpPr>
-            <a:xfrm>
-              <a:off x="3120640" y="1101269"/>
-              <a:ext cx="1277970" cy="1660084"/>
-              <a:chOff x="3124200" y="4304775"/>
-              <a:chExt cx="1277970" cy="1660084"/>
-            </a:xfrm>
-            <a:solidFill>
-              <a:schemeClr val="bg1"/>
-            </a:solidFill>
-          </p:grpSpPr>
           <p:sp>
             <p:nvSpPr>
-              <p:cNvPr id="130" name="Rounded Rectangle 129"/>
+              <p:cNvPr id="24" name="Rounded Rectangle 23"/>
               <p:cNvSpPr/>
               <p:nvPr/>
             </p:nvSpPr>
             <p:spPr>
               <a:xfrm>
-                <a:off x="3124200" y="4304775"/>
-                <a:ext cx="1277970" cy="1660084"/>
+                <a:off x="1581072" y="4366138"/>
+                <a:ext cx="162000" cy="97200"/>
               </a:xfrm>
               <a:prstGeom prst="roundRect">
-                <a:avLst>
-                  <a:gd name="adj" fmla="val 8682"/>
-                </a:avLst>
-              </a:prstGeom>
-              <a:grpFill/>
-              <a:ln>
-                <a:solidFill>
-                  <a:schemeClr val="tx1"/>
-                </a:solidFill>
-              </a:ln>
-              <a:effectLst/>
-            </p:spPr>
-            <p:style>
-              <a:lnRef idx="1">
-                <a:schemeClr val="accent1"/>
-              </a:lnRef>
-              <a:fillRef idx="3">
-                <a:schemeClr val="accent1"/>
-              </a:fillRef>
-              <a:effectRef idx="2">
-                <a:schemeClr val="accent1"/>
-              </a:effectRef>
-              <a:fontRef idx="minor">
-                <a:schemeClr val="lt1"/>
-              </a:fontRef>
-            </p:style>
-          </p:sp>
-          <p:sp>
-            <p:nvSpPr>
-              <p:cNvPr id="131" name="Rectangle 130"/>
-              <p:cNvSpPr/>
-              <p:nvPr/>
-            </p:nvSpPr>
-            <p:spPr>
-              <a:xfrm>
-                <a:off x="3225323" y="4416804"/>
-                <a:ext cx="421977" cy="421977"/>
-              </a:xfrm>
-              <a:prstGeom prst="rect">
                 <a:avLst/>
-              </a:prstGeom>
-              <a:grpFill/>
-              <a:ln>
-                <a:solidFill>
-                  <a:schemeClr val="tx1"/>
-                </a:solidFill>
-              </a:ln>
-              <a:effectLst/>
-            </p:spPr>
-            <p:style>
-              <a:lnRef idx="1">
-                <a:schemeClr val="accent1"/>
-              </a:lnRef>
-              <a:fillRef idx="3">
-                <a:schemeClr val="accent1"/>
-              </a:fillRef>
-              <a:effectRef idx="2">
-                <a:schemeClr val="accent1"/>
-              </a:effectRef>
-              <a:fontRef idx="minor">
-                <a:schemeClr val="lt1"/>
-              </a:fontRef>
-            </p:style>
-          </p:sp>
-        </p:grpSp>
-        <p:grpSp>
-          <p:nvGrpSpPr>
-            <p:cNvPr id="142" name="Group 141"/>
-            <p:cNvGrpSpPr/>
-            <p:nvPr/>
-          </p:nvGrpSpPr>
-          <p:grpSpPr>
-            <a:xfrm>
-              <a:off x="3668675" y="1192870"/>
-              <a:ext cx="642156" cy="440672"/>
-              <a:chOff x="4331834" y="4396376"/>
-              <a:chExt cx="642156" cy="440672"/>
-            </a:xfrm>
-          </p:grpSpPr>
-          <p:grpSp>
-            <p:nvGrpSpPr>
-              <p:cNvPr id="140" name="Group 139"/>
-              <p:cNvGrpSpPr/>
-              <p:nvPr/>
-            </p:nvGrpSpPr>
-            <p:grpSpPr>
-              <a:xfrm>
-                <a:off x="4378581" y="4416804"/>
-                <a:ext cx="595409" cy="419878"/>
-                <a:chOff x="4357591" y="4416804"/>
-                <a:chExt cx="640123" cy="419878"/>
-              </a:xfrm>
-            </p:grpSpPr>
-            <p:sp>
-              <p:nvSpPr>
-                <p:cNvPr id="133" name="Rounded Rectangle 132"/>
-                <p:cNvSpPr/>
-                <p:nvPr/>
-              </p:nvSpPr>
-              <p:spPr>
-                <a:xfrm>
-                  <a:off x="4357591" y="4416804"/>
-                  <a:ext cx="640123" cy="419878"/>
-                </a:xfrm>
-                <a:prstGeom prst="roundRect">
-                  <a:avLst>
-                    <a:gd name="adj" fmla="val 8682"/>
-                  </a:avLst>
-                </a:prstGeom>
-                <a:noFill/>
-                <a:ln>
-                  <a:solidFill>
-                    <a:schemeClr val="tx1"/>
-                  </a:solidFill>
-                </a:ln>
-                <a:effectLst/>
-              </p:spPr>
-              <p:style>
-                <a:lnRef idx="1">
-                  <a:schemeClr val="accent1"/>
-                </a:lnRef>
-                <a:fillRef idx="3">
-                  <a:schemeClr val="accent1"/>
-                </a:fillRef>
-                <a:effectRef idx="2">
-                  <a:schemeClr val="accent1"/>
-                </a:effectRef>
-                <a:fontRef idx="minor">
-                  <a:schemeClr val="lt1"/>
-                </a:fontRef>
-              </p:style>
-            </p:sp>
-            <p:cxnSp>
-              <p:nvCxnSpPr>
-                <p:cNvPr id="136" name="Straight Connector 135"/>
-                <p:cNvCxnSpPr>
-                  <a:endCxn id="133" idx="3"/>
-                </p:cNvCxnSpPr>
-                <p:nvPr/>
-              </p:nvCxnSpPr>
-              <p:spPr>
-                <a:xfrm>
-                  <a:off x="4357591" y="4626068"/>
-                  <a:ext cx="640123" cy="675"/>
-                </a:xfrm>
-                <a:prstGeom prst="line">
-                  <a:avLst/>
-                </a:prstGeom>
-                <a:ln w="9525">
-                  <a:solidFill>
-                    <a:schemeClr val="tx1"/>
-                  </a:solidFill>
-                </a:ln>
-                <a:effectLst/>
-              </p:spPr>
-              <p:style>
-                <a:lnRef idx="2">
-                  <a:schemeClr val="accent1"/>
-                </a:lnRef>
-                <a:fillRef idx="0">
-                  <a:schemeClr val="accent1"/>
-                </a:fillRef>
-                <a:effectRef idx="1">
-                  <a:schemeClr val="accent1"/>
-                </a:effectRef>
-                <a:fontRef idx="minor">
-                  <a:schemeClr val="tx1"/>
-                </a:fontRef>
-              </p:style>
-            </p:cxnSp>
-          </p:grpSp>
-          <p:sp>
-            <p:nvSpPr>
-              <p:cNvPr id="138" name="TextBox 137"/>
-              <p:cNvSpPr txBox="1"/>
-              <p:nvPr/>
-            </p:nvSpPr>
-            <p:spPr>
-              <a:xfrm>
-                <a:off x="4331834" y="4396376"/>
-                <a:ext cx="492536" cy="230832"/>
-              </a:xfrm>
-              <a:prstGeom prst="rect">
-                <a:avLst/>
-              </a:prstGeom>
-              <a:noFill/>
-            </p:spPr>
-            <p:txBody>
-              <a:bodyPr wrap="none" rtlCol="0">
-                <a:spAutoFit/>
-              </a:bodyPr>
-              <a:lstStyle/>
-              <a:p>
-                <a:r>
-                  <a:rPr lang="en-US" sz="900" dirty="0" smtClean="0">
-                    <a:solidFill>
-                      <a:srgbClr val="BFBFBF"/>
-                    </a:solidFill>
-                    <a:latin typeface="Helvetica"/>
-                    <a:cs typeface="Helvetica"/>
-                  </a:rPr>
-                  <a:t>Name</a:t>
-                </a:r>
-                <a:endParaRPr lang="en-US" sz="900" dirty="0">
-                  <a:solidFill>
-                    <a:srgbClr val="BFBFBF"/>
-                  </a:solidFill>
-                  <a:latin typeface="Helvetica"/>
-                  <a:cs typeface="Helvetica"/>
-                </a:endParaRPr>
-              </a:p>
-            </p:txBody>
-          </p:sp>
-          <p:sp>
-            <p:nvSpPr>
-              <p:cNvPr id="139" name="TextBox 138"/>
-              <p:cNvSpPr txBox="1"/>
-              <p:nvPr/>
-            </p:nvSpPr>
-            <p:spPr>
-              <a:xfrm>
-                <a:off x="4336601" y="4606216"/>
-                <a:ext cx="620683" cy="230832"/>
-              </a:xfrm>
-              <a:prstGeom prst="rect">
-                <a:avLst/>
-              </a:prstGeom>
-              <a:noFill/>
-            </p:spPr>
-            <p:txBody>
-              <a:bodyPr wrap="none" rtlCol="0">
-                <a:spAutoFit/>
-              </a:bodyPr>
-              <a:lstStyle/>
-              <a:p>
-                <a:r>
-                  <a:rPr lang="en-US" sz="900" dirty="0" smtClean="0">
-                    <a:solidFill>
-                      <a:srgbClr val="BFBFBF"/>
-                    </a:solidFill>
-                    <a:latin typeface="Helvetica"/>
-                    <a:cs typeface="Helvetica"/>
-                  </a:rPr>
-                  <a:t>Birthday</a:t>
-                </a:r>
-                <a:endParaRPr lang="en-US" sz="900" dirty="0">
-                  <a:solidFill>
-                    <a:srgbClr val="BFBFBF"/>
-                  </a:solidFill>
-                  <a:latin typeface="Helvetica"/>
-                  <a:cs typeface="Helvetica"/>
-                </a:endParaRPr>
-              </a:p>
-            </p:txBody>
-          </p:sp>
-        </p:grpSp>
-        <p:sp>
-          <p:nvSpPr>
-            <p:cNvPr id="141" name="Cross 140"/>
-            <p:cNvSpPr/>
-            <p:nvPr/>
-          </p:nvSpPr>
-          <p:spPr>
-            <a:xfrm>
-              <a:off x="3340457" y="1333421"/>
-              <a:ext cx="180584" cy="180562"/>
-            </a:xfrm>
-            <a:prstGeom prst="plus">
-              <a:avLst>
-                <a:gd name="adj" fmla="val 40304"/>
-              </a:avLst>
-            </a:prstGeom>
-            <a:solidFill>
-              <a:schemeClr val="bg1">
-                <a:lumMod val="75000"/>
-              </a:schemeClr>
-            </a:solidFill>
-            <a:ln>
-              <a:noFill/>
-            </a:ln>
-            <a:effectLst/>
-          </p:spPr>
-          <p:style>
-            <a:lnRef idx="1">
-              <a:schemeClr val="accent1"/>
-            </a:lnRef>
-            <a:fillRef idx="3">
-              <a:schemeClr val="accent1"/>
-            </a:fillRef>
-            <a:effectRef idx="2">
-              <a:schemeClr val="accent1"/>
-            </a:effectRef>
-            <a:fontRef idx="minor">
-              <a:schemeClr val="lt1"/>
-            </a:fontRef>
-          </p:style>
-        </p:sp>
-        <p:grpSp>
-          <p:nvGrpSpPr>
-            <p:cNvPr id="94" name="Group 93"/>
-            <p:cNvGrpSpPr/>
-            <p:nvPr/>
-          </p:nvGrpSpPr>
-          <p:grpSpPr>
-            <a:xfrm>
-              <a:off x="3189525" y="1769922"/>
-              <a:ext cx="1133038" cy="441236"/>
-              <a:chOff x="3189525" y="1769922"/>
-              <a:chExt cx="1133038" cy="441236"/>
-            </a:xfrm>
-          </p:grpSpPr>
-          <p:sp>
-            <p:nvSpPr>
-              <p:cNvPr id="147" name="Rounded Rectangle 146"/>
-              <p:cNvSpPr/>
-              <p:nvPr/>
-            </p:nvSpPr>
-            <p:spPr>
-              <a:xfrm>
-                <a:off x="3223041" y="1790914"/>
-                <a:ext cx="1087789" cy="419878"/>
-              </a:xfrm>
-              <a:prstGeom prst="roundRect">
-                <a:avLst>
-                  <a:gd name="adj" fmla="val 8682"/>
-                </a:avLst>
               </a:prstGeom>
               <a:noFill/>
               <a:ln>
@@ -5445,159 +11057,24 @@
                 <a:schemeClr val="lt1"/>
               </a:fontRef>
             </p:style>
-          </p:sp>
-          <p:cxnSp>
-            <p:nvCxnSpPr>
-              <p:cNvPr id="148" name="Straight Connector 147"/>
-              <p:cNvCxnSpPr>
-                <a:endCxn id="147" idx="3"/>
-              </p:cNvCxnSpPr>
-              <p:nvPr/>
-            </p:nvCxnSpPr>
-            <p:spPr>
-              <a:xfrm>
-                <a:off x="3223041" y="2000178"/>
-                <a:ext cx="1087789" cy="675"/>
-              </a:xfrm>
-              <a:prstGeom prst="line">
-                <a:avLst/>
-              </a:prstGeom>
-              <a:ln w="9525">
-                <a:solidFill>
-                  <a:schemeClr val="tx1"/>
-                </a:solidFill>
-              </a:ln>
-              <a:effectLst/>
-            </p:spPr>
-            <p:style>
-              <a:lnRef idx="2">
-                <a:schemeClr val="accent1"/>
-              </a:lnRef>
-              <a:fillRef idx="0">
-                <a:schemeClr val="accent1"/>
-              </a:fillRef>
-              <a:effectRef idx="1">
-                <a:schemeClr val="accent1"/>
-              </a:effectRef>
-              <a:fontRef idx="minor">
-                <a:schemeClr val="tx1"/>
-              </a:fontRef>
-            </p:style>
-          </p:cxnSp>
-          <p:sp>
-            <p:nvSpPr>
-              <p:cNvPr id="146" name="TextBox 145"/>
-              <p:cNvSpPr txBox="1"/>
-              <p:nvPr/>
-            </p:nvSpPr>
-            <p:spPr>
-              <a:xfrm>
-                <a:off x="3189525" y="1980326"/>
-                <a:ext cx="1102136" cy="230832"/>
-              </a:xfrm>
-              <a:prstGeom prst="rect">
-                <a:avLst/>
-              </a:prstGeom>
-              <a:noFill/>
-            </p:spPr>
             <p:txBody>
-              <a:bodyPr wrap="square" rtlCol="0">
-                <a:spAutoFit/>
-              </a:bodyPr>
-              <a:lstStyle/>
-              <a:p>
-                <a:r>
-                  <a:rPr lang="en-US" sz="900" dirty="0" smtClean="0">
-                    <a:solidFill>
-                      <a:srgbClr val="BFBFBF"/>
-                    </a:solidFill>
-                    <a:latin typeface="Helvetica"/>
-                    <a:cs typeface="Helvetica"/>
-                  </a:rPr>
-                  <a:t>Nationality</a:t>
-                </a:r>
-                <a:endParaRPr lang="en-US" sz="900" dirty="0">
-                  <a:solidFill>
-                    <a:srgbClr val="BFBFBF"/>
-                  </a:solidFill>
-                  <a:latin typeface="Helvetica"/>
-                  <a:cs typeface="Helvetica"/>
-                </a:endParaRPr>
-              </a:p>
-            </p:txBody>
-          </p:sp>
-          <p:cxnSp>
-            <p:nvCxnSpPr>
-              <p:cNvPr id="149" name="Straight Connector 148"/>
-              <p:cNvCxnSpPr>
-                <a:endCxn id="147" idx="0"/>
-              </p:cNvCxnSpPr>
-              <p:nvPr/>
-            </p:nvCxnSpPr>
-            <p:spPr>
-              <a:xfrm rot="5400000" flipH="1" flipV="1">
-                <a:off x="3661907" y="1895149"/>
-                <a:ext cx="209264" cy="794"/>
-              </a:xfrm>
-              <a:prstGeom prst="line">
-                <a:avLst/>
-              </a:prstGeom>
-              <a:ln w="9525">
-                <a:solidFill>
-                  <a:schemeClr val="tx1"/>
-                </a:solidFill>
-              </a:ln>
-              <a:effectLst/>
-            </p:spPr>
-            <p:style>
-              <a:lnRef idx="2">
-                <a:schemeClr val="accent1"/>
-              </a:lnRef>
-              <a:fillRef idx="0">
-                <a:schemeClr val="accent1"/>
-              </a:fillRef>
-              <a:effectRef idx="1">
-                <a:schemeClr val="accent1"/>
-              </a:effectRef>
-              <a:fontRef idx="minor">
-                <a:schemeClr val="tx1"/>
-              </a:fontRef>
-            </p:style>
-          </p:cxnSp>
-          <p:sp>
-            <p:nvSpPr>
-              <p:cNvPr id="173" name="TextBox 172"/>
-              <p:cNvSpPr txBox="1"/>
-              <p:nvPr/>
-            </p:nvSpPr>
-            <p:spPr>
-              <a:xfrm>
-                <a:off x="3210515" y="1769922"/>
-                <a:ext cx="576617" cy="230832"/>
-              </a:xfrm>
-              <a:prstGeom prst="rect">
-                <a:avLst/>
-              </a:prstGeom>
-              <a:noFill/>
-            </p:spPr>
-            <p:txBody>
-              <a:bodyPr wrap="square" rtlCol="0">
-                <a:spAutoFit/>
+              <a:bodyPr lIns="0" tIns="0" rIns="0" bIns="0">
+                <a:normAutofit fontScale="70000" lnSpcReduction="20000"/>
               </a:bodyPr>
               <a:lstStyle/>
               <a:p>
                 <a:pPr algn="ctr"/>
                 <a:r>
-                  <a:rPr lang="en-US" sz="900" dirty="0" smtClean="0">
+                  <a:rPr lang="en-US" sz="900" b="1" dirty="0" smtClean="0">
                     <a:solidFill>
                       <a:srgbClr val="000000"/>
                     </a:solidFill>
                     <a:latin typeface="Helvetica"/>
                     <a:cs typeface="Helvetica"/>
                   </a:rPr>
-                  <a:t>Girl</a:t>
+                  <a:t>Edit</a:t>
                 </a:r>
-                <a:endParaRPr lang="en-US" sz="900" dirty="0">
+                <a:endParaRPr lang="en-US" sz="900" b="1" dirty="0">
                   <a:solidFill>
                     <a:srgbClr val="000000"/>
                   </a:solidFill>
@@ -5607,63 +11084,28 @@
               </a:p>
             </p:txBody>
           </p:sp>
-          <p:sp>
-            <p:nvSpPr>
-              <p:cNvPr id="174" name="TextBox 173"/>
-              <p:cNvSpPr txBox="1"/>
-              <p:nvPr/>
-            </p:nvSpPr>
-            <p:spPr>
-              <a:xfrm>
-                <a:off x="3745946" y="1769922"/>
-                <a:ext cx="576617" cy="230832"/>
-              </a:xfrm>
-              <a:prstGeom prst="rect">
-                <a:avLst/>
-              </a:prstGeom>
-              <a:noFill/>
-            </p:spPr>
-            <p:txBody>
-              <a:bodyPr wrap="square" rtlCol="0">
-                <a:spAutoFit/>
-              </a:bodyPr>
-              <a:lstStyle/>
-              <a:p>
-                <a:pPr algn="ctr"/>
-                <a:r>
-                  <a:rPr lang="en-US" sz="900" dirty="0" smtClean="0">
-                    <a:latin typeface="Helvetica"/>
-                    <a:cs typeface="Helvetica"/>
-                  </a:rPr>
-                  <a:t>Boy</a:t>
-                </a:r>
-                <a:endParaRPr lang="en-US" sz="900" dirty="0">
-                  <a:latin typeface="Helvetica"/>
-                  <a:cs typeface="Helvetica"/>
-                </a:endParaRPr>
-              </a:p>
-            </p:txBody>
-          </p:sp>
         </p:grpSp>
         <p:sp>
           <p:nvSpPr>
-            <p:cNvPr id="92" name="Rounded Rectangle 91"/>
+            <p:cNvPr id="101" name="Rectangle 100"/>
             <p:cNvSpPr/>
             <p:nvPr/>
           </p:nvSpPr>
           <p:spPr>
             <a:xfrm>
-              <a:off x="3176818" y="2446168"/>
-              <a:ext cx="547919" cy="252448"/>
+              <a:off x="315562" y="3655069"/>
+              <a:ext cx="1717125" cy="2973366"/>
             </a:xfrm>
-            <a:prstGeom prst="roundRect">
+            <a:prstGeom prst="rect">
               <a:avLst/>
             </a:prstGeom>
-            <a:noFill/>
+            <a:solidFill>
+              <a:schemeClr val="tx1">
+                <a:alpha val="20000"/>
+              </a:schemeClr>
+            </a:solidFill>
             <a:ln>
-              <a:solidFill>
-                <a:schemeClr val="tx1"/>
-              </a:solidFill>
+              <a:noFill/>
             </a:ln>
             <a:effectLst/>
           </p:spPr>
@@ -5681,27 +11123,77 @@
               <a:schemeClr val="lt1"/>
             </a:fontRef>
           </p:style>
+        </p:sp>
+        <p:sp>
+          <p:nvSpPr>
+            <p:cNvPr id="102" name="Rectangle 101"/>
+            <p:cNvSpPr/>
+            <p:nvPr/>
+          </p:nvSpPr>
+          <p:spPr>
+            <a:xfrm>
+              <a:off x="315562" y="5635958"/>
+              <a:ext cx="1717125" cy="997517"/>
+            </a:xfrm>
+            <a:prstGeom prst="rect">
+              <a:avLst/>
+            </a:prstGeom>
+            <a:solidFill>
+              <a:schemeClr val="bg1">
+                <a:alpha val="83000"/>
+              </a:schemeClr>
+            </a:solidFill>
+            <a:ln>
+              <a:noFill/>
+            </a:ln>
+            <a:effectLst/>
+          </p:spPr>
+          <p:style>
+            <a:lnRef idx="1">
+              <a:schemeClr val="accent1"/>
+            </a:lnRef>
+            <a:fillRef idx="3">
+              <a:schemeClr val="accent1"/>
+            </a:fillRef>
+            <a:effectRef idx="2">
+              <a:schemeClr val="accent1"/>
+            </a:effectRef>
+            <a:fontRef idx="minor">
+              <a:schemeClr val="lt1"/>
+            </a:fontRef>
+          </p:style>
+        </p:sp>
+        <p:sp>
+          <p:nvSpPr>
+            <p:cNvPr id="103" name="TextBox 102"/>
+            <p:cNvSpPr txBox="1"/>
+            <p:nvPr/>
+          </p:nvSpPr>
+          <p:spPr>
+            <a:xfrm>
+              <a:off x="315564" y="5673155"/>
+              <a:ext cx="1702396" cy="215251"/>
+            </a:xfrm>
+            <a:prstGeom prst="rect">
+              <a:avLst/>
+            </a:prstGeom>
+            <a:noFill/>
+          </p:spPr>
           <p:txBody>
-            <a:bodyPr anchor="t" anchorCtr="0">
-              <a:noAutofit/>
+            <a:bodyPr wrap="none" lIns="0" tIns="0" rIns="0" bIns="0" rtlCol="0" anchor="ctr" anchorCtr="0">
+              <a:normAutofit/>
             </a:bodyPr>
             <a:lstStyle/>
             <a:p>
               <a:pPr algn="ctr"/>
               <a:r>
-                <a:rPr lang="en-US" sz="800" b="1" dirty="0" smtClean="0">
-                  <a:solidFill>
-                    <a:srgbClr val="000000"/>
-                  </a:solidFill>
+                <a:rPr lang="en-US" sz="1000" b="1" dirty="0" smtClean="0">
                   <a:latin typeface="Helvetica"/>
                   <a:cs typeface="Helvetica"/>
                 </a:rPr>
-                <a:t>Cancel</a:t>
+                <a:t>Camera</a:t>
               </a:r>
-              <a:endParaRPr lang="en-US" sz="800" b="1" dirty="0">
-                <a:solidFill>
-                  <a:srgbClr val="000000"/>
-                </a:solidFill>
+              <a:endParaRPr lang="en-US" sz="1000" b="1" dirty="0">
                 <a:latin typeface="Helvetica"/>
                 <a:cs typeface="Helvetica"/>
               </a:endParaRPr>
@@ -5710,20 +11202,93 @@
         </p:sp>
         <p:sp>
           <p:nvSpPr>
-            <p:cNvPr id="93" name="Rounded Rectangle 92"/>
-            <p:cNvSpPr/>
+            <p:cNvPr id="104" name="TextBox 103"/>
+            <p:cNvSpPr txBox="1"/>
             <p:nvPr/>
           </p:nvSpPr>
           <p:spPr>
             <a:xfrm>
-              <a:off x="3789010" y="2446168"/>
-              <a:ext cx="547919" cy="252448"/>
+              <a:off x="315564" y="6019800"/>
+              <a:ext cx="1702396" cy="215251"/>
             </a:xfrm>
-            <a:prstGeom prst="roundRect">
+            <a:prstGeom prst="rect">
               <a:avLst/>
             </a:prstGeom>
             <a:noFill/>
-            <a:ln>
+          </p:spPr>
+          <p:txBody>
+            <a:bodyPr wrap="none" lIns="0" tIns="0" rIns="0" bIns="0" rtlCol="0" anchor="ctr" anchorCtr="0">
+              <a:normAutofit/>
+            </a:bodyPr>
+            <a:lstStyle/>
+            <a:p>
+              <a:pPr algn="ctr"/>
+              <a:r>
+                <a:rPr lang="en-US" sz="1000" b="1" dirty="0" smtClean="0">
+                  <a:latin typeface="Helvetica"/>
+                  <a:cs typeface="Helvetica"/>
+                </a:rPr>
+                <a:t>Photo Album</a:t>
+              </a:r>
+              <a:endParaRPr lang="en-US" sz="1000" b="1" dirty="0">
+                <a:latin typeface="Helvetica"/>
+                <a:cs typeface="Helvetica"/>
+              </a:endParaRPr>
+            </a:p>
+          </p:txBody>
+        </p:sp>
+        <p:sp>
+          <p:nvSpPr>
+            <p:cNvPr id="105" name="TextBox 104"/>
+            <p:cNvSpPr txBox="1"/>
+            <p:nvPr/>
+          </p:nvSpPr>
+          <p:spPr>
+            <a:xfrm>
+              <a:off x="315564" y="6347885"/>
+              <a:ext cx="1702396" cy="215251"/>
+            </a:xfrm>
+            <a:prstGeom prst="rect">
+              <a:avLst/>
+            </a:prstGeom>
+            <a:noFill/>
+          </p:spPr>
+          <p:txBody>
+            <a:bodyPr wrap="none" lIns="0" tIns="0" rIns="0" bIns="0" rtlCol="0" anchor="ctr" anchorCtr="0">
+              <a:normAutofit/>
+            </a:bodyPr>
+            <a:lstStyle/>
+            <a:p>
+              <a:pPr algn="ctr"/>
+              <a:r>
+                <a:rPr lang="en-US" sz="1000" b="1" dirty="0" smtClean="0">
+                  <a:latin typeface="Helvetica"/>
+                  <a:cs typeface="Helvetica"/>
+                </a:rPr>
+                <a:t>Cancel</a:t>
+              </a:r>
+              <a:endParaRPr lang="en-US" sz="1000" b="1" dirty="0">
+                <a:latin typeface="Helvetica"/>
+                <a:cs typeface="Helvetica"/>
+              </a:endParaRPr>
+            </a:p>
+          </p:txBody>
+        </p:sp>
+        <p:cxnSp>
+          <p:nvCxnSpPr>
+            <p:cNvPr id="106" name="Straight Connector 105"/>
+            <p:cNvCxnSpPr/>
+            <p:nvPr/>
+          </p:nvCxnSpPr>
+          <p:spPr>
+            <a:xfrm flipV="1">
+              <a:off x="315562" y="5964859"/>
+              <a:ext cx="1702398" cy="1"/>
+            </a:xfrm>
+            <a:prstGeom prst="line">
+              <a:avLst/>
+            </a:prstGeom>
+            <a:ln w="9525">
               <a:solidFill>
                 <a:schemeClr val="tx1"/>
               </a:solidFill>
@@ -5731,103 +11296,104 @@
             <a:effectLst/>
           </p:spPr>
           <p:style>
-            <a:lnRef idx="1">
+            <a:lnRef idx="2">
               <a:schemeClr val="accent1"/>
             </a:lnRef>
-            <a:fillRef idx="3">
+            <a:fillRef idx="0">
               <a:schemeClr val="accent1"/>
             </a:fillRef>
-            <a:effectRef idx="2">
+            <a:effectRef idx="1">
               <a:schemeClr val="accent1"/>
             </a:effectRef>
             <a:fontRef idx="minor">
-              <a:schemeClr val="lt1"/>
+              <a:schemeClr val="tx1"/>
             </a:fontRef>
           </p:style>
-          <p:txBody>
-            <a:bodyPr lIns="0" rIns="0"/>
-            <a:lstStyle/>
-            <a:p>
-              <a:pPr algn="ctr"/>
-              <a:r>
-                <a:rPr lang="en-US" sz="900" b="1" dirty="0" smtClean="0">
-                  <a:solidFill>
-                    <a:srgbClr val="000000"/>
-                  </a:solidFill>
-                  <a:latin typeface="Helvetica"/>
-                  <a:cs typeface="Helvetica"/>
-                </a:rPr>
-                <a:t>Create</a:t>
-              </a:r>
-              <a:endParaRPr lang="en-US" sz="900" b="1" dirty="0">
-                <a:solidFill>
-                  <a:srgbClr val="000000"/>
-                </a:solidFill>
-                <a:latin typeface="Helvetica"/>
-                <a:cs typeface="Helvetica"/>
-              </a:endParaRPr>
-            </a:p>
-          </p:txBody>
-        </p:sp>
+        </p:cxnSp>
+        <p:cxnSp>
+          <p:nvCxnSpPr>
+            <p:cNvPr id="110" name="Straight Connector 109"/>
+            <p:cNvCxnSpPr/>
+            <p:nvPr/>
+          </p:nvCxnSpPr>
+          <p:spPr>
+            <a:xfrm flipV="1">
+              <a:off x="315562" y="6292851"/>
+              <a:ext cx="1702398" cy="1"/>
+            </a:xfrm>
+            <a:prstGeom prst="line">
+              <a:avLst/>
+            </a:prstGeom>
+            <a:ln w="9525">
+              <a:solidFill>
+                <a:schemeClr val="tx1"/>
+              </a:solidFill>
+            </a:ln>
+            <a:effectLst/>
+          </p:spPr>
+          <p:style>
+            <a:lnRef idx="2">
+              <a:schemeClr val="accent1"/>
+            </a:lnRef>
+            <a:fillRef idx="0">
+              <a:schemeClr val="accent1"/>
+            </a:fillRef>
+            <a:effectRef idx="1">
+              <a:schemeClr val="accent1"/>
+            </a:effectRef>
+            <a:fontRef idx="minor">
+              <a:schemeClr val="tx1"/>
+            </a:fontRef>
+          </p:style>
+        </p:cxnSp>
       </p:grpSp>
-      <p:pic>
-        <p:nvPicPr>
-          <p:cNvPr id="127" name="Picture 126"/>
-          <p:cNvPicPr>
-            <a:picLocks noChangeAspect="1"/>
-          </p:cNvPicPr>
+      <p:sp>
+        <p:nvSpPr>
+          <p:cNvPr id="115" name="Rectangle 114"/>
+          <p:cNvSpPr/>
           <p:nvPr/>
-        </p:nvPicPr>
-        <p:blipFill>
-          <a:blip r:embed="rId5"/>
-          <a:stretch>
-            <a:fillRect/>
-          </a:stretch>
-        </p:blipFill>
+        </p:nvSpPr>
         <p:spPr>
           <a:xfrm>
-            <a:off x="1095591" y="4671492"/>
-            <a:ext cx="180000" cy="180000"/>
+            <a:off x="2667000" y="3660109"/>
+            <a:ext cx="1702398" cy="2972570"/>
           </a:xfrm>
           <a:prstGeom prst="rect">
             <a:avLst/>
           </a:prstGeom>
+          <a:noFill/>
+          <a:ln>
+            <a:solidFill>
+              <a:schemeClr val="tx1"/>
+            </a:solidFill>
+          </a:ln>
+          <a:effectLst/>
         </p:spPr>
-      </p:pic>
-      <p:pic>
-        <p:nvPicPr>
-          <p:cNvPr id="128" name="Picture 127"/>
-          <p:cNvPicPr>
-            <a:picLocks noChangeAspect="1"/>
-          </p:cNvPicPr>
-          <p:nvPr/>
-        </p:nvPicPr>
-        <p:blipFill>
-          <a:blip r:embed="rId6"/>
-          <a:stretch>
-            <a:fillRect/>
-          </a:stretch>
-        </p:blipFill>
-        <p:spPr>
-          <a:xfrm>
-            <a:off x="2273826" y="266704"/>
-            <a:ext cx="180000" cy="180000"/>
-          </a:xfrm>
-          <a:prstGeom prst="rect">
-            <a:avLst/>
-          </a:prstGeom>
-        </p:spPr>
-      </p:pic>
+        <p:style>
+          <a:lnRef idx="1">
+            <a:schemeClr val="accent1"/>
+          </a:lnRef>
+          <a:fillRef idx="3">
+            <a:schemeClr val="accent1"/>
+          </a:fillRef>
+          <a:effectRef idx="2">
+            <a:schemeClr val="accent1"/>
+          </a:effectRef>
+          <a:fontRef idx="minor">
+            <a:schemeClr val="lt1"/>
+          </a:fontRef>
+        </p:style>
+      </p:sp>
       <p:sp>
         <p:nvSpPr>
-          <p:cNvPr id="129" name="TextBox 128"/>
+          <p:cNvPr id="134" name="TextBox 133"/>
           <p:cNvSpPr txBox="1"/>
           <p:nvPr/>
         </p:nvSpPr>
         <p:spPr>
           <a:xfrm>
-            <a:off x="1200829" y="4654125"/>
-            <a:ext cx="479618" cy="215444"/>
+            <a:off x="2853265" y="4826006"/>
+            <a:ext cx="1346217" cy="400110"/>
           </a:xfrm>
           <a:prstGeom prst="rect">
             <a:avLst/>
@@ -5840,14 +11406,40 @@
           </a:bodyPr>
           <a:lstStyle/>
           <a:p>
+            <a:pPr algn="ctr"/>
             <a:r>
-              <a:rPr lang="en-US" sz="800" b="1" dirty="0" smtClean="0">
+              <a:rPr lang="en-US" sz="1000" dirty="0" smtClean="0">
+                <a:solidFill>
+                  <a:schemeClr val="bg1">
+                    <a:lumMod val="75000"/>
+                  </a:schemeClr>
+                </a:solidFill>
                 <a:latin typeface="Helvetica"/>
                 <a:cs typeface="Helvetica"/>
               </a:rPr>
-              <a:t>Korea</a:t>
+              <a:t>Default</a:t>
             </a:r>
-            <a:endParaRPr lang="en-US" sz="800" b="1" dirty="0">
+          </a:p>
+          <a:p>
+            <a:pPr algn="ctr"/>
+            <a:r>
+              <a:rPr lang="en-US" sz="1000" dirty="0" smtClean="0">
+                <a:solidFill>
+                  <a:schemeClr val="bg1">
+                    <a:lumMod val="75000"/>
+                  </a:schemeClr>
+                </a:solidFill>
+                <a:latin typeface="Helvetica"/>
+                <a:cs typeface="Helvetica"/>
+              </a:rPr>
+              <a:t>Camera or Picker UI</a:t>
+            </a:r>
+            <a:endParaRPr lang="en-US" sz="1000" dirty="0">
+              <a:solidFill>
+                <a:schemeClr val="bg1">
+                  <a:lumMod val="75000"/>
+                </a:schemeClr>
+              </a:solidFill>
               <a:latin typeface="Helvetica"/>
               <a:cs typeface="Helvetica"/>
             </a:endParaRPr>
@@ -5859,17 +11451,10 @@
   <p:clrMapOvr>
     <a:masterClrMapping/>
   </p:clrMapOvr>
-  <p:timing>
-    <p:tnLst>
-      <p:par>
-        <p:cTn id="1" dur="indefinite" restart="never" nodeType="tmRoot"/>
-      </p:par>
-    </p:tnLst>
-  </p:timing>
 </p:sld>
 </file>
 
-<file path=ppt/slides/slide3.xml><?xml version="1.0" encoding="utf-8"?>
+<file path=ppt/slides/slide4.xml><?xml version="1.0" encoding="utf-8"?>
 <p:sld xmlns:a="http://schemas.openxmlformats.org/drawingml/2006/main" xmlns:r="http://schemas.openxmlformats.org/officeDocument/2006/relationships" xmlns:mc="http://schemas.openxmlformats.org/markup-compatibility/2006" xmlns:mv="urn:schemas-microsoft-com:mac:vml" xmlns:p="http://schemas.openxmlformats.org/presentationml/2006/main" mc:Ignorable="mv" mc:PreserveAttributes="mv:*">
   <p:cSld>
     <p:spTree>
@@ -5886,6 +11471,351 @@
           <a:chExt cx="0" cy="0"/>
         </a:xfrm>
       </p:grpSpPr>
+      <p:sp>
+        <p:nvSpPr>
+          <p:cNvPr id="2" name="Rectangle 1"/>
+          <p:cNvSpPr/>
+          <p:nvPr/>
+        </p:nvSpPr>
+        <p:spPr>
+          <a:xfrm>
+            <a:off x="5486399" y="3662618"/>
+            <a:ext cx="1702398" cy="2972570"/>
+          </a:xfrm>
+          <a:prstGeom prst="rect">
+            <a:avLst/>
+          </a:prstGeom>
+          <a:noFill/>
+          <a:ln>
+            <a:solidFill>
+              <a:schemeClr val="tx1"/>
+            </a:solidFill>
+          </a:ln>
+          <a:effectLst/>
+        </p:spPr>
+        <p:style>
+          <a:lnRef idx="1">
+            <a:schemeClr val="accent1"/>
+          </a:lnRef>
+          <a:fillRef idx="3">
+            <a:schemeClr val="accent1"/>
+          </a:fillRef>
+          <a:effectRef idx="2">
+            <a:schemeClr val="accent1"/>
+          </a:effectRef>
+          <a:fontRef idx="minor">
+            <a:schemeClr val="lt1"/>
+          </a:fontRef>
+        </p:style>
+      </p:sp>
+      <p:sp>
+        <p:nvSpPr>
+          <p:cNvPr id="3" name="Rectangle 2"/>
+          <p:cNvSpPr/>
+          <p:nvPr/>
+        </p:nvSpPr>
+        <p:spPr>
+          <a:xfrm>
+            <a:off x="5486400" y="3660109"/>
+            <a:ext cx="1702397" cy="358999"/>
+          </a:xfrm>
+          <a:prstGeom prst="rect">
+            <a:avLst/>
+          </a:prstGeom>
+          <a:solidFill>
+            <a:schemeClr val="bg1"/>
+          </a:solidFill>
+          <a:ln>
+            <a:solidFill>
+              <a:schemeClr val="tx1"/>
+            </a:solidFill>
+          </a:ln>
+          <a:effectLst/>
+        </p:spPr>
+        <p:style>
+          <a:lnRef idx="1">
+            <a:schemeClr val="accent1"/>
+          </a:lnRef>
+          <a:fillRef idx="3">
+            <a:schemeClr val="accent1"/>
+          </a:fillRef>
+          <a:effectRef idx="2">
+            <a:schemeClr val="accent1"/>
+          </a:effectRef>
+          <a:fontRef idx="minor">
+            <a:schemeClr val="lt1"/>
+          </a:fontRef>
+        </p:style>
+      </p:sp>
+      <p:sp>
+        <p:nvSpPr>
+          <p:cNvPr id="4" name="Rectangle 3"/>
+          <p:cNvSpPr/>
+          <p:nvPr/>
+        </p:nvSpPr>
+        <p:spPr>
+          <a:xfrm>
+            <a:off x="5568906" y="3733581"/>
+            <a:ext cx="203033" cy="222548"/>
+          </a:xfrm>
+          <a:prstGeom prst="rect">
+            <a:avLst/>
+          </a:prstGeom>
+          <a:noFill/>
+          <a:ln>
+            <a:solidFill>
+              <a:schemeClr val="tx1"/>
+            </a:solidFill>
+          </a:ln>
+          <a:effectLst/>
+        </p:spPr>
+        <p:style>
+          <a:lnRef idx="1">
+            <a:schemeClr val="accent1"/>
+          </a:lnRef>
+          <a:fillRef idx="3">
+            <a:schemeClr val="accent1"/>
+          </a:fillRef>
+          <a:effectRef idx="2">
+            <a:schemeClr val="accent1"/>
+          </a:effectRef>
+          <a:fontRef idx="minor">
+            <a:schemeClr val="lt1"/>
+          </a:fontRef>
+        </p:style>
+      </p:sp>
+      <p:sp>
+        <p:nvSpPr>
+          <p:cNvPr id="5" name="Rectangle 4"/>
+          <p:cNvSpPr/>
+          <p:nvPr/>
+        </p:nvSpPr>
+        <p:spPr>
+          <a:xfrm>
+            <a:off x="6905316" y="3733581"/>
+            <a:ext cx="203033" cy="222548"/>
+          </a:xfrm>
+          <a:prstGeom prst="rect">
+            <a:avLst/>
+          </a:prstGeom>
+          <a:noFill/>
+          <a:ln>
+            <a:solidFill>
+              <a:schemeClr val="tx1"/>
+            </a:solidFill>
+          </a:ln>
+          <a:effectLst/>
+        </p:spPr>
+        <p:style>
+          <a:lnRef idx="1">
+            <a:schemeClr val="accent1"/>
+          </a:lnRef>
+          <a:fillRef idx="3">
+            <a:schemeClr val="accent1"/>
+          </a:fillRef>
+          <a:effectRef idx="2">
+            <a:schemeClr val="accent1"/>
+          </a:effectRef>
+          <a:fontRef idx="minor">
+            <a:schemeClr val="lt1"/>
+          </a:fontRef>
+        </p:style>
+      </p:sp>
+      <p:sp>
+        <p:nvSpPr>
+          <p:cNvPr id="6" name="Rectangle 5"/>
+          <p:cNvSpPr/>
+          <p:nvPr/>
+        </p:nvSpPr>
+        <p:spPr>
+          <a:xfrm>
+            <a:off x="5486400" y="6276189"/>
+            <a:ext cx="1702397" cy="358999"/>
+          </a:xfrm>
+          <a:prstGeom prst="rect">
+            <a:avLst/>
+          </a:prstGeom>
+          <a:solidFill>
+            <a:schemeClr val="bg1"/>
+          </a:solidFill>
+          <a:ln>
+            <a:solidFill>
+              <a:schemeClr val="tx1"/>
+            </a:solidFill>
+          </a:ln>
+          <a:effectLst/>
+        </p:spPr>
+        <p:style>
+          <a:lnRef idx="1">
+            <a:schemeClr val="accent1"/>
+          </a:lnRef>
+          <a:fillRef idx="3">
+            <a:schemeClr val="accent1"/>
+          </a:fillRef>
+          <a:effectRef idx="2">
+            <a:schemeClr val="accent1"/>
+          </a:effectRef>
+          <a:fontRef idx="minor">
+            <a:schemeClr val="lt1"/>
+          </a:fontRef>
+        </p:style>
+      </p:sp>
+      <p:cxnSp>
+        <p:nvCxnSpPr>
+          <p:cNvPr id="7" name="Straight Connector 6"/>
+          <p:cNvCxnSpPr/>
+          <p:nvPr/>
+        </p:nvCxnSpPr>
+        <p:spPr>
+          <a:xfrm rot="5400000">
+            <a:off x="6182715" y="6455689"/>
+            <a:ext cx="358999" cy="1588"/>
+          </a:xfrm>
+          <a:prstGeom prst="line">
+            <a:avLst/>
+          </a:prstGeom>
+          <a:ln w="9525">
+            <a:solidFill>
+              <a:schemeClr val="tx1"/>
+            </a:solidFill>
+          </a:ln>
+          <a:effectLst/>
+        </p:spPr>
+        <p:style>
+          <a:lnRef idx="2">
+            <a:schemeClr val="accent1"/>
+          </a:lnRef>
+          <a:fillRef idx="0">
+            <a:schemeClr val="accent1"/>
+          </a:fillRef>
+          <a:effectRef idx="1">
+            <a:schemeClr val="accent1"/>
+          </a:effectRef>
+          <a:fontRef idx="minor">
+            <a:schemeClr val="tx1"/>
+          </a:fontRef>
+        </p:style>
+      </p:cxnSp>
+      <p:cxnSp>
+        <p:nvCxnSpPr>
+          <p:cNvPr id="8" name="Straight Connector 7"/>
+          <p:cNvCxnSpPr/>
+          <p:nvPr/>
+        </p:nvCxnSpPr>
+        <p:spPr>
+          <a:xfrm rot="5400000">
+            <a:off x="6605695" y="6450650"/>
+            <a:ext cx="358999" cy="1588"/>
+          </a:xfrm>
+          <a:prstGeom prst="line">
+            <a:avLst/>
+          </a:prstGeom>
+          <a:ln w="9525">
+            <a:solidFill>
+              <a:schemeClr val="tx1"/>
+            </a:solidFill>
+          </a:ln>
+          <a:effectLst/>
+        </p:spPr>
+        <p:style>
+          <a:lnRef idx="2">
+            <a:schemeClr val="accent1"/>
+          </a:lnRef>
+          <a:fillRef idx="0">
+            <a:schemeClr val="accent1"/>
+          </a:fillRef>
+          <a:effectRef idx="1">
+            <a:schemeClr val="accent1"/>
+          </a:effectRef>
+          <a:fontRef idx="minor">
+            <a:schemeClr val="tx1"/>
+          </a:fontRef>
+        </p:style>
+      </p:cxnSp>
+      <p:cxnSp>
+        <p:nvCxnSpPr>
+          <p:cNvPr id="9" name="Straight Connector 8"/>
+          <p:cNvCxnSpPr/>
+          <p:nvPr/>
+        </p:nvCxnSpPr>
+        <p:spPr>
+          <a:xfrm rot="5400000">
+            <a:off x="5725515" y="6455690"/>
+            <a:ext cx="358999" cy="1588"/>
+          </a:xfrm>
+          <a:prstGeom prst="line">
+            <a:avLst/>
+          </a:prstGeom>
+          <a:ln w="9525">
+            <a:solidFill>
+              <a:schemeClr val="tx1"/>
+            </a:solidFill>
+          </a:ln>
+          <a:effectLst/>
+        </p:spPr>
+        <p:style>
+          <a:lnRef idx="2">
+            <a:schemeClr val="accent1"/>
+          </a:lnRef>
+          <a:fillRef idx="0">
+            <a:schemeClr val="accent1"/>
+          </a:fillRef>
+          <a:effectRef idx="1">
+            <a:schemeClr val="accent1"/>
+          </a:effectRef>
+          <a:fontRef idx="minor">
+            <a:schemeClr val="tx1"/>
+          </a:fontRef>
+        </p:style>
+      </p:cxnSp>
+      <p:pic>
+        <p:nvPicPr>
+          <p:cNvPr id="10" name="Picture 9"/>
+          <p:cNvPicPr>
+            <a:picLocks noChangeAspect="1"/>
+          </p:cNvPicPr>
+          <p:nvPr/>
+        </p:nvPicPr>
+        <p:blipFill>
+          <a:blip r:embed="rId2"/>
+          <a:stretch>
+            <a:fillRect/>
+          </a:stretch>
+        </p:blipFill>
+        <p:spPr>
+          <a:xfrm>
+            <a:off x="6857999" y="6325754"/>
+            <a:ext cx="279808" cy="279808"/>
+          </a:xfrm>
+          <a:prstGeom prst="rect">
+            <a:avLst/>
+          </a:prstGeom>
+        </p:spPr>
+      </p:pic>
+      <p:pic>
+        <p:nvPicPr>
+          <p:cNvPr id="11" name="Picture 10"/>
+          <p:cNvPicPr>
+            <a:picLocks noChangeAspect="1"/>
+          </p:cNvPicPr>
+          <p:nvPr/>
+        </p:nvPicPr>
+        <p:blipFill>
+          <a:blip r:embed="rId3"/>
+          <a:stretch>
+            <a:fillRect/>
+          </a:stretch>
+        </p:blipFill>
+        <p:spPr>
+          <a:xfrm>
+            <a:off x="5587178" y="6346746"/>
+            <a:ext cx="216246" cy="223094"/>
+          </a:xfrm>
+          <a:prstGeom prst="rect">
+            <a:avLst/>
+          </a:prstGeom>
+        </p:spPr>
+      </p:pic>
     </p:spTree>
   </p:cSld>
   <p:clrMapOvr>
